--- a/docs/assets/misc/images.pptx
+++ b/docs/assets/misc/images.pptx
@@ -6,6 +6,7 @@
   </p:sldMasterIdLst>
   <p:sldIdLst>
     <p:sldId id="256" r:id="rId3"/>
+    <p:sldId id="257" r:id="rId4"/>
   </p:sldIdLst>
   <p:sldSz cx="10080625" cy="5670550"/>
   <p:notesSz cx="7772400" cy="10058400"/>
@@ -53,7 +54,7 @@
       </p:grpSpPr>
       <p:sp>
         <p:nvSpPr>
-          <p:cNvPr id="26" name="PlaceHolder 1"/>
+          <p:cNvPr id="22" name="PlaceHolder 1"/>
           <p:cNvSpPr>
             <a:spLocks noGrp="1"/>
           </p:cNvSpPr>
@@ -64,7 +65,7 @@
         <p:spPr>
           <a:xfrm>
             <a:off x="504000" y="226080"/>
-            <a:ext cx="9071640" cy="946440"/>
+            <a:ext cx="9071280" cy="946080"/>
           </a:xfrm>
           <a:prstGeom prst="rect">
             <a:avLst/>
@@ -84,7 +85,7 @@
       </p:sp>
       <p:sp>
         <p:nvSpPr>
-          <p:cNvPr id="27" name="PlaceHolder 2"/>
+          <p:cNvPr id="23" name="PlaceHolder 2"/>
           <p:cNvSpPr>
             <a:spLocks noGrp="1"/>
           </p:cNvSpPr>
@@ -95,7 +96,7 @@
         <p:spPr>
           <a:xfrm>
             <a:off x="504000" y="1326600"/>
-            <a:ext cx="9071640" cy="1568160"/>
+            <a:ext cx="9072000" cy="1568520"/>
           </a:xfrm>
           <a:prstGeom prst="rect">
             <a:avLst/>
@@ -114,7 +115,7 @@
       </p:sp>
       <p:sp>
         <p:nvSpPr>
-          <p:cNvPr id="28" name="PlaceHolder 3"/>
+          <p:cNvPr id="24" name="PlaceHolder 3"/>
           <p:cNvSpPr>
             <a:spLocks noGrp="1"/>
           </p:cNvSpPr>
@@ -124,8 +125,8 @@
         </p:nvSpPr>
         <p:spPr>
           <a:xfrm>
-            <a:off x="504000" y="3044160"/>
-            <a:ext cx="9071640" cy="1568160"/>
+            <a:off x="504000" y="3044520"/>
+            <a:ext cx="9072000" cy="1568520"/>
           </a:xfrm>
           <a:prstGeom prst="rect">
             <a:avLst/>
@@ -166,7 +167,7 @@
       </p:grpSpPr>
       <p:sp>
         <p:nvSpPr>
-          <p:cNvPr id="29" name="PlaceHolder 1"/>
+          <p:cNvPr id="25" name="PlaceHolder 1"/>
           <p:cNvSpPr>
             <a:spLocks noGrp="1"/>
           </p:cNvSpPr>
@@ -177,7 +178,7 @@
         <p:spPr>
           <a:xfrm>
             <a:off x="504000" y="226080"/>
-            <a:ext cx="9071640" cy="946440"/>
+            <a:ext cx="9071280" cy="946080"/>
           </a:xfrm>
           <a:prstGeom prst="rect">
             <a:avLst/>
@@ -197,7 +198,7 @@
       </p:sp>
       <p:sp>
         <p:nvSpPr>
-          <p:cNvPr id="30" name="PlaceHolder 2"/>
+          <p:cNvPr id="26" name="PlaceHolder 2"/>
           <p:cNvSpPr>
             <a:spLocks noGrp="1"/>
           </p:cNvSpPr>
@@ -208,7 +209,7 @@
         <p:spPr>
           <a:xfrm>
             <a:off x="504000" y="1326600"/>
-            <a:ext cx="4426920" cy="1568160"/>
+            <a:ext cx="4426920" cy="1568520"/>
           </a:xfrm>
           <a:prstGeom prst="rect">
             <a:avLst/>
@@ -227,7 +228,7 @@
       </p:sp>
       <p:sp>
         <p:nvSpPr>
-          <p:cNvPr id="31" name="PlaceHolder 3"/>
+          <p:cNvPr id="27" name="PlaceHolder 3"/>
           <p:cNvSpPr>
             <a:spLocks noGrp="1"/>
           </p:cNvSpPr>
@@ -238,7 +239,7 @@
         <p:spPr>
           <a:xfrm>
             <a:off x="5152680" y="1326600"/>
-            <a:ext cx="4426920" cy="1568160"/>
+            <a:ext cx="4426920" cy="1568520"/>
           </a:xfrm>
           <a:prstGeom prst="rect">
             <a:avLst/>
@@ -257,7 +258,7 @@
       </p:sp>
       <p:sp>
         <p:nvSpPr>
-          <p:cNvPr id="32" name="PlaceHolder 4"/>
+          <p:cNvPr id="28" name="PlaceHolder 4"/>
           <p:cNvSpPr>
             <a:spLocks noGrp="1"/>
           </p:cNvSpPr>
@@ -267,8 +268,8 @@
         </p:nvSpPr>
         <p:spPr>
           <a:xfrm>
-            <a:off x="504000" y="3044160"/>
-            <a:ext cx="4426920" cy="1568160"/>
+            <a:off x="504000" y="3044520"/>
+            <a:ext cx="4426920" cy="1568520"/>
           </a:xfrm>
           <a:prstGeom prst="rect">
             <a:avLst/>
@@ -287,7 +288,7 @@
       </p:sp>
       <p:sp>
         <p:nvSpPr>
-          <p:cNvPr id="33" name="PlaceHolder 5"/>
+          <p:cNvPr id="29" name="PlaceHolder 5"/>
           <p:cNvSpPr>
             <a:spLocks noGrp="1"/>
           </p:cNvSpPr>
@@ -297,8 +298,8 @@
         </p:nvSpPr>
         <p:spPr>
           <a:xfrm>
-            <a:off x="5152680" y="3044160"/>
-            <a:ext cx="4426920" cy="1568160"/>
+            <a:off x="5152680" y="3044520"/>
+            <a:ext cx="4426920" cy="1568520"/>
           </a:xfrm>
           <a:prstGeom prst="rect">
             <a:avLst/>
@@ -339,7 +340,7 @@
       </p:grpSpPr>
       <p:sp>
         <p:nvSpPr>
-          <p:cNvPr id="34" name="PlaceHolder 1"/>
+          <p:cNvPr id="30" name="PlaceHolder 1"/>
           <p:cNvSpPr>
             <a:spLocks noGrp="1"/>
           </p:cNvSpPr>
@@ -350,7 +351,7 @@
         <p:spPr>
           <a:xfrm>
             <a:off x="504000" y="226080"/>
-            <a:ext cx="9071640" cy="946440"/>
+            <a:ext cx="9071280" cy="946080"/>
           </a:xfrm>
           <a:prstGeom prst="rect">
             <a:avLst/>
@@ -370,7 +371,7 @@
       </p:sp>
       <p:sp>
         <p:nvSpPr>
-          <p:cNvPr id="35" name="PlaceHolder 2"/>
+          <p:cNvPr id="31" name="PlaceHolder 2"/>
           <p:cNvSpPr>
             <a:spLocks noGrp="1"/>
           </p:cNvSpPr>
@@ -381,7 +382,7 @@
         <p:spPr>
           <a:xfrm>
             <a:off x="504000" y="1326600"/>
-            <a:ext cx="2920680" cy="1568160"/>
+            <a:ext cx="2921040" cy="1568520"/>
           </a:xfrm>
           <a:prstGeom prst="rect">
             <a:avLst/>
@@ -400,7 +401,7 @@
       </p:sp>
       <p:sp>
         <p:nvSpPr>
-          <p:cNvPr id="36" name="PlaceHolder 3"/>
+          <p:cNvPr id="32" name="PlaceHolder 3"/>
           <p:cNvSpPr>
             <a:spLocks noGrp="1"/>
           </p:cNvSpPr>
@@ -410,8 +411,8 @@
         </p:nvSpPr>
         <p:spPr>
           <a:xfrm>
-            <a:off x="3571200" y="1326600"/>
-            <a:ext cx="2920680" cy="1568160"/>
+            <a:off x="3571560" y="1326600"/>
+            <a:ext cx="2921040" cy="1568520"/>
           </a:xfrm>
           <a:prstGeom prst="rect">
             <a:avLst/>
@@ -430,7 +431,7 @@
       </p:sp>
       <p:sp>
         <p:nvSpPr>
-          <p:cNvPr id="37" name="PlaceHolder 4"/>
+          <p:cNvPr id="33" name="PlaceHolder 4"/>
           <p:cNvSpPr>
             <a:spLocks noGrp="1"/>
           </p:cNvSpPr>
@@ -440,8 +441,8 @@
         </p:nvSpPr>
         <p:spPr>
           <a:xfrm>
-            <a:off x="6638040" y="1326600"/>
-            <a:ext cx="2920680" cy="1568160"/>
+            <a:off x="6639120" y="1326600"/>
+            <a:ext cx="2921040" cy="1568520"/>
           </a:xfrm>
           <a:prstGeom prst="rect">
             <a:avLst/>
@@ -460,7 +461,7 @@
       </p:sp>
       <p:sp>
         <p:nvSpPr>
-          <p:cNvPr id="38" name="PlaceHolder 5"/>
+          <p:cNvPr id="34" name="PlaceHolder 5"/>
           <p:cNvSpPr>
             <a:spLocks noGrp="1"/>
           </p:cNvSpPr>
@@ -470,8 +471,8 @@
         </p:nvSpPr>
         <p:spPr>
           <a:xfrm>
-            <a:off x="504000" y="3044160"/>
-            <a:ext cx="2920680" cy="1568160"/>
+            <a:off x="504000" y="3044520"/>
+            <a:ext cx="2921040" cy="1568520"/>
           </a:xfrm>
           <a:prstGeom prst="rect">
             <a:avLst/>
@@ -490,7 +491,7 @@
       </p:sp>
       <p:sp>
         <p:nvSpPr>
-          <p:cNvPr id="39" name="PlaceHolder 6"/>
+          <p:cNvPr id="35" name="PlaceHolder 6"/>
           <p:cNvSpPr>
             <a:spLocks noGrp="1"/>
           </p:cNvSpPr>
@@ -500,8 +501,8 @@
         </p:nvSpPr>
         <p:spPr>
           <a:xfrm>
-            <a:off x="3571200" y="3044160"/>
-            <a:ext cx="2920680" cy="1568160"/>
+            <a:off x="3571560" y="3044520"/>
+            <a:ext cx="2921040" cy="1568520"/>
           </a:xfrm>
           <a:prstGeom prst="rect">
             <a:avLst/>
@@ -520,7 +521,7 @@
       </p:sp>
       <p:sp>
         <p:nvSpPr>
-          <p:cNvPr id="40" name="PlaceHolder 7"/>
+          <p:cNvPr id="36" name="PlaceHolder 7"/>
           <p:cNvSpPr>
             <a:spLocks noGrp="1"/>
           </p:cNvSpPr>
@@ -530,8 +531,8 @@
         </p:nvSpPr>
         <p:spPr>
           <a:xfrm>
-            <a:off x="6638040" y="3044160"/>
-            <a:ext cx="2920680" cy="1568160"/>
+            <a:off x="6639120" y="3044520"/>
+            <a:ext cx="2921040" cy="1568520"/>
           </a:xfrm>
           <a:prstGeom prst="rect">
             <a:avLst/>
@@ -572,7 +573,7 @@
       </p:grpSpPr>
       <p:sp>
         <p:nvSpPr>
-          <p:cNvPr id="5" name="PlaceHolder 1"/>
+          <p:cNvPr id="1" name="PlaceHolder 1"/>
           <p:cNvSpPr>
             <a:spLocks noGrp="1"/>
           </p:cNvSpPr>
@@ -583,7 +584,7 @@
         <p:spPr>
           <a:xfrm>
             <a:off x="504000" y="226080"/>
-            <a:ext cx="9071640" cy="946440"/>
+            <a:ext cx="9071280" cy="946080"/>
           </a:xfrm>
           <a:prstGeom prst="rect">
             <a:avLst/>
@@ -603,7 +604,7 @@
       </p:sp>
       <p:sp>
         <p:nvSpPr>
-          <p:cNvPr id="6" name="PlaceHolder 2"/>
+          <p:cNvPr id="2" name="PlaceHolder 2"/>
           <p:cNvSpPr>
             <a:spLocks noGrp="1"/>
           </p:cNvSpPr>
@@ -614,7 +615,7 @@
         <p:spPr>
           <a:xfrm>
             <a:off x="504000" y="1326600"/>
-            <a:ext cx="9071640" cy="3288240"/>
+            <a:ext cx="9072000" cy="3288600"/>
           </a:xfrm>
           <a:prstGeom prst="rect">
             <a:avLst/>
@@ -656,7 +657,7 @@
       </p:grpSpPr>
       <p:sp>
         <p:nvSpPr>
-          <p:cNvPr id="7" name="PlaceHolder 1"/>
+          <p:cNvPr id="3" name="PlaceHolder 1"/>
           <p:cNvSpPr>
             <a:spLocks noGrp="1"/>
           </p:cNvSpPr>
@@ -667,7 +668,7 @@
         <p:spPr>
           <a:xfrm>
             <a:off x="504000" y="226080"/>
-            <a:ext cx="9071640" cy="946440"/>
+            <a:ext cx="9071280" cy="946080"/>
           </a:xfrm>
           <a:prstGeom prst="rect">
             <a:avLst/>
@@ -687,7 +688,7 @@
       </p:sp>
       <p:sp>
         <p:nvSpPr>
-          <p:cNvPr id="8" name="PlaceHolder 2"/>
+          <p:cNvPr id="4" name="PlaceHolder 2"/>
           <p:cNvSpPr>
             <a:spLocks noGrp="1"/>
           </p:cNvSpPr>
@@ -698,7 +699,7 @@
         <p:spPr>
           <a:xfrm>
             <a:off x="504000" y="1326600"/>
-            <a:ext cx="9071640" cy="3288240"/>
+            <a:ext cx="9072000" cy="3288600"/>
           </a:xfrm>
           <a:prstGeom prst="rect">
             <a:avLst/>
@@ -739,7 +740,7 @@
       </p:grpSpPr>
       <p:sp>
         <p:nvSpPr>
-          <p:cNvPr id="9" name="PlaceHolder 1"/>
+          <p:cNvPr id="5" name="PlaceHolder 1"/>
           <p:cNvSpPr>
             <a:spLocks noGrp="1"/>
           </p:cNvSpPr>
@@ -750,7 +751,7 @@
         <p:spPr>
           <a:xfrm>
             <a:off x="504000" y="226080"/>
-            <a:ext cx="9071640" cy="946440"/>
+            <a:ext cx="9071280" cy="946080"/>
           </a:xfrm>
           <a:prstGeom prst="rect">
             <a:avLst/>
@@ -770,7 +771,7 @@
       </p:sp>
       <p:sp>
         <p:nvSpPr>
-          <p:cNvPr id="10" name="PlaceHolder 2"/>
+          <p:cNvPr id="6" name="PlaceHolder 2"/>
           <p:cNvSpPr>
             <a:spLocks noGrp="1"/>
           </p:cNvSpPr>
@@ -781,7 +782,7 @@
         <p:spPr>
           <a:xfrm>
             <a:off x="504000" y="1326600"/>
-            <a:ext cx="4426920" cy="3288240"/>
+            <a:ext cx="4426920" cy="3288600"/>
           </a:xfrm>
           <a:prstGeom prst="rect">
             <a:avLst/>
@@ -800,7 +801,7 @@
       </p:sp>
       <p:sp>
         <p:nvSpPr>
-          <p:cNvPr id="11" name="PlaceHolder 3"/>
+          <p:cNvPr id="7" name="PlaceHolder 3"/>
           <p:cNvSpPr>
             <a:spLocks noGrp="1"/>
           </p:cNvSpPr>
@@ -811,7 +812,7 @@
         <p:spPr>
           <a:xfrm>
             <a:off x="5152680" y="1326600"/>
-            <a:ext cx="4426920" cy="3288240"/>
+            <a:ext cx="4426920" cy="3288600"/>
           </a:xfrm>
           <a:prstGeom prst="rect">
             <a:avLst/>
@@ -852,7 +853,7 @@
       </p:grpSpPr>
       <p:sp>
         <p:nvSpPr>
-          <p:cNvPr id="12" name="PlaceHolder 1"/>
+          <p:cNvPr id="8" name="PlaceHolder 1"/>
           <p:cNvSpPr>
             <a:spLocks noGrp="1"/>
           </p:cNvSpPr>
@@ -863,7 +864,7 @@
         <p:spPr>
           <a:xfrm>
             <a:off x="504000" y="226080"/>
-            <a:ext cx="9071640" cy="946440"/>
+            <a:ext cx="9071280" cy="946080"/>
           </a:xfrm>
           <a:prstGeom prst="rect">
             <a:avLst/>
@@ -905,7 +906,7 @@
       </p:grpSpPr>
       <p:sp>
         <p:nvSpPr>
-          <p:cNvPr id="13" name="PlaceHolder 1"/>
+          <p:cNvPr id="9" name="PlaceHolder 1"/>
           <p:cNvSpPr>
             <a:spLocks noGrp="1"/>
           </p:cNvSpPr>
@@ -916,7 +917,7 @@
         <p:spPr>
           <a:xfrm>
             <a:off x="504000" y="226080"/>
-            <a:ext cx="9071640" cy="4388400"/>
+            <a:ext cx="9071280" cy="4386600"/>
           </a:xfrm>
           <a:prstGeom prst="rect">
             <a:avLst/>
@@ -958,7 +959,7 @@
       </p:grpSpPr>
       <p:sp>
         <p:nvSpPr>
-          <p:cNvPr id="14" name="PlaceHolder 1"/>
+          <p:cNvPr id="10" name="PlaceHolder 1"/>
           <p:cNvSpPr>
             <a:spLocks noGrp="1"/>
           </p:cNvSpPr>
@@ -969,7 +970,7 @@
         <p:spPr>
           <a:xfrm>
             <a:off x="504000" y="226080"/>
-            <a:ext cx="9071640" cy="946440"/>
+            <a:ext cx="9071280" cy="946080"/>
           </a:xfrm>
           <a:prstGeom prst="rect">
             <a:avLst/>
@@ -989,7 +990,7 @@
       </p:sp>
       <p:sp>
         <p:nvSpPr>
-          <p:cNvPr id="15" name="PlaceHolder 2"/>
+          <p:cNvPr id="11" name="PlaceHolder 2"/>
           <p:cNvSpPr>
             <a:spLocks noGrp="1"/>
           </p:cNvSpPr>
@@ -1000,7 +1001,7 @@
         <p:spPr>
           <a:xfrm>
             <a:off x="504000" y="1326600"/>
-            <a:ext cx="4426920" cy="1568160"/>
+            <a:ext cx="4426920" cy="1568520"/>
           </a:xfrm>
           <a:prstGeom prst="rect">
             <a:avLst/>
@@ -1019,7 +1020,7 @@
       </p:sp>
       <p:sp>
         <p:nvSpPr>
-          <p:cNvPr id="16" name="PlaceHolder 3"/>
+          <p:cNvPr id="12" name="PlaceHolder 3"/>
           <p:cNvSpPr>
             <a:spLocks noGrp="1"/>
           </p:cNvSpPr>
@@ -1030,7 +1031,7 @@
         <p:spPr>
           <a:xfrm>
             <a:off x="5152680" y="1326600"/>
-            <a:ext cx="4426920" cy="3288240"/>
+            <a:ext cx="4426920" cy="3288600"/>
           </a:xfrm>
           <a:prstGeom prst="rect">
             <a:avLst/>
@@ -1049,7 +1050,7 @@
       </p:sp>
       <p:sp>
         <p:nvSpPr>
-          <p:cNvPr id="17" name="PlaceHolder 4"/>
+          <p:cNvPr id="13" name="PlaceHolder 4"/>
           <p:cNvSpPr>
             <a:spLocks noGrp="1"/>
           </p:cNvSpPr>
@@ -1059,8 +1060,8 @@
         </p:nvSpPr>
         <p:spPr>
           <a:xfrm>
-            <a:off x="504000" y="3044160"/>
-            <a:ext cx="4426920" cy="1568160"/>
+            <a:off x="504000" y="3044520"/>
+            <a:ext cx="4426920" cy="1568520"/>
           </a:xfrm>
           <a:prstGeom prst="rect">
             <a:avLst/>
@@ -1101,7 +1102,7 @@
       </p:grpSpPr>
       <p:sp>
         <p:nvSpPr>
-          <p:cNvPr id="18" name="PlaceHolder 1"/>
+          <p:cNvPr id="14" name="PlaceHolder 1"/>
           <p:cNvSpPr>
             <a:spLocks noGrp="1"/>
           </p:cNvSpPr>
@@ -1112,7 +1113,7 @@
         <p:spPr>
           <a:xfrm>
             <a:off x="504000" y="226080"/>
-            <a:ext cx="9071640" cy="946440"/>
+            <a:ext cx="9071280" cy="946080"/>
           </a:xfrm>
           <a:prstGeom prst="rect">
             <a:avLst/>
@@ -1132,7 +1133,7 @@
       </p:sp>
       <p:sp>
         <p:nvSpPr>
-          <p:cNvPr id="19" name="PlaceHolder 2"/>
+          <p:cNvPr id="15" name="PlaceHolder 2"/>
           <p:cNvSpPr>
             <a:spLocks noGrp="1"/>
           </p:cNvSpPr>
@@ -1143,7 +1144,7 @@
         <p:spPr>
           <a:xfrm>
             <a:off x="504000" y="1326600"/>
-            <a:ext cx="4426920" cy="3288240"/>
+            <a:ext cx="4426920" cy="3288600"/>
           </a:xfrm>
           <a:prstGeom prst="rect">
             <a:avLst/>
@@ -1162,7 +1163,7 @@
       </p:sp>
       <p:sp>
         <p:nvSpPr>
-          <p:cNvPr id="20" name="PlaceHolder 3"/>
+          <p:cNvPr id="16" name="PlaceHolder 3"/>
           <p:cNvSpPr>
             <a:spLocks noGrp="1"/>
           </p:cNvSpPr>
@@ -1173,7 +1174,7 @@
         <p:spPr>
           <a:xfrm>
             <a:off x="5152680" y="1326600"/>
-            <a:ext cx="4426920" cy="1568160"/>
+            <a:ext cx="4426920" cy="1568520"/>
           </a:xfrm>
           <a:prstGeom prst="rect">
             <a:avLst/>
@@ -1192,7 +1193,7 @@
       </p:sp>
       <p:sp>
         <p:nvSpPr>
-          <p:cNvPr id="21" name="PlaceHolder 4"/>
+          <p:cNvPr id="17" name="PlaceHolder 4"/>
           <p:cNvSpPr>
             <a:spLocks noGrp="1"/>
           </p:cNvSpPr>
@@ -1202,8 +1203,8 @@
         </p:nvSpPr>
         <p:spPr>
           <a:xfrm>
-            <a:off x="5152680" y="3044160"/>
-            <a:ext cx="4426920" cy="1568160"/>
+            <a:off x="5152680" y="3044520"/>
+            <a:ext cx="4426920" cy="1568520"/>
           </a:xfrm>
           <a:prstGeom prst="rect">
             <a:avLst/>
@@ -1244,7 +1245,7 @@
       </p:grpSpPr>
       <p:sp>
         <p:nvSpPr>
-          <p:cNvPr id="22" name="PlaceHolder 1"/>
+          <p:cNvPr id="18" name="PlaceHolder 1"/>
           <p:cNvSpPr>
             <a:spLocks noGrp="1"/>
           </p:cNvSpPr>
@@ -1255,7 +1256,7 @@
         <p:spPr>
           <a:xfrm>
             <a:off x="504000" y="226080"/>
-            <a:ext cx="9071640" cy="946440"/>
+            <a:ext cx="9071280" cy="946080"/>
           </a:xfrm>
           <a:prstGeom prst="rect">
             <a:avLst/>
@@ -1275,7 +1276,7 @@
       </p:sp>
       <p:sp>
         <p:nvSpPr>
-          <p:cNvPr id="23" name="PlaceHolder 2"/>
+          <p:cNvPr id="19" name="PlaceHolder 2"/>
           <p:cNvSpPr>
             <a:spLocks noGrp="1"/>
           </p:cNvSpPr>
@@ -1286,7 +1287,7 @@
         <p:spPr>
           <a:xfrm>
             <a:off x="504000" y="1326600"/>
-            <a:ext cx="4426920" cy="1568160"/>
+            <a:ext cx="4426920" cy="1568520"/>
           </a:xfrm>
           <a:prstGeom prst="rect">
             <a:avLst/>
@@ -1305,7 +1306,7 @@
       </p:sp>
       <p:sp>
         <p:nvSpPr>
-          <p:cNvPr id="24" name="PlaceHolder 3"/>
+          <p:cNvPr id="20" name="PlaceHolder 3"/>
           <p:cNvSpPr>
             <a:spLocks noGrp="1"/>
           </p:cNvSpPr>
@@ -1316,7 +1317,7 @@
         <p:spPr>
           <a:xfrm>
             <a:off x="5152680" y="1326600"/>
-            <a:ext cx="4426920" cy="1568160"/>
+            <a:ext cx="4426920" cy="1568520"/>
           </a:xfrm>
           <a:prstGeom prst="rect">
             <a:avLst/>
@@ -1335,7 +1336,7 @@
       </p:sp>
       <p:sp>
         <p:nvSpPr>
-          <p:cNvPr id="25" name="PlaceHolder 4"/>
+          <p:cNvPr id="21" name="PlaceHolder 4"/>
           <p:cNvSpPr>
             <a:spLocks noGrp="1"/>
           </p:cNvSpPr>
@@ -1345,8 +1346,8 @@
         </p:nvSpPr>
         <p:spPr>
           <a:xfrm>
-            <a:off x="504000" y="3044160"/>
-            <a:ext cx="9071640" cy="1568160"/>
+            <a:off x="504000" y="3044520"/>
+            <a:ext cx="9072000" cy="1568520"/>
           </a:xfrm>
           <a:prstGeom prst="rect">
             <a:avLst/>
@@ -1398,7 +1399,7 @@
         <p:spPr>
           <a:xfrm>
             <a:off x="504000" y="226080"/>
-            <a:ext cx="9071640" cy="946440"/>
+            <a:ext cx="9071280" cy="946080"/>
           </a:xfrm>
           <a:prstGeom prst="rect">
             <a:avLst/>
@@ -1411,302 +1412,13 @@
           <a:p>
             <a:pPr algn="ctr"/>
             <a:r>
-              <a:rPr b="0" lang="en-US" sz="4400" spc="-1" strike="noStrike">
+              <a:rPr b="0" lang="en-US" sz="1800" spc="-1" strike="noStrike">
                 <a:latin typeface="Arial"/>
               </a:rPr>
               <a:t>Click to edit the title text format</a:t>
             </a:r>
-            <a:endParaRPr b="0" lang="en-US" sz="4400" spc="-1" strike="noStrike">
-              <a:latin typeface="Arial"/>
-            </a:endParaRPr>
-          </a:p>
-        </p:txBody>
-      </p:sp>
-      <p:sp>
-        <p:nvSpPr>
-          <p:cNvPr id="1" name="PlaceHolder 2"/>
-          <p:cNvSpPr>
-            <a:spLocks noGrp="1"/>
-          </p:cNvSpPr>
-          <p:nvPr>
-            <p:ph type="body"/>
-          </p:nvPr>
-        </p:nvSpPr>
-        <p:spPr>
-          <a:xfrm>
-            <a:off x="504000" y="1326600"/>
-            <a:ext cx="9071640" cy="3288240"/>
-          </a:xfrm>
-          <a:prstGeom prst="rect">
-            <a:avLst/>
-          </a:prstGeom>
-        </p:spPr>
-        <p:txBody>
-          <a:bodyPr lIns="0" rIns="0" tIns="0" bIns="0">
-            <a:normAutofit/>
-          </a:bodyPr>
-          <a:p>
-            <a:pPr marL="432000" indent="-324000">
-              <a:spcBef>
-                <a:spcPts val="1417"/>
-              </a:spcBef>
-              <a:buClr>
-                <a:srgbClr val="000000"/>
-              </a:buClr>
-              <a:buSzPct val="45000"/>
-              <a:buFont typeface="Wingdings" charset="2"/>
-              <a:buChar char=""/>
-            </a:pPr>
-            <a:r>
-              <a:rPr b="0" lang="en-US" sz="3200" spc="-1" strike="noStrike">
-                <a:latin typeface="Arial"/>
-              </a:rPr>
-              <a:t>Click to edit the outline text format</a:t>
-            </a:r>
-            <a:endParaRPr b="0" lang="en-US" sz="3200" spc="-1" strike="noStrike">
-              <a:latin typeface="Arial"/>
-            </a:endParaRPr>
-          </a:p>
-          <a:p>
-            <a:pPr lvl="1" marL="864000" indent="-324000">
-              <a:spcBef>
-                <a:spcPts val="1134"/>
-              </a:spcBef>
-              <a:buClr>
-                <a:srgbClr val="000000"/>
-              </a:buClr>
-              <a:buSzPct val="75000"/>
-              <a:buFont typeface="Symbol" charset="2"/>
-              <a:buChar char=""/>
-            </a:pPr>
-            <a:r>
-              <a:rPr b="0" lang="en-US" sz="2800" spc="-1" strike="noStrike">
-                <a:latin typeface="Arial"/>
-              </a:rPr>
-              <a:t>Second Outline Level</a:t>
-            </a:r>
-            <a:endParaRPr b="0" lang="en-US" sz="2800" spc="-1" strike="noStrike">
-              <a:latin typeface="Arial"/>
-            </a:endParaRPr>
-          </a:p>
-          <a:p>
-            <a:pPr lvl="2" marL="1296000" indent="-288000">
-              <a:spcBef>
-                <a:spcPts val="850"/>
-              </a:spcBef>
-              <a:buClr>
-                <a:srgbClr val="000000"/>
-              </a:buClr>
-              <a:buSzPct val="45000"/>
-              <a:buFont typeface="Wingdings" charset="2"/>
-              <a:buChar char=""/>
-            </a:pPr>
-            <a:r>
-              <a:rPr b="0" lang="en-US" sz="2400" spc="-1" strike="noStrike">
-                <a:latin typeface="Arial"/>
-              </a:rPr>
-              <a:t>Third Outline Level</a:t>
-            </a:r>
-            <a:endParaRPr b="0" lang="en-US" sz="2400" spc="-1" strike="noStrike">
-              <a:latin typeface="Arial"/>
-            </a:endParaRPr>
-          </a:p>
-          <a:p>
-            <a:pPr lvl="3" marL="1728000" indent="-216000">
-              <a:spcBef>
-                <a:spcPts val="567"/>
-              </a:spcBef>
-              <a:buClr>
-                <a:srgbClr val="000000"/>
-              </a:buClr>
-              <a:buSzPct val="75000"/>
-              <a:buFont typeface="Symbol" charset="2"/>
-              <a:buChar char=""/>
-            </a:pPr>
-            <a:r>
-              <a:rPr b="0" lang="en-US" sz="2000" spc="-1" strike="noStrike">
-                <a:latin typeface="Arial"/>
-              </a:rPr>
-              <a:t>Fourth Outline Level</a:t>
-            </a:r>
-            <a:endParaRPr b="0" lang="en-US" sz="2000" spc="-1" strike="noStrike">
-              <a:latin typeface="Arial"/>
-            </a:endParaRPr>
-          </a:p>
-          <a:p>
-            <a:pPr lvl="4" marL="2160000" indent="-216000">
-              <a:spcBef>
-                <a:spcPts val="283"/>
-              </a:spcBef>
-              <a:buClr>
-                <a:srgbClr val="000000"/>
-              </a:buClr>
-              <a:buSzPct val="45000"/>
-              <a:buFont typeface="Wingdings" charset="2"/>
-              <a:buChar char=""/>
-            </a:pPr>
-            <a:r>
-              <a:rPr b="0" lang="en-US" sz="2000" spc="-1" strike="noStrike">
-                <a:latin typeface="Arial"/>
-              </a:rPr>
-              <a:t>Fifth Outline Level</a:t>
-            </a:r>
-            <a:endParaRPr b="0" lang="en-US" sz="2000" spc="-1" strike="noStrike">
-              <a:latin typeface="Arial"/>
-            </a:endParaRPr>
-          </a:p>
-          <a:p>
-            <a:pPr lvl="5" marL="2592000" indent="-216000">
-              <a:spcBef>
-                <a:spcPts val="283"/>
-              </a:spcBef>
-              <a:buClr>
-                <a:srgbClr val="000000"/>
-              </a:buClr>
-              <a:buSzPct val="45000"/>
-              <a:buFont typeface="Wingdings" charset="2"/>
-              <a:buChar char=""/>
-            </a:pPr>
-            <a:r>
-              <a:rPr b="0" lang="en-US" sz="2000" spc="-1" strike="noStrike">
-                <a:latin typeface="Arial"/>
-              </a:rPr>
-              <a:t>Sixth Outline Level</a:t>
-            </a:r>
-            <a:endParaRPr b="0" lang="en-US" sz="2000" spc="-1" strike="noStrike">
-              <a:latin typeface="Arial"/>
-            </a:endParaRPr>
-          </a:p>
-          <a:p>
-            <a:pPr lvl="6" marL="3024000" indent="-216000">
-              <a:spcBef>
-                <a:spcPts val="283"/>
-              </a:spcBef>
-              <a:buClr>
-                <a:srgbClr val="000000"/>
-              </a:buClr>
-              <a:buSzPct val="45000"/>
-              <a:buFont typeface="Wingdings" charset="2"/>
-              <a:buChar char=""/>
-            </a:pPr>
-            <a:r>
-              <a:rPr b="0" lang="en-US" sz="2000" spc="-1" strike="noStrike">
-                <a:latin typeface="Arial"/>
-              </a:rPr>
-              <a:t>Seventh Outline Level</a:t>
-            </a:r>
-            <a:endParaRPr b="0" lang="en-US" sz="2000" spc="-1" strike="noStrike">
-              <a:latin typeface="Arial"/>
-            </a:endParaRPr>
-          </a:p>
-        </p:txBody>
-      </p:sp>
-      <p:sp>
-        <p:nvSpPr>
-          <p:cNvPr id="2" name="PlaceHolder 3"/>
-          <p:cNvSpPr>
-            <a:spLocks noGrp="1"/>
-          </p:cNvSpPr>
-          <p:nvPr>
-            <p:ph type="dt"/>
-          </p:nvPr>
-        </p:nvSpPr>
-        <p:spPr>
-          <a:xfrm>
-            <a:off x="504000" y="5165280"/>
-            <a:ext cx="2348280" cy="390600"/>
-          </a:xfrm>
-          <a:prstGeom prst="rect">
-            <a:avLst/>
-          </a:prstGeom>
-        </p:spPr>
-        <p:txBody>
-          <a:bodyPr lIns="0" rIns="0" tIns="0" bIns="0">
-            <a:noAutofit/>
-          </a:bodyPr>
-          <a:p>
-            <a:r>
-              <a:rPr b="0" lang="en-US" sz="1400" spc="-1" strike="noStrike">
-                <a:latin typeface="Times New Roman"/>
-              </a:rPr>
-              <a:t>&lt;date/time&gt;</a:t>
-            </a:r>
-            <a:endParaRPr b="0" lang="en-US" sz="1400" spc="-1" strike="noStrike">
-              <a:latin typeface="Times New Roman"/>
-            </a:endParaRPr>
-          </a:p>
-        </p:txBody>
-      </p:sp>
-      <p:sp>
-        <p:nvSpPr>
-          <p:cNvPr id="3" name="PlaceHolder 4"/>
-          <p:cNvSpPr>
-            <a:spLocks noGrp="1"/>
-          </p:cNvSpPr>
-          <p:nvPr>
-            <p:ph type="ftr"/>
-          </p:nvPr>
-        </p:nvSpPr>
-        <p:spPr>
-          <a:xfrm>
-            <a:off x="3447360" y="5165280"/>
-            <a:ext cx="3195000" cy="390600"/>
-          </a:xfrm>
-          <a:prstGeom prst="rect">
-            <a:avLst/>
-          </a:prstGeom>
-        </p:spPr>
-        <p:txBody>
-          <a:bodyPr lIns="0" rIns="0" tIns="0" bIns="0">
-            <a:noAutofit/>
-          </a:bodyPr>
-          <a:p>
-            <a:pPr algn="ctr"/>
-            <a:r>
-              <a:rPr b="0" lang="en-US" sz="1400" spc="-1" strike="noStrike">
-                <a:latin typeface="Times New Roman"/>
-              </a:rPr>
-              <a:t>&lt;footer&gt;</a:t>
-            </a:r>
-            <a:endParaRPr b="0" lang="en-US" sz="1400" spc="-1" strike="noStrike">
-              <a:latin typeface="Times New Roman"/>
-            </a:endParaRPr>
-          </a:p>
-        </p:txBody>
-      </p:sp>
-      <p:sp>
-        <p:nvSpPr>
-          <p:cNvPr id="4" name="PlaceHolder 5"/>
-          <p:cNvSpPr>
-            <a:spLocks noGrp="1"/>
-          </p:cNvSpPr>
-          <p:nvPr>
-            <p:ph type="sldNum"/>
-          </p:nvPr>
-        </p:nvSpPr>
-        <p:spPr>
-          <a:xfrm>
-            <a:off x="7227360" y="5165280"/>
-            <a:ext cx="2348280" cy="390600"/>
-          </a:xfrm>
-          <a:prstGeom prst="rect">
-            <a:avLst/>
-          </a:prstGeom>
-        </p:spPr>
-        <p:txBody>
-          <a:bodyPr lIns="0" rIns="0" tIns="0" bIns="0">
-            <a:noAutofit/>
-          </a:bodyPr>
-          <a:p>
-            <a:pPr algn="r"/>
-            <a:fld id="{717CAC26-E452-4423-9F09-3C15F0BCC7EF}" type="slidenum">
-              <a:rPr b="0" lang="en-US" sz="1400" spc="-1" strike="noStrike">
-                <a:latin typeface="Times New Roman"/>
-              </a:rPr>
-              <a:t>&lt;number&gt;</a:t>
-            </a:fld>
-            <a:endParaRPr b="0" lang="en-US" sz="1400" spc="-1" strike="noStrike">
-              <a:latin typeface="Times New Roman"/>
+            <a:endParaRPr b="0" lang="en-US" sz="1800" spc="-1" strike="noStrike">
+              <a:latin typeface="Arial"/>
             </a:endParaRPr>
           </a:p>
         </p:txBody>
@@ -1750,14 +1462,1066 @@
       </p:grpSpPr>
       <p:sp>
         <p:nvSpPr>
-          <p:cNvPr id="41" name="CustomShape 1"/>
+          <p:cNvPr id="37" name="CustomShape 1"/>
           <p:cNvSpPr/>
           <p:nvPr/>
         </p:nvSpPr>
         <p:spPr>
           <a:xfrm>
+            <a:off x="1463040" y="1097280"/>
+            <a:ext cx="1920240" cy="640080"/>
+          </a:xfrm>
+          <a:custGeom>
+            <a:avLst/>
+            <a:gdLst/>
+            <a:ahLst/>
+            <a:rect l="0" t="0" r="r" b="b"/>
+            <a:pathLst>
+              <a:path w="5336" h="1780">
+                <a:moveTo>
+                  <a:pt x="296" y="0"/>
+                </a:moveTo>
+                <a:lnTo>
+                  <a:pt x="297" y="0"/>
+                </a:lnTo>
+                <a:cubicBezTo>
+                  <a:pt x="244" y="0"/>
+                  <a:pt x="193" y="14"/>
+                  <a:pt x="148" y="40"/>
+                </a:cubicBezTo>
+                <a:cubicBezTo>
+                  <a:pt x="103" y="66"/>
+                  <a:pt x="66" y="103"/>
+                  <a:pt x="40" y="148"/>
+                </a:cubicBezTo>
+                <a:cubicBezTo>
+                  <a:pt x="14" y="193"/>
+                  <a:pt x="0" y="244"/>
+                  <a:pt x="0" y="297"/>
+                </a:cubicBezTo>
+                <a:lnTo>
+                  <a:pt x="0" y="1482"/>
+                </a:lnTo>
+                <a:lnTo>
+                  <a:pt x="0" y="1483"/>
+                </a:lnTo>
+                <a:cubicBezTo>
+                  <a:pt x="0" y="1535"/>
+                  <a:pt x="14" y="1586"/>
+                  <a:pt x="40" y="1631"/>
+                </a:cubicBezTo>
+                <a:cubicBezTo>
+                  <a:pt x="66" y="1676"/>
+                  <a:pt x="103" y="1713"/>
+                  <a:pt x="148" y="1739"/>
+                </a:cubicBezTo>
+                <a:cubicBezTo>
+                  <a:pt x="193" y="1765"/>
+                  <a:pt x="244" y="1779"/>
+                  <a:pt x="297" y="1779"/>
+                </a:cubicBezTo>
+                <a:lnTo>
+                  <a:pt x="5038" y="1779"/>
+                </a:lnTo>
+                <a:lnTo>
+                  <a:pt x="5039" y="1779"/>
+                </a:lnTo>
+                <a:cubicBezTo>
+                  <a:pt x="5091" y="1779"/>
+                  <a:pt x="5142" y="1765"/>
+                  <a:pt x="5187" y="1739"/>
+                </a:cubicBezTo>
+                <a:cubicBezTo>
+                  <a:pt x="5232" y="1713"/>
+                  <a:pt x="5269" y="1676"/>
+                  <a:pt x="5295" y="1631"/>
+                </a:cubicBezTo>
+                <a:cubicBezTo>
+                  <a:pt x="5321" y="1586"/>
+                  <a:pt x="5335" y="1535"/>
+                  <a:pt x="5335" y="1483"/>
+                </a:cubicBezTo>
+                <a:lnTo>
+                  <a:pt x="5335" y="296"/>
+                </a:lnTo>
+                <a:lnTo>
+                  <a:pt x="5335" y="297"/>
+                </a:lnTo>
+                <a:lnTo>
+                  <a:pt x="5335" y="297"/>
+                </a:lnTo>
+                <a:cubicBezTo>
+                  <a:pt x="5335" y="244"/>
+                  <a:pt x="5321" y="193"/>
+                  <a:pt x="5295" y="148"/>
+                </a:cubicBezTo>
+                <a:cubicBezTo>
+                  <a:pt x="5269" y="103"/>
+                  <a:pt x="5232" y="66"/>
+                  <a:pt x="5187" y="40"/>
+                </a:cubicBezTo>
+                <a:cubicBezTo>
+                  <a:pt x="5142" y="14"/>
+                  <a:pt x="5091" y="0"/>
+                  <a:pt x="5039" y="0"/>
+                </a:cubicBezTo>
+                <a:lnTo>
+                  <a:pt x="296" y="0"/>
+                </a:lnTo>
+              </a:path>
+            </a:pathLst>
+          </a:custGeom>
+          <a:solidFill>
+            <a:srgbClr val="eeeeee"/>
+          </a:solidFill>
+          <a:ln>
+            <a:solidFill>
+              <a:srgbClr val="3465a4"/>
+            </a:solidFill>
+          </a:ln>
+        </p:spPr>
+        <p:style>
+          <a:lnRef idx="0"/>
+          <a:fillRef idx="0"/>
+          <a:effectRef idx="0"/>
+          <a:fontRef idx="minor"/>
+        </p:style>
+        <p:txBody>
+          <a:bodyPr wrap="none" lIns="90000" rIns="90000" tIns="45000" bIns="45000" anchor="ctr">
+            <a:noAutofit/>
+          </a:bodyPr>
+          <a:p>
+            <a:pPr algn="ctr"/>
+            <a:r>
+              <a:rPr b="0" lang="en-US" sz="1800" spc="-1" strike="noStrike">
+                <a:latin typeface="Arial"/>
+              </a:rPr>
+              <a:t>PID Controller</a:t>
+            </a:r>
+            <a:endParaRPr b="0" lang="en-US" sz="1800" spc="-1" strike="noStrike">
+              <a:latin typeface="Arial"/>
+            </a:endParaRPr>
+          </a:p>
+        </p:txBody>
+      </p:sp>
+      <p:sp>
+        <p:nvSpPr>
+          <p:cNvPr id="38" name="CustomShape 2"/>
+          <p:cNvSpPr/>
+          <p:nvPr/>
+        </p:nvSpPr>
+        <p:spPr>
+          <a:xfrm>
+            <a:off x="2926080" y="2377440"/>
+            <a:ext cx="1920240" cy="640080"/>
+          </a:xfrm>
+          <a:custGeom>
+            <a:avLst/>
+            <a:gdLst/>
+            <a:ahLst/>
+            <a:rect l="0" t="0" r="r" b="b"/>
+            <a:pathLst>
+              <a:path w="5336" h="1780">
+                <a:moveTo>
+                  <a:pt x="296" y="0"/>
+                </a:moveTo>
+                <a:lnTo>
+                  <a:pt x="297" y="0"/>
+                </a:lnTo>
+                <a:cubicBezTo>
+                  <a:pt x="244" y="0"/>
+                  <a:pt x="193" y="14"/>
+                  <a:pt x="148" y="40"/>
+                </a:cubicBezTo>
+                <a:cubicBezTo>
+                  <a:pt x="103" y="66"/>
+                  <a:pt x="66" y="103"/>
+                  <a:pt x="40" y="148"/>
+                </a:cubicBezTo>
+                <a:cubicBezTo>
+                  <a:pt x="14" y="193"/>
+                  <a:pt x="0" y="244"/>
+                  <a:pt x="0" y="297"/>
+                </a:cubicBezTo>
+                <a:lnTo>
+                  <a:pt x="0" y="1482"/>
+                </a:lnTo>
+                <a:lnTo>
+                  <a:pt x="0" y="1483"/>
+                </a:lnTo>
+                <a:cubicBezTo>
+                  <a:pt x="0" y="1535"/>
+                  <a:pt x="14" y="1586"/>
+                  <a:pt x="40" y="1631"/>
+                </a:cubicBezTo>
+                <a:cubicBezTo>
+                  <a:pt x="66" y="1676"/>
+                  <a:pt x="103" y="1713"/>
+                  <a:pt x="148" y="1739"/>
+                </a:cubicBezTo>
+                <a:cubicBezTo>
+                  <a:pt x="193" y="1765"/>
+                  <a:pt x="244" y="1779"/>
+                  <a:pt x="297" y="1779"/>
+                </a:cubicBezTo>
+                <a:lnTo>
+                  <a:pt x="5038" y="1779"/>
+                </a:lnTo>
+                <a:lnTo>
+                  <a:pt x="5039" y="1779"/>
+                </a:lnTo>
+                <a:cubicBezTo>
+                  <a:pt x="5091" y="1779"/>
+                  <a:pt x="5142" y="1765"/>
+                  <a:pt x="5187" y="1739"/>
+                </a:cubicBezTo>
+                <a:cubicBezTo>
+                  <a:pt x="5232" y="1713"/>
+                  <a:pt x="5269" y="1676"/>
+                  <a:pt x="5295" y="1631"/>
+                </a:cubicBezTo>
+                <a:cubicBezTo>
+                  <a:pt x="5321" y="1586"/>
+                  <a:pt x="5335" y="1535"/>
+                  <a:pt x="5335" y="1483"/>
+                </a:cubicBezTo>
+                <a:lnTo>
+                  <a:pt x="5335" y="296"/>
+                </a:lnTo>
+                <a:lnTo>
+                  <a:pt x="5335" y="297"/>
+                </a:lnTo>
+                <a:lnTo>
+                  <a:pt x="5335" y="297"/>
+                </a:lnTo>
+                <a:cubicBezTo>
+                  <a:pt x="5335" y="244"/>
+                  <a:pt x="5321" y="193"/>
+                  <a:pt x="5295" y="148"/>
+                </a:cubicBezTo>
+                <a:cubicBezTo>
+                  <a:pt x="5269" y="103"/>
+                  <a:pt x="5232" y="66"/>
+                  <a:pt x="5187" y="40"/>
+                </a:cubicBezTo>
+                <a:cubicBezTo>
+                  <a:pt x="5142" y="14"/>
+                  <a:pt x="5091" y="0"/>
+                  <a:pt x="5039" y="0"/>
+                </a:cubicBezTo>
+                <a:lnTo>
+                  <a:pt x="296" y="0"/>
+                </a:lnTo>
+              </a:path>
+            </a:pathLst>
+          </a:custGeom>
+          <a:solidFill>
+            <a:srgbClr val="dee7e5"/>
+          </a:solidFill>
+          <a:ln>
+            <a:solidFill>
+              <a:srgbClr val="3465a4"/>
+            </a:solidFill>
+          </a:ln>
+        </p:spPr>
+        <p:style>
+          <a:lnRef idx="0"/>
+          <a:fillRef idx="0"/>
+          <a:effectRef idx="0"/>
+          <a:fontRef idx="minor"/>
+        </p:style>
+        <p:txBody>
+          <a:bodyPr wrap="none" lIns="90000" rIns="90000" tIns="45000" bIns="45000" anchor="ctr">
+            <a:noAutofit/>
+          </a:bodyPr>
+          <a:p>
+            <a:pPr algn="ctr"/>
+            <a:r>
+              <a:rPr b="0" lang="en-US" sz="1800" spc="-1" strike="noStrike">
+                <a:latin typeface="Arial"/>
+              </a:rPr>
+              <a:t>Sensor</a:t>
+            </a:r>
+            <a:endParaRPr b="0" lang="en-US" sz="1800" spc="-1" strike="noStrike">
+              <a:latin typeface="Arial"/>
+            </a:endParaRPr>
+          </a:p>
+        </p:txBody>
+      </p:sp>
+      <p:sp>
+        <p:nvSpPr>
+          <p:cNvPr id="39" name="CustomShape 3"/>
+          <p:cNvSpPr/>
+          <p:nvPr/>
+        </p:nvSpPr>
+        <p:spPr>
+          <a:xfrm>
+            <a:off x="4389120" y="1097280"/>
+            <a:ext cx="1920240" cy="640080"/>
+          </a:xfrm>
+          <a:custGeom>
+            <a:avLst/>
+            <a:gdLst/>
+            <a:ahLst/>
+            <a:rect l="0" t="0" r="r" b="b"/>
+            <a:pathLst>
+              <a:path w="5336" h="1780">
+                <a:moveTo>
+                  <a:pt x="296" y="0"/>
+                </a:moveTo>
+                <a:lnTo>
+                  <a:pt x="297" y="0"/>
+                </a:lnTo>
+                <a:cubicBezTo>
+                  <a:pt x="244" y="0"/>
+                  <a:pt x="193" y="14"/>
+                  <a:pt x="148" y="40"/>
+                </a:cubicBezTo>
+                <a:cubicBezTo>
+                  <a:pt x="103" y="66"/>
+                  <a:pt x="66" y="103"/>
+                  <a:pt x="40" y="148"/>
+                </a:cubicBezTo>
+                <a:cubicBezTo>
+                  <a:pt x="14" y="193"/>
+                  <a:pt x="0" y="244"/>
+                  <a:pt x="0" y="297"/>
+                </a:cubicBezTo>
+                <a:lnTo>
+                  <a:pt x="0" y="1482"/>
+                </a:lnTo>
+                <a:lnTo>
+                  <a:pt x="0" y="1483"/>
+                </a:lnTo>
+                <a:cubicBezTo>
+                  <a:pt x="0" y="1535"/>
+                  <a:pt x="14" y="1586"/>
+                  <a:pt x="40" y="1631"/>
+                </a:cubicBezTo>
+                <a:cubicBezTo>
+                  <a:pt x="66" y="1676"/>
+                  <a:pt x="103" y="1713"/>
+                  <a:pt x="148" y="1739"/>
+                </a:cubicBezTo>
+                <a:cubicBezTo>
+                  <a:pt x="193" y="1765"/>
+                  <a:pt x="244" y="1779"/>
+                  <a:pt x="297" y="1779"/>
+                </a:cubicBezTo>
+                <a:lnTo>
+                  <a:pt x="5038" y="1779"/>
+                </a:lnTo>
+                <a:lnTo>
+                  <a:pt x="5039" y="1779"/>
+                </a:lnTo>
+                <a:cubicBezTo>
+                  <a:pt x="5091" y="1779"/>
+                  <a:pt x="5142" y="1765"/>
+                  <a:pt x="5187" y="1739"/>
+                </a:cubicBezTo>
+                <a:cubicBezTo>
+                  <a:pt x="5232" y="1713"/>
+                  <a:pt x="5269" y="1676"/>
+                  <a:pt x="5295" y="1631"/>
+                </a:cubicBezTo>
+                <a:cubicBezTo>
+                  <a:pt x="5321" y="1586"/>
+                  <a:pt x="5335" y="1535"/>
+                  <a:pt x="5335" y="1483"/>
+                </a:cubicBezTo>
+                <a:lnTo>
+                  <a:pt x="5335" y="296"/>
+                </a:lnTo>
+                <a:lnTo>
+                  <a:pt x="5335" y="297"/>
+                </a:lnTo>
+                <a:lnTo>
+                  <a:pt x="5335" y="297"/>
+                </a:lnTo>
+                <a:cubicBezTo>
+                  <a:pt x="5335" y="244"/>
+                  <a:pt x="5321" y="193"/>
+                  <a:pt x="5295" y="148"/>
+                </a:cubicBezTo>
+                <a:cubicBezTo>
+                  <a:pt x="5269" y="103"/>
+                  <a:pt x="5232" y="66"/>
+                  <a:pt x="5187" y="40"/>
+                </a:cubicBezTo>
+                <a:cubicBezTo>
+                  <a:pt x="5142" y="14"/>
+                  <a:pt x="5091" y="0"/>
+                  <a:pt x="5039" y="0"/>
+                </a:cubicBezTo>
+                <a:lnTo>
+                  <a:pt x="296" y="0"/>
+                </a:lnTo>
+              </a:path>
+            </a:pathLst>
+          </a:custGeom>
+          <a:solidFill>
+            <a:srgbClr val="eeeeee"/>
+          </a:solidFill>
+          <a:ln>
+            <a:solidFill>
+              <a:srgbClr val="3465a4"/>
+            </a:solidFill>
+          </a:ln>
+        </p:spPr>
+        <p:style>
+          <a:lnRef idx="0"/>
+          <a:fillRef idx="0"/>
+          <a:effectRef idx="0"/>
+          <a:fontRef idx="minor"/>
+        </p:style>
+        <p:txBody>
+          <a:bodyPr wrap="none" lIns="90000" rIns="90000" tIns="45000" bIns="45000" anchor="ctr">
+            <a:noAutofit/>
+          </a:bodyPr>
+          <a:p>
+            <a:pPr algn="ctr"/>
+            <a:r>
+              <a:rPr b="0" lang="en-US" sz="1800" spc="-1" strike="noStrike">
+                <a:latin typeface="Arial"/>
+              </a:rPr>
+              <a:t>Process</a:t>
+            </a:r>
+            <a:endParaRPr b="0" lang="en-US" sz="1800" spc="-1" strike="noStrike">
+              <a:latin typeface="Arial"/>
+            </a:endParaRPr>
+          </a:p>
+        </p:txBody>
+      </p:sp>
+      <p:cxnSp>
+        <p:nvCxnSpPr>
+          <p:cNvPr id="40" name="Line 4"/>
+          <p:cNvCxnSpPr/>
+          <p:nvPr/>
+        </p:nvCxnSpPr>
+        <p:spPr>
+          <a:xfrm>
+            <a:off x="0" y="0"/>
+            <a:ext cx="360" cy="360"/>
+          </a:xfrm>
+          <a:prstGeom prst="line">
+            <a:avLst/>
+          </a:prstGeom>
+          <a:ln w="12600">
+            <a:solidFill>
+              <a:srgbClr val="3465a4"/>
+            </a:solidFill>
+            <a:round/>
+            <a:headEnd len="med" type="triangle" w="med"/>
+          </a:ln>
+        </p:spPr>
+      </p:cxnSp>
+      <p:cxnSp>
+        <p:nvCxnSpPr>
+          <p:cNvPr id="41" name="Line 5"/>
+          <p:cNvCxnSpPr/>
+          <p:nvPr/>
+        </p:nvCxnSpPr>
+        <p:spPr>
+          <a:xfrm>
+            <a:off x="0" y="0"/>
+            <a:ext cx="360" cy="360"/>
+          </a:xfrm>
+          <a:prstGeom prst="line">
+            <a:avLst/>
+          </a:prstGeom>
+          <a:ln w="12600">
+            <a:solidFill>
+              <a:srgbClr val="3465a4"/>
+            </a:solidFill>
+            <a:round/>
+            <a:tailEnd len="med" type="triangle" w="med"/>
+          </a:ln>
+        </p:spPr>
+      </p:cxnSp>
+      <p:sp>
+        <p:nvSpPr>
+          <p:cNvPr id="42" name="Line 6"/>
+          <p:cNvSpPr/>
+          <p:nvPr/>
+        </p:nvSpPr>
+        <p:spPr>
+          <a:xfrm>
+            <a:off x="5358960" y="803520"/>
+            <a:ext cx="0" cy="293760"/>
+          </a:xfrm>
+          <a:prstGeom prst="line">
+            <a:avLst/>
+          </a:prstGeom>
+          <a:ln>
+            <a:solidFill>
+              <a:srgbClr val="3465a4"/>
+            </a:solidFill>
+            <a:tailEnd len="med" type="triangle" w="med"/>
+          </a:ln>
+        </p:spPr>
+        <p:style>
+          <a:lnRef idx="0"/>
+          <a:fillRef idx="0"/>
+          <a:effectRef idx="0"/>
+          <a:fontRef idx="minor"/>
+        </p:style>
+      </p:sp>
+      <p:sp>
+        <p:nvSpPr>
+          <p:cNvPr id="43" name="TextShape 7"/>
+          <p:cNvSpPr txBox="1"/>
+          <p:nvPr/>
+        </p:nvSpPr>
+        <p:spPr>
+          <a:xfrm>
+            <a:off x="5358960" y="803160"/>
+            <a:ext cx="1789920" cy="274680"/>
+          </a:xfrm>
+          <a:prstGeom prst="rect">
+            <a:avLst/>
+          </a:prstGeom>
+          <a:noFill/>
+          <a:ln>
+            <a:noFill/>
+          </a:ln>
+        </p:spPr>
+        <p:txBody>
+          <a:bodyPr lIns="90000" rIns="90000" tIns="45000" bIns="45000">
+            <a:noAutofit/>
+          </a:bodyPr>
+          <a:p>
+            <a:r>
+              <a:rPr b="0" lang="en-US" sz="1300" spc="-1" strike="noStrike">
+                <a:solidFill>
+                  <a:srgbClr val="ff0000"/>
+                </a:solidFill>
+                <a:latin typeface="Arial"/>
+              </a:rPr>
+              <a:t>E</a:t>
+            </a:r>
+            <a:r>
+              <a:rPr b="0" lang="en-US" sz="1300" spc="-1" strike="noStrike">
+                <a:solidFill>
+                  <a:srgbClr val="ff0000"/>
+                </a:solidFill>
+                <a:latin typeface="Arial"/>
+              </a:rPr>
+              <a:t>x</a:t>
+            </a:r>
+            <a:r>
+              <a:rPr b="0" lang="en-US" sz="1300" spc="-1" strike="noStrike">
+                <a:solidFill>
+                  <a:srgbClr val="ff0000"/>
+                </a:solidFill>
+                <a:latin typeface="Arial"/>
+              </a:rPr>
+              <a:t>t</a:t>
+            </a:r>
+            <a:r>
+              <a:rPr b="0" lang="en-US" sz="1300" spc="-1" strike="noStrike">
+                <a:solidFill>
+                  <a:srgbClr val="ff0000"/>
+                </a:solidFill>
+                <a:latin typeface="Arial"/>
+              </a:rPr>
+              <a:t>e</a:t>
+            </a:r>
+            <a:r>
+              <a:rPr b="0" lang="en-US" sz="1300" spc="-1" strike="noStrike">
+                <a:solidFill>
+                  <a:srgbClr val="ff0000"/>
+                </a:solidFill>
+                <a:latin typeface="Arial"/>
+              </a:rPr>
+              <a:t>r</a:t>
+            </a:r>
+            <a:r>
+              <a:rPr b="0" lang="en-US" sz="1300" spc="-1" strike="noStrike">
+                <a:solidFill>
+                  <a:srgbClr val="ff0000"/>
+                </a:solidFill>
+                <a:latin typeface="Arial"/>
+              </a:rPr>
+              <a:t>n</a:t>
+            </a:r>
+            <a:r>
+              <a:rPr b="0" lang="en-US" sz="1300" spc="-1" strike="noStrike">
+                <a:solidFill>
+                  <a:srgbClr val="ff0000"/>
+                </a:solidFill>
+                <a:latin typeface="Arial"/>
+              </a:rPr>
+              <a:t>a</a:t>
+            </a:r>
+            <a:r>
+              <a:rPr b="0" lang="en-US" sz="1300" spc="-1" strike="noStrike">
+                <a:solidFill>
+                  <a:srgbClr val="ff0000"/>
+                </a:solidFill>
+                <a:latin typeface="Arial"/>
+              </a:rPr>
+              <a:t>l</a:t>
+            </a:r>
+            <a:r>
+              <a:rPr b="0" lang="en-US" sz="1300" spc="-1" strike="noStrike">
+                <a:solidFill>
+                  <a:srgbClr val="ff0000"/>
+                </a:solidFill>
+                <a:latin typeface="Arial"/>
+              </a:rPr>
+              <a:t> </a:t>
+            </a:r>
+            <a:r>
+              <a:rPr b="0" lang="en-US" sz="1300" spc="-1" strike="noStrike">
+                <a:solidFill>
+                  <a:srgbClr val="ff0000"/>
+                </a:solidFill>
+                <a:latin typeface="Arial"/>
+              </a:rPr>
+              <a:t>D</a:t>
+            </a:r>
+            <a:r>
+              <a:rPr b="0" lang="en-US" sz="1300" spc="-1" strike="noStrike">
+                <a:solidFill>
+                  <a:srgbClr val="ff0000"/>
+                </a:solidFill>
+                <a:latin typeface="Arial"/>
+              </a:rPr>
+              <a:t>i</a:t>
+            </a:r>
+            <a:r>
+              <a:rPr b="0" lang="en-US" sz="1300" spc="-1" strike="noStrike">
+                <a:solidFill>
+                  <a:srgbClr val="ff0000"/>
+                </a:solidFill>
+                <a:latin typeface="Arial"/>
+              </a:rPr>
+              <a:t>s</a:t>
+            </a:r>
+            <a:r>
+              <a:rPr b="0" lang="en-US" sz="1300" spc="-1" strike="noStrike">
+                <a:solidFill>
+                  <a:srgbClr val="ff0000"/>
+                </a:solidFill>
+                <a:latin typeface="Arial"/>
+              </a:rPr>
+              <a:t>t</a:t>
+            </a:r>
+            <a:r>
+              <a:rPr b="0" lang="en-US" sz="1300" spc="-1" strike="noStrike">
+                <a:solidFill>
+                  <a:srgbClr val="ff0000"/>
+                </a:solidFill>
+                <a:latin typeface="Arial"/>
+              </a:rPr>
+              <a:t>u</a:t>
+            </a:r>
+            <a:r>
+              <a:rPr b="0" lang="en-US" sz="1300" spc="-1" strike="noStrike">
+                <a:solidFill>
+                  <a:srgbClr val="ff0000"/>
+                </a:solidFill>
+                <a:latin typeface="Arial"/>
+              </a:rPr>
+              <a:t>r</a:t>
+            </a:r>
+            <a:r>
+              <a:rPr b="0" lang="en-US" sz="1300" spc="-1" strike="noStrike">
+                <a:solidFill>
+                  <a:srgbClr val="ff0000"/>
+                </a:solidFill>
+                <a:latin typeface="Arial"/>
+              </a:rPr>
+              <a:t>b</a:t>
+            </a:r>
+            <a:r>
+              <a:rPr b="0" lang="en-US" sz="1300" spc="-1" strike="noStrike">
+                <a:solidFill>
+                  <a:srgbClr val="ff0000"/>
+                </a:solidFill>
+                <a:latin typeface="Arial"/>
+              </a:rPr>
+              <a:t>a</a:t>
+            </a:r>
+            <a:r>
+              <a:rPr b="0" lang="en-US" sz="1300" spc="-1" strike="noStrike">
+                <a:solidFill>
+                  <a:srgbClr val="ff0000"/>
+                </a:solidFill>
+                <a:latin typeface="Arial"/>
+              </a:rPr>
+              <a:t>n</a:t>
+            </a:r>
+            <a:r>
+              <a:rPr b="0" lang="en-US" sz="1300" spc="-1" strike="noStrike">
+                <a:solidFill>
+                  <a:srgbClr val="ff0000"/>
+                </a:solidFill>
+                <a:latin typeface="Arial"/>
+              </a:rPr>
+              <a:t>c</a:t>
+            </a:r>
+            <a:r>
+              <a:rPr b="0" lang="en-US" sz="1300" spc="-1" strike="noStrike">
+                <a:solidFill>
+                  <a:srgbClr val="ff0000"/>
+                </a:solidFill>
+                <a:latin typeface="Arial"/>
+              </a:rPr>
+              <a:t>e</a:t>
+            </a:r>
+            <a:r>
+              <a:rPr b="0" lang="en-US" sz="1300" spc="-1" strike="noStrike">
+                <a:solidFill>
+                  <a:srgbClr val="ff0000"/>
+                </a:solidFill>
+                <a:latin typeface="Arial"/>
+              </a:rPr>
+              <a:t>s</a:t>
+            </a:r>
+            <a:endParaRPr b="0" lang="en-US" sz="1300" spc="-1" strike="noStrike">
+              <a:solidFill>
+                <a:srgbClr val="ff0000"/>
+              </a:solidFill>
+              <a:latin typeface="Arial"/>
+            </a:endParaRPr>
+          </a:p>
+        </p:txBody>
+      </p:sp>
+      <p:sp>
+        <p:nvSpPr>
+          <p:cNvPr id="44" name="TextShape 8"/>
+          <p:cNvSpPr txBox="1"/>
+          <p:nvPr/>
+        </p:nvSpPr>
+        <p:spPr>
+          <a:xfrm>
+            <a:off x="1313640" y="1847880"/>
+            <a:ext cx="1177560" cy="274680"/>
+          </a:xfrm>
+          <a:prstGeom prst="rect">
+            <a:avLst/>
+          </a:prstGeom>
+          <a:noFill/>
+          <a:ln>
+            <a:noFill/>
+          </a:ln>
+        </p:spPr>
+        <p:txBody>
+          <a:bodyPr lIns="90000" rIns="90000" tIns="45000" bIns="45000">
+            <a:noAutofit/>
+          </a:bodyPr>
+          <a:p>
+            <a:r>
+              <a:rPr b="0" lang="en-US" sz="1300" spc="-1" strike="noStrike">
+                <a:solidFill>
+                  <a:srgbClr val="ff0000"/>
+                </a:solidFill>
+                <a:latin typeface="Arial"/>
+              </a:rPr>
+              <a:t>Measured SP</a:t>
+            </a:r>
+            <a:endParaRPr b="0" lang="en-US" sz="1300" spc="-1" strike="noStrike">
+              <a:solidFill>
+                <a:srgbClr val="ff0000"/>
+              </a:solidFill>
+              <a:latin typeface="Arial"/>
+            </a:endParaRPr>
+          </a:p>
+        </p:txBody>
+      </p:sp>
+      <p:sp>
+        <p:nvSpPr>
+          <p:cNvPr id="45" name="TextShape 9"/>
+          <p:cNvSpPr txBox="1"/>
+          <p:nvPr/>
+        </p:nvSpPr>
+        <p:spPr>
+          <a:xfrm>
+            <a:off x="6309360" y="1097280"/>
+            <a:ext cx="400320" cy="274680"/>
+          </a:xfrm>
+          <a:prstGeom prst="rect">
+            <a:avLst/>
+          </a:prstGeom>
+          <a:noFill/>
+          <a:ln>
+            <a:noFill/>
+          </a:ln>
+        </p:spPr>
+        <p:txBody>
+          <a:bodyPr lIns="90000" rIns="90000" tIns="45000" bIns="45000">
+            <a:noAutofit/>
+          </a:bodyPr>
+          <a:p>
+            <a:r>
+              <a:rPr b="0" lang="en-US" sz="1300" spc="-1" strike="noStrike">
+                <a:solidFill>
+                  <a:srgbClr val="ff0000"/>
+                </a:solidFill>
+                <a:latin typeface="Arial"/>
+              </a:rPr>
+              <a:t>PV</a:t>
+            </a:r>
+            <a:endParaRPr b="0" lang="en-US" sz="1300" spc="-1" strike="noStrike">
+              <a:solidFill>
+                <a:srgbClr val="ff0000"/>
+              </a:solidFill>
+              <a:latin typeface="Arial"/>
+            </a:endParaRPr>
+          </a:p>
+        </p:txBody>
+      </p:sp>
+      <p:sp>
+        <p:nvSpPr>
+          <p:cNvPr id="46" name="Line 10"/>
+          <p:cNvSpPr/>
+          <p:nvPr/>
+        </p:nvSpPr>
+        <p:spPr>
+          <a:xfrm>
+            <a:off x="6309360" y="1371600"/>
+            <a:ext cx="457200" cy="0"/>
+          </a:xfrm>
+          <a:prstGeom prst="line">
+            <a:avLst/>
+          </a:prstGeom>
+          <a:ln>
+            <a:solidFill>
+              <a:srgbClr val="3465a4"/>
+            </a:solidFill>
+            <a:tailEnd len="med" type="triangle" w="med"/>
+          </a:ln>
+        </p:spPr>
+        <p:style>
+          <a:lnRef idx="0"/>
+          <a:fillRef idx="0"/>
+          <a:effectRef idx="0"/>
+          <a:fontRef idx="minor"/>
+        </p:style>
+      </p:sp>
+      <p:sp>
+        <p:nvSpPr>
+          <p:cNvPr id="47" name="TextShape 11"/>
+          <p:cNvSpPr txBox="1"/>
+          <p:nvPr/>
+        </p:nvSpPr>
+        <p:spPr>
+          <a:xfrm>
+            <a:off x="4937760" y="803160"/>
+            <a:ext cx="400320" cy="274680"/>
+          </a:xfrm>
+          <a:prstGeom prst="rect">
+            <a:avLst/>
+          </a:prstGeom>
+          <a:noFill/>
+          <a:ln>
+            <a:noFill/>
+          </a:ln>
+        </p:spPr>
+        <p:txBody>
+          <a:bodyPr lIns="90000" rIns="90000" tIns="45000" bIns="45000">
+            <a:noAutofit/>
+          </a:bodyPr>
+          <a:p>
+            <a:r>
+              <a:rPr b="0" lang="en-US" sz="1300" spc="-1" strike="noStrike">
+                <a:solidFill>
+                  <a:srgbClr val="ff0000"/>
+                </a:solidFill>
+                <a:latin typeface="Arial"/>
+              </a:rPr>
+              <a:t>SP</a:t>
+            </a:r>
+            <a:endParaRPr b="0" lang="en-US" sz="1300" spc="-1" strike="noStrike">
+              <a:solidFill>
+                <a:srgbClr val="ff0000"/>
+              </a:solidFill>
+              <a:latin typeface="Arial"/>
+            </a:endParaRPr>
+          </a:p>
+        </p:txBody>
+      </p:sp>
+      <p:sp>
+        <p:nvSpPr>
+          <p:cNvPr id="48" name="TextShape 12"/>
+          <p:cNvSpPr txBox="1"/>
+          <p:nvPr/>
+        </p:nvSpPr>
+        <p:spPr>
+          <a:xfrm>
+            <a:off x="986400" y="1135800"/>
+            <a:ext cx="400320" cy="274680"/>
+          </a:xfrm>
+          <a:prstGeom prst="rect">
+            <a:avLst/>
+          </a:prstGeom>
+          <a:noFill/>
+          <a:ln>
+            <a:noFill/>
+          </a:ln>
+        </p:spPr>
+        <p:txBody>
+          <a:bodyPr lIns="90000" rIns="90000" tIns="45000" bIns="45000">
+            <a:noAutofit/>
+          </a:bodyPr>
+          <a:p>
+            <a:r>
+              <a:rPr b="0" lang="en-US" sz="1300" spc="-1" strike="noStrike">
+                <a:solidFill>
+                  <a:srgbClr val="ff0000"/>
+                </a:solidFill>
+                <a:latin typeface="Arial"/>
+              </a:rPr>
+              <a:t>SP</a:t>
+            </a:r>
+            <a:endParaRPr b="0" lang="en-US" sz="1300" spc="-1" strike="noStrike">
+              <a:solidFill>
+                <a:srgbClr val="ff0000"/>
+              </a:solidFill>
+              <a:latin typeface="Arial"/>
+            </a:endParaRPr>
+          </a:p>
+        </p:txBody>
+      </p:sp>
+      <p:sp>
+        <p:nvSpPr>
+          <p:cNvPr id="49" name="Line 13"/>
+          <p:cNvSpPr/>
+          <p:nvPr/>
+        </p:nvSpPr>
+        <p:spPr>
+          <a:xfrm>
+            <a:off x="1005840" y="1371600"/>
+            <a:ext cx="457200" cy="0"/>
+          </a:xfrm>
+          <a:prstGeom prst="line">
+            <a:avLst/>
+          </a:prstGeom>
+          <a:ln>
+            <a:solidFill>
+              <a:srgbClr val="3465a4"/>
+            </a:solidFill>
+            <a:tailEnd len="med" type="triangle" w="med"/>
+          </a:ln>
+        </p:spPr>
+        <p:style>
+          <a:lnRef idx="0"/>
+          <a:fillRef idx="0"/>
+          <a:effectRef idx="0"/>
+          <a:fontRef idx="minor"/>
+        </p:style>
+      </p:sp>
+      <p:sp>
+        <p:nvSpPr>
+          <p:cNvPr id="50" name="Line 14"/>
+          <p:cNvSpPr/>
+          <p:nvPr/>
+        </p:nvSpPr>
+        <p:spPr>
+          <a:xfrm>
+            <a:off x="3383280" y="1427040"/>
+            <a:ext cx="1005840" cy="0"/>
+          </a:xfrm>
+          <a:prstGeom prst="line">
+            <a:avLst/>
+          </a:prstGeom>
+          <a:ln>
+            <a:solidFill>
+              <a:srgbClr val="3465a4"/>
+            </a:solidFill>
+            <a:tailEnd len="med" type="triangle" w="med"/>
+          </a:ln>
+        </p:spPr>
+        <p:style>
+          <a:lnRef idx="0"/>
+          <a:fillRef idx="0"/>
+          <a:effectRef idx="0"/>
+          <a:fontRef idx="minor"/>
+        </p:style>
+      </p:sp>
+      <p:sp>
+        <p:nvSpPr>
+          <p:cNvPr id="51" name="TextShape 15"/>
+          <p:cNvSpPr txBox="1"/>
+          <p:nvPr/>
+        </p:nvSpPr>
+        <p:spPr>
+          <a:xfrm>
+            <a:off x="3623040" y="1133280"/>
+            <a:ext cx="409320" cy="274680"/>
+          </a:xfrm>
+          <a:prstGeom prst="rect">
+            <a:avLst/>
+          </a:prstGeom>
+          <a:noFill/>
+          <a:ln>
+            <a:noFill/>
+          </a:ln>
+        </p:spPr>
+        <p:txBody>
+          <a:bodyPr lIns="90000" rIns="90000" tIns="45000" bIns="45000">
+            <a:noAutofit/>
+          </a:bodyPr>
+          <a:p>
+            <a:r>
+              <a:rPr b="0" lang="en-US" sz="1300" spc="-1" strike="noStrike">
+                <a:solidFill>
+                  <a:srgbClr val="ff0000"/>
+                </a:solidFill>
+                <a:latin typeface="Arial"/>
+              </a:rPr>
+              <a:t>CV</a:t>
+            </a:r>
+            <a:endParaRPr b="0" lang="en-US" sz="1300" spc="-1" strike="noStrike">
+              <a:solidFill>
+                <a:srgbClr val="ff0000"/>
+              </a:solidFill>
+              <a:latin typeface="Arial"/>
+            </a:endParaRPr>
+          </a:p>
+        </p:txBody>
+      </p:sp>
+    </p:spTree>
+  </p:cSld>
+  <mc:AlternateContent>
+    <mc:Choice Requires="p14">
+      <p:transition spd="slow" p14:dur="2000"/>
+    </mc:Choice>
+    <mc:Fallback>
+      <p:transition spd="slow"/>
+    </mc:Fallback>
+  </mc:AlternateContent>
+</p:sld>
+</file>
+
+<file path=ppt/slides/slide2.xml><?xml version="1.0" encoding="utf-8"?>
+<p:sld xmlns:a="http://schemas.openxmlformats.org/drawingml/2006/main" xmlns:p="http://schemas.openxmlformats.org/presentationml/2006/main" xmlns:r="http://schemas.openxmlformats.org/officeDocument/2006/relationships" xmlns:p14="http://schemas.microsoft.com/office/powerpoint/2010/main" xmlns:p15="http://schemas.microsoft.com/office/powerpoint/2012/main" xmlns:mc="http://schemas.openxmlformats.org/markup-compatibility/2006">
+  <p:cSld>
+    <p:spTree>
+      <p:nvGrpSpPr>
+        <p:cNvPr id="1" name=""/>
+        <p:cNvGrpSpPr/>
+        <p:nvPr/>
+      </p:nvGrpSpPr>
+      <p:grpSpPr>
+        <a:xfrm>
+          <a:off x="0" y="0"/>
+          <a:ext cx="0" cy="0"/>
+          <a:chOff x="0" y="0"/>
+          <a:chExt cx="0" cy="0"/>
+        </a:xfrm>
+      </p:grpSpPr>
+      <p:sp>
+        <p:nvSpPr>
+          <p:cNvPr id="52" name="CustomShape 1"/>
+          <p:cNvSpPr/>
+          <p:nvPr/>
+        </p:nvSpPr>
+        <p:spPr>
+          <a:xfrm>
             <a:off x="2286000" y="1371600"/>
-            <a:ext cx="1920240" cy="1920240"/>
+            <a:ext cx="1919880" cy="1919880"/>
           </a:xfrm>
           <a:prstGeom prst="ellipse">
             <a:avLst/>
@@ -1780,20 +2544,20 @@
       </p:sp>
       <p:sp>
         <p:nvSpPr>
-          <p:cNvPr id="42" name="CustomShape 2"/>
+          <p:cNvPr id="53" name="CustomShape 2"/>
           <p:cNvSpPr/>
           <p:nvPr/>
         </p:nvSpPr>
         <p:spPr>
           <a:xfrm rot="10730400">
             <a:off x="2928600" y="1471680"/>
-            <a:ext cx="560520" cy="196560"/>
+            <a:ext cx="560160" cy="196200"/>
           </a:xfrm>
           <a:custGeom>
             <a:avLst/>
             <a:gdLst/>
             <a:ahLst/>
-            <a:rect l="0" t="0" r="r" b="b"/>
+            <a:rect l="l" t="t" r="r" b="b"/>
             <a:pathLst>
               <a:path w="1559" h="549">
                 <a:moveTo>
@@ -1832,20 +2596,20 @@
       </p:sp>
       <p:sp>
         <p:nvSpPr>
-          <p:cNvPr id="43" name="CustomShape 3"/>
+          <p:cNvPr id="54" name="CustomShape 3"/>
           <p:cNvSpPr/>
           <p:nvPr/>
         </p:nvSpPr>
         <p:spPr>
           <a:xfrm rot="7057800">
             <a:off x="2350080" y="1896840"/>
-            <a:ext cx="560520" cy="196560"/>
+            <a:ext cx="560160" cy="196200"/>
           </a:xfrm>
           <a:custGeom>
             <a:avLst/>
             <a:gdLst/>
             <a:ahLst/>
-            <a:rect l="0" t="0" r="r" b="b"/>
+            <a:rect l="l" t="t" r="r" b="b"/>
             <a:pathLst>
               <a:path w="1559" h="550">
                 <a:moveTo>
@@ -1884,20 +2648,20 @@
       </p:sp>
       <p:sp>
         <p:nvSpPr>
-          <p:cNvPr id="44" name="CustomShape 4"/>
+          <p:cNvPr id="55" name="CustomShape 4"/>
           <p:cNvSpPr/>
           <p:nvPr/>
         </p:nvSpPr>
         <p:spPr>
           <a:xfrm rot="21589800">
-            <a:off x="3009960" y="3001320"/>
-            <a:ext cx="556200" cy="198000"/>
+            <a:off x="3009600" y="3000960"/>
+            <a:ext cx="555840" cy="197640"/>
           </a:xfrm>
           <a:custGeom>
             <a:avLst/>
             <a:gdLst/>
             <a:ahLst/>
-            <a:rect l="0" t="0" r="r" b="b"/>
+            <a:rect l="l" t="t" r="r" b="b"/>
             <a:pathLst>
               <a:path w="1546" h="554">
                 <a:moveTo>
@@ -1936,20 +2700,20 @@
       </p:sp>
       <p:sp>
         <p:nvSpPr>
-          <p:cNvPr id="45" name="CustomShape 5"/>
+          <p:cNvPr id="56" name="CustomShape 5"/>
           <p:cNvSpPr/>
           <p:nvPr/>
         </p:nvSpPr>
         <p:spPr>
           <a:xfrm rot="14622600">
-            <a:off x="3553200" y="1825920"/>
-            <a:ext cx="560520" cy="196560"/>
+            <a:off x="3553200" y="1826280"/>
+            <a:ext cx="560160" cy="196200"/>
           </a:xfrm>
           <a:custGeom>
             <a:avLst/>
             <a:gdLst/>
             <a:ahLst/>
-            <a:rect l="0" t="0" r="r" b="b"/>
+            <a:rect l="l" t="t" r="r" b="b"/>
             <a:pathLst>
               <a:path w="1559" h="550">
                 <a:moveTo>
@@ -1988,20 +2752,20 @@
       </p:sp>
       <p:sp>
         <p:nvSpPr>
-          <p:cNvPr id="46" name="CustomShape 6"/>
+          <p:cNvPr id="57" name="CustomShape 6"/>
           <p:cNvSpPr/>
           <p:nvPr/>
         </p:nvSpPr>
         <p:spPr>
           <a:xfrm rot="3049200">
-            <a:off x="2399760" y="2633040"/>
-            <a:ext cx="560520" cy="196560"/>
+            <a:off x="2399760" y="2632680"/>
+            <a:ext cx="560160" cy="196200"/>
           </a:xfrm>
           <a:custGeom>
             <a:avLst/>
             <a:gdLst/>
             <a:ahLst/>
-            <a:rect l="0" t="0" r="r" b="b"/>
+            <a:rect l="l" t="t" r="r" b="b"/>
             <a:pathLst>
               <a:path w="1558" h="551">
                 <a:moveTo>
@@ -2040,20 +2804,20 @@
       </p:sp>
       <p:sp>
         <p:nvSpPr>
-          <p:cNvPr id="47" name="CustomShape 7"/>
+          <p:cNvPr id="58" name="CustomShape 7"/>
           <p:cNvSpPr/>
           <p:nvPr/>
         </p:nvSpPr>
         <p:spPr>
           <a:xfrm rot="17803200">
-            <a:off x="3593880" y="2605320"/>
-            <a:ext cx="570240" cy="191880"/>
+            <a:off x="3593520" y="2605320"/>
+            <a:ext cx="569880" cy="191520"/>
           </a:xfrm>
           <a:custGeom>
             <a:avLst/>
             <a:gdLst/>
             <a:ahLst/>
-            <a:rect l="0" t="0" r="r" b="b"/>
+            <a:rect l="l" t="t" r="r" b="b"/>
             <a:pathLst>
               <a:path w="1586" h="537">
                 <a:moveTo>
@@ -2092,14 +2856,14 @@
       </p:sp>
       <p:sp>
         <p:nvSpPr>
-          <p:cNvPr id="48" name="CustomShape 8"/>
+          <p:cNvPr id="59" name="CustomShape 8"/>
           <p:cNvSpPr/>
           <p:nvPr/>
         </p:nvSpPr>
         <p:spPr>
           <a:xfrm>
             <a:off x="2870280" y="1956240"/>
-            <a:ext cx="751320" cy="731520"/>
+            <a:ext cx="750960" cy="731160"/>
           </a:xfrm>
           <a:prstGeom prst="ellipse">
             <a:avLst/>
@@ -2122,7 +2886,7 @@
       </p:sp>
       <p:sp>
         <p:nvSpPr>
-          <p:cNvPr id="49" name="Line 9"/>
+          <p:cNvPr id="60" name="Line 9"/>
           <p:cNvSpPr/>
           <p:nvPr/>
         </p:nvSpPr>
@@ -2149,7 +2913,7 @@
       </p:sp>
       <p:sp>
         <p:nvSpPr>
-          <p:cNvPr id="50" name="Line 10"/>
+          <p:cNvPr id="61" name="Line 10"/>
           <p:cNvSpPr/>
           <p:nvPr/>
         </p:nvSpPr>
@@ -2177,7 +2941,7 @@
       </p:sp>
       <p:sp>
         <p:nvSpPr>
-          <p:cNvPr id="51" name="Line 11"/>
+          <p:cNvPr id="62" name="Line 11"/>
           <p:cNvSpPr/>
           <p:nvPr/>
         </p:nvSpPr>
@@ -2204,7 +2968,7 @@
       </p:sp>
       <p:sp>
         <p:nvSpPr>
-          <p:cNvPr id="52" name="Line 12"/>
+          <p:cNvPr id="63" name="Line 12"/>
           <p:cNvSpPr/>
           <p:nvPr/>
         </p:nvSpPr>
@@ -2232,14 +2996,14 @@
       </p:sp>
       <p:sp>
         <p:nvSpPr>
-          <p:cNvPr id="53" name="TextShape 13"/>
-          <p:cNvSpPr txBox="1"/>
+          <p:cNvPr id="64" name="CustomShape 13"/>
+          <p:cNvSpPr/>
           <p:nvPr/>
         </p:nvSpPr>
         <p:spPr>
           <a:xfrm>
             <a:off x="6031800" y="1573920"/>
-            <a:ext cx="333000" cy="346320"/>
+            <a:ext cx="332640" cy="345960"/>
           </a:xfrm>
           <a:prstGeom prst="rect">
             <a:avLst/>
@@ -2249,11 +3013,22 @@
             <a:noFill/>
           </a:ln>
         </p:spPr>
+        <p:style>
+          <a:lnRef idx="0"/>
+          <a:fillRef idx="0"/>
+          <a:effectRef idx="0"/>
+          <a:fontRef idx="minor"/>
+        </p:style>
         <p:txBody>
           <a:bodyPr lIns="90000" rIns="90000" tIns="45000" bIns="45000">
             <a:noAutofit/>
           </a:bodyPr>
           <a:p>
+            <a:pPr>
+              <a:lnSpc>
+                <a:spcPct val="100000"/>
+              </a:lnSpc>
+            </a:pPr>
             <a:r>
               <a:rPr b="0" lang="en-US" sz="1800" spc="-1" strike="noStrike">
                 <a:latin typeface="Arial"/>
@@ -2268,14 +3043,14 @@
       </p:sp>
       <p:sp>
         <p:nvSpPr>
-          <p:cNvPr id="54" name="TextShape 14"/>
-          <p:cNvSpPr txBox="1"/>
+          <p:cNvPr id="65" name="CustomShape 14"/>
+          <p:cNvSpPr/>
           <p:nvPr/>
         </p:nvSpPr>
         <p:spPr>
           <a:xfrm>
             <a:off x="6035040" y="2651760"/>
-            <a:ext cx="333000" cy="346320"/>
+            <a:ext cx="332640" cy="345960"/>
           </a:xfrm>
           <a:prstGeom prst="rect">
             <a:avLst/>
@@ -2285,11 +3060,22 @@
             <a:noFill/>
           </a:ln>
         </p:spPr>
+        <p:style>
+          <a:lnRef idx="0"/>
+          <a:fillRef idx="0"/>
+          <a:effectRef idx="0"/>
+          <a:fontRef idx="minor"/>
+        </p:style>
         <p:txBody>
           <a:bodyPr lIns="90000" rIns="90000" tIns="45000" bIns="45000">
             <a:noAutofit/>
           </a:bodyPr>
           <a:p>
+            <a:pPr>
+              <a:lnSpc>
+                <a:spcPct val="100000"/>
+              </a:lnSpc>
+            </a:pPr>
             <a:r>
               <a:rPr b="0" lang="en-US" sz="1800" spc="-1" strike="noStrike">
                 <a:latin typeface="Arial"/>
@@ -2304,7 +3090,7 @@
       </p:sp>
       <p:sp>
         <p:nvSpPr>
-          <p:cNvPr id="55" name="Line 15"/>
+          <p:cNvPr id="66" name="Line 15"/>
           <p:cNvSpPr/>
           <p:nvPr/>
         </p:nvSpPr>
@@ -2331,7 +3117,7 @@
       </p:sp>
       <p:sp>
         <p:nvSpPr>
-          <p:cNvPr id="56" name="Line 16"/>
+          <p:cNvPr id="67" name="Line 16"/>
           <p:cNvSpPr/>
           <p:nvPr/>
         </p:nvSpPr>
@@ -2358,7 +3144,7 @@
       </p:sp>
       <p:sp>
         <p:nvSpPr>
-          <p:cNvPr id="57" name="Line 17"/>
+          <p:cNvPr id="68" name="Line 17"/>
           <p:cNvSpPr/>
           <p:nvPr/>
         </p:nvSpPr>
@@ -2385,7 +3171,7 @@
       </p:sp>
       <p:sp>
         <p:nvSpPr>
-          <p:cNvPr id="58" name="Line 18"/>
+          <p:cNvPr id="69" name="Line 18"/>
           <p:cNvSpPr/>
           <p:nvPr/>
         </p:nvSpPr>
@@ -2412,14 +3198,14 @@
       </p:sp>
       <p:sp>
         <p:nvSpPr>
-          <p:cNvPr id="59" name="TextShape 19"/>
-          <p:cNvSpPr txBox="1"/>
+          <p:cNvPr id="70" name="CustomShape 19"/>
+          <p:cNvSpPr/>
           <p:nvPr/>
         </p:nvSpPr>
         <p:spPr>
           <a:xfrm>
             <a:off x="3291840" y="3566160"/>
-            <a:ext cx="345240" cy="346320"/>
+            <a:ext cx="344880" cy="345960"/>
           </a:xfrm>
           <a:prstGeom prst="rect">
             <a:avLst/>
@@ -2429,11 +3215,22 @@
             <a:noFill/>
           </a:ln>
         </p:spPr>
+        <p:style>
+          <a:lnRef idx="0"/>
+          <a:fillRef idx="0"/>
+          <a:effectRef idx="0"/>
+          <a:fontRef idx="minor"/>
+        </p:style>
         <p:txBody>
           <a:bodyPr lIns="90000" rIns="90000" tIns="45000" bIns="45000">
             <a:noAutofit/>
           </a:bodyPr>
           <a:p>
+            <a:pPr>
+              <a:lnSpc>
+                <a:spcPct val="100000"/>
+              </a:lnSpc>
+            </a:pPr>
             <a:r>
               <a:rPr b="0" lang="en-US" sz="1800" spc="-1" strike="noStrike">
                 <a:latin typeface="Arial"/>

--- a/docs/assets/misc/images.pptx
+++ b/docs/assets/misc/images.pptx
@@ -54,7 +54,7 @@
       </p:grpSpPr>
       <p:sp>
         <p:nvSpPr>
-          <p:cNvPr id="22" name="PlaceHolder 1"/>
+          <p:cNvPr id="23" name="PlaceHolder 1"/>
           <p:cNvSpPr>
             <a:spLocks noGrp="1"/>
           </p:cNvSpPr>
@@ -85,7 +85,7 @@
       </p:sp>
       <p:sp>
         <p:nvSpPr>
-          <p:cNvPr id="23" name="PlaceHolder 2"/>
+          <p:cNvPr id="24" name="PlaceHolder 2"/>
           <p:cNvSpPr>
             <a:spLocks noGrp="1"/>
           </p:cNvSpPr>
@@ -115,7 +115,7 @@
       </p:sp>
       <p:sp>
         <p:nvSpPr>
-          <p:cNvPr id="24" name="PlaceHolder 3"/>
+          <p:cNvPr id="25" name="PlaceHolder 3"/>
           <p:cNvSpPr>
             <a:spLocks noGrp="1"/>
           </p:cNvSpPr>
@@ -167,7 +167,7 @@
       </p:grpSpPr>
       <p:sp>
         <p:nvSpPr>
-          <p:cNvPr id="25" name="PlaceHolder 1"/>
+          <p:cNvPr id="26" name="PlaceHolder 1"/>
           <p:cNvSpPr>
             <a:spLocks noGrp="1"/>
           </p:cNvSpPr>
@@ -198,7 +198,7 @@
       </p:sp>
       <p:sp>
         <p:nvSpPr>
-          <p:cNvPr id="26" name="PlaceHolder 2"/>
+          <p:cNvPr id="27" name="PlaceHolder 2"/>
           <p:cNvSpPr>
             <a:spLocks noGrp="1"/>
           </p:cNvSpPr>
@@ -228,7 +228,7 @@
       </p:sp>
       <p:sp>
         <p:nvSpPr>
-          <p:cNvPr id="27" name="PlaceHolder 3"/>
+          <p:cNvPr id="28" name="PlaceHolder 3"/>
           <p:cNvSpPr>
             <a:spLocks noGrp="1"/>
           </p:cNvSpPr>
@@ -258,7 +258,7 @@
       </p:sp>
       <p:sp>
         <p:nvSpPr>
-          <p:cNvPr id="28" name="PlaceHolder 4"/>
+          <p:cNvPr id="29" name="PlaceHolder 4"/>
           <p:cNvSpPr>
             <a:spLocks noGrp="1"/>
           </p:cNvSpPr>
@@ -288,7 +288,7 @@
       </p:sp>
       <p:sp>
         <p:nvSpPr>
-          <p:cNvPr id="29" name="PlaceHolder 5"/>
+          <p:cNvPr id="30" name="PlaceHolder 5"/>
           <p:cNvSpPr>
             <a:spLocks noGrp="1"/>
           </p:cNvSpPr>
@@ -340,7 +340,7 @@
       </p:grpSpPr>
       <p:sp>
         <p:nvSpPr>
-          <p:cNvPr id="30" name="PlaceHolder 1"/>
+          <p:cNvPr id="31" name="PlaceHolder 1"/>
           <p:cNvSpPr>
             <a:spLocks noGrp="1"/>
           </p:cNvSpPr>
@@ -371,7 +371,7 @@
       </p:sp>
       <p:sp>
         <p:nvSpPr>
-          <p:cNvPr id="31" name="PlaceHolder 2"/>
+          <p:cNvPr id="32" name="PlaceHolder 2"/>
           <p:cNvSpPr>
             <a:spLocks noGrp="1"/>
           </p:cNvSpPr>
@@ -401,7 +401,7 @@
       </p:sp>
       <p:sp>
         <p:nvSpPr>
-          <p:cNvPr id="32" name="PlaceHolder 3"/>
+          <p:cNvPr id="33" name="PlaceHolder 3"/>
           <p:cNvSpPr>
             <a:spLocks noGrp="1"/>
           </p:cNvSpPr>
@@ -431,7 +431,7 @@
       </p:sp>
       <p:sp>
         <p:nvSpPr>
-          <p:cNvPr id="33" name="PlaceHolder 4"/>
+          <p:cNvPr id="34" name="PlaceHolder 4"/>
           <p:cNvSpPr>
             <a:spLocks noGrp="1"/>
           </p:cNvSpPr>
@@ -461,7 +461,7 @@
       </p:sp>
       <p:sp>
         <p:nvSpPr>
-          <p:cNvPr id="34" name="PlaceHolder 5"/>
+          <p:cNvPr id="35" name="PlaceHolder 5"/>
           <p:cNvSpPr>
             <a:spLocks noGrp="1"/>
           </p:cNvSpPr>
@@ -491,7 +491,7 @@
       </p:sp>
       <p:sp>
         <p:nvSpPr>
-          <p:cNvPr id="35" name="PlaceHolder 6"/>
+          <p:cNvPr id="36" name="PlaceHolder 6"/>
           <p:cNvSpPr>
             <a:spLocks noGrp="1"/>
           </p:cNvSpPr>
@@ -521,7 +521,7 @@
       </p:sp>
       <p:sp>
         <p:nvSpPr>
-          <p:cNvPr id="36" name="PlaceHolder 7"/>
+          <p:cNvPr id="37" name="PlaceHolder 7"/>
           <p:cNvSpPr>
             <a:spLocks noGrp="1"/>
           </p:cNvSpPr>
@@ -573,7 +573,7 @@
       </p:grpSpPr>
       <p:sp>
         <p:nvSpPr>
-          <p:cNvPr id="1" name="PlaceHolder 1"/>
+          <p:cNvPr id="2" name="PlaceHolder 1"/>
           <p:cNvSpPr>
             <a:spLocks noGrp="1"/>
           </p:cNvSpPr>
@@ -604,7 +604,7 @@
       </p:sp>
       <p:sp>
         <p:nvSpPr>
-          <p:cNvPr id="2" name="PlaceHolder 2"/>
+          <p:cNvPr id="3" name="PlaceHolder 2"/>
           <p:cNvSpPr>
             <a:spLocks noGrp="1"/>
           </p:cNvSpPr>
@@ -657,7 +657,7 @@
       </p:grpSpPr>
       <p:sp>
         <p:nvSpPr>
-          <p:cNvPr id="3" name="PlaceHolder 1"/>
+          <p:cNvPr id="4" name="PlaceHolder 1"/>
           <p:cNvSpPr>
             <a:spLocks noGrp="1"/>
           </p:cNvSpPr>
@@ -688,7 +688,7 @@
       </p:sp>
       <p:sp>
         <p:nvSpPr>
-          <p:cNvPr id="4" name="PlaceHolder 2"/>
+          <p:cNvPr id="5" name="PlaceHolder 2"/>
           <p:cNvSpPr>
             <a:spLocks noGrp="1"/>
           </p:cNvSpPr>
@@ -740,7 +740,7 @@
       </p:grpSpPr>
       <p:sp>
         <p:nvSpPr>
-          <p:cNvPr id="5" name="PlaceHolder 1"/>
+          <p:cNvPr id="6" name="PlaceHolder 1"/>
           <p:cNvSpPr>
             <a:spLocks noGrp="1"/>
           </p:cNvSpPr>
@@ -771,7 +771,7 @@
       </p:sp>
       <p:sp>
         <p:nvSpPr>
-          <p:cNvPr id="6" name="PlaceHolder 2"/>
+          <p:cNvPr id="7" name="PlaceHolder 2"/>
           <p:cNvSpPr>
             <a:spLocks noGrp="1"/>
           </p:cNvSpPr>
@@ -801,7 +801,7 @@
       </p:sp>
       <p:sp>
         <p:nvSpPr>
-          <p:cNvPr id="7" name="PlaceHolder 3"/>
+          <p:cNvPr id="8" name="PlaceHolder 3"/>
           <p:cNvSpPr>
             <a:spLocks noGrp="1"/>
           </p:cNvSpPr>
@@ -853,7 +853,7 @@
       </p:grpSpPr>
       <p:sp>
         <p:nvSpPr>
-          <p:cNvPr id="8" name="PlaceHolder 1"/>
+          <p:cNvPr id="9" name="PlaceHolder 1"/>
           <p:cNvSpPr>
             <a:spLocks noGrp="1"/>
           </p:cNvSpPr>
@@ -906,7 +906,7 @@
       </p:grpSpPr>
       <p:sp>
         <p:nvSpPr>
-          <p:cNvPr id="9" name="PlaceHolder 1"/>
+          <p:cNvPr id="10" name="PlaceHolder 1"/>
           <p:cNvSpPr>
             <a:spLocks noGrp="1"/>
           </p:cNvSpPr>
@@ -959,7 +959,7 @@
       </p:grpSpPr>
       <p:sp>
         <p:nvSpPr>
-          <p:cNvPr id="10" name="PlaceHolder 1"/>
+          <p:cNvPr id="11" name="PlaceHolder 1"/>
           <p:cNvSpPr>
             <a:spLocks noGrp="1"/>
           </p:cNvSpPr>
@@ -990,7 +990,7 @@
       </p:sp>
       <p:sp>
         <p:nvSpPr>
-          <p:cNvPr id="11" name="PlaceHolder 2"/>
+          <p:cNvPr id="12" name="PlaceHolder 2"/>
           <p:cNvSpPr>
             <a:spLocks noGrp="1"/>
           </p:cNvSpPr>
@@ -1020,7 +1020,7 @@
       </p:sp>
       <p:sp>
         <p:nvSpPr>
-          <p:cNvPr id="12" name="PlaceHolder 3"/>
+          <p:cNvPr id="13" name="PlaceHolder 3"/>
           <p:cNvSpPr>
             <a:spLocks noGrp="1"/>
           </p:cNvSpPr>
@@ -1050,7 +1050,7 @@
       </p:sp>
       <p:sp>
         <p:nvSpPr>
-          <p:cNvPr id="13" name="PlaceHolder 4"/>
+          <p:cNvPr id="14" name="PlaceHolder 4"/>
           <p:cNvSpPr>
             <a:spLocks noGrp="1"/>
           </p:cNvSpPr>
@@ -1102,7 +1102,7 @@
       </p:grpSpPr>
       <p:sp>
         <p:nvSpPr>
-          <p:cNvPr id="14" name="PlaceHolder 1"/>
+          <p:cNvPr id="15" name="PlaceHolder 1"/>
           <p:cNvSpPr>
             <a:spLocks noGrp="1"/>
           </p:cNvSpPr>
@@ -1133,7 +1133,7 @@
       </p:sp>
       <p:sp>
         <p:nvSpPr>
-          <p:cNvPr id="15" name="PlaceHolder 2"/>
+          <p:cNvPr id="16" name="PlaceHolder 2"/>
           <p:cNvSpPr>
             <a:spLocks noGrp="1"/>
           </p:cNvSpPr>
@@ -1163,7 +1163,7 @@
       </p:sp>
       <p:sp>
         <p:nvSpPr>
-          <p:cNvPr id="16" name="PlaceHolder 3"/>
+          <p:cNvPr id="17" name="PlaceHolder 3"/>
           <p:cNvSpPr>
             <a:spLocks noGrp="1"/>
           </p:cNvSpPr>
@@ -1193,7 +1193,7 @@
       </p:sp>
       <p:sp>
         <p:nvSpPr>
-          <p:cNvPr id="17" name="PlaceHolder 4"/>
+          <p:cNvPr id="18" name="PlaceHolder 4"/>
           <p:cNvSpPr>
             <a:spLocks noGrp="1"/>
           </p:cNvSpPr>
@@ -1245,7 +1245,7 @@
       </p:grpSpPr>
       <p:sp>
         <p:nvSpPr>
-          <p:cNvPr id="18" name="PlaceHolder 1"/>
+          <p:cNvPr id="19" name="PlaceHolder 1"/>
           <p:cNvSpPr>
             <a:spLocks noGrp="1"/>
           </p:cNvSpPr>
@@ -1276,7 +1276,7 @@
       </p:sp>
       <p:sp>
         <p:nvSpPr>
-          <p:cNvPr id="19" name="PlaceHolder 2"/>
+          <p:cNvPr id="20" name="PlaceHolder 2"/>
           <p:cNvSpPr>
             <a:spLocks noGrp="1"/>
           </p:cNvSpPr>
@@ -1306,7 +1306,7 @@
       </p:sp>
       <p:sp>
         <p:nvSpPr>
-          <p:cNvPr id="20" name="PlaceHolder 3"/>
+          <p:cNvPr id="21" name="PlaceHolder 3"/>
           <p:cNvSpPr>
             <a:spLocks noGrp="1"/>
           </p:cNvSpPr>
@@ -1336,7 +1336,7 @@
       </p:sp>
       <p:sp>
         <p:nvSpPr>
-          <p:cNvPr id="21" name="PlaceHolder 4"/>
+          <p:cNvPr id="22" name="PlaceHolder 4"/>
           <p:cNvSpPr>
             <a:spLocks noGrp="1"/>
           </p:cNvSpPr>
@@ -1418,6 +1418,185 @@
               <a:t>Click to edit the title text format</a:t>
             </a:r>
             <a:endParaRPr b="0" lang="en-US" sz="1800" spc="-1" strike="noStrike">
+              <a:latin typeface="Arial"/>
+            </a:endParaRPr>
+          </a:p>
+        </p:txBody>
+      </p:sp>
+      <p:sp>
+        <p:nvSpPr>
+          <p:cNvPr id="1" name="PlaceHolder 2"/>
+          <p:cNvSpPr>
+            <a:spLocks noGrp="1"/>
+          </p:cNvSpPr>
+          <p:nvPr>
+            <p:ph type="body"/>
+          </p:nvPr>
+        </p:nvSpPr>
+        <p:spPr>
+          <a:xfrm>
+            <a:off x="504000" y="1326600"/>
+            <a:ext cx="9072000" cy="3288600"/>
+          </a:xfrm>
+          <a:prstGeom prst="rect">
+            <a:avLst/>
+          </a:prstGeom>
+        </p:spPr>
+        <p:txBody>
+          <a:bodyPr lIns="0" rIns="0" tIns="0" bIns="0">
+            <a:normAutofit/>
+          </a:bodyPr>
+          <a:p>
+            <a:pPr marL="432000" indent="-324000">
+              <a:spcBef>
+                <a:spcPts val="1417"/>
+              </a:spcBef>
+              <a:buClr>
+                <a:srgbClr val="000000"/>
+              </a:buClr>
+              <a:buSzPct val="45000"/>
+              <a:buFont typeface="Wingdings" charset="2"/>
+              <a:buChar char=""/>
+            </a:pPr>
+            <a:r>
+              <a:rPr b="0" lang="en-US" sz="3200" spc="-1" strike="noStrike">
+                <a:latin typeface="Arial"/>
+              </a:rPr>
+              <a:t>Click to edit the outline text format</a:t>
+            </a:r>
+            <a:endParaRPr b="0" lang="en-US" sz="3200" spc="-1" strike="noStrike">
+              <a:latin typeface="Arial"/>
+            </a:endParaRPr>
+          </a:p>
+          <a:p>
+            <a:pPr lvl="1" marL="864000" indent="-324000">
+              <a:spcBef>
+                <a:spcPts val="1134"/>
+              </a:spcBef>
+              <a:buClr>
+                <a:srgbClr val="000000"/>
+              </a:buClr>
+              <a:buSzPct val="75000"/>
+              <a:buFont typeface="Symbol" charset="2"/>
+              <a:buChar char=""/>
+            </a:pPr>
+            <a:r>
+              <a:rPr b="0" lang="en-US" sz="2800" spc="-1" strike="noStrike">
+                <a:latin typeface="Arial"/>
+              </a:rPr>
+              <a:t>Second Outline Level</a:t>
+            </a:r>
+            <a:endParaRPr b="0" lang="en-US" sz="2800" spc="-1" strike="noStrike">
+              <a:latin typeface="Arial"/>
+            </a:endParaRPr>
+          </a:p>
+          <a:p>
+            <a:pPr lvl="2" marL="1296000" indent="-288000">
+              <a:spcBef>
+                <a:spcPts val="850"/>
+              </a:spcBef>
+              <a:buClr>
+                <a:srgbClr val="000000"/>
+              </a:buClr>
+              <a:buSzPct val="45000"/>
+              <a:buFont typeface="Wingdings" charset="2"/>
+              <a:buChar char=""/>
+            </a:pPr>
+            <a:r>
+              <a:rPr b="0" lang="en-US" sz="2400" spc="-1" strike="noStrike">
+                <a:latin typeface="Arial"/>
+              </a:rPr>
+              <a:t>Third Outline Level</a:t>
+            </a:r>
+            <a:endParaRPr b="0" lang="en-US" sz="2400" spc="-1" strike="noStrike">
+              <a:latin typeface="Arial"/>
+            </a:endParaRPr>
+          </a:p>
+          <a:p>
+            <a:pPr lvl="3" marL="1728000" indent="-216000">
+              <a:spcBef>
+                <a:spcPts val="567"/>
+              </a:spcBef>
+              <a:buClr>
+                <a:srgbClr val="000000"/>
+              </a:buClr>
+              <a:buSzPct val="75000"/>
+              <a:buFont typeface="Symbol" charset="2"/>
+              <a:buChar char=""/>
+            </a:pPr>
+            <a:r>
+              <a:rPr b="0" lang="en-US" sz="2000" spc="-1" strike="noStrike">
+                <a:latin typeface="Arial"/>
+              </a:rPr>
+              <a:t>Fourth Outline Level</a:t>
+            </a:r>
+            <a:endParaRPr b="0" lang="en-US" sz="2000" spc="-1" strike="noStrike">
+              <a:latin typeface="Arial"/>
+            </a:endParaRPr>
+          </a:p>
+          <a:p>
+            <a:pPr lvl="4" marL="2160000" indent="-216000">
+              <a:spcBef>
+                <a:spcPts val="283"/>
+              </a:spcBef>
+              <a:buClr>
+                <a:srgbClr val="000000"/>
+              </a:buClr>
+              <a:buSzPct val="45000"/>
+              <a:buFont typeface="Wingdings" charset="2"/>
+              <a:buChar char=""/>
+            </a:pPr>
+            <a:r>
+              <a:rPr b="0" lang="en-US" sz="2000" spc="-1" strike="noStrike">
+                <a:latin typeface="Arial"/>
+              </a:rPr>
+              <a:t>Fifth Outline Level</a:t>
+            </a:r>
+            <a:endParaRPr b="0" lang="en-US" sz="2000" spc="-1" strike="noStrike">
+              <a:latin typeface="Arial"/>
+            </a:endParaRPr>
+          </a:p>
+          <a:p>
+            <a:pPr lvl="5" marL="2592000" indent="-216000">
+              <a:spcBef>
+                <a:spcPts val="283"/>
+              </a:spcBef>
+              <a:buClr>
+                <a:srgbClr val="000000"/>
+              </a:buClr>
+              <a:buSzPct val="45000"/>
+              <a:buFont typeface="Wingdings" charset="2"/>
+              <a:buChar char=""/>
+            </a:pPr>
+            <a:r>
+              <a:rPr b="0" lang="en-US" sz="2000" spc="-1" strike="noStrike">
+                <a:latin typeface="Arial"/>
+              </a:rPr>
+              <a:t>Sixth Outline Level</a:t>
+            </a:r>
+            <a:endParaRPr b="0" lang="en-US" sz="2000" spc="-1" strike="noStrike">
+              <a:latin typeface="Arial"/>
+            </a:endParaRPr>
+          </a:p>
+          <a:p>
+            <a:pPr lvl="6" marL="3024000" indent="-216000">
+              <a:spcBef>
+                <a:spcPts val="283"/>
+              </a:spcBef>
+              <a:buClr>
+                <a:srgbClr val="000000"/>
+              </a:buClr>
+              <a:buSzPct val="45000"/>
+              <a:buFont typeface="Wingdings" charset="2"/>
+              <a:buChar char=""/>
+            </a:pPr>
+            <a:r>
+              <a:rPr b="0" lang="en-US" sz="2000" spc="-1" strike="noStrike">
+                <a:latin typeface="Arial"/>
+              </a:rPr>
+              <a:t>Seventh Outline Level</a:t>
+            </a:r>
+            <a:endParaRPr b="0" lang="en-US" sz="2000" spc="-1" strike="noStrike">
               <a:latin typeface="Arial"/>
             </a:endParaRPr>
           </a:p>
@@ -1460,1028 +1639,1001 @@
           <a:chExt cx="0" cy="0"/>
         </a:xfrm>
       </p:grpSpPr>
-      <p:sp>
-        <p:nvSpPr>
-          <p:cNvPr id="37" name="CustomShape 1"/>
-          <p:cNvSpPr/>
+      <p:grpSp>
+        <p:nvGrpSpPr>
+          <p:cNvPr id="38" name="Group 1"/>
+          <p:cNvGrpSpPr/>
           <p:nvPr/>
-        </p:nvSpPr>
-        <p:spPr>
-          <a:xfrm>
-            <a:off x="1463040" y="1097280"/>
-            <a:ext cx="1920240" cy="640080"/>
-          </a:xfrm>
-          <a:custGeom>
-            <a:avLst/>
-            <a:gdLst/>
-            <a:ahLst/>
-            <a:rect l="0" t="0" r="r" b="b"/>
-            <a:pathLst>
-              <a:path w="5336" h="1780">
-                <a:moveTo>
-                  <a:pt x="296" y="0"/>
-                </a:moveTo>
-                <a:lnTo>
-                  <a:pt x="297" y="0"/>
-                </a:lnTo>
-                <a:cubicBezTo>
-                  <a:pt x="244" y="0"/>
-                  <a:pt x="193" y="14"/>
-                  <a:pt x="148" y="40"/>
-                </a:cubicBezTo>
-                <a:cubicBezTo>
-                  <a:pt x="103" y="66"/>
-                  <a:pt x="66" y="103"/>
-                  <a:pt x="40" y="148"/>
-                </a:cubicBezTo>
-                <a:cubicBezTo>
-                  <a:pt x="14" y="193"/>
-                  <a:pt x="0" y="244"/>
-                  <a:pt x="0" y="297"/>
-                </a:cubicBezTo>
-                <a:lnTo>
-                  <a:pt x="0" y="1482"/>
-                </a:lnTo>
-                <a:lnTo>
-                  <a:pt x="0" y="1483"/>
-                </a:lnTo>
-                <a:cubicBezTo>
-                  <a:pt x="0" y="1535"/>
-                  <a:pt x="14" y="1586"/>
-                  <a:pt x="40" y="1631"/>
-                </a:cubicBezTo>
-                <a:cubicBezTo>
-                  <a:pt x="66" y="1676"/>
-                  <a:pt x="103" y="1713"/>
-                  <a:pt x="148" y="1739"/>
-                </a:cubicBezTo>
-                <a:cubicBezTo>
-                  <a:pt x="193" y="1765"/>
-                  <a:pt x="244" y="1779"/>
-                  <a:pt x="297" y="1779"/>
-                </a:cubicBezTo>
-                <a:lnTo>
-                  <a:pt x="5038" y="1779"/>
-                </a:lnTo>
-                <a:lnTo>
-                  <a:pt x="5039" y="1779"/>
-                </a:lnTo>
-                <a:cubicBezTo>
-                  <a:pt x="5091" y="1779"/>
-                  <a:pt x="5142" y="1765"/>
-                  <a:pt x="5187" y="1739"/>
-                </a:cubicBezTo>
-                <a:cubicBezTo>
-                  <a:pt x="5232" y="1713"/>
-                  <a:pt x="5269" y="1676"/>
-                  <a:pt x="5295" y="1631"/>
-                </a:cubicBezTo>
-                <a:cubicBezTo>
-                  <a:pt x="5321" y="1586"/>
-                  <a:pt x="5335" y="1535"/>
-                  <a:pt x="5335" y="1483"/>
-                </a:cubicBezTo>
-                <a:lnTo>
-                  <a:pt x="5335" y="296"/>
-                </a:lnTo>
-                <a:lnTo>
-                  <a:pt x="5335" y="297"/>
-                </a:lnTo>
-                <a:lnTo>
-                  <a:pt x="5335" y="297"/>
-                </a:lnTo>
-                <a:cubicBezTo>
-                  <a:pt x="5335" y="244"/>
-                  <a:pt x="5321" y="193"/>
-                  <a:pt x="5295" y="148"/>
-                </a:cubicBezTo>
-                <a:cubicBezTo>
-                  <a:pt x="5269" y="103"/>
-                  <a:pt x="5232" y="66"/>
-                  <a:pt x="5187" y="40"/>
-                </a:cubicBezTo>
-                <a:cubicBezTo>
-                  <a:pt x="5142" y="14"/>
-                  <a:pt x="5091" y="0"/>
-                  <a:pt x="5039" y="0"/>
-                </a:cubicBezTo>
-                <a:lnTo>
-                  <a:pt x="296" y="0"/>
-                </a:lnTo>
-              </a:path>
-            </a:pathLst>
-          </a:custGeom>
-          <a:solidFill>
-            <a:srgbClr val="eeeeee"/>
-          </a:solidFill>
-          <a:ln>
+        </p:nvGrpSpPr>
+        <p:grpSpPr>
+          <a:xfrm>
+            <a:off x="986400" y="803160"/>
+            <a:ext cx="6162480" cy="2214360"/>
+            <a:chOff x="986400" y="803160"/>
+            <a:chExt cx="6162480" cy="2214360"/>
+          </a:xfrm>
+        </p:grpSpPr>
+        <p:sp>
+          <p:nvSpPr>
+            <p:cNvPr id="39" name="CustomShape 2"/>
+            <p:cNvSpPr/>
+            <p:nvPr/>
+          </p:nvSpPr>
+          <p:spPr>
+            <a:xfrm>
+              <a:off x="1463040" y="1097280"/>
+              <a:ext cx="1920240" cy="640080"/>
+            </a:xfrm>
+            <a:custGeom>
+              <a:avLst/>
+              <a:gdLst/>
+              <a:ahLst/>
+              <a:rect l="0" t="0" r="r" b="b"/>
+              <a:pathLst>
+                <a:path w="5336" h="1780">
+                  <a:moveTo>
+                    <a:pt x="296" y="0"/>
+                  </a:moveTo>
+                  <a:lnTo>
+                    <a:pt x="297" y="0"/>
+                  </a:lnTo>
+                  <a:cubicBezTo>
+                    <a:pt x="244" y="0"/>
+                    <a:pt x="193" y="14"/>
+                    <a:pt x="148" y="40"/>
+                  </a:cubicBezTo>
+                  <a:cubicBezTo>
+                    <a:pt x="103" y="66"/>
+                    <a:pt x="66" y="103"/>
+                    <a:pt x="40" y="148"/>
+                  </a:cubicBezTo>
+                  <a:cubicBezTo>
+                    <a:pt x="14" y="193"/>
+                    <a:pt x="0" y="244"/>
+                    <a:pt x="0" y="297"/>
+                  </a:cubicBezTo>
+                  <a:lnTo>
+                    <a:pt x="0" y="1482"/>
+                  </a:lnTo>
+                  <a:lnTo>
+                    <a:pt x="0" y="1483"/>
+                  </a:lnTo>
+                  <a:cubicBezTo>
+                    <a:pt x="0" y="1535"/>
+                    <a:pt x="14" y="1586"/>
+                    <a:pt x="40" y="1631"/>
+                  </a:cubicBezTo>
+                  <a:cubicBezTo>
+                    <a:pt x="66" y="1676"/>
+                    <a:pt x="103" y="1713"/>
+                    <a:pt x="148" y="1739"/>
+                  </a:cubicBezTo>
+                  <a:cubicBezTo>
+                    <a:pt x="193" y="1765"/>
+                    <a:pt x="244" y="1779"/>
+                    <a:pt x="297" y="1779"/>
+                  </a:cubicBezTo>
+                  <a:lnTo>
+                    <a:pt x="5038" y="1779"/>
+                  </a:lnTo>
+                  <a:lnTo>
+                    <a:pt x="5039" y="1779"/>
+                  </a:lnTo>
+                  <a:cubicBezTo>
+                    <a:pt x="5091" y="1779"/>
+                    <a:pt x="5142" y="1765"/>
+                    <a:pt x="5187" y="1739"/>
+                  </a:cubicBezTo>
+                  <a:cubicBezTo>
+                    <a:pt x="5232" y="1713"/>
+                    <a:pt x="5269" y="1676"/>
+                    <a:pt x="5295" y="1631"/>
+                  </a:cubicBezTo>
+                  <a:cubicBezTo>
+                    <a:pt x="5321" y="1586"/>
+                    <a:pt x="5335" y="1535"/>
+                    <a:pt x="5335" y="1483"/>
+                  </a:cubicBezTo>
+                  <a:lnTo>
+                    <a:pt x="5335" y="296"/>
+                  </a:lnTo>
+                  <a:lnTo>
+                    <a:pt x="5335" y="297"/>
+                  </a:lnTo>
+                  <a:lnTo>
+                    <a:pt x="5335" y="297"/>
+                  </a:lnTo>
+                  <a:cubicBezTo>
+                    <a:pt x="5335" y="244"/>
+                    <a:pt x="5321" y="193"/>
+                    <a:pt x="5295" y="148"/>
+                  </a:cubicBezTo>
+                  <a:cubicBezTo>
+                    <a:pt x="5269" y="103"/>
+                    <a:pt x="5232" y="66"/>
+                    <a:pt x="5187" y="40"/>
+                  </a:cubicBezTo>
+                  <a:cubicBezTo>
+                    <a:pt x="5142" y="14"/>
+                    <a:pt x="5091" y="0"/>
+                    <a:pt x="5039" y="0"/>
+                  </a:cubicBezTo>
+                  <a:lnTo>
+                    <a:pt x="296" y="0"/>
+                  </a:lnTo>
+                </a:path>
+              </a:pathLst>
+            </a:custGeom>
             <a:solidFill>
-              <a:srgbClr val="3465a4"/>
+              <a:srgbClr val="eeeeee"/>
             </a:solidFill>
-          </a:ln>
-        </p:spPr>
-        <p:style>
-          <a:lnRef idx="0"/>
-          <a:fillRef idx="0"/>
-          <a:effectRef idx="0"/>
-          <a:fontRef idx="minor"/>
-        </p:style>
-        <p:txBody>
-          <a:bodyPr wrap="none" lIns="90000" rIns="90000" tIns="45000" bIns="45000" anchor="ctr">
-            <a:noAutofit/>
-          </a:bodyPr>
-          <a:p>
-            <a:pPr algn="ctr"/>
-            <a:r>
-              <a:rPr b="0" lang="en-US" sz="1800" spc="-1" strike="noStrike">
+            <a:ln>
+              <a:solidFill>
+                <a:srgbClr val="3465a4"/>
+              </a:solidFill>
+            </a:ln>
+          </p:spPr>
+          <p:style>
+            <a:lnRef idx="0"/>
+            <a:fillRef idx="0"/>
+            <a:effectRef idx="0"/>
+            <a:fontRef idx="minor"/>
+          </p:style>
+          <p:txBody>
+            <a:bodyPr wrap="none" lIns="90000" rIns="90000" tIns="45000" bIns="45000" anchor="ctr">
+              <a:noAutofit/>
+            </a:bodyPr>
+            <a:p>
+              <a:pPr algn="ctr"/>
+              <a:r>
+                <a:rPr b="0" lang="en-US" sz="1800" spc="-1" strike="noStrike">
+                  <a:latin typeface="Arial"/>
+                </a:rPr>
+                <a:t>P</a:t>
+              </a:r>
+              <a:r>
+                <a:rPr b="0" lang="en-US" sz="1800" spc="-1" strike="noStrike">
+                  <a:latin typeface="Arial"/>
+                </a:rPr>
+                <a:t>I</a:t>
+              </a:r>
+              <a:r>
+                <a:rPr b="0" lang="en-US" sz="1800" spc="-1" strike="noStrike">
+                  <a:latin typeface="Arial"/>
+                </a:rPr>
+                <a:t>D</a:t>
+              </a:r>
+              <a:r>
+                <a:rPr b="0" lang="en-US" sz="1800" spc="-1" strike="noStrike">
+                  <a:latin typeface="Arial"/>
+                </a:rPr>
+                <a:t> </a:t>
+              </a:r>
+              <a:r>
+                <a:rPr b="0" lang="en-US" sz="1800" spc="-1" strike="noStrike">
+                  <a:latin typeface="Arial"/>
+                </a:rPr>
+                <a:t>C</a:t>
+              </a:r>
+              <a:r>
+                <a:rPr b="0" lang="en-US" sz="1800" spc="-1" strike="noStrike">
+                  <a:latin typeface="Arial"/>
+                </a:rPr>
+                <a:t>o</a:t>
+              </a:r>
+              <a:r>
+                <a:rPr b="0" lang="en-US" sz="1800" spc="-1" strike="noStrike">
+                  <a:latin typeface="Arial"/>
+                </a:rPr>
+                <a:t>n</a:t>
+              </a:r>
+              <a:r>
+                <a:rPr b="0" lang="en-US" sz="1800" spc="-1" strike="noStrike">
+                  <a:latin typeface="Arial"/>
+                </a:rPr>
+                <a:t>t</a:t>
+              </a:r>
+              <a:r>
+                <a:rPr b="0" lang="en-US" sz="1800" spc="-1" strike="noStrike">
+                  <a:latin typeface="Arial"/>
+                </a:rPr>
+                <a:t>r</a:t>
+              </a:r>
+              <a:r>
+                <a:rPr b="0" lang="en-US" sz="1800" spc="-1" strike="noStrike">
+                  <a:latin typeface="Arial"/>
+                </a:rPr>
+                <a:t>o</a:t>
+              </a:r>
+              <a:r>
+                <a:rPr b="0" lang="en-US" sz="1800" spc="-1" strike="noStrike">
+                  <a:latin typeface="Arial"/>
+                </a:rPr>
+                <a:t>ll</a:t>
+              </a:r>
+              <a:r>
+                <a:rPr b="0" lang="en-US" sz="1800" spc="-1" strike="noStrike">
+                  <a:latin typeface="Arial"/>
+                </a:rPr>
+                <a:t>e</a:t>
+              </a:r>
+              <a:r>
+                <a:rPr b="0" lang="en-US" sz="1800" spc="-1" strike="noStrike">
+                  <a:latin typeface="Arial"/>
+                </a:rPr>
+                <a:t>r</a:t>
+              </a:r>
+              <a:endParaRPr b="0" lang="en-US" sz="1800" spc="-1" strike="noStrike">
                 <a:latin typeface="Arial"/>
-              </a:rPr>
-              <a:t>PID Controller</a:t>
-            </a:r>
-            <a:endParaRPr b="0" lang="en-US" sz="1800" spc="-1" strike="noStrike">
-              <a:latin typeface="Arial"/>
-            </a:endParaRPr>
-          </a:p>
-        </p:txBody>
-      </p:sp>
-      <p:sp>
-        <p:nvSpPr>
-          <p:cNvPr id="38" name="CustomShape 2"/>
-          <p:cNvSpPr/>
-          <p:nvPr/>
-        </p:nvSpPr>
-        <p:spPr>
-          <a:xfrm>
-            <a:off x="2926080" y="2377440"/>
-            <a:ext cx="1920240" cy="640080"/>
-          </a:xfrm>
-          <a:custGeom>
-            <a:avLst/>
-            <a:gdLst/>
-            <a:ahLst/>
-            <a:rect l="0" t="0" r="r" b="b"/>
-            <a:pathLst>
-              <a:path w="5336" h="1780">
-                <a:moveTo>
-                  <a:pt x="296" y="0"/>
-                </a:moveTo>
-                <a:lnTo>
-                  <a:pt x="297" y="0"/>
-                </a:lnTo>
-                <a:cubicBezTo>
-                  <a:pt x="244" y="0"/>
-                  <a:pt x="193" y="14"/>
-                  <a:pt x="148" y="40"/>
-                </a:cubicBezTo>
-                <a:cubicBezTo>
-                  <a:pt x="103" y="66"/>
-                  <a:pt x="66" y="103"/>
-                  <a:pt x="40" y="148"/>
-                </a:cubicBezTo>
-                <a:cubicBezTo>
-                  <a:pt x="14" y="193"/>
-                  <a:pt x="0" y="244"/>
-                  <a:pt x="0" y="297"/>
-                </a:cubicBezTo>
-                <a:lnTo>
-                  <a:pt x="0" y="1482"/>
-                </a:lnTo>
-                <a:lnTo>
-                  <a:pt x="0" y="1483"/>
-                </a:lnTo>
-                <a:cubicBezTo>
-                  <a:pt x="0" y="1535"/>
-                  <a:pt x="14" y="1586"/>
-                  <a:pt x="40" y="1631"/>
-                </a:cubicBezTo>
-                <a:cubicBezTo>
-                  <a:pt x="66" y="1676"/>
-                  <a:pt x="103" y="1713"/>
-                  <a:pt x="148" y="1739"/>
-                </a:cubicBezTo>
-                <a:cubicBezTo>
-                  <a:pt x="193" y="1765"/>
-                  <a:pt x="244" y="1779"/>
-                  <a:pt x="297" y="1779"/>
-                </a:cubicBezTo>
-                <a:lnTo>
-                  <a:pt x="5038" y="1779"/>
-                </a:lnTo>
-                <a:lnTo>
-                  <a:pt x="5039" y="1779"/>
-                </a:lnTo>
-                <a:cubicBezTo>
-                  <a:pt x="5091" y="1779"/>
-                  <a:pt x="5142" y="1765"/>
-                  <a:pt x="5187" y="1739"/>
-                </a:cubicBezTo>
-                <a:cubicBezTo>
-                  <a:pt x="5232" y="1713"/>
-                  <a:pt x="5269" y="1676"/>
-                  <a:pt x="5295" y="1631"/>
-                </a:cubicBezTo>
-                <a:cubicBezTo>
-                  <a:pt x="5321" y="1586"/>
-                  <a:pt x="5335" y="1535"/>
-                  <a:pt x="5335" y="1483"/>
-                </a:cubicBezTo>
-                <a:lnTo>
-                  <a:pt x="5335" y="296"/>
-                </a:lnTo>
-                <a:lnTo>
-                  <a:pt x="5335" y="297"/>
-                </a:lnTo>
-                <a:lnTo>
-                  <a:pt x="5335" y="297"/>
-                </a:lnTo>
-                <a:cubicBezTo>
-                  <a:pt x="5335" y="244"/>
-                  <a:pt x="5321" y="193"/>
-                  <a:pt x="5295" y="148"/>
-                </a:cubicBezTo>
-                <a:cubicBezTo>
-                  <a:pt x="5269" y="103"/>
-                  <a:pt x="5232" y="66"/>
-                  <a:pt x="5187" y="40"/>
-                </a:cubicBezTo>
-                <a:cubicBezTo>
-                  <a:pt x="5142" y="14"/>
-                  <a:pt x="5091" y="0"/>
-                  <a:pt x="5039" y="0"/>
-                </a:cubicBezTo>
-                <a:lnTo>
-                  <a:pt x="296" y="0"/>
-                </a:lnTo>
-              </a:path>
-            </a:pathLst>
-          </a:custGeom>
-          <a:solidFill>
-            <a:srgbClr val="dee7e5"/>
-          </a:solidFill>
-          <a:ln>
+              </a:endParaRPr>
+            </a:p>
+          </p:txBody>
+        </p:sp>
+        <p:sp>
+          <p:nvSpPr>
+            <p:cNvPr id="40" name="CustomShape 3"/>
+            <p:cNvSpPr/>
+            <p:nvPr/>
+          </p:nvSpPr>
+          <p:spPr>
+            <a:xfrm>
+              <a:off x="2926080" y="2377440"/>
+              <a:ext cx="1920240" cy="640080"/>
+            </a:xfrm>
+            <a:custGeom>
+              <a:avLst/>
+              <a:gdLst/>
+              <a:ahLst/>
+              <a:rect l="0" t="0" r="r" b="b"/>
+              <a:pathLst>
+                <a:path w="5336" h="1780">
+                  <a:moveTo>
+                    <a:pt x="296" y="0"/>
+                  </a:moveTo>
+                  <a:lnTo>
+                    <a:pt x="297" y="0"/>
+                  </a:lnTo>
+                  <a:cubicBezTo>
+                    <a:pt x="244" y="0"/>
+                    <a:pt x="193" y="14"/>
+                    <a:pt x="148" y="40"/>
+                  </a:cubicBezTo>
+                  <a:cubicBezTo>
+                    <a:pt x="103" y="66"/>
+                    <a:pt x="66" y="103"/>
+                    <a:pt x="40" y="148"/>
+                  </a:cubicBezTo>
+                  <a:cubicBezTo>
+                    <a:pt x="14" y="193"/>
+                    <a:pt x="0" y="244"/>
+                    <a:pt x="0" y="297"/>
+                  </a:cubicBezTo>
+                  <a:lnTo>
+                    <a:pt x="0" y="1482"/>
+                  </a:lnTo>
+                  <a:lnTo>
+                    <a:pt x="0" y="1483"/>
+                  </a:lnTo>
+                  <a:cubicBezTo>
+                    <a:pt x="0" y="1535"/>
+                    <a:pt x="14" y="1586"/>
+                    <a:pt x="40" y="1631"/>
+                  </a:cubicBezTo>
+                  <a:cubicBezTo>
+                    <a:pt x="66" y="1676"/>
+                    <a:pt x="103" y="1713"/>
+                    <a:pt x="148" y="1739"/>
+                  </a:cubicBezTo>
+                  <a:cubicBezTo>
+                    <a:pt x="193" y="1765"/>
+                    <a:pt x="244" y="1779"/>
+                    <a:pt x="297" y="1779"/>
+                  </a:cubicBezTo>
+                  <a:lnTo>
+                    <a:pt x="5038" y="1779"/>
+                  </a:lnTo>
+                  <a:lnTo>
+                    <a:pt x="5039" y="1779"/>
+                  </a:lnTo>
+                  <a:cubicBezTo>
+                    <a:pt x="5091" y="1779"/>
+                    <a:pt x="5142" y="1765"/>
+                    <a:pt x="5187" y="1739"/>
+                  </a:cubicBezTo>
+                  <a:cubicBezTo>
+                    <a:pt x="5232" y="1713"/>
+                    <a:pt x="5269" y="1676"/>
+                    <a:pt x="5295" y="1631"/>
+                  </a:cubicBezTo>
+                  <a:cubicBezTo>
+                    <a:pt x="5321" y="1586"/>
+                    <a:pt x="5335" y="1535"/>
+                    <a:pt x="5335" y="1483"/>
+                  </a:cubicBezTo>
+                  <a:lnTo>
+                    <a:pt x="5335" y="296"/>
+                  </a:lnTo>
+                  <a:lnTo>
+                    <a:pt x="5335" y="297"/>
+                  </a:lnTo>
+                  <a:lnTo>
+                    <a:pt x="5335" y="297"/>
+                  </a:lnTo>
+                  <a:cubicBezTo>
+                    <a:pt x="5335" y="244"/>
+                    <a:pt x="5321" y="193"/>
+                    <a:pt x="5295" y="148"/>
+                  </a:cubicBezTo>
+                  <a:cubicBezTo>
+                    <a:pt x="5269" y="103"/>
+                    <a:pt x="5232" y="66"/>
+                    <a:pt x="5187" y="40"/>
+                  </a:cubicBezTo>
+                  <a:cubicBezTo>
+                    <a:pt x="5142" y="14"/>
+                    <a:pt x="5091" y="0"/>
+                    <a:pt x="5039" y="0"/>
+                  </a:cubicBezTo>
+                  <a:lnTo>
+                    <a:pt x="296" y="0"/>
+                  </a:lnTo>
+                </a:path>
+              </a:pathLst>
+            </a:custGeom>
             <a:solidFill>
-              <a:srgbClr val="3465a4"/>
+              <a:srgbClr val="dee7e5"/>
             </a:solidFill>
-          </a:ln>
-        </p:spPr>
-        <p:style>
-          <a:lnRef idx="0"/>
-          <a:fillRef idx="0"/>
-          <a:effectRef idx="0"/>
-          <a:fontRef idx="minor"/>
-        </p:style>
-        <p:txBody>
-          <a:bodyPr wrap="none" lIns="90000" rIns="90000" tIns="45000" bIns="45000" anchor="ctr">
-            <a:noAutofit/>
-          </a:bodyPr>
-          <a:p>
-            <a:pPr algn="ctr"/>
-            <a:r>
-              <a:rPr b="0" lang="en-US" sz="1800" spc="-1" strike="noStrike">
+            <a:ln>
+              <a:solidFill>
+                <a:srgbClr val="3465a4"/>
+              </a:solidFill>
+            </a:ln>
+          </p:spPr>
+          <p:style>
+            <a:lnRef idx="0"/>
+            <a:fillRef idx="0"/>
+            <a:effectRef idx="0"/>
+            <a:fontRef idx="minor"/>
+          </p:style>
+          <p:txBody>
+            <a:bodyPr wrap="none" lIns="90000" rIns="90000" tIns="45000" bIns="45000" anchor="ctr">
+              <a:noAutofit/>
+            </a:bodyPr>
+            <a:p>
+              <a:pPr algn="ctr"/>
+              <a:r>
+                <a:rPr b="0" lang="en-US" sz="1800" spc="-1" strike="noStrike">
+                  <a:latin typeface="Arial"/>
+                </a:rPr>
+                <a:t>S</a:t>
+              </a:r>
+              <a:r>
+                <a:rPr b="0" lang="en-US" sz="1800" spc="-1" strike="noStrike">
+                  <a:latin typeface="Arial"/>
+                </a:rPr>
+                <a:t>e</a:t>
+              </a:r>
+              <a:r>
+                <a:rPr b="0" lang="en-US" sz="1800" spc="-1" strike="noStrike">
+                  <a:latin typeface="Arial"/>
+                </a:rPr>
+                <a:t>n</a:t>
+              </a:r>
+              <a:r>
+                <a:rPr b="0" lang="en-US" sz="1800" spc="-1" strike="noStrike">
+                  <a:latin typeface="Arial"/>
+                </a:rPr>
+                <a:t>s</a:t>
+              </a:r>
+              <a:r>
+                <a:rPr b="0" lang="en-US" sz="1800" spc="-1" strike="noStrike">
+                  <a:latin typeface="Arial"/>
+                </a:rPr>
+                <a:t>o</a:t>
+              </a:r>
+              <a:r>
+                <a:rPr b="0" lang="en-US" sz="1800" spc="-1" strike="noStrike">
+                  <a:latin typeface="Arial"/>
+                </a:rPr>
+                <a:t>r</a:t>
+              </a:r>
+              <a:endParaRPr b="0" lang="en-US" sz="1800" spc="-1" strike="noStrike">
                 <a:latin typeface="Arial"/>
-              </a:rPr>
-              <a:t>Sensor</a:t>
-            </a:r>
-            <a:endParaRPr b="0" lang="en-US" sz="1800" spc="-1" strike="noStrike">
-              <a:latin typeface="Arial"/>
-            </a:endParaRPr>
-          </a:p>
-        </p:txBody>
-      </p:sp>
-      <p:sp>
-        <p:nvSpPr>
-          <p:cNvPr id="39" name="CustomShape 3"/>
-          <p:cNvSpPr/>
-          <p:nvPr/>
-        </p:nvSpPr>
-        <p:spPr>
-          <a:xfrm>
-            <a:off x="4389120" y="1097280"/>
-            <a:ext cx="1920240" cy="640080"/>
-          </a:xfrm>
-          <a:custGeom>
-            <a:avLst/>
-            <a:gdLst/>
-            <a:ahLst/>
-            <a:rect l="0" t="0" r="r" b="b"/>
-            <a:pathLst>
-              <a:path w="5336" h="1780">
-                <a:moveTo>
-                  <a:pt x="296" y="0"/>
-                </a:moveTo>
-                <a:lnTo>
-                  <a:pt x="297" y="0"/>
-                </a:lnTo>
-                <a:cubicBezTo>
-                  <a:pt x="244" y="0"/>
-                  <a:pt x="193" y="14"/>
-                  <a:pt x="148" y="40"/>
-                </a:cubicBezTo>
-                <a:cubicBezTo>
-                  <a:pt x="103" y="66"/>
-                  <a:pt x="66" y="103"/>
-                  <a:pt x="40" y="148"/>
-                </a:cubicBezTo>
-                <a:cubicBezTo>
-                  <a:pt x="14" y="193"/>
-                  <a:pt x="0" y="244"/>
-                  <a:pt x="0" y="297"/>
-                </a:cubicBezTo>
-                <a:lnTo>
-                  <a:pt x="0" y="1482"/>
-                </a:lnTo>
-                <a:lnTo>
-                  <a:pt x="0" y="1483"/>
-                </a:lnTo>
-                <a:cubicBezTo>
-                  <a:pt x="0" y="1535"/>
-                  <a:pt x="14" y="1586"/>
-                  <a:pt x="40" y="1631"/>
-                </a:cubicBezTo>
-                <a:cubicBezTo>
-                  <a:pt x="66" y="1676"/>
-                  <a:pt x="103" y="1713"/>
-                  <a:pt x="148" y="1739"/>
-                </a:cubicBezTo>
-                <a:cubicBezTo>
-                  <a:pt x="193" y="1765"/>
-                  <a:pt x="244" y="1779"/>
-                  <a:pt x="297" y="1779"/>
-                </a:cubicBezTo>
-                <a:lnTo>
-                  <a:pt x="5038" y="1779"/>
-                </a:lnTo>
-                <a:lnTo>
-                  <a:pt x="5039" y="1779"/>
-                </a:lnTo>
-                <a:cubicBezTo>
-                  <a:pt x="5091" y="1779"/>
-                  <a:pt x="5142" y="1765"/>
-                  <a:pt x="5187" y="1739"/>
-                </a:cubicBezTo>
-                <a:cubicBezTo>
-                  <a:pt x="5232" y="1713"/>
-                  <a:pt x="5269" y="1676"/>
-                  <a:pt x="5295" y="1631"/>
-                </a:cubicBezTo>
-                <a:cubicBezTo>
-                  <a:pt x="5321" y="1586"/>
-                  <a:pt x="5335" y="1535"/>
-                  <a:pt x="5335" y="1483"/>
-                </a:cubicBezTo>
-                <a:lnTo>
-                  <a:pt x="5335" y="296"/>
-                </a:lnTo>
-                <a:lnTo>
-                  <a:pt x="5335" y="297"/>
-                </a:lnTo>
-                <a:lnTo>
-                  <a:pt x="5335" y="297"/>
-                </a:lnTo>
-                <a:cubicBezTo>
-                  <a:pt x="5335" y="244"/>
-                  <a:pt x="5321" y="193"/>
-                  <a:pt x="5295" y="148"/>
-                </a:cubicBezTo>
-                <a:cubicBezTo>
-                  <a:pt x="5269" y="103"/>
-                  <a:pt x="5232" y="66"/>
-                  <a:pt x="5187" y="40"/>
-                </a:cubicBezTo>
-                <a:cubicBezTo>
-                  <a:pt x="5142" y="14"/>
-                  <a:pt x="5091" y="0"/>
-                  <a:pt x="5039" y="0"/>
-                </a:cubicBezTo>
-                <a:lnTo>
-                  <a:pt x="296" y="0"/>
-                </a:lnTo>
-              </a:path>
-            </a:pathLst>
-          </a:custGeom>
-          <a:solidFill>
-            <a:srgbClr val="eeeeee"/>
-          </a:solidFill>
-          <a:ln>
+              </a:endParaRPr>
+            </a:p>
+          </p:txBody>
+        </p:sp>
+        <p:sp>
+          <p:nvSpPr>
+            <p:cNvPr id="41" name="CustomShape 4"/>
+            <p:cNvSpPr/>
+            <p:nvPr/>
+          </p:nvSpPr>
+          <p:spPr>
+            <a:xfrm>
+              <a:off x="4389120" y="1097280"/>
+              <a:ext cx="1920240" cy="640080"/>
+            </a:xfrm>
+            <a:custGeom>
+              <a:avLst/>
+              <a:gdLst/>
+              <a:ahLst/>
+              <a:rect l="0" t="0" r="r" b="b"/>
+              <a:pathLst>
+                <a:path w="5336" h="1780">
+                  <a:moveTo>
+                    <a:pt x="296" y="0"/>
+                  </a:moveTo>
+                  <a:lnTo>
+                    <a:pt x="297" y="0"/>
+                  </a:lnTo>
+                  <a:cubicBezTo>
+                    <a:pt x="244" y="0"/>
+                    <a:pt x="193" y="14"/>
+                    <a:pt x="148" y="40"/>
+                  </a:cubicBezTo>
+                  <a:cubicBezTo>
+                    <a:pt x="103" y="66"/>
+                    <a:pt x="66" y="103"/>
+                    <a:pt x="40" y="148"/>
+                  </a:cubicBezTo>
+                  <a:cubicBezTo>
+                    <a:pt x="14" y="193"/>
+                    <a:pt x="0" y="244"/>
+                    <a:pt x="0" y="297"/>
+                  </a:cubicBezTo>
+                  <a:lnTo>
+                    <a:pt x="0" y="1482"/>
+                  </a:lnTo>
+                  <a:lnTo>
+                    <a:pt x="0" y="1483"/>
+                  </a:lnTo>
+                  <a:cubicBezTo>
+                    <a:pt x="0" y="1535"/>
+                    <a:pt x="14" y="1586"/>
+                    <a:pt x="40" y="1631"/>
+                  </a:cubicBezTo>
+                  <a:cubicBezTo>
+                    <a:pt x="66" y="1676"/>
+                    <a:pt x="103" y="1713"/>
+                    <a:pt x="148" y="1739"/>
+                  </a:cubicBezTo>
+                  <a:cubicBezTo>
+                    <a:pt x="193" y="1765"/>
+                    <a:pt x="244" y="1779"/>
+                    <a:pt x="297" y="1779"/>
+                  </a:cubicBezTo>
+                  <a:lnTo>
+                    <a:pt x="5038" y="1779"/>
+                  </a:lnTo>
+                  <a:lnTo>
+                    <a:pt x="5039" y="1779"/>
+                  </a:lnTo>
+                  <a:cubicBezTo>
+                    <a:pt x="5091" y="1779"/>
+                    <a:pt x="5142" y="1765"/>
+                    <a:pt x="5187" y="1739"/>
+                  </a:cubicBezTo>
+                  <a:cubicBezTo>
+                    <a:pt x="5232" y="1713"/>
+                    <a:pt x="5269" y="1676"/>
+                    <a:pt x="5295" y="1631"/>
+                  </a:cubicBezTo>
+                  <a:cubicBezTo>
+                    <a:pt x="5321" y="1586"/>
+                    <a:pt x="5335" y="1535"/>
+                    <a:pt x="5335" y="1483"/>
+                  </a:cubicBezTo>
+                  <a:lnTo>
+                    <a:pt x="5335" y="296"/>
+                  </a:lnTo>
+                  <a:lnTo>
+                    <a:pt x="5335" y="297"/>
+                  </a:lnTo>
+                  <a:lnTo>
+                    <a:pt x="5335" y="297"/>
+                  </a:lnTo>
+                  <a:cubicBezTo>
+                    <a:pt x="5335" y="244"/>
+                    <a:pt x="5321" y="193"/>
+                    <a:pt x="5295" y="148"/>
+                  </a:cubicBezTo>
+                  <a:cubicBezTo>
+                    <a:pt x="5269" y="103"/>
+                    <a:pt x="5232" y="66"/>
+                    <a:pt x="5187" y="40"/>
+                  </a:cubicBezTo>
+                  <a:cubicBezTo>
+                    <a:pt x="5142" y="14"/>
+                    <a:pt x="5091" y="0"/>
+                    <a:pt x="5039" y="0"/>
+                  </a:cubicBezTo>
+                  <a:lnTo>
+                    <a:pt x="296" y="0"/>
+                  </a:lnTo>
+                </a:path>
+              </a:pathLst>
+            </a:custGeom>
             <a:solidFill>
-              <a:srgbClr val="3465a4"/>
+              <a:srgbClr val="eeeeee"/>
             </a:solidFill>
-          </a:ln>
-        </p:spPr>
-        <p:style>
-          <a:lnRef idx="0"/>
-          <a:fillRef idx="0"/>
-          <a:effectRef idx="0"/>
-          <a:fontRef idx="minor"/>
-        </p:style>
-        <p:txBody>
-          <a:bodyPr wrap="none" lIns="90000" rIns="90000" tIns="45000" bIns="45000" anchor="ctr">
-            <a:noAutofit/>
-          </a:bodyPr>
-          <a:p>
-            <a:pPr algn="ctr"/>
-            <a:r>
-              <a:rPr b="0" lang="en-US" sz="1800" spc="-1" strike="noStrike">
+            <a:ln>
+              <a:solidFill>
+                <a:srgbClr val="3465a4"/>
+              </a:solidFill>
+            </a:ln>
+          </p:spPr>
+          <p:style>
+            <a:lnRef idx="0"/>
+            <a:fillRef idx="0"/>
+            <a:effectRef idx="0"/>
+            <a:fontRef idx="minor"/>
+          </p:style>
+          <p:txBody>
+            <a:bodyPr wrap="none" lIns="90000" rIns="90000" tIns="45000" bIns="45000" anchor="ctr">
+              <a:noAutofit/>
+            </a:bodyPr>
+            <a:p>
+              <a:pPr algn="ctr"/>
+              <a:r>
+                <a:rPr b="0" lang="en-US" sz="1800" spc="-1" strike="noStrike">
+                  <a:latin typeface="Arial"/>
+                </a:rPr>
+                <a:t>Process</a:t>
+              </a:r>
+              <a:endParaRPr b="0" lang="en-US" sz="1800" spc="-1" strike="noStrike">
                 <a:latin typeface="Arial"/>
-              </a:rPr>
-              <a:t>Process</a:t>
-            </a:r>
-            <a:endParaRPr b="0" lang="en-US" sz="1800" spc="-1" strike="noStrike">
-              <a:latin typeface="Arial"/>
-            </a:endParaRPr>
-          </a:p>
-        </p:txBody>
-      </p:sp>
-      <p:cxnSp>
-        <p:nvCxnSpPr>
-          <p:cNvPr id="40" name="Line 4"/>
-          <p:cNvCxnSpPr/>
-          <p:nvPr/>
-        </p:nvCxnSpPr>
-        <p:spPr>
-          <a:xfrm>
-            <a:off x="0" y="0"/>
-            <a:ext cx="360" cy="360"/>
-          </a:xfrm>
-          <a:prstGeom prst="line">
-            <a:avLst/>
-          </a:prstGeom>
-          <a:ln w="12600">
-            <a:solidFill>
-              <a:srgbClr val="3465a4"/>
-            </a:solidFill>
-            <a:round/>
-            <a:headEnd len="med" type="triangle" w="med"/>
-          </a:ln>
-        </p:spPr>
-      </p:cxnSp>
-      <p:cxnSp>
-        <p:nvCxnSpPr>
-          <p:cNvPr id="41" name="Line 5"/>
-          <p:cNvCxnSpPr/>
-          <p:nvPr/>
-        </p:nvCxnSpPr>
-        <p:spPr>
-          <a:xfrm>
-            <a:off x="0" y="0"/>
-            <a:ext cx="360" cy="360"/>
-          </a:xfrm>
-          <a:prstGeom prst="line">
-            <a:avLst/>
-          </a:prstGeom>
-          <a:ln w="12600">
-            <a:solidFill>
-              <a:srgbClr val="3465a4"/>
-            </a:solidFill>
-            <a:round/>
-            <a:tailEnd len="med" type="triangle" w="med"/>
-          </a:ln>
-        </p:spPr>
-      </p:cxnSp>
-      <p:sp>
-        <p:nvSpPr>
-          <p:cNvPr id="42" name="Line 6"/>
-          <p:cNvSpPr/>
-          <p:nvPr/>
-        </p:nvSpPr>
-        <p:spPr>
-          <a:xfrm>
-            <a:off x="5358960" y="803520"/>
-            <a:ext cx="0" cy="293760"/>
-          </a:xfrm>
-          <a:prstGeom prst="line">
-            <a:avLst/>
-          </a:prstGeom>
-          <a:ln>
-            <a:solidFill>
-              <a:srgbClr val="3465a4"/>
-            </a:solidFill>
-            <a:tailEnd len="med" type="triangle" w="med"/>
-          </a:ln>
-        </p:spPr>
-        <p:style>
-          <a:lnRef idx="0"/>
-          <a:fillRef idx="0"/>
-          <a:effectRef idx="0"/>
-          <a:fontRef idx="minor"/>
-        </p:style>
-      </p:sp>
-      <p:sp>
-        <p:nvSpPr>
-          <p:cNvPr id="43" name="TextShape 7"/>
-          <p:cNvSpPr txBox="1"/>
-          <p:nvPr/>
-        </p:nvSpPr>
-        <p:spPr>
-          <a:xfrm>
-            <a:off x="5358960" y="803160"/>
-            <a:ext cx="1789920" cy="274680"/>
-          </a:xfrm>
-          <a:prstGeom prst="rect">
-            <a:avLst/>
-          </a:prstGeom>
-          <a:noFill/>
-          <a:ln>
+              </a:endParaRPr>
+            </a:p>
+          </p:txBody>
+        </p:sp>
+        <p:cxnSp>
+          <p:nvCxnSpPr>
+            <p:cNvPr id="42" name="Line 5"/>
+            <p:cNvCxnSpPr/>
+            <p:nvPr/>
+          </p:nvCxnSpPr>
+          <p:spPr>
+            <a:xfrm>
+              <a:off x="0" y="0"/>
+              <a:ext cx="360" cy="360"/>
+            </a:xfrm>
+            <a:prstGeom prst="line">
+              <a:avLst/>
+            </a:prstGeom>
+            <a:ln w="12600">
+              <a:solidFill>
+                <a:srgbClr val="3465a4"/>
+              </a:solidFill>
+              <a:round/>
+              <a:headEnd len="med" type="triangle" w="med"/>
+            </a:ln>
+          </p:spPr>
+        </p:cxnSp>
+        <p:cxnSp>
+          <p:nvCxnSpPr>
+            <p:cNvPr id="43" name="Line 6"/>
+            <p:cNvCxnSpPr/>
+            <p:nvPr/>
+          </p:nvCxnSpPr>
+          <p:spPr>
+            <a:xfrm>
+              <a:off x="0" y="0"/>
+              <a:ext cx="360" cy="360"/>
+            </a:xfrm>
+            <a:prstGeom prst="line">
+              <a:avLst/>
+            </a:prstGeom>
+            <a:ln w="12600">
+              <a:solidFill>
+                <a:srgbClr val="3465a4"/>
+              </a:solidFill>
+              <a:round/>
+              <a:tailEnd len="med" type="triangle" w="med"/>
+            </a:ln>
+          </p:spPr>
+        </p:cxnSp>
+        <p:sp>
+          <p:nvSpPr>
+            <p:cNvPr id="44" name="Line 7"/>
+            <p:cNvSpPr/>
+            <p:nvPr/>
+          </p:nvSpPr>
+          <p:spPr>
+            <a:xfrm>
+              <a:off x="5358960" y="803520"/>
+              <a:ext cx="0" cy="293760"/>
+            </a:xfrm>
+            <a:prstGeom prst="line">
+              <a:avLst/>
+            </a:prstGeom>
+            <a:ln>
+              <a:solidFill>
+                <a:srgbClr val="3465a4"/>
+              </a:solidFill>
+              <a:tailEnd len="med" type="triangle" w="med"/>
+            </a:ln>
+          </p:spPr>
+          <p:style>
+            <a:lnRef idx="0"/>
+            <a:fillRef idx="0"/>
+            <a:effectRef idx="0"/>
+            <a:fontRef idx="minor"/>
+          </p:style>
+        </p:sp>
+        <p:sp>
+          <p:nvSpPr>
+            <p:cNvPr id="45" name="TextShape 8"/>
+            <p:cNvSpPr txBox="1"/>
+            <p:nvPr/>
+          </p:nvSpPr>
+          <p:spPr>
+            <a:xfrm>
+              <a:off x="5358960" y="803160"/>
+              <a:ext cx="1789920" cy="274680"/>
+            </a:xfrm>
+            <a:prstGeom prst="rect">
+              <a:avLst/>
+            </a:prstGeom>
             <a:noFill/>
-          </a:ln>
-        </p:spPr>
-        <p:txBody>
-          <a:bodyPr lIns="90000" rIns="90000" tIns="45000" bIns="45000">
-            <a:noAutofit/>
-          </a:bodyPr>
-          <a:p>
-            <a:r>
-              <a:rPr b="0" lang="en-US" sz="1300" spc="-1" strike="noStrike">
+            <a:ln>
+              <a:noFill/>
+            </a:ln>
+          </p:spPr>
+          <p:txBody>
+            <a:bodyPr lIns="90000" rIns="90000" tIns="45000" bIns="45000">
+              <a:noAutofit/>
+            </a:bodyPr>
+            <a:p>
+              <a:r>
+                <a:rPr b="0" lang="en-US" sz="1300" spc="-1" strike="noStrike">
+                  <a:solidFill>
+                    <a:srgbClr val="ff0000"/>
+                  </a:solidFill>
+                  <a:latin typeface="Arial"/>
+                </a:rPr>
+                <a:t>External Disturbances</a:t>
+              </a:r>
+              <a:endParaRPr b="0" lang="en-US" sz="1300" spc="-1" strike="noStrike">
                 <a:solidFill>
                   <a:srgbClr val="ff0000"/>
                 </a:solidFill>
                 <a:latin typeface="Arial"/>
-              </a:rPr>
-              <a:t>E</a:t>
-            </a:r>
-            <a:r>
-              <a:rPr b="0" lang="en-US" sz="1300" spc="-1" strike="noStrike">
+              </a:endParaRPr>
+            </a:p>
+          </p:txBody>
+        </p:sp>
+        <p:sp>
+          <p:nvSpPr>
+            <p:cNvPr id="46" name="TextShape 9"/>
+            <p:cNvSpPr txBox="1"/>
+            <p:nvPr/>
+          </p:nvSpPr>
+          <p:spPr>
+            <a:xfrm>
+              <a:off x="1313640" y="1847880"/>
+              <a:ext cx="1177560" cy="274680"/>
+            </a:xfrm>
+            <a:prstGeom prst="rect">
+              <a:avLst/>
+            </a:prstGeom>
+            <a:noFill/>
+            <a:ln>
+              <a:noFill/>
+            </a:ln>
+          </p:spPr>
+          <p:txBody>
+            <a:bodyPr lIns="90000" rIns="90000" tIns="45000" bIns="45000">
+              <a:noAutofit/>
+            </a:bodyPr>
+            <a:p>
+              <a:r>
+                <a:rPr b="0" lang="en-US" sz="1300" spc="-1" strike="noStrike">
+                  <a:solidFill>
+                    <a:srgbClr val="ff0000"/>
+                  </a:solidFill>
+                  <a:latin typeface="Arial"/>
+                </a:rPr>
+                <a:t>Me</a:t>
+              </a:r>
+              <a:r>
+                <a:rPr b="0" lang="en-US" sz="1300" spc="-1" strike="noStrike">
+                  <a:solidFill>
+                    <a:srgbClr val="ff0000"/>
+                  </a:solidFill>
+                  <a:latin typeface="Arial"/>
+                </a:rPr>
+                <a:t>asu</a:t>
+              </a:r>
+              <a:r>
+                <a:rPr b="0" lang="en-US" sz="1300" spc="-1" strike="noStrike">
+                  <a:solidFill>
+                    <a:srgbClr val="ff0000"/>
+                  </a:solidFill>
+                  <a:latin typeface="Arial"/>
+                </a:rPr>
+                <a:t>red </a:t>
+              </a:r>
+              <a:r>
+                <a:rPr b="0" lang="en-US" sz="1300" spc="-1" strike="noStrike">
+                  <a:solidFill>
+                    <a:srgbClr val="ff0000"/>
+                  </a:solidFill>
+                  <a:latin typeface="Arial"/>
+                </a:rPr>
+                <a:t>SP</a:t>
+              </a:r>
+              <a:endParaRPr b="0" lang="en-US" sz="1300" spc="-1" strike="noStrike">
                 <a:solidFill>
                   <a:srgbClr val="ff0000"/>
                 </a:solidFill>
                 <a:latin typeface="Arial"/>
-              </a:rPr>
-              <a:t>x</a:t>
-            </a:r>
-            <a:r>
-              <a:rPr b="0" lang="en-US" sz="1300" spc="-1" strike="noStrike">
+              </a:endParaRPr>
+            </a:p>
+          </p:txBody>
+        </p:sp>
+        <p:sp>
+          <p:nvSpPr>
+            <p:cNvPr id="47" name="TextShape 10"/>
+            <p:cNvSpPr txBox="1"/>
+            <p:nvPr/>
+          </p:nvSpPr>
+          <p:spPr>
+            <a:xfrm>
+              <a:off x="6309360" y="1097280"/>
+              <a:ext cx="400320" cy="274680"/>
+            </a:xfrm>
+            <a:prstGeom prst="rect">
+              <a:avLst/>
+            </a:prstGeom>
+            <a:noFill/>
+            <a:ln>
+              <a:noFill/>
+            </a:ln>
+          </p:spPr>
+          <p:txBody>
+            <a:bodyPr lIns="90000" rIns="90000" tIns="45000" bIns="45000">
+              <a:noAutofit/>
+            </a:bodyPr>
+            <a:p>
+              <a:r>
+                <a:rPr b="0" lang="en-US" sz="1300" spc="-1" strike="noStrike">
+                  <a:solidFill>
+                    <a:srgbClr val="ff0000"/>
+                  </a:solidFill>
+                  <a:latin typeface="Arial"/>
+                </a:rPr>
+                <a:t>PV</a:t>
+              </a:r>
+              <a:endParaRPr b="0" lang="en-US" sz="1300" spc="-1" strike="noStrike">
                 <a:solidFill>
                   <a:srgbClr val="ff0000"/>
                 </a:solidFill>
                 <a:latin typeface="Arial"/>
-              </a:rPr>
-              <a:t>t</a:t>
-            </a:r>
-            <a:r>
-              <a:rPr b="0" lang="en-US" sz="1300" spc="-1" strike="noStrike">
+              </a:endParaRPr>
+            </a:p>
+          </p:txBody>
+        </p:sp>
+        <p:sp>
+          <p:nvSpPr>
+            <p:cNvPr id="48" name="Line 11"/>
+            <p:cNvSpPr/>
+            <p:nvPr/>
+          </p:nvSpPr>
+          <p:spPr>
+            <a:xfrm>
+              <a:off x="6309360" y="1371600"/>
+              <a:ext cx="457200" cy="0"/>
+            </a:xfrm>
+            <a:prstGeom prst="line">
+              <a:avLst/>
+            </a:prstGeom>
+            <a:ln>
+              <a:solidFill>
+                <a:srgbClr val="3465a4"/>
+              </a:solidFill>
+              <a:tailEnd len="med" type="triangle" w="med"/>
+            </a:ln>
+          </p:spPr>
+          <p:style>
+            <a:lnRef idx="0"/>
+            <a:fillRef idx="0"/>
+            <a:effectRef idx="0"/>
+            <a:fontRef idx="minor"/>
+          </p:style>
+        </p:sp>
+        <p:sp>
+          <p:nvSpPr>
+            <p:cNvPr id="49" name="TextShape 12"/>
+            <p:cNvSpPr txBox="1"/>
+            <p:nvPr/>
+          </p:nvSpPr>
+          <p:spPr>
+            <a:xfrm>
+              <a:off x="4937760" y="803160"/>
+              <a:ext cx="400320" cy="274680"/>
+            </a:xfrm>
+            <a:prstGeom prst="rect">
+              <a:avLst/>
+            </a:prstGeom>
+            <a:noFill/>
+            <a:ln>
+              <a:noFill/>
+            </a:ln>
+          </p:spPr>
+          <p:txBody>
+            <a:bodyPr lIns="90000" rIns="90000" tIns="45000" bIns="45000">
+              <a:noAutofit/>
+            </a:bodyPr>
+            <a:p>
+              <a:r>
+                <a:rPr b="0" lang="en-US" sz="1300" spc="-1" strike="noStrike">
+                  <a:solidFill>
+                    <a:srgbClr val="ff0000"/>
+                  </a:solidFill>
+                  <a:latin typeface="Arial"/>
+                </a:rPr>
+                <a:t>SP</a:t>
+              </a:r>
+              <a:endParaRPr b="0" lang="en-US" sz="1300" spc="-1" strike="noStrike">
                 <a:solidFill>
                   <a:srgbClr val="ff0000"/>
                 </a:solidFill>
                 <a:latin typeface="Arial"/>
-              </a:rPr>
-              <a:t>e</a:t>
-            </a:r>
-            <a:r>
-              <a:rPr b="0" lang="en-US" sz="1300" spc="-1" strike="noStrike">
+              </a:endParaRPr>
+            </a:p>
+          </p:txBody>
+        </p:sp>
+        <p:sp>
+          <p:nvSpPr>
+            <p:cNvPr id="50" name="TextShape 13"/>
+            <p:cNvSpPr txBox="1"/>
+            <p:nvPr/>
+          </p:nvSpPr>
+          <p:spPr>
+            <a:xfrm>
+              <a:off x="986400" y="1135800"/>
+              <a:ext cx="400320" cy="274680"/>
+            </a:xfrm>
+            <a:prstGeom prst="rect">
+              <a:avLst/>
+            </a:prstGeom>
+            <a:noFill/>
+            <a:ln>
+              <a:noFill/>
+            </a:ln>
+          </p:spPr>
+          <p:txBody>
+            <a:bodyPr lIns="90000" rIns="90000" tIns="45000" bIns="45000">
+              <a:noAutofit/>
+            </a:bodyPr>
+            <a:p>
+              <a:r>
+                <a:rPr b="0" lang="en-US" sz="1300" spc="-1" strike="noStrike">
+                  <a:solidFill>
+                    <a:srgbClr val="ff0000"/>
+                  </a:solidFill>
+                  <a:latin typeface="Arial"/>
+                </a:rPr>
+                <a:t>SP</a:t>
+              </a:r>
+              <a:endParaRPr b="0" lang="en-US" sz="1300" spc="-1" strike="noStrike">
                 <a:solidFill>
                   <a:srgbClr val="ff0000"/>
                 </a:solidFill>
                 <a:latin typeface="Arial"/>
-              </a:rPr>
-              <a:t>r</a:t>
-            </a:r>
-            <a:r>
-              <a:rPr b="0" lang="en-US" sz="1300" spc="-1" strike="noStrike">
+              </a:endParaRPr>
+            </a:p>
+          </p:txBody>
+        </p:sp>
+        <p:sp>
+          <p:nvSpPr>
+            <p:cNvPr id="51" name="Line 14"/>
+            <p:cNvSpPr/>
+            <p:nvPr/>
+          </p:nvSpPr>
+          <p:spPr>
+            <a:xfrm>
+              <a:off x="1005840" y="1371600"/>
+              <a:ext cx="457200" cy="0"/>
+            </a:xfrm>
+            <a:prstGeom prst="line">
+              <a:avLst/>
+            </a:prstGeom>
+            <a:ln>
+              <a:solidFill>
+                <a:srgbClr val="3465a4"/>
+              </a:solidFill>
+              <a:tailEnd len="med" type="triangle" w="med"/>
+            </a:ln>
+          </p:spPr>
+          <p:style>
+            <a:lnRef idx="0"/>
+            <a:fillRef idx="0"/>
+            <a:effectRef idx="0"/>
+            <a:fontRef idx="minor"/>
+          </p:style>
+        </p:sp>
+        <p:sp>
+          <p:nvSpPr>
+            <p:cNvPr id="52" name="Line 15"/>
+            <p:cNvSpPr/>
+            <p:nvPr/>
+          </p:nvSpPr>
+          <p:spPr>
+            <a:xfrm>
+              <a:off x="3383280" y="1427040"/>
+              <a:ext cx="1005840" cy="0"/>
+            </a:xfrm>
+            <a:prstGeom prst="line">
+              <a:avLst/>
+            </a:prstGeom>
+            <a:ln>
+              <a:solidFill>
+                <a:srgbClr val="3465a4"/>
+              </a:solidFill>
+              <a:tailEnd len="med" type="triangle" w="med"/>
+            </a:ln>
+          </p:spPr>
+          <p:style>
+            <a:lnRef idx="0"/>
+            <a:fillRef idx="0"/>
+            <a:effectRef idx="0"/>
+            <a:fontRef idx="minor"/>
+          </p:style>
+        </p:sp>
+        <p:sp>
+          <p:nvSpPr>
+            <p:cNvPr id="53" name="TextShape 16"/>
+            <p:cNvSpPr txBox="1"/>
+            <p:nvPr/>
+          </p:nvSpPr>
+          <p:spPr>
+            <a:xfrm>
+              <a:off x="3623040" y="1133280"/>
+              <a:ext cx="409320" cy="274680"/>
+            </a:xfrm>
+            <a:prstGeom prst="rect">
+              <a:avLst/>
+            </a:prstGeom>
+            <a:noFill/>
+            <a:ln>
+              <a:noFill/>
+            </a:ln>
+          </p:spPr>
+          <p:txBody>
+            <a:bodyPr lIns="90000" rIns="90000" tIns="45000" bIns="45000">
+              <a:noAutofit/>
+            </a:bodyPr>
+            <a:p>
+              <a:r>
+                <a:rPr b="0" lang="en-US" sz="1300" spc="-1" strike="noStrike">
+                  <a:solidFill>
+                    <a:srgbClr val="ff0000"/>
+                  </a:solidFill>
+                  <a:latin typeface="Arial"/>
+                </a:rPr>
+                <a:t>C</a:t>
+              </a:r>
+              <a:r>
+                <a:rPr b="0" lang="en-US" sz="1300" spc="-1" strike="noStrike">
+                  <a:solidFill>
+                    <a:srgbClr val="ff0000"/>
+                  </a:solidFill>
+                  <a:latin typeface="Arial"/>
+                </a:rPr>
+                <a:t>V</a:t>
+              </a:r>
+              <a:endParaRPr b="0" lang="en-US" sz="1300" spc="-1" strike="noStrike">
                 <a:solidFill>
                   <a:srgbClr val="ff0000"/>
                 </a:solidFill>
                 <a:latin typeface="Arial"/>
-              </a:rPr>
-              <a:t>n</a:t>
-            </a:r>
-            <a:r>
-              <a:rPr b="0" lang="en-US" sz="1300" spc="-1" strike="noStrike">
-                <a:solidFill>
-                  <a:srgbClr val="ff0000"/>
-                </a:solidFill>
-                <a:latin typeface="Arial"/>
-              </a:rPr>
-              <a:t>a</a:t>
-            </a:r>
-            <a:r>
-              <a:rPr b="0" lang="en-US" sz="1300" spc="-1" strike="noStrike">
-                <a:solidFill>
-                  <a:srgbClr val="ff0000"/>
-                </a:solidFill>
-                <a:latin typeface="Arial"/>
-              </a:rPr>
-              <a:t>l</a:t>
-            </a:r>
-            <a:r>
-              <a:rPr b="0" lang="en-US" sz="1300" spc="-1" strike="noStrike">
-                <a:solidFill>
-                  <a:srgbClr val="ff0000"/>
-                </a:solidFill>
-                <a:latin typeface="Arial"/>
-              </a:rPr>
-              <a:t> </a:t>
-            </a:r>
-            <a:r>
-              <a:rPr b="0" lang="en-US" sz="1300" spc="-1" strike="noStrike">
-                <a:solidFill>
-                  <a:srgbClr val="ff0000"/>
-                </a:solidFill>
-                <a:latin typeface="Arial"/>
-              </a:rPr>
-              <a:t>D</a:t>
-            </a:r>
-            <a:r>
-              <a:rPr b="0" lang="en-US" sz="1300" spc="-1" strike="noStrike">
-                <a:solidFill>
-                  <a:srgbClr val="ff0000"/>
-                </a:solidFill>
-                <a:latin typeface="Arial"/>
-              </a:rPr>
-              <a:t>i</a:t>
-            </a:r>
-            <a:r>
-              <a:rPr b="0" lang="en-US" sz="1300" spc="-1" strike="noStrike">
-                <a:solidFill>
-                  <a:srgbClr val="ff0000"/>
-                </a:solidFill>
-                <a:latin typeface="Arial"/>
-              </a:rPr>
-              <a:t>s</a:t>
-            </a:r>
-            <a:r>
-              <a:rPr b="0" lang="en-US" sz="1300" spc="-1" strike="noStrike">
-                <a:solidFill>
-                  <a:srgbClr val="ff0000"/>
-                </a:solidFill>
-                <a:latin typeface="Arial"/>
-              </a:rPr>
-              <a:t>t</a:t>
-            </a:r>
-            <a:r>
-              <a:rPr b="0" lang="en-US" sz="1300" spc="-1" strike="noStrike">
-                <a:solidFill>
-                  <a:srgbClr val="ff0000"/>
-                </a:solidFill>
-                <a:latin typeface="Arial"/>
-              </a:rPr>
-              <a:t>u</a:t>
-            </a:r>
-            <a:r>
-              <a:rPr b="0" lang="en-US" sz="1300" spc="-1" strike="noStrike">
-                <a:solidFill>
-                  <a:srgbClr val="ff0000"/>
-                </a:solidFill>
-                <a:latin typeface="Arial"/>
-              </a:rPr>
-              <a:t>r</a:t>
-            </a:r>
-            <a:r>
-              <a:rPr b="0" lang="en-US" sz="1300" spc="-1" strike="noStrike">
-                <a:solidFill>
-                  <a:srgbClr val="ff0000"/>
-                </a:solidFill>
-                <a:latin typeface="Arial"/>
-              </a:rPr>
-              <a:t>b</a:t>
-            </a:r>
-            <a:r>
-              <a:rPr b="0" lang="en-US" sz="1300" spc="-1" strike="noStrike">
-                <a:solidFill>
-                  <a:srgbClr val="ff0000"/>
-                </a:solidFill>
-                <a:latin typeface="Arial"/>
-              </a:rPr>
-              <a:t>a</a:t>
-            </a:r>
-            <a:r>
-              <a:rPr b="0" lang="en-US" sz="1300" spc="-1" strike="noStrike">
-                <a:solidFill>
-                  <a:srgbClr val="ff0000"/>
-                </a:solidFill>
-                <a:latin typeface="Arial"/>
-              </a:rPr>
-              <a:t>n</a:t>
-            </a:r>
-            <a:r>
-              <a:rPr b="0" lang="en-US" sz="1300" spc="-1" strike="noStrike">
-                <a:solidFill>
-                  <a:srgbClr val="ff0000"/>
-                </a:solidFill>
-                <a:latin typeface="Arial"/>
-              </a:rPr>
-              <a:t>c</a:t>
-            </a:r>
-            <a:r>
-              <a:rPr b="0" lang="en-US" sz="1300" spc="-1" strike="noStrike">
-                <a:solidFill>
-                  <a:srgbClr val="ff0000"/>
-                </a:solidFill>
-                <a:latin typeface="Arial"/>
-              </a:rPr>
-              <a:t>e</a:t>
-            </a:r>
-            <a:r>
-              <a:rPr b="0" lang="en-US" sz="1300" spc="-1" strike="noStrike">
-                <a:solidFill>
-                  <a:srgbClr val="ff0000"/>
-                </a:solidFill>
-                <a:latin typeface="Arial"/>
-              </a:rPr>
-              <a:t>s</a:t>
-            </a:r>
-            <a:endParaRPr b="0" lang="en-US" sz="1300" spc="-1" strike="noStrike">
-              <a:solidFill>
-                <a:srgbClr val="ff0000"/>
-              </a:solidFill>
-              <a:latin typeface="Arial"/>
-            </a:endParaRPr>
-          </a:p>
-        </p:txBody>
-      </p:sp>
-      <p:sp>
-        <p:nvSpPr>
-          <p:cNvPr id="44" name="TextShape 8"/>
-          <p:cNvSpPr txBox="1"/>
-          <p:nvPr/>
-        </p:nvSpPr>
-        <p:spPr>
-          <a:xfrm>
-            <a:off x="1313640" y="1847880"/>
-            <a:ext cx="1177560" cy="274680"/>
-          </a:xfrm>
-          <a:prstGeom prst="rect">
-            <a:avLst/>
-          </a:prstGeom>
-          <a:noFill/>
-          <a:ln>
-            <a:noFill/>
-          </a:ln>
-        </p:spPr>
-        <p:txBody>
-          <a:bodyPr lIns="90000" rIns="90000" tIns="45000" bIns="45000">
-            <a:noAutofit/>
-          </a:bodyPr>
-          <a:p>
-            <a:r>
-              <a:rPr b="0" lang="en-US" sz="1300" spc="-1" strike="noStrike">
-                <a:solidFill>
-                  <a:srgbClr val="ff0000"/>
-                </a:solidFill>
-                <a:latin typeface="Arial"/>
-              </a:rPr>
-              <a:t>Measured SP</a:t>
-            </a:r>
-            <a:endParaRPr b="0" lang="en-US" sz="1300" spc="-1" strike="noStrike">
-              <a:solidFill>
-                <a:srgbClr val="ff0000"/>
-              </a:solidFill>
-              <a:latin typeface="Arial"/>
-            </a:endParaRPr>
-          </a:p>
-        </p:txBody>
-      </p:sp>
-      <p:sp>
-        <p:nvSpPr>
-          <p:cNvPr id="45" name="TextShape 9"/>
-          <p:cNvSpPr txBox="1"/>
-          <p:nvPr/>
-        </p:nvSpPr>
-        <p:spPr>
-          <a:xfrm>
-            <a:off x="6309360" y="1097280"/>
-            <a:ext cx="400320" cy="274680"/>
-          </a:xfrm>
-          <a:prstGeom prst="rect">
-            <a:avLst/>
-          </a:prstGeom>
-          <a:noFill/>
-          <a:ln>
-            <a:noFill/>
-          </a:ln>
-        </p:spPr>
-        <p:txBody>
-          <a:bodyPr lIns="90000" rIns="90000" tIns="45000" bIns="45000">
-            <a:noAutofit/>
-          </a:bodyPr>
-          <a:p>
-            <a:r>
-              <a:rPr b="0" lang="en-US" sz="1300" spc="-1" strike="noStrike">
-                <a:solidFill>
-                  <a:srgbClr val="ff0000"/>
-                </a:solidFill>
-                <a:latin typeface="Arial"/>
-              </a:rPr>
-              <a:t>PV</a:t>
-            </a:r>
-            <a:endParaRPr b="0" lang="en-US" sz="1300" spc="-1" strike="noStrike">
-              <a:solidFill>
-                <a:srgbClr val="ff0000"/>
-              </a:solidFill>
-              <a:latin typeface="Arial"/>
-            </a:endParaRPr>
-          </a:p>
-        </p:txBody>
-      </p:sp>
-      <p:sp>
-        <p:nvSpPr>
-          <p:cNvPr id="46" name="Line 10"/>
-          <p:cNvSpPr/>
-          <p:nvPr/>
-        </p:nvSpPr>
-        <p:spPr>
-          <a:xfrm>
-            <a:off x="6309360" y="1371600"/>
-            <a:ext cx="457200" cy="0"/>
-          </a:xfrm>
-          <a:prstGeom prst="line">
-            <a:avLst/>
-          </a:prstGeom>
-          <a:ln>
-            <a:solidFill>
-              <a:srgbClr val="3465a4"/>
-            </a:solidFill>
-            <a:tailEnd len="med" type="triangle" w="med"/>
-          </a:ln>
-        </p:spPr>
-        <p:style>
-          <a:lnRef idx="0"/>
-          <a:fillRef idx="0"/>
-          <a:effectRef idx="0"/>
-          <a:fontRef idx="minor"/>
-        </p:style>
-      </p:sp>
-      <p:sp>
-        <p:nvSpPr>
-          <p:cNvPr id="47" name="TextShape 11"/>
-          <p:cNvSpPr txBox="1"/>
-          <p:nvPr/>
-        </p:nvSpPr>
-        <p:spPr>
-          <a:xfrm>
-            <a:off x="4937760" y="803160"/>
-            <a:ext cx="400320" cy="274680"/>
-          </a:xfrm>
-          <a:prstGeom prst="rect">
-            <a:avLst/>
-          </a:prstGeom>
-          <a:noFill/>
-          <a:ln>
-            <a:noFill/>
-          </a:ln>
-        </p:spPr>
-        <p:txBody>
-          <a:bodyPr lIns="90000" rIns="90000" tIns="45000" bIns="45000">
-            <a:noAutofit/>
-          </a:bodyPr>
-          <a:p>
-            <a:r>
-              <a:rPr b="0" lang="en-US" sz="1300" spc="-1" strike="noStrike">
-                <a:solidFill>
-                  <a:srgbClr val="ff0000"/>
-                </a:solidFill>
-                <a:latin typeface="Arial"/>
-              </a:rPr>
-              <a:t>SP</a:t>
-            </a:r>
-            <a:endParaRPr b="0" lang="en-US" sz="1300" spc="-1" strike="noStrike">
-              <a:solidFill>
-                <a:srgbClr val="ff0000"/>
-              </a:solidFill>
-              <a:latin typeface="Arial"/>
-            </a:endParaRPr>
-          </a:p>
-        </p:txBody>
-      </p:sp>
-      <p:sp>
-        <p:nvSpPr>
-          <p:cNvPr id="48" name="TextShape 12"/>
-          <p:cNvSpPr txBox="1"/>
-          <p:nvPr/>
-        </p:nvSpPr>
-        <p:spPr>
-          <a:xfrm>
-            <a:off x="986400" y="1135800"/>
-            <a:ext cx="400320" cy="274680"/>
-          </a:xfrm>
-          <a:prstGeom prst="rect">
-            <a:avLst/>
-          </a:prstGeom>
-          <a:noFill/>
-          <a:ln>
-            <a:noFill/>
-          </a:ln>
-        </p:spPr>
-        <p:txBody>
-          <a:bodyPr lIns="90000" rIns="90000" tIns="45000" bIns="45000">
-            <a:noAutofit/>
-          </a:bodyPr>
-          <a:p>
-            <a:r>
-              <a:rPr b="0" lang="en-US" sz="1300" spc="-1" strike="noStrike">
-                <a:solidFill>
-                  <a:srgbClr val="ff0000"/>
-                </a:solidFill>
-                <a:latin typeface="Arial"/>
-              </a:rPr>
-              <a:t>SP</a:t>
-            </a:r>
-            <a:endParaRPr b="0" lang="en-US" sz="1300" spc="-1" strike="noStrike">
-              <a:solidFill>
-                <a:srgbClr val="ff0000"/>
-              </a:solidFill>
-              <a:latin typeface="Arial"/>
-            </a:endParaRPr>
-          </a:p>
-        </p:txBody>
-      </p:sp>
-      <p:sp>
-        <p:nvSpPr>
-          <p:cNvPr id="49" name="Line 13"/>
-          <p:cNvSpPr/>
-          <p:nvPr/>
-        </p:nvSpPr>
-        <p:spPr>
-          <a:xfrm>
-            <a:off x="1005840" y="1371600"/>
-            <a:ext cx="457200" cy="0"/>
-          </a:xfrm>
-          <a:prstGeom prst="line">
-            <a:avLst/>
-          </a:prstGeom>
-          <a:ln>
-            <a:solidFill>
-              <a:srgbClr val="3465a4"/>
-            </a:solidFill>
-            <a:tailEnd len="med" type="triangle" w="med"/>
-          </a:ln>
-        </p:spPr>
-        <p:style>
-          <a:lnRef idx="0"/>
-          <a:fillRef idx="0"/>
-          <a:effectRef idx="0"/>
-          <a:fontRef idx="minor"/>
-        </p:style>
-      </p:sp>
-      <p:sp>
-        <p:nvSpPr>
-          <p:cNvPr id="50" name="Line 14"/>
-          <p:cNvSpPr/>
-          <p:nvPr/>
-        </p:nvSpPr>
-        <p:spPr>
-          <a:xfrm>
-            <a:off x="3383280" y="1427040"/>
-            <a:ext cx="1005840" cy="0"/>
-          </a:xfrm>
-          <a:prstGeom prst="line">
-            <a:avLst/>
-          </a:prstGeom>
-          <a:ln>
-            <a:solidFill>
-              <a:srgbClr val="3465a4"/>
-            </a:solidFill>
-            <a:tailEnd len="med" type="triangle" w="med"/>
-          </a:ln>
-        </p:spPr>
-        <p:style>
-          <a:lnRef idx="0"/>
-          <a:fillRef idx="0"/>
-          <a:effectRef idx="0"/>
-          <a:fontRef idx="minor"/>
-        </p:style>
-      </p:sp>
-      <p:sp>
-        <p:nvSpPr>
-          <p:cNvPr id="51" name="TextShape 15"/>
-          <p:cNvSpPr txBox="1"/>
-          <p:nvPr/>
-        </p:nvSpPr>
-        <p:spPr>
-          <a:xfrm>
-            <a:off x="3623040" y="1133280"/>
-            <a:ext cx="409320" cy="274680"/>
-          </a:xfrm>
-          <a:prstGeom prst="rect">
-            <a:avLst/>
-          </a:prstGeom>
-          <a:noFill/>
-          <a:ln>
-            <a:noFill/>
-          </a:ln>
-        </p:spPr>
-        <p:txBody>
-          <a:bodyPr lIns="90000" rIns="90000" tIns="45000" bIns="45000">
-            <a:noAutofit/>
-          </a:bodyPr>
-          <a:p>
-            <a:r>
-              <a:rPr b="0" lang="en-US" sz="1300" spc="-1" strike="noStrike">
-                <a:solidFill>
-                  <a:srgbClr val="ff0000"/>
-                </a:solidFill>
-                <a:latin typeface="Arial"/>
-              </a:rPr>
-              <a:t>CV</a:t>
-            </a:r>
-            <a:endParaRPr b="0" lang="en-US" sz="1300" spc="-1" strike="noStrike">
-              <a:solidFill>
-                <a:srgbClr val="ff0000"/>
-              </a:solidFill>
-              <a:latin typeface="Arial"/>
-            </a:endParaRPr>
-          </a:p>
-        </p:txBody>
-      </p:sp>
+              </a:endParaRPr>
+            </a:p>
+          </p:txBody>
+        </p:sp>
+      </p:grpSp>
     </p:spTree>
   </p:cSld>
   <mc:AlternateContent>
@@ -2514,7 +2666,7 @@
       </p:grpSpPr>
       <p:sp>
         <p:nvSpPr>
-          <p:cNvPr id="52" name="CustomShape 1"/>
+          <p:cNvPr id="54" name="CustomShape 1"/>
           <p:cNvSpPr/>
           <p:nvPr/>
         </p:nvSpPr>
@@ -2544,7 +2696,7 @@
       </p:sp>
       <p:sp>
         <p:nvSpPr>
-          <p:cNvPr id="53" name="CustomShape 2"/>
+          <p:cNvPr id="55" name="CustomShape 2"/>
           <p:cNvSpPr/>
           <p:nvPr/>
         </p:nvSpPr>
@@ -2596,7 +2748,7 @@
       </p:sp>
       <p:sp>
         <p:nvSpPr>
-          <p:cNvPr id="54" name="CustomShape 3"/>
+          <p:cNvPr id="56" name="CustomShape 3"/>
           <p:cNvSpPr/>
           <p:nvPr/>
         </p:nvSpPr>
@@ -2648,7 +2800,7 @@
       </p:sp>
       <p:sp>
         <p:nvSpPr>
-          <p:cNvPr id="55" name="CustomShape 4"/>
+          <p:cNvPr id="57" name="CustomShape 4"/>
           <p:cNvSpPr/>
           <p:nvPr/>
         </p:nvSpPr>
@@ -2700,7 +2852,7 @@
       </p:sp>
       <p:sp>
         <p:nvSpPr>
-          <p:cNvPr id="56" name="CustomShape 5"/>
+          <p:cNvPr id="58" name="CustomShape 5"/>
           <p:cNvSpPr/>
           <p:nvPr/>
         </p:nvSpPr>
@@ -2752,7 +2904,7 @@
       </p:sp>
       <p:sp>
         <p:nvSpPr>
-          <p:cNvPr id="57" name="CustomShape 6"/>
+          <p:cNvPr id="59" name="CustomShape 6"/>
           <p:cNvSpPr/>
           <p:nvPr/>
         </p:nvSpPr>
@@ -2804,7 +2956,7 @@
       </p:sp>
       <p:sp>
         <p:nvSpPr>
-          <p:cNvPr id="58" name="CustomShape 7"/>
+          <p:cNvPr id="60" name="CustomShape 7"/>
           <p:cNvSpPr/>
           <p:nvPr/>
         </p:nvSpPr>
@@ -2856,7 +3008,7 @@
       </p:sp>
       <p:sp>
         <p:nvSpPr>
-          <p:cNvPr id="59" name="CustomShape 8"/>
+          <p:cNvPr id="61" name="CustomShape 8"/>
           <p:cNvSpPr/>
           <p:nvPr/>
         </p:nvSpPr>
@@ -2886,7 +3038,7 @@
       </p:sp>
       <p:sp>
         <p:nvSpPr>
-          <p:cNvPr id="60" name="Line 9"/>
+          <p:cNvPr id="62" name="Line 9"/>
           <p:cNvSpPr/>
           <p:nvPr/>
         </p:nvSpPr>
@@ -2913,7 +3065,7 @@
       </p:sp>
       <p:sp>
         <p:nvSpPr>
-          <p:cNvPr id="61" name="Line 10"/>
+          <p:cNvPr id="63" name="Line 10"/>
           <p:cNvSpPr/>
           <p:nvPr/>
         </p:nvSpPr>
@@ -2941,7 +3093,7 @@
       </p:sp>
       <p:sp>
         <p:nvSpPr>
-          <p:cNvPr id="62" name="Line 11"/>
+          <p:cNvPr id="64" name="Line 11"/>
           <p:cNvSpPr/>
           <p:nvPr/>
         </p:nvSpPr>
@@ -2968,7 +3120,7 @@
       </p:sp>
       <p:sp>
         <p:nvSpPr>
-          <p:cNvPr id="63" name="Line 12"/>
+          <p:cNvPr id="65" name="Line 12"/>
           <p:cNvSpPr/>
           <p:nvPr/>
         </p:nvSpPr>
@@ -2996,7 +3148,7 @@
       </p:sp>
       <p:sp>
         <p:nvSpPr>
-          <p:cNvPr id="64" name="CustomShape 13"/>
+          <p:cNvPr id="66" name="CustomShape 13"/>
           <p:cNvSpPr/>
           <p:nvPr/>
         </p:nvSpPr>
@@ -3043,7 +3195,7 @@
       </p:sp>
       <p:sp>
         <p:nvSpPr>
-          <p:cNvPr id="65" name="CustomShape 14"/>
+          <p:cNvPr id="67" name="CustomShape 14"/>
           <p:cNvSpPr/>
           <p:nvPr/>
         </p:nvSpPr>
@@ -3090,7 +3242,7 @@
       </p:sp>
       <p:sp>
         <p:nvSpPr>
-          <p:cNvPr id="66" name="Line 15"/>
+          <p:cNvPr id="68" name="Line 15"/>
           <p:cNvSpPr/>
           <p:nvPr/>
         </p:nvSpPr>
@@ -3117,7 +3269,7 @@
       </p:sp>
       <p:sp>
         <p:nvSpPr>
-          <p:cNvPr id="67" name="Line 16"/>
+          <p:cNvPr id="69" name="Line 16"/>
           <p:cNvSpPr/>
           <p:nvPr/>
         </p:nvSpPr>
@@ -3144,7 +3296,7 @@
       </p:sp>
       <p:sp>
         <p:nvSpPr>
-          <p:cNvPr id="68" name="Line 17"/>
+          <p:cNvPr id="70" name="Line 17"/>
           <p:cNvSpPr/>
           <p:nvPr/>
         </p:nvSpPr>
@@ -3171,7 +3323,7 @@
       </p:sp>
       <p:sp>
         <p:nvSpPr>
-          <p:cNvPr id="69" name="Line 18"/>
+          <p:cNvPr id="71" name="Line 18"/>
           <p:cNvSpPr/>
           <p:nvPr/>
         </p:nvSpPr>
@@ -3198,7 +3350,7 @@
       </p:sp>
       <p:sp>
         <p:nvSpPr>
-          <p:cNvPr id="70" name="CustomShape 19"/>
+          <p:cNvPr id="72" name="CustomShape 19"/>
           <p:cNvSpPr/>
           <p:nvPr/>
         </p:nvSpPr>

--- a/docs/assets/misc/images.pptx
+++ b/docs/assets/misc/images.pptx
@@ -7,6 +7,8 @@
   <p:sldIdLst>
     <p:sldId id="256" r:id="rId3"/>
     <p:sldId id="257" r:id="rId4"/>
+    <p:sldId id="258" r:id="rId5"/>
+    <p:sldId id="259" r:id="rId6"/>
   </p:sldIdLst>
   <p:sldSz cx="10080625" cy="5670550"/>
   <p:notesSz cx="7772400" cy="10058400"/>
@@ -65,7 +67,7 @@
         <p:spPr>
           <a:xfrm>
             <a:off x="504000" y="226080"/>
-            <a:ext cx="9071280" cy="946080"/>
+            <a:ext cx="9070920" cy="945720"/>
           </a:xfrm>
           <a:prstGeom prst="rect">
             <a:avLst/>
@@ -96,7 +98,7 @@
         <p:spPr>
           <a:xfrm>
             <a:off x="504000" y="1326600"/>
-            <a:ext cx="9072000" cy="1568520"/>
+            <a:ext cx="9071640" cy="1568160"/>
           </a:xfrm>
           <a:prstGeom prst="rect">
             <a:avLst/>
@@ -125,8 +127,8 @@
         </p:nvSpPr>
         <p:spPr>
           <a:xfrm>
-            <a:off x="504000" y="3044520"/>
-            <a:ext cx="9072000" cy="1568520"/>
+            <a:off x="504000" y="3044160"/>
+            <a:ext cx="9071640" cy="1568160"/>
           </a:xfrm>
           <a:prstGeom prst="rect">
             <a:avLst/>
@@ -178,7 +180,7 @@
         <p:spPr>
           <a:xfrm>
             <a:off x="504000" y="226080"/>
-            <a:ext cx="9071280" cy="946080"/>
+            <a:ext cx="9070920" cy="945720"/>
           </a:xfrm>
           <a:prstGeom prst="rect">
             <a:avLst/>
@@ -209,7 +211,7 @@
         <p:spPr>
           <a:xfrm>
             <a:off x="504000" y="1326600"/>
-            <a:ext cx="4426920" cy="1568520"/>
+            <a:ext cx="4426920" cy="1568160"/>
           </a:xfrm>
           <a:prstGeom prst="rect">
             <a:avLst/>
@@ -239,7 +241,7 @@
         <p:spPr>
           <a:xfrm>
             <a:off x="5152680" y="1326600"/>
-            <a:ext cx="4426920" cy="1568520"/>
+            <a:ext cx="4426920" cy="1568160"/>
           </a:xfrm>
           <a:prstGeom prst="rect">
             <a:avLst/>
@@ -268,8 +270,8 @@
         </p:nvSpPr>
         <p:spPr>
           <a:xfrm>
-            <a:off x="504000" y="3044520"/>
-            <a:ext cx="4426920" cy="1568520"/>
+            <a:off x="504000" y="3044160"/>
+            <a:ext cx="4426920" cy="1568160"/>
           </a:xfrm>
           <a:prstGeom prst="rect">
             <a:avLst/>
@@ -298,8 +300,8 @@
         </p:nvSpPr>
         <p:spPr>
           <a:xfrm>
-            <a:off x="5152680" y="3044520"/>
-            <a:ext cx="4426920" cy="1568520"/>
+            <a:off x="5152680" y="3044160"/>
+            <a:ext cx="4426920" cy="1568160"/>
           </a:xfrm>
           <a:prstGeom prst="rect">
             <a:avLst/>
@@ -351,7 +353,7 @@
         <p:spPr>
           <a:xfrm>
             <a:off x="504000" y="226080"/>
-            <a:ext cx="9071280" cy="946080"/>
+            <a:ext cx="9070920" cy="945720"/>
           </a:xfrm>
           <a:prstGeom prst="rect">
             <a:avLst/>
@@ -382,7 +384,7 @@
         <p:spPr>
           <a:xfrm>
             <a:off x="504000" y="1326600"/>
-            <a:ext cx="2921040" cy="1568520"/>
+            <a:ext cx="2920680" cy="1568160"/>
           </a:xfrm>
           <a:prstGeom prst="rect">
             <a:avLst/>
@@ -411,8 +413,8 @@
         </p:nvSpPr>
         <p:spPr>
           <a:xfrm>
-            <a:off x="3571560" y="1326600"/>
-            <a:ext cx="2921040" cy="1568520"/>
+            <a:off x="3571200" y="1326600"/>
+            <a:ext cx="2920680" cy="1568160"/>
           </a:xfrm>
           <a:prstGeom prst="rect">
             <a:avLst/>
@@ -441,8 +443,8 @@
         </p:nvSpPr>
         <p:spPr>
           <a:xfrm>
-            <a:off x="6639120" y="1326600"/>
-            <a:ext cx="2921040" cy="1568520"/>
+            <a:off x="6638040" y="1326600"/>
+            <a:ext cx="2920680" cy="1568160"/>
           </a:xfrm>
           <a:prstGeom prst="rect">
             <a:avLst/>
@@ -471,8 +473,8 @@
         </p:nvSpPr>
         <p:spPr>
           <a:xfrm>
-            <a:off x="504000" y="3044520"/>
-            <a:ext cx="2921040" cy="1568520"/>
+            <a:off x="504000" y="3044160"/>
+            <a:ext cx="2920680" cy="1568160"/>
           </a:xfrm>
           <a:prstGeom prst="rect">
             <a:avLst/>
@@ -501,8 +503,8 @@
         </p:nvSpPr>
         <p:spPr>
           <a:xfrm>
-            <a:off x="3571560" y="3044520"/>
-            <a:ext cx="2921040" cy="1568520"/>
+            <a:off x="3571200" y="3044160"/>
+            <a:ext cx="2920680" cy="1568160"/>
           </a:xfrm>
           <a:prstGeom prst="rect">
             <a:avLst/>
@@ -531,8 +533,8 @@
         </p:nvSpPr>
         <p:spPr>
           <a:xfrm>
-            <a:off x="6639120" y="3044520"/>
-            <a:ext cx="2921040" cy="1568520"/>
+            <a:off x="6638040" y="3044160"/>
+            <a:ext cx="2920680" cy="1568160"/>
           </a:xfrm>
           <a:prstGeom prst="rect">
             <a:avLst/>
@@ -584,7 +586,7 @@
         <p:spPr>
           <a:xfrm>
             <a:off x="504000" y="226080"/>
-            <a:ext cx="9071280" cy="946080"/>
+            <a:ext cx="9070920" cy="945720"/>
           </a:xfrm>
           <a:prstGeom prst="rect">
             <a:avLst/>
@@ -615,7 +617,7 @@
         <p:spPr>
           <a:xfrm>
             <a:off x="504000" y="1326600"/>
-            <a:ext cx="9072000" cy="3288600"/>
+            <a:ext cx="9071640" cy="3288240"/>
           </a:xfrm>
           <a:prstGeom prst="rect">
             <a:avLst/>
@@ -668,7 +670,7 @@
         <p:spPr>
           <a:xfrm>
             <a:off x="504000" y="226080"/>
-            <a:ext cx="9071280" cy="946080"/>
+            <a:ext cx="9070920" cy="945720"/>
           </a:xfrm>
           <a:prstGeom prst="rect">
             <a:avLst/>
@@ -699,7 +701,7 @@
         <p:spPr>
           <a:xfrm>
             <a:off x="504000" y="1326600"/>
-            <a:ext cx="9072000" cy="3288600"/>
+            <a:ext cx="9071640" cy="3288240"/>
           </a:xfrm>
           <a:prstGeom prst="rect">
             <a:avLst/>
@@ -751,7 +753,7 @@
         <p:spPr>
           <a:xfrm>
             <a:off x="504000" y="226080"/>
-            <a:ext cx="9071280" cy="946080"/>
+            <a:ext cx="9070920" cy="945720"/>
           </a:xfrm>
           <a:prstGeom prst="rect">
             <a:avLst/>
@@ -782,7 +784,7 @@
         <p:spPr>
           <a:xfrm>
             <a:off x="504000" y="1326600"/>
-            <a:ext cx="4426920" cy="3288600"/>
+            <a:ext cx="4426920" cy="3288240"/>
           </a:xfrm>
           <a:prstGeom prst="rect">
             <a:avLst/>
@@ -812,7 +814,7 @@
         <p:spPr>
           <a:xfrm>
             <a:off x="5152680" y="1326600"/>
-            <a:ext cx="4426920" cy="3288600"/>
+            <a:ext cx="4426920" cy="3288240"/>
           </a:xfrm>
           <a:prstGeom prst="rect">
             <a:avLst/>
@@ -864,7 +866,7 @@
         <p:spPr>
           <a:xfrm>
             <a:off x="504000" y="226080"/>
-            <a:ext cx="9071280" cy="946080"/>
+            <a:ext cx="9070920" cy="945720"/>
           </a:xfrm>
           <a:prstGeom prst="rect">
             <a:avLst/>
@@ -917,7 +919,7 @@
         <p:spPr>
           <a:xfrm>
             <a:off x="504000" y="226080"/>
-            <a:ext cx="9071280" cy="4386600"/>
+            <a:ext cx="9070920" cy="4385160"/>
           </a:xfrm>
           <a:prstGeom prst="rect">
             <a:avLst/>
@@ -970,7 +972,7 @@
         <p:spPr>
           <a:xfrm>
             <a:off x="504000" y="226080"/>
-            <a:ext cx="9071280" cy="946080"/>
+            <a:ext cx="9070920" cy="945720"/>
           </a:xfrm>
           <a:prstGeom prst="rect">
             <a:avLst/>
@@ -1001,7 +1003,7 @@
         <p:spPr>
           <a:xfrm>
             <a:off x="504000" y="1326600"/>
-            <a:ext cx="4426920" cy="1568520"/>
+            <a:ext cx="4426920" cy="1568160"/>
           </a:xfrm>
           <a:prstGeom prst="rect">
             <a:avLst/>
@@ -1031,7 +1033,7 @@
         <p:spPr>
           <a:xfrm>
             <a:off x="5152680" y="1326600"/>
-            <a:ext cx="4426920" cy="3288600"/>
+            <a:ext cx="4426920" cy="3288240"/>
           </a:xfrm>
           <a:prstGeom prst="rect">
             <a:avLst/>
@@ -1060,8 +1062,8 @@
         </p:nvSpPr>
         <p:spPr>
           <a:xfrm>
-            <a:off x="504000" y="3044520"/>
-            <a:ext cx="4426920" cy="1568520"/>
+            <a:off x="504000" y="3044160"/>
+            <a:ext cx="4426920" cy="1568160"/>
           </a:xfrm>
           <a:prstGeom prst="rect">
             <a:avLst/>
@@ -1113,7 +1115,7 @@
         <p:spPr>
           <a:xfrm>
             <a:off x="504000" y="226080"/>
-            <a:ext cx="9071280" cy="946080"/>
+            <a:ext cx="9070920" cy="945720"/>
           </a:xfrm>
           <a:prstGeom prst="rect">
             <a:avLst/>
@@ -1144,7 +1146,7 @@
         <p:spPr>
           <a:xfrm>
             <a:off x="504000" y="1326600"/>
-            <a:ext cx="4426920" cy="3288600"/>
+            <a:ext cx="4426920" cy="3288240"/>
           </a:xfrm>
           <a:prstGeom prst="rect">
             <a:avLst/>
@@ -1174,7 +1176,7 @@
         <p:spPr>
           <a:xfrm>
             <a:off x="5152680" y="1326600"/>
-            <a:ext cx="4426920" cy="1568520"/>
+            <a:ext cx="4426920" cy="1568160"/>
           </a:xfrm>
           <a:prstGeom prst="rect">
             <a:avLst/>
@@ -1203,8 +1205,8 @@
         </p:nvSpPr>
         <p:spPr>
           <a:xfrm>
-            <a:off x="5152680" y="3044520"/>
-            <a:ext cx="4426920" cy="1568520"/>
+            <a:off x="5152680" y="3044160"/>
+            <a:ext cx="4426920" cy="1568160"/>
           </a:xfrm>
           <a:prstGeom prst="rect">
             <a:avLst/>
@@ -1256,7 +1258,7 @@
         <p:spPr>
           <a:xfrm>
             <a:off x="504000" y="226080"/>
-            <a:ext cx="9071280" cy="946080"/>
+            <a:ext cx="9070920" cy="945720"/>
           </a:xfrm>
           <a:prstGeom prst="rect">
             <a:avLst/>
@@ -1287,7 +1289,7 @@
         <p:spPr>
           <a:xfrm>
             <a:off x="504000" y="1326600"/>
-            <a:ext cx="4426920" cy="1568520"/>
+            <a:ext cx="4426920" cy="1568160"/>
           </a:xfrm>
           <a:prstGeom prst="rect">
             <a:avLst/>
@@ -1317,7 +1319,7 @@
         <p:spPr>
           <a:xfrm>
             <a:off x="5152680" y="1326600"/>
-            <a:ext cx="4426920" cy="1568520"/>
+            <a:ext cx="4426920" cy="1568160"/>
           </a:xfrm>
           <a:prstGeom prst="rect">
             <a:avLst/>
@@ -1346,8 +1348,8 @@
         </p:nvSpPr>
         <p:spPr>
           <a:xfrm>
-            <a:off x="504000" y="3044520"/>
-            <a:ext cx="9072000" cy="1568520"/>
+            <a:off x="504000" y="3044160"/>
+            <a:ext cx="9071640" cy="1568160"/>
           </a:xfrm>
           <a:prstGeom prst="rect">
             <a:avLst/>
@@ -1399,7 +1401,7 @@
         <p:spPr>
           <a:xfrm>
             <a:off x="504000" y="226080"/>
-            <a:ext cx="9071280" cy="946080"/>
+            <a:ext cx="9070920" cy="945720"/>
           </a:xfrm>
           <a:prstGeom prst="rect">
             <a:avLst/>
@@ -1415,7 +1417,103 @@
               <a:rPr b="0" lang="en-US" sz="1800" spc="-1" strike="noStrike">
                 <a:latin typeface="Arial"/>
               </a:rPr>
-              <a:t>Click to edit the title text format</a:t>
+              <a:t>Cl</a:t>
+            </a:r>
+            <a:r>
+              <a:rPr b="0" lang="en-US" sz="1800" spc="-1" strike="noStrike">
+                <a:latin typeface="Arial"/>
+              </a:rPr>
+              <a:t>ic</a:t>
+            </a:r>
+            <a:r>
+              <a:rPr b="0" lang="en-US" sz="1800" spc="-1" strike="noStrike">
+                <a:latin typeface="Arial"/>
+              </a:rPr>
+              <a:t>k </a:t>
+            </a:r>
+            <a:r>
+              <a:rPr b="0" lang="en-US" sz="1800" spc="-1" strike="noStrike">
+                <a:latin typeface="Arial"/>
+              </a:rPr>
+              <a:t>to </a:t>
+            </a:r>
+            <a:r>
+              <a:rPr b="0" lang="en-US" sz="1800" spc="-1" strike="noStrike">
+                <a:latin typeface="Arial"/>
+              </a:rPr>
+              <a:t>e</a:t>
+            </a:r>
+            <a:r>
+              <a:rPr b="0" lang="en-US" sz="1800" spc="-1" strike="noStrike">
+                <a:latin typeface="Arial"/>
+              </a:rPr>
+              <a:t>di</a:t>
+            </a:r>
+            <a:r>
+              <a:rPr b="0" lang="en-US" sz="1800" spc="-1" strike="noStrike">
+                <a:latin typeface="Arial"/>
+              </a:rPr>
+              <a:t>t </a:t>
+            </a:r>
+            <a:r>
+              <a:rPr b="0" lang="en-US" sz="1800" spc="-1" strike="noStrike">
+                <a:latin typeface="Arial"/>
+              </a:rPr>
+              <a:t>th</a:t>
+            </a:r>
+            <a:r>
+              <a:rPr b="0" lang="en-US" sz="1800" spc="-1" strike="noStrike">
+                <a:latin typeface="Arial"/>
+              </a:rPr>
+              <a:t>e </a:t>
+            </a:r>
+            <a:r>
+              <a:rPr b="0" lang="en-US" sz="1800" spc="-1" strike="noStrike">
+                <a:latin typeface="Arial"/>
+              </a:rPr>
+              <a:t>tit</a:t>
+            </a:r>
+            <a:r>
+              <a:rPr b="0" lang="en-US" sz="1800" spc="-1" strike="noStrike">
+                <a:latin typeface="Arial"/>
+              </a:rPr>
+              <a:t>le </a:t>
+            </a:r>
+            <a:r>
+              <a:rPr b="0" lang="en-US" sz="1800" spc="-1" strike="noStrike">
+                <a:latin typeface="Arial"/>
+              </a:rPr>
+              <a:t>te</a:t>
+            </a:r>
+            <a:r>
+              <a:rPr b="0" lang="en-US" sz="1800" spc="-1" strike="noStrike">
+                <a:latin typeface="Arial"/>
+              </a:rPr>
+              <a:t>xt </a:t>
+            </a:r>
+            <a:r>
+              <a:rPr b="0" lang="en-US" sz="1800" spc="-1" strike="noStrike">
+                <a:latin typeface="Arial"/>
+              </a:rPr>
+              <a:t>fo</a:t>
+            </a:r>
+            <a:r>
+              <a:rPr b="0" lang="en-US" sz="1800" spc="-1" strike="noStrike">
+                <a:latin typeface="Arial"/>
+              </a:rPr>
+              <a:t>r</a:t>
+            </a:r>
+            <a:r>
+              <a:rPr b="0" lang="en-US" sz="1800" spc="-1" strike="noStrike">
+                <a:latin typeface="Arial"/>
+              </a:rPr>
+              <a:t>m</a:t>
+            </a:r>
+            <a:r>
+              <a:rPr b="0" lang="en-US" sz="1800" spc="-1" strike="noStrike">
+                <a:latin typeface="Arial"/>
+              </a:rPr>
+              <a:t>at</a:t>
             </a:r>
             <a:endParaRPr b="0" lang="en-US" sz="1800" spc="-1" strike="noStrike">
               <a:latin typeface="Arial"/>
@@ -1436,7 +1534,7 @@
         <p:spPr>
           <a:xfrm>
             <a:off x="504000" y="1326600"/>
-            <a:ext cx="9072000" cy="3288600"/>
+            <a:ext cx="9071640" cy="3288240"/>
           </a:xfrm>
           <a:prstGeom prst="rect">
             <a:avLst/>
@@ -1447,7 +1545,7 @@
             <a:normAutofit/>
           </a:bodyPr>
           <a:p>
-            <a:pPr marL="432000" indent="-324000">
+            <a:pPr marL="432000" indent="-324000" algn="ctr">
               <a:spcBef>
                 <a:spcPts val="1417"/>
               </a:spcBef>
@@ -1459,17 +1557,17 @@
               <a:buChar char=""/>
             </a:pPr>
             <a:r>
-              <a:rPr b="0" lang="en-US" sz="3200" spc="-1" strike="noStrike">
+              <a:rPr b="0" lang="en-US" sz="1800" spc="-1" strike="noStrike">
                 <a:latin typeface="Arial"/>
               </a:rPr>
               <a:t>Click to edit the outline text format</a:t>
             </a:r>
-            <a:endParaRPr b="0" lang="en-US" sz="3200" spc="-1" strike="noStrike">
-              <a:latin typeface="Arial"/>
-            </a:endParaRPr>
-          </a:p>
-          <a:p>
-            <a:pPr lvl="1" marL="864000" indent="-324000">
+            <a:endParaRPr b="0" lang="en-US" sz="1800" spc="-1" strike="noStrike">
+              <a:latin typeface="Arial"/>
+            </a:endParaRPr>
+          </a:p>
+          <a:p>
+            <a:pPr lvl="1" marL="864000" indent="-324000" algn="ctr">
               <a:spcBef>
                 <a:spcPts val="1134"/>
               </a:spcBef>
@@ -1481,17 +1579,17 @@
               <a:buChar char=""/>
             </a:pPr>
             <a:r>
-              <a:rPr b="0" lang="en-US" sz="2800" spc="-1" strike="noStrike">
+              <a:rPr b="0" lang="en-US" sz="1800" spc="-1" strike="noStrike">
                 <a:latin typeface="Arial"/>
               </a:rPr>
               <a:t>Second Outline Level</a:t>
             </a:r>
-            <a:endParaRPr b="0" lang="en-US" sz="2800" spc="-1" strike="noStrike">
-              <a:latin typeface="Arial"/>
-            </a:endParaRPr>
-          </a:p>
-          <a:p>
-            <a:pPr lvl="2" marL="1296000" indent="-288000">
+            <a:endParaRPr b="0" lang="en-US" sz="1800" spc="-1" strike="noStrike">
+              <a:latin typeface="Arial"/>
+            </a:endParaRPr>
+          </a:p>
+          <a:p>
+            <a:pPr lvl="2" marL="1296000" indent="-288000" algn="ctr">
               <a:spcBef>
                 <a:spcPts val="850"/>
               </a:spcBef>
@@ -1503,17 +1601,17 @@
               <a:buChar char=""/>
             </a:pPr>
             <a:r>
-              <a:rPr b="0" lang="en-US" sz="2400" spc="-1" strike="noStrike">
+              <a:rPr b="0" lang="en-US" sz="1800" spc="-1" strike="noStrike">
                 <a:latin typeface="Arial"/>
               </a:rPr>
               <a:t>Third Outline Level</a:t>
             </a:r>
-            <a:endParaRPr b="0" lang="en-US" sz="2400" spc="-1" strike="noStrike">
-              <a:latin typeface="Arial"/>
-            </a:endParaRPr>
-          </a:p>
-          <a:p>
-            <a:pPr lvl="3" marL="1728000" indent="-216000">
+            <a:endParaRPr b="0" lang="en-US" sz="1800" spc="-1" strike="noStrike">
+              <a:latin typeface="Arial"/>
+            </a:endParaRPr>
+          </a:p>
+          <a:p>
+            <a:pPr lvl="3" marL="1728000" indent="-216000" algn="ctr">
               <a:spcBef>
                 <a:spcPts val="567"/>
               </a:spcBef>
@@ -1525,17 +1623,17 @@
               <a:buChar char=""/>
             </a:pPr>
             <a:r>
-              <a:rPr b="0" lang="en-US" sz="2000" spc="-1" strike="noStrike">
+              <a:rPr b="0" lang="en-US" sz="1800" spc="-1" strike="noStrike">
                 <a:latin typeface="Arial"/>
               </a:rPr>
               <a:t>Fourth Outline Level</a:t>
             </a:r>
-            <a:endParaRPr b="0" lang="en-US" sz="2000" spc="-1" strike="noStrike">
-              <a:latin typeface="Arial"/>
-            </a:endParaRPr>
-          </a:p>
-          <a:p>
-            <a:pPr lvl="4" marL="2160000" indent="-216000">
+            <a:endParaRPr b="0" lang="en-US" sz="1800" spc="-1" strike="noStrike">
+              <a:latin typeface="Arial"/>
+            </a:endParaRPr>
+          </a:p>
+          <a:p>
+            <a:pPr lvl="4" marL="2160000" indent="-216000" algn="ctr">
               <a:spcBef>
                 <a:spcPts val="283"/>
               </a:spcBef>
@@ -1547,17 +1645,17 @@
               <a:buChar char=""/>
             </a:pPr>
             <a:r>
-              <a:rPr b="0" lang="en-US" sz="2000" spc="-1" strike="noStrike">
+              <a:rPr b="0" lang="en-US" sz="1800" spc="-1" strike="noStrike">
                 <a:latin typeface="Arial"/>
               </a:rPr>
               <a:t>Fifth Outline Level</a:t>
             </a:r>
-            <a:endParaRPr b="0" lang="en-US" sz="2000" spc="-1" strike="noStrike">
-              <a:latin typeface="Arial"/>
-            </a:endParaRPr>
-          </a:p>
-          <a:p>
-            <a:pPr lvl="5" marL="2592000" indent="-216000">
+            <a:endParaRPr b="0" lang="en-US" sz="1800" spc="-1" strike="noStrike">
+              <a:latin typeface="Arial"/>
+            </a:endParaRPr>
+          </a:p>
+          <a:p>
+            <a:pPr lvl="5" marL="2592000" indent="-216000" algn="ctr">
               <a:spcBef>
                 <a:spcPts val="283"/>
               </a:spcBef>
@@ -1569,17 +1667,17 @@
               <a:buChar char=""/>
             </a:pPr>
             <a:r>
-              <a:rPr b="0" lang="en-US" sz="2000" spc="-1" strike="noStrike">
+              <a:rPr b="0" lang="en-US" sz="1800" spc="-1" strike="noStrike">
                 <a:latin typeface="Arial"/>
               </a:rPr>
               <a:t>Sixth Outline Level</a:t>
             </a:r>
-            <a:endParaRPr b="0" lang="en-US" sz="2000" spc="-1" strike="noStrike">
-              <a:latin typeface="Arial"/>
-            </a:endParaRPr>
-          </a:p>
-          <a:p>
-            <a:pPr lvl="6" marL="3024000" indent="-216000">
+            <a:endParaRPr b="0" lang="en-US" sz="1800" spc="-1" strike="noStrike">
+              <a:latin typeface="Arial"/>
+            </a:endParaRPr>
+          </a:p>
+          <a:p>
+            <a:pPr lvl="6" marL="3024000" indent="-216000" algn="ctr">
               <a:spcBef>
                 <a:spcPts val="283"/>
               </a:spcBef>
@@ -1591,12 +1689,12 @@
               <a:buChar char=""/>
             </a:pPr>
             <a:r>
-              <a:rPr b="0" lang="en-US" sz="2000" spc="-1" strike="noStrike">
+              <a:rPr b="0" lang="en-US" sz="1800" spc="-1" strike="noStrike">
                 <a:latin typeface="Arial"/>
               </a:rPr>
               <a:t>Seventh Outline Level</a:t>
             </a:r>
-            <a:endParaRPr b="0" lang="en-US" sz="2000" spc="-1" strike="noStrike">
+            <a:endParaRPr b="0" lang="en-US" sz="1800" spc="-1" strike="noStrike">
               <a:latin typeface="Arial"/>
             </a:endParaRPr>
           </a:p>
@@ -1639,36 +1737,2319 @@
           <a:chExt cx="0" cy="0"/>
         </a:xfrm>
       </p:grpSpPr>
+      <p:sp>
+        <p:nvSpPr>
+          <p:cNvPr id="38" name="CustomShape 1"/>
+          <p:cNvSpPr/>
+          <p:nvPr/>
+        </p:nvSpPr>
+        <p:spPr>
+          <a:xfrm>
+            <a:off x="1463040" y="1097280"/>
+            <a:ext cx="1919880" cy="639720"/>
+          </a:xfrm>
+          <a:custGeom>
+            <a:avLst/>
+            <a:gdLst/>
+            <a:ahLst/>
+            <a:rect l="l" t="t" r="r" b="b"/>
+            <a:pathLst>
+              <a:path w="5336" h="1780">
+                <a:moveTo>
+                  <a:pt x="296" y="0"/>
+                </a:moveTo>
+                <a:lnTo>
+                  <a:pt x="297" y="0"/>
+                </a:lnTo>
+                <a:cubicBezTo>
+                  <a:pt x="244" y="0"/>
+                  <a:pt x="193" y="14"/>
+                  <a:pt x="148" y="40"/>
+                </a:cubicBezTo>
+                <a:cubicBezTo>
+                  <a:pt x="103" y="66"/>
+                  <a:pt x="66" y="103"/>
+                  <a:pt x="40" y="148"/>
+                </a:cubicBezTo>
+                <a:cubicBezTo>
+                  <a:pt x="14" y="193"/>
+                  <a:pt x="0" y="244"/>
+                  <a:pt x="0" y="297"/>
+                </a:cubicBezTo>
+                <a:lnTo>
+                  <a:pt x="0" y="1482"/>
+                </a:lnTo>
+                <a:lnTo>
+                  <a:pt x="0" y="1483"/>
+                </a:lnTo>
+                <a:cubicBezTo>
+                  <a:pt x="0" y="1535"/>
+                  <a:pt x="14" y="1586"/>
+                  <a:pt x="40" y="1631"/>
+                </a:cubicBezTo>
+                <a:cubicBezTo>
+                  <a:pt x="66" y="1676"/>
+                  <a:pt x="103" y="1713"/>
+                  <a:pt x="148" y="1739"/>
+                </a:cubicBezTo>
+                <a:cubicBezTo>
+                  <a:pt x="193" y="1765"/>
+                  <a:pt x="244" y="1779"/>
+                  <a:pt x="297" y="1779"/>
+                </a:cubicBezTo>
+                <a:lnTo>
+                  <a:pt x="5038" y="1779"/>
+                </a:lnTo>
+                <a:lnTo>
+                  <a:pt x="5039" y="1779"/>
+                </a:lnTo>
+                <a:cubicBezTo>
+                  <a:pt x="5091" y="1779"/>
+                  <a:pt x="5142" y="1765"/>
+                  <a:pt x="5187" y="1739"/>
+                </a:cubicBezTo>
+                <a:cubicBezTo>
+                  <a:pt x="5232" y="1713"/>
+                  <a:pt x="5269" y="1676"/>
+                  <a:pt x="5295" y="1631"/>
+                </a:cubicBezTo>
+                <a:cubicBezTo>
+                  <a:pt x="5321" y="1586"/>
+                  <a:pt x="5335" y="1535"/>
+                  <a:pt x="5335" y="1483"/>
+                </a:cubicBezTo>
+                <a:lnTo>
+                  <a:pt x="5335" y="296"/>
+                </a:lnTo>
+                <a:lnTo>
+                  <a:pt x="5335" y="297"/>
+                </a:lnTo>
+                <a:lnTo>
+                  <a:pt x="5335" y="297"/>
+                </a:lnTo>
+                <a:cubicBezTo>
+                  <a:pt x="5335" y="244"/>
+                  <a:pt x="5321" y="193"/>
+                  <a:pt x="5295" y="148"/>
+                </a:cubicBezTo>
+                <a:cubicBezTo>
+                  <a:pt x="5269" y="103"/>
+                  <a:pt x="5232" y="66"/>
+                  <a:pt x="5187" y="40"/>
+                </a:cubicBezTo>
+                <a:cubicBezTo>
+                  <a:pt x="5142" y="14"/>
+                  <a:pt x="5091" y="0"/>
+                  <a:pt x="5039" y="0"/>
+                </a:cubicBezTo>
+                <a:lnTo>
+                  <a:pt x="296" y="0"/>
+                </a:lnTo>
+              </a:path>
+            </a:pathLst>
+          </a:custGeom>
+          <a:solidFill>
+            <a:srgbClr val="eeeeee"/>
+          </a:solidFill>
+          <a:ln>
+            <a:solidFill>
+              <a:srgbClr val="3465a4"/>
+            </a:solidFill>
+          </a:ln>
+        </p:spPr>
+        <p:style>
+          <a:lnRef idx="0"/>
+          <a:fillRef idx="0"/>
+          <a:effectRef idx="0"/>
+          <a:fontRef idx="minor"/>
+        </p:style>
+        <p:txBody>
+          <a:bodyPr wrap="none" lIns="90000" rIns="90000" tIns="45000" bIns="45000" anchor="ctr">
+            <a:noAutofit/>
+          </a:bodyPr>
+          <a:p>
+            <a:pPr algn="ctr">
+              <a:lnSpc>
+                <a:spcPct val="100000"/>
+              </a:lnSpc>
+            </a:pPr>
+            <a:r>
+              <a:rPr b="0" lang="en-US" sz="1800" spc="-1" strike="noStrike">
+                <a:solidFill>
+                  <a:srgbClr val="000000"/>
+                </a:solidFill>
+                <a:latin typeface="Arial"/>
+                <a:ea typeface="DejaVu Sans"/>
+              </a:rPr>
+              <a:t>PID </a:t>
+            </a:r>
+            <a:r>
+              <a:rPr b="0" lang="en-US" sz="1800" spc="-1" strike="noStrike">
+                <a:solidFill>
+                  <a:srgbClr val="000000"/>
+                </a:solidFill>
+                <a:latin typeface="Arial"/>
+                <a:ea typeface="DejaVu Sans"/>
+              </a:rPr>
+              <a:t>Controller</a:t>
+            </a:r>
+            <a:endParaRPr b="0" lang="en-US" sz="1800" spc="-1" strike="noStrike">
+              <a:latin typeface="Arial"/>
+            </a:endParaRPr>
+          </a:p>
+        </p:txBody>
+      </p:sp>
+      <p:sp>
+        <p:nvSpPr>
+          <p:cNvPr id="39" name="CustomShape 2"/>
+          <p:cNvSpPr/>
+          <p:nvPr/>
+        </p:nvSpPr>
+        <p:spPr>
+          <a:xfrm>
+            <a:off x="2926080" y="2377440"/>
+            <a:ext cx="1919880" cy="639720"/>
+          </a:xfrm>
+          <a:custGeom>
+            <a:avLst/>
+            <a:gdLst/>
+            <a:ahLst/>
+            <a:rect l="l" t="t" r="r" b="b"/>
+            <a:pathLst>
+              <a:path w="5336" h="1780">
+                <a:moveTo>
+                  <a:pt x="296" y="0"/>
+                </a:moveTo>
+                <a:lnTo>
+                  <a:pt x="297" y="0"/>
+                </a:lnTo>
+                <a:cubicBezTo>
+                  <a:pt x="244" y="0"/>
+                  <a:pt x="193" y="14"/>
+                  <a:pt x="148" y="40"/>
+                </a:cubicBezTo>
+                <a:cubicBezTo>
+                  <a:pt x="103" y="66"/>
+                  <a:pt x="66" y="103"/>
+                  <a:pt x="40" y="148"/>
+                </a:cubicBezTo>
+                <a:cubicBezTo>
+                  <a:pt x="14" y="193"/>
+                  <a:pt x="0" y="244"/>
+                  <a:pt x="0" y="297"/>
+                </a:cubicBezTo>
+                <a:lnTo>
+                  <a:pt x="0" y="1482"/>
+                </a:lnTo>
+                <a:lnTo>
+                  <a:pt x="0" y="1483"/>
+                </a:lnTo>
+                <a:cubicBezTo>
+                  <a:pt x="0" y="1535"/>
+                  <a:pt x="14" y="1586"/>
+                  <a:pt x="40" y="1631"/>
+                </a:cubicBezTo>
+                <a:cubicBezTo>
+                  <a:pt x="66" y="1676"/>
+                  <a:pt x="103" y="1713"/>
+                  <a:pt x="148" y="1739"/>
+                </a:cubicBezTo>
+                <a:cubicBezTo>
+                  <a:pt x="193" y="1765"/>
+                  <a:pt x="244" y="1779"/>
+                  <a:pt x="297" y="1779"/>
+                </a:cubicBezTo>
+                <a:lnTo>
+                  <a:pt x="5038" y="1779"/>
+                </a:lnTo>
+                <a:lnTo>
+                  <a:pt x="5039" y="1779"/>
+                </a:lnTo>
+                <a:cubicBezTo>
+                  <a:pt x="5091" y="1779"/>
+                  <a:pt x="5142" y="1765"/>
+                  <a:pt x="5187" y="1739"/>
+                </a:cubicBezTo>
+                <a:cubicBezTo>
+                  <a:pt x="5232" y="1713"/>
+                  <a:pt x="5269" y="1676"/>
+                  <a:pt x="5295" y="1631"/>
+                </a:cubicBezTo>
+                <a:cubicBezTo>
+                  <a:pt x="5321" y="1586"/>
+                  <a:pt x="5335" y="1535"/>
+                  <a:pt x="5335" y="1483"/>
+                </a:cubicBezTo>
+                <a:lnTo>
+                  <a:pt x="5335" y="296"/>
+                </a:lnTo>
+                <a:lnTo>
+                  <a:pt x="5335" y="297"/>
+                </a:lnTo>
+                <a:lnTo>
+                  <a:pt x="5335" y="297"/>
+                </a:lnTo>
+                <a:cubicBezTo>
+                  <a:pt x="5335" y="244"/>
+                  <a:pt x="5321" y="193"/>
+                  <a:pt x="5295" y="148"/>
+                </a:cubicBezTo>
+                <a:cubicBezTo>
+                  <a:pt x="5269" y="103"/>
+                  <a:pt x="5232" y="66"/>
+                  <a:pt x="5187" y="40"/>
+                </a:cubicBezTo>
+                <a:cubicBezTo>
+                  <a:pt x="5142" y="14"/>
+                  <a:pt x="5091" y="0"/>
+                  <a:pt x="5039" y="0"/>
+                </a:cubicBezTo>
+                <a:lnTo>
+                  <a:pt x="296" y="0"/>
+                </a:lnTo>
+              </a:path>
+            </a:pathLst>
+          </a:custGeom>
+          <a:solidFill>
+            <a:srgbClr val="dee7e5"/>
+          </a:solidFill>
+          <a:ln>
+            <a:solidFill>
+              <a:srgbClr val="3465a4"/>
+            </a:solidFill>
+          </a:ln>
+        </p:spPr>
+        <p:style>
+          <a:lnRef idx="0"/>
+          <a:fillRef idx="0"/>
+          <a:effectRef idx="0"/>
+          <a:fontRef idx="minor"/>
+        </p:style>
+        <p:txBody>
+          <a:bodyPr wrap="none" lIns="90000" rIns="90000" tIns="45000" bIns="45000" anchor="ctr">
+            <a:noAutofit/>
+          </a:bodyPr>
+          <a:p>
+            <a:pPr algn="ctr">
+              <a:lnSpc>
+                <a:spcPct val="100000"/>
+              </a:lnSpc>
+            </a:pPr>
+            <a:r>
+              <a:rPr b="0" lang="en-US" sz="1800" spc="-1" strike="noStrike">
+                <a:solidFill>
+                  <a:srgbClr val="000000"/>
+                </a:solidFill>
+                <a:latin typeface="Arial"/>
+                <a:ea typeface="DejaVu Sans"/>
+              </a:rPr>
+              <a:t>Sensor</a:t>
+            </a:r>
+            <a:endParaRPr b="0" lang="en-US" sz="1800" spc="-1" strike="noStrike">
+              <a:latin typeface="Arial"/>
+            </a:endParaRPr>
+          </a:p>
+        </p:txBody>
+      </p:sp>
+      <p:sp>
+        <p:nvSpPr>
+          <p:cNvPr id="40" name="CustomShape 3"/>
+          <p:cNvSpPr/>
+          <p:nvPr/>
+        </p:nvSpPr>
+        <p:spPr>
+          <a:xfrm>
+            <a:off x="4389120" y="1097280"/>
+            <a:ext cx="1919880" cy="639720"/>
+          </a:xfrm>
+          <a:custGeom>
+            <a:avLst/>
+            <a:gdLst/>
+            <a:ahLst/>
+            <a:rect l="l" t="t" r="r" b="b"/>
+            <a:pathLst>
+              <a:path w="5336" h="1780">
+                <a:moveTo>
+                  <a:pt x="296" y="0"/>
+                </a:moveTo>
+                <a:lnTo>
+                  <a:pt x="297" y="0"/>
+                </a:lnTo>
+                <a:cubicBezTo>
+                  <a:pt x="244" y="0"/>
+                  <a:pt x="193" y="14"/>
+                  <a:pt x="148" y="40"/>
+                </a:cubicBezTo>
+                <a:cubicBezTo>
+                  <a:pt x="103" y="66"/>
+                  <a:pt x="66" y="103"/>
+                  <a:pt x="40" y="148"/>
+                </a:cubicBezTo>
+                <a:cubicBezTo>
+                  <a:pt x="14" y="193"/>
+                  <a:pt x="0" y="244"/>
+                  <a:pt x="0" y="297"/>
+                </a:cubicBezTo>
+                <a:lnTo>
+                  <a:pt x="0" y="1482"/>
+                </a:lnTo>
+                <a:lnTo>
+                  <a:pt x="0" y="1483"/>
+                </a:lnTo>
+                <a:cubicBezTo>
+                  <a:pt x="0" y="1535"/>
+                  <a:pt x="14" y="1586"/>
+                  <a:pt x="40" y="1631"/>
+                </a:cubicBezTo>
+                <a:cubicBezTo>
+                  <a:pt x="66" y="1676"/>
+                  <a:pt x="103" y="1713"/>
+                  <a:pt x="148" y="1739"/>
+                </a:cubicBezTo>
+                <a:cubicBezTo>
+                  <a:pt x="193" y="1765"/>
+                  <a:pt x="244" y="1779"/>
+                  <a:pt x="297" y="1779"/>
+                </a:cubicBezTo>
+                <a:lnTo>
+                  <a:pt x="5038" y="1779"/>
+                </a:lnTo>
+                <a:lnTo>
+                  <a:pt x="5039" y="1779"/>
+                </a:lnTo>
+                <a:cubicBezTo>
+                  <a:pt x="5091" y="1779"/>
+                  <a:pt x="5142" y="1765"/>
+                  <a:pt x="5187" y="1739"/>
+                </a:cubicBezTo>
+                <a:cubicBezTo>
+                  <a:pt x="5232" y="1713"/>
+                  <a:pt x="5269" y="1676"/>
+                  <a:pt x="5295" y="1631"/>
+                </a:cubicBezTo>
+                <a:cubicBezTo>
+                  <a:pt x="5321" y="1586"/>
+                  <a:pt x="5335" y="1535"/>
+                  <a:pt x="5335" y="1483"/>
+                </a:cubicBezTo>
+                <a:lnTo>
+                  <a:pt x="5335" y="296"/>
+                </a:lnTo>
+                <a:lnTo>
+                  <a:pt x="5335" y="297"/>
+                </a:lnTo>
+                <a:lnTo>
+                  <a:pt x="5335" y="297"/>
+                </a:lnTo>
+                <a:cubicBezTo>
+                  <a:pt x="5335" y="244"/>
+                  <a:pt x="5321" y="193"/>
+                  <a:pt x="5295" y="148"/>
+                </a:cubicBezTo>
+                <a:cubicBezTo>
+                  <a:pt x="5269" y="103"/>
+                  <a:pt x="5232" y="66"/>
+                  <a:pt x="5187" y="40"/>
+                </a:cubicBezTo>
+                <a:cubicBezTo>
+                  <a:pt x="5142" y="14"/>
+                  <a:pt x="5091" y="0"/>
+                  <a:pt x="5039" y="0"/>
+                </a:cubicBezTo>
+                <a:lnTo>
+                  <a:pt x="296" y="0"/>
+                </a:lnTo>
+              </a:path>
+            </a:pathLst>
+          </a:custGeom>
+          <a:solidFill>
+            <a:srgbClr val="eeeeee"/>
+          </a:solidFill>
+          <a:ln>
+            <a:solidFill>
+              <a:srgbClr val="3465a4"/>
+            </a:solidFill>
+          </a:ln>
+        </p:spPr>
+        <p:style>
+          <a:lnRef idx="0"/>
+          <a:fillRef idx="0"/>
+          <a:effectRef idx="0"/>
+          <a:fontRef idx="minor"/>
+        </p:style>
+        <p:txBody>
+          <a:bodyPr wrap="none" lIns="90000" rIns="90000" tIns="45000" bIns="45000" anchor="ctr">
+            <a:noAutofit/>
+          </a:bodyPr>
+          <a:p>
+            <a:pPr algn="ctr">
+              <a:lnSpc>
+                <a:spcPct val="100000"/>
+              </a:lnSpc>
+            </a:pPr>
+            <a:r>
+              <a:rPr b="0" lang="en-US" sz="1800" spc="-1" strike="noStrike">
+                <a:solidFill>
+                  <a:srgbClr val="000000"/>
+                </a:solidFill>
+                <a:latin typeface="Arial"/>
+                <a:ea typeface="DejaVu Sans"/>
+              </a:rPr>
+              <a:t>Process</a:t>
+            </a:r>
+            <a:endParaRPr b="0" lang="en-US" sz="1800" spc="-1" strike="noStrike">
+              <a:latin typeface="Arial"/>
+            </a:endParaRPr>
+          </a:p>
+        </p:txBody>
+      </p:sp>
+      <p:sp>
+        <p:nvSpPr>
+          <p:cNvPr id="41" name="Line 4"/>
+          <p:cNvSpPr/>
+          <p:nvPr/>
+        </p:nvSpPr>
+        <p:spPr>
+          <a:xfrm>
+            <a:off x="0" y="0"/>
+            <a:ext cx="0" cy="360"/>
+          </a:xfrm>
+          <a:prstGeom prst="line">
+            <a:avLst/>
+          </a:prstGeom>
+          <a:ln w="12600">
+            <a:solidFill>
+              <a:srgbClr val="3465a4"/>
+            </a:solidFill>
+            <a:round/>
+            <a:headEnd len="med" type="triangle" w="med"/>
+          </a:ln>
+        </p:spPr>
+        <p:style>
+          <a:lnRef idx="0"/>
+          <a:fillRef idx="0"/>
+          <a:effectRef idx="0"/>
+          <a:fontRef idx="minor"/>
+        </p:style>
+      </p:sp>
+      <p:sp>
+        <p:nvSpPr>
+          <p:cNvPr id="42" name="Line 5"/>
+          <p:cNvSpPr/>
+          <p:nvPr/>
+        </p:nvSpPr>
+        <p:spPr>
+          <a:xfrm>
+            <a:off x="0" y="0"/>
+            <a:ext cx="0" cy="360"/>
+          </a:xfrm>
+          <a:prstGeom prst="line">
+            <a:avLst/>
+          </a:prstGeom>
+          <a:ln w="12600">
+            <a:solidFill>
+              <a:srgbClr val="3465a4"/>
+            </a:solidFill>
+            <a:round/>
+            <a:tailEnd len="med" type="triangle" w="med"/>
+          </a:ln>
+        </p:spPr>
+        <p:style>
+          <a:lnRef idx="0"/>
+          <a:fillRef idx="0"/>
+          <a:effectRef idx="0"/>
+          <a:fontRef idx="minor"/>
+        </p:style>
+      </p:sp>
+      <p:sp>
+        <p:nvSpPr>
+          <p:cNvPr id="43" name="Line 6"/>
+          <p:cNvSpPr/>
+          <p:nvPr/>
+        </p:nvSpPr>
+        <p:spPr>
+          <a:xfrm>
+            <a:off x="5358960" y="803520"/>
+            <a:ext cx="0" cy="293760"/>
+          </a:xfrm>
+          <a:prstGeom prst="line">
+            <a:avLst/>
+          </a:prstGeom>
+          <a:ln>
+            <a:solidFill>
+              <a:srgbClr val="3465a4"/>
+            </a:solidFill>
+            <a:tailEnd len="med" type="triangle" w="med"/>
+          </a:ln>
+        </p:spPr>
+        <p:style>
+          <a:lnRef idx="0"/>
+          <a:fillRef idx="0"/>
+          <a:effectRef idx="0"/>
+          <a:fontRef idx="minor"/>
+        </p:style>
+      </p:sp>
+      <p:sp>
+        <p:nvSpPr>
+          <p:cNvPr id="44" name="CustomShape 7"/>
+          <p:cNvSpPr/>
+          <p:nvPr/>
+        </p:nvSpPr>
+        <p:spPr>
+          <a:xfrm>
+            <a:off x="5358960" y="803160"/>
+            <a:ext cx="1789560" cy="274320"/>
+          </a:xfrm>
+          <a:prstGeom prst="rect">
+            <a:avLst/>
+          </a:prstGeom>
+          <a:noFill/>
+          <a:ln>
+            <a:noFill/>
+          </a:ln>
+        </p:spPr>
+        <p:style>
+          <a:lnRef idx="0"/>
+          <a:fillRef idx="0"/>
+          <a:effectRef idx="0"/>
+          <a:fontRef idx="minor"/>
+        </p:style>
+        <p:txBody>
+          <a:bodyPr lIns="90000" rIns="90000" tIns="45000" bIns="45000">
+            <a:noAutofit/>
+          </a:bodyPr>
+          <a:p>
+            <a:pPr>
+              <a:lnSpc>
+                <a:spcPct val="100000"/>
+              </a:lnSpc>
+            </a:pPr>
+            <a:r>
+              <a:rPr b="0" lang="en-US" sz="1300" spc="-1" strike="noStrike">
+                <a:solidFill>
+                  <a:srgbClr val="ff0000"/>
+                </a:solidFill>
+                <a:latin typeface="Arial"/>
+              </a:rPr>
+              <a:t>E</a:t>
+            </a:r>
+            <a:r>
+              <a:rPr b="0" lang="en-US" sz="1300" spc="-1" strike="noStrike">
+                <a:solidFill>
+                  <a:srgbClr val="ff0000"/>
+                </a:solidFill>
+                <a:latin typeface="Arial"/>
+              </a:rPr>
+              <a:t>x</a:t>
+            </a:r>
+            <a:r>
+              <a:rPr b="0" lang="en-US" sz="1300" spc="-1" strike="noStrike">
+                <a:solidFill>
+                  <a:srgbClr val="ff0000"/>
+                </a:solidFill>
+                <a:latin typeface="Arial"/>
+              </a:rPr>
+              <a:t>t</a:t>
+            </a:r>
+            <a:r>
+              <a:rPr b="0" lang="en-US" sz="1300" spc="-1" strike="noStrike">
+                <a:solidFill>
+                  <a:srgbClr val="ff0000"/>
+                </a:solidFill>
+                <a:latin typeface="Arial"/>
+              </a:rPr>
+              <a:t>e</a:t>
+            </a:r>
+            <a:r>
+              <a:rPr b="0" lang="en-US" sz="1300" spc="-1" strike="noStrike">
+                <a:solidFill>
+                  <a:srgbClr val="ff0000"/>
+                </a:solidFill>
+                <a:latin typeface="Arial"/>
+              </a:rPr>
+              <a:t>r</a:t>
+            </a:r>
+            <a:r>
+              <a:rPr b="0" lang="en-US" sz="1300" spc="-1" strike="noStrike">
+                <a:solidFill>
+                  <a:srgbClr val="ff0000"/>
+                </a:solidFill>
+                <a:latin typeface="Arial"/>
+              </a:rPr>
+              <a:t>n</a:t>
+            </a:r>
+            <a:r>
+              <a:rPr b="0" lang="en-US" sz="1300" spc="-1" strike="noStrike">
+                <a:solidFill>
+                  <a:srgbClr val="ff0000"/>
+                </a:solidFill>
+                <a:latin typeface="Arial"/>
+              </a:rPr>
+              <a:t>a</a:t>
+            </a:r>
+            <a:r>
+              <a:rPr b="0" lang="en-US" sz="1300" spc="-1" strike="noStrike">
+                <a:solidFill>
+                  <a:srgbClr val="ff0000"/>
+                </a:solidFill>
+                <a:latin typeface="Arial"/>
+              </a:rPr>
+              <a:t>l</a:t>
+            </a:r>
+            <a:r>
+              <a:rPr b="0" lang="en-US" sz="1300" spc="-1" strike="noStrike">
+                <a:solidFill>
+                  <a:srgbClr val="ff0000"/>
+                </a:solidFill>
+                <a:latin typeface="Arial"/>
+              </a:rPr>
+              <a:t> </a:t>
+            </a:r>
+            <a:r>
+              <a:rPr b="0" lang="en-US" sz="1300" spc="-1" strike="noStrike">
+                <a:solidFill>
+                  <a:srgbClr val="ff0000"/>
+                </a:solidFill>
+                <a:latin typeface="Arial"/>
+              </a:rPr>
+              <a:t>D</a:t>
+            </a:r>
+            <a:r>
+              <a:rPr b="0" lang="en-US" sz="1300" spc="-1" strike="noStrike">
+                <a:solidFill>
+                  <a:srgbClr val="ff0000"/>
+                </a:solidFill>
+                <a:latin typeface="Arial"/>
+              </a:rPr>
+              <a:t>i</a:t>
+            </a:r>
+            <a:r>
+              <a:rPr b="0" lang="en-US" sz="1300" spc="-1" strike="noStrike">
+                <a:solidFill>
+                  <a:srgbClr val="ff0000"/>
+                </a:solidFill>
+                <a:latin typeface="Arial"/>
+              </a:rPr>
+              <a:t>s</a:t>
+            </a:r>
+            <a:r>
+              <a:rPr b="0" lang="en-US" sz="1300" spc="-1" strike="noStrike">
+                <a:solidFill>
+                  <a:srgbClr val="ff0000"/>
+                </a:solidFill>
+                <a:latin typeface="Arial"/>
+              </a:rPr>
+              <a:t>t</a:t>
+            </a:r>
+            <a:r>
+              <a:rPr b="0" lang="en-US" sz="1300" spc="-1" strike="noStrike">
+                <a:solidFill>
+                  <a:srgbClr val="ff0000"/>
+                </a:solidFill>
+                <a:latin typeface="Arial"/>
+              </a:rPr>
+              <a:t>u</a:t>
+            </a:r>
+            <a:r>
+              <a:rPr b="0" lang="en-US" sz="1300" spc="-1" strike="noStrike">
+                <a:solidFill>
+                  <a:srgbClr val="ff0000"/>
+                </a:solidFill>
+                <a:latin typeface="Arial"/>
+              </a:rPr>
+              <a:t>r</a:t>
+            </a:r>
+            <a:r>
+              <a:rPr b="0" lang="en-US" sz="1300" spc="-1" strike="noStrike">
+                <a:solidFill>
+                  <a:srgbClr val="ff0000"/>
+                </a:solidFill>
+                <a:latin typeface="Arial"/>
+              </a:rPr>
+              <a:t>b</a:t>
+            </a:r>
+            <a:r>
+              <a:rPr b="0" lang="en-US" sz="1300" spc="-1" strike="noStrike">
+                <a:solidFill>
+                  <a:srgbClr val="ff0000"/>
+                </a:solidFill>
+                <a:latin typeface="Arial"/>
+              </a:rPr>
+              <a:t>a</a:t>
+            </a:r>
+            <a:r>
+              <a:rPr b="0" lang="en-US" sz="1300" spc="-1" strike="noStrike">
+                <a:solidFill>
+                  <a:srgbClr val="ff0000"/>
+                </a:solidFill>
+                <a:latin typeface="Arial"/>
+              </a:rPr>
+              <a:t>n</a:t>
+            </a:r>
+            <a:r>
+              <a:rPr b="0" lang="en-US" sz="1300" spc="-1" strike="noStrike">
+                <a:solidFill>
+                  <a:srgbClr val="ff0000"/>
+                </a:solidFill>
+                <a:latin typeface="Arial"/>
+              </a:rPr>
+              <a:t>c</a:t>
+            </a:r>
+            <a:r>
+              <a:rPr b="0" lang="en-US" sz="1300" spc="-1" strike="noStrike">
+                <a:solidFill>
+                  <a:srgbClr val="ff0000"/>
+                </a:solidFill>
+                <a:latin typeface="Arial"/>
+              </a:rPr>
+              <a:t>e</a:t>
+            </a:r>
+            <a:r>
+              <a:rPr b="0" lang="en-US" sz="1300" spc="-1" strike="noStrike">
+                <a:solidFill>
+                  <a:srgbClr val="ff0000"/>
+                </a:solidFill>
+                <a:latin typeface="Arial"/>
+              </a:rPr>
+              <a:t>s</a:t>
+            </a:r>
+            <a:endParaRPr b="0" lang="en-US" sz="1300" spc="-1" strike="noStrike">
+              <a:latin typeface="Arial"/>
+            </a:endParaRPr>
+          </a:p>
+        </p:txBody>
+      </p:sp>
+      <p:sp>
+        <p:nvSpPr>
+          <p:cNvPr id="45" name="CustomShape 8"/>
+          <p:cNvSpPr/>
+          <p:nvPr/>
+        </p:nvSpPr>
+        <p:spPr>
+          <a:xfrm>
+            <a:off x="1313640" y="1847880"/>
+            <a:ext cx="1177200" cy="274320"/>
+          </a:xfrm>
+          <a:prstGeom prst="rect">
+            <a:avLst/>
+          </a:prstGeom>
+          <a:noFill/>
+          <a:ln>
+            <a:noFill/>
+          </a:ln>
+        </p:spPr>
+        <p:style>
+          <a:lnRef idx="0"/>
+          <a:fillRef idx="0"/>
+          <a:effectRef idx="0"/>
+          <a:fontRef idx="minor"/>
+        </p:style>
+        <p:txBody>
+          <a:bodyPr lIns="90000" rIns="90000" tIns="45000" bIns="45000">
+            <a:noAutofit/>
+          </a:bodyPr>
+          <a:p>
+            <a:pPr>
+              <a:lnSpc>
+                <a:spcPct val="100000"/>
+              </a:lnSpc>
+            </a:pPr>
+            <a:r>
+              <a:rPr b="0" lang="en-US" sz="1300" spc="-1" strike="noStrike">
+                <a:solidFill>
+                  <a:srgbClr val="ff0000"/>
+                </a:solidFill>
+                <a:latin typeface="Arial"/>
+              </a:rPr>
+              <a:t>M</a:t>
+            </a:r>
+            <a:r>
+              <a:rPr b="0" lang="en-US" sz="1300" spc="-1" strike="noStrike">
+                <a:solidFill>
+                  <a:srgbClr val="ff0000"/>
+                </a:solidFill>
+                <a:latin typeface="Arial"/>
+              </a:rPr>
+              <a:t>ea</a:t>
+            </a:r>
+            <a:r>
+              <a:rPr b="0" lang="en-US" sz="1300" spc="-1" strike="noStrike">
+                <a:solidFill>
+                  <a:srgbClr val="ff0000"/>
+                </a:solidFill>
+                <a:latin typeface="Arial"/>
+              </a:rPr>
+              <a:t>su</a:t>
+            </a:r>
+            <a:r>
+              <a:rPr b="0" lang="en-US" sz="1300" spc="-1" strike="noStrike">
+                <a:solidFill>
+                  <a:srgbClr val="ff0000"/>
+                </a:solidFill>
+                <a:latin typeface="Arial"/>
+              </a:rPr>
+              <a:t>re</a:t>
+            </a:r>
+            <a:r>
+              <a:rPr b="0" lang="en-US" sz="1300" spc="-1" strike="noStrike">
+                <a:solidFill>
+                  <a:srgbClr val="ff0000"/>
+                </a:solidFill>
+                <a:latin typeface="Arial"/>
+              </a:rPr>
+              <a:t>d </a:t>
+            </a:r>
+            <a:r>
+              <a:rPr b="0" lang="en-US" sz="1300" spc="-1" strike="noStrike">
+                <a:solidFill>
+                  <a:srgbClr val="ff0000"/>
+                </a:solidFill>
+                <a:latin typeface="Arial"/>
+              </a:rPr>
+              <a:t>SP</a:t>
+            </a:r>
+            <a:endParaRPr b="0" lang="en-US" sz="1300" spc="-1" strike="noStrike">
+              <a:latin typeface="Arial"/>
+            </a:endParaRPr>
+          </a:p>
+        </p:txBody>
+      </p:sp>
+      <p:sp>
+        <p:nvSpPr>
+          <p:cNvPr id="46" name="CustomShape 9"/>
+          <p:cNvSpPr/>
+          <p:nvPr/>
+        </p:nvSpPr>
+        <p:spPr>
+          <a:xfrm>
+            <a:off x="6309360" y="1097280"/>
+            <a:ext cx="399960" cy="274320"/>
+          </a:xfrm>
+          <a:prstGeom prst="rect">
+            <a:avLst/>
+          </a:prstGeom>
+          <a:noFill/>
+          <a:ln>
+            <a:noFill/>
+          </a:ln>
+        </p:spPr>
+        <p:style>
+          <a:lnRef idx="0"/>
+          <a:fillRef idx="0"/>
+          <a:effectRef idx="0"/>
+          <a:fontRef idx="minor"/>
+        </p:style>
+        <p:txBody>
+          <a:bodyPr lIns="90000" rIns="90000" tIns="45000" bIns="45000">
+            <a:noAutofit/>
+          </a:bodyPr>
+          <a:p>
+            <a:pPr>
+              <a:lnSpc>
+                <a:spcPct val="100000"/>
+              </a:lnSpc>
+            </a:pPr>
+            <a:r>
+              <a:rPr b="0" lang="en-US" sz="1300" spc="-1" strike="noStrike">
+                <a:solidFill>
+                  <a:srgbClr val="ff0000"/>
+                </a:solidFill>
+                <a:latin typeface="Arial"/>
+              </a:rPr>
+              <a:t>P</a:t>
+            </a:r>
+            <a:r>
+              <a:rPr b="0" lang="en-US" sz="1300" spc="-1" strike="noStrike">
+                <a:solidFill>
+                  <a:srgbClr val="ff0000"/>
+                </a:solidFill>
+                <a:latin typeface="Arial"/>
+              </a:rPr>
+              <a:t>V</a:t>
+            </a:r>
+            <a:endParaRPr b="0" lang="en-US" sz="1300" spc="-1" strike="noStrike">
+              <a:latin typeface="Arial"/>
+            </a:endParaRPr>
+          </a:p>
+        </p:txBody>
+      </p:sp>
+      <p:sp>
+        <p:nvSpPr>
+          <p:cNvPr id="47" name="Line 10"/>
+          <p:cNvSpPr/>
+          <p:nvPr/>
+        </p:nvSpPr>
+        <p:spPr>
+          <a:xfrm>
+            <a:off x="6309360" y="1371600"/>
+            <a:ext cx="457200" cy="0"/>
+          </a:xfrm>
+          <a:prstGeom prst="line">
+            <a:avLst/>
+          </a:prstGeom>
+          <a:ln>
+            <a:solidFill>
+              <a:srgbClr val="3465a4"/>
+            </a:solidFill>
+            <a:tailEnd len="med" type="triangle" w="med"/>
+          </a:ln>
+        </p:spPr>
+        <p:style>
+          <a:lnRef idx="0"/>
+          <a:fillRef idx="0"/>
+          <a:effectRef idx="0"/>
+          <a:fontRef idx="minor"/>
+        </p:style>
+      </p:sp>
+      <p:sp>
+        <p:nvSpPr>
+          <p:cNvPr id="48" name="CustomShape 11"/>
+          <p:cNvSpPr/>
+          <p:nvPr/>
+        </p:nvSpPr>
+        <p:spPr>
+          <a:xfrm>
+            <a:off x="4937760" y="803160"/>
+            <a:ext cx="399960" cy="274320"/>
+          </a:xfrm>
+          <a:prstGeom prst="rect">
+            <a:avLst/>
+          </a:prstGeom>
+          <a:noFill/>
+          <a:ln>
+            <a:noFill/>
+          </a:ln>
+        </p:spPr>
+        <p:style>
+          <a:lnRef idx="0"/>
+          <a:fillRef idx="0"/>
+          <a:effectRef idx="0"/>
+          <a:fontRef idx="minor"/>
+        </p:style>
+        <p:txBody>
+          <a:bodyPr lIns="90000" rIns="90000" tIns="45000" bIns="45000">
+            <a:noAutofit/>
+          </a:bodyPr>
+          <a:p>
+            <a:pPr>
+              <a:lnSpc>
+                <a:spcPct val="100000"/>
+              </a:lnSpc>
+            </a:pPr>
+            <a:r>
+              <a:rPr b="0" lang="en-US" sz="1300" spc="-1" strike="noStrike">
+                <a:solidFill>
+                  <a:srgbClr val="ff0000"/>
+                </a:solidFill>
+                <a:latin typeface="Arial"/>
+              </a:rPr>
+              <a:t>SP</a:t>
+            </a:r>
+            <a:endParaRPr b="0" lang="en-US" sz="1300" spc="-1" strike="noStrike">
+              <a:latin typeface="Arial"/>
+            </a:endParaRPr>
+          </a:p>
+        </p:txBody>
+      </p:sp>
+      <p:sp>
+        <p:nvSpPr>
+          <p:cNvPr id="49" name="CustomShape 12"/>
+          <p:cNvSpPr/>
+          <p:nvPr/>
+        </p:nvSpPr>
+        <p:spPr>
+          <a:xfrm>
+            <a:off x="986400" y="1135800"/>
+            <a:ext cx="399960" cy="274320"/>
+          </a:xfrm>
+          <a:prstGeom prst="rect">
+            <a:avLst/>
+          </a:prstGeom>
+          <a:noFill/>
+          <a:ln>
+            <a:noFill/>
+          </a:ln>
+        </p:spPr>
+        <p:style>
+          <a:lnRef idx="0"/>
+          <a:fillRef idx="0"/>
+          <a:effectRef idx="0"/>
+          <a:fontRef idx="minor"/>
+        </p:style>
+        <p:txBody>
+          <a:bodyPr lIns="90000" rIns="90000" tIns="45000" bIns="45000">
+            <a:noAutofit/>
+          </a:bodyPr>
+          <a:p>
+            <a:pPr>
+              <a:lnSpc>
+                <a:spcPct val="100000"/>
+              </a:lnSpc>
+            </a:pPr>
+            <a:r>
+              <a:rPr b="0" lang="en-US" sz="1300" spc="-1" strike="noStrike">
+                <a:solidFill>
+                  <a:srgbClr val="ff0000"/>
+                </a:solidFill>
+                <a:latin typeface="Arial"/>
+              </a:rPr>
+              <a:t>S</a:t>
+            </a:r>
+            <a:r>
+              <a:rPr b="0" lang="en-US" sz="1300" spc="-1" strike="noStrike">
+                <a:solidFill>
+                  <a:srgbClr val="ff0000"/>
+                </a:solidFill>
+                <a:latin typeface="Arial"/>
+              </a:rPr>
+              <a:t>P</a:t>
+            </a:r>
+            <a:endParaRPr b="0" lang="en-US" sz="1300" spc="-1" strike="noStrike">
+              <a:latin typeface="Arial"/>
+            </a:endParaRPr>
+          </a:p>
+        </p:txBody>
+      </p:sp>
+      <p:sp>
+        <p:nvSpPr>
+          <p:cNvPr id="50" name="Line 13"/>
+          <p:cNvSpPr/>
+          <p:nvPr/>
+        </p:nvSpPr>
+        <p:spPr>
+          <a:xfrm>
+            <a:off x="1005840" y="1371600"/>
+            <a:ext cx="457200" cy="0"/>
+          </a:xfrm>
+          <a:prstGeom prst="line">
+            <a:avLst/>
+          </a:prstGeom>
+          <a:ln>
+            <a:solidFill>
+              <a:srgbClr val="3465a4"/>
+            </a:solidFill>
+            <a:tailEnd len="med" type="triangle" w="med"/>
+          </a:ln>
+        </p:spPr>
+        <p:style>
+          <a:lnRef idx="0"/>
+          <a:fillRef idx="0"/>
+          <a:effectRef idx="0"/>
+          <a:fontRef idx="minor"/>
+        </p:style>
+      </p:sp>
+      <p:sp>
+        <p:nvSpPr>
+          <p:cNvPr id="51" name="Line 14"/>
+          <p:cNvSpPr/>
+          <p:nvPr/>
+        </p:nvSpPr>
+        <p:spPr>
+          <a:xfrm>
+            <a:off x="3383280" y="1427040"/>
+            <a:ext cx="1005840" cy="0"/>
+          </a:xfrm>
+          <a:prstGeom prst="line">
+            <a:avLst/>
+          </a:prstGeom>
+          <a:ln>
+            <a:solidFill>
+              <a:srgbClr val="3465a4"/>
+            </a:solidFill>
+            <a:tailEnd len="med" type="triangle" w="med"/>
+          </a:ln>
+        </p:spPr>
+        <p:style>
+          <a:lnRef idx="0"/>
+          <a:fillRef idx="0"/>
+          <a:effectRef idx="0"/>
+          <a:fontRef idx="minor"/>
+        </p:style>
+      </p:sp>
+      <p:sp>
+        <p:nvSpPr>
+          <p:cNvPr id="52" name="CustomShape 15"/>
+          <p:cNvSpPr/>
+          <p:nvPr/>
+        </p:nvSpPr>
+        <p:spPr>
+          <a:xfrm>
+            <a:off x="3623040" y="1133280"/>
+            <a:ext cx="408960" cy="274320"/>
+          </a:xfrm>
+          <a:prstGeom prst="rect">
+            <a:avLst/>
+          </a:prstGeom>
+          <a:noFill/>
+          <a:ln>
+            <a:noFill/>
+          </a:ln>
+        </p:spPr>
+        <p:style>
+          <a:lnRef idx="0"/>
+          <a:fillRef idx="0"/>
+          <a:effectRef idx="0"/>
+          <a:fontRef idx="minor"/>
+        </p:style>
+        <p:txBody>
+          <a:bodyPr lIns="90000" rIns="90000" tIns="45000" bIns="45000">
+            <a:noAutofit/>
+          </a:bodyPr>
+          <a:p>
+            <a:pPr>
+              <a:lnSpc>
+                <a:spcPct val="100000"/>
+              </a:lnSpc>
+            </a:pPr>
+            <a:r>
+              <a:rPr b="0" lang="en-US" sz="1300" spc="-1" strike="noStrike">
+                <a:solidFill>
+                  <a:srgbClr val="ff0000"/>
+                </a:solidFill>
+                <a:latin typeface="Arial"/>
+              </a:rPr>
+              <a:t>CV</a:t>
+            </a:r>
+            <a:endParaRPr b="0" lang="en-US" sz="1300" spc="-1" strike="noStrike">
+              <a:latin typeface="Arial"/>
+            </a:endParaRPr>
+          </a:p>
+        </p:txBody>
+      </p:sp>
+    </p:spTree>
+  </p:cSld>
+  <mc:AlternateContent>
+    <mc:Choice Requires="p14">
+      <p:transition spd="slow" p14:dur="2000"/>
+    </mc:Choice>
+    <mc:Fallback>
+      <p:transition spd="slow"/>
+    </mc:Fallback>
+  </mc:AlternateContent>
+</p:sld>
+</file>
+
+<file path=ppt/slides/slide2.xml><?xml version="1.0" encoding="utf-8"?>
+<p:sld xmlns:a="http://schemas.openxmlformats.org/drawingml/2006/main" xmlns:p="http://schemas.openxmlformats.org/presentationml/2006/main" xmlns:r="http://schemas.openxmlformats.org/officeDocument/2006/relationships" xmlns:p14="http://schemas.microsoft.com/office/powerpoint/2010/main" xmlns:p15="http://schemas.microsoft.com/office/powerpoint/2012/main" xmlns:mc="http://schemas.openxmlformats.org/markup-compatibility/2006">
+  <p:cSld>
+    <p:spTree>
+      <p:nvGrpSpPr>
+        <p:cNvPr id="1" name=""/>
+        <p:cNvGrpSpPr/>
+        <p:nvPr/>
+      </p:nvGrpSpPr>
+      <p:grpSpPr>
+        <a:xfrm>
+          <a:off x="0" y="0"/>
+          <a:ext cx="0" cy="0"/>
+          <a:chOff x="0" y="0"/>
+          <a:chExt cx="0" cy="0"/>
+        </a:xfrm>
+      </p:grpSpPr>
+      <p:sp>
+        <p:nvSpPr>
+          <p:cNvPr id="53" name="CustomShape 1"/>
+          <p:cNvSpPr/>
+          <p:nvPr/>
+        </p:nvSpPr>
+        <p:spPr>
+          <a:xfrm>
+            <a:off x="3327840" y="3383280"/>
+            <a:ext cx="822960" cy="639720"/>
+          </a:xfrm>
+          <a:custGeom>
+            <a:avLst/>
+            <a:gdLst/>
+            <a:ahLst/>
+            <a:rect l="l" t="t" r="r" b="b"/>
+            <a:pathLst>
+              <a:path w="5336" h="1780">
+                <a:moveTo>
+                  <a:pt x="296" y="0"/>
+                </a:moveTo>
+                <a:lnTo>
+                  <a:pt x="297" y="0"/>
+                </a:lnTo>
+                <a:cubicBezTo>
+                  <a:pt x="244" y="0"/>
+                  <a:pt x="193" y="14"/>
+                  <a:pt x="148" y="40"/>
+                </a:cubicBezTo>
+                <a:cubicBezTo>
+                  <a:pt x="103" y="66"/>
+                  <a:pt x="66" y="103"/>
+                  <a:pt x="40" y="148"/>
+                </a:cubicBezTo>
+                <a:cubicBezTo>
+                  <a:pt x="14" y="193"/>
+                  <a:pt x="0" y="244"/>
+                  <a:pt x="0" y="297"/>
+                </a:cubicBezTo>
+                <a:lnTo>
+                  <a:pt x="0" y="1482"/>
+                </a:lnTo>
+                <a:lnTo>
+                  <a:pt x="0" y="1483"/>
+                </a:lnTo>
+                <a:cubicBezTo>
+                  <a:pt x="0" y="1535"/>
+                  <a:pt x="14" y="1586"/>
+                  <a:pt x="40" y="1631"/>
+                </a:cubicBezTo>
+                <a:cubicBezTo>
+                  <a:pt x="66" y="1676"/>
+                  <a:pt x="103" y="1713"/>
+                  <a:pt x="148" y="1739"/>
+                </a:cubicBezTo>
+                <a:cubicBezTo>
+                  <a:pt x="193" y="1765"/>
+                  <a:pt x="244" y="1779"/>
+                  <a:pt x="297" y="1779"/>
+                </a:cubicBezTo>
+                <a:lnTo>
+                  <a:pt x="5038" y="1779"/>
+                </a:lnTo>
+                <a:lnTo>
+                  <a:pt x="5039" y="1779"/>
+                </a:lnTo>
+                <a:cubicBezTo>
+                  <a:pt x="5091" y="1779"/>
+                  <a:pt x="5142" y="1765"/>
+                  <a:pt x="5187" y="1739"/>
+                </a:cubicBezTo>
+                <a:cubicBezTo>
+                  <a:pt x="5232" y="1713"/>
+                  <a:pt x="5269" y="1676"/>
+                  <a:pt x="5295" y="1631"/>
+                </a:cubicBezTo>
+                <a:cubicBezTo>
+                  <a:pt x="5321" y="1586"/>
+                  <a:pt x="5335" y="1535"/>
+                  <a:pt x="5335" y="1483"/>
+                </a:cubicBezTo>
+                <a:lnTo>
+                  <a:pt x="5335" y="296"/>
+                </a:lnTo>
+                <a:lnTo>
+                  <a:pt x="5335" y="297"/>
+                </a:lnTo>
+                <a:lnTo>
+                  <a:pt x="5335" y="297"/>
+                </a:lnTo>
+                <a:cubicBezTo>
+                  <a:pt x="5335" y="244"/>
+                  <a:pt x="5321" y="193"/>
+                  <a:pt x="5295" y="148"/>
+                </a:cubicBezTo>
+                <a:cubicBezTo>
+                  <a:pt x="5269" y="103"/>
+                  <a:pt x="5232" y="66"/>
+                  <a:pt x="5187" y="40"/>
+                </a:cubicBezTo>
+                <a:cubicBezTo>
+                  <a:pt x="5142" y="14"/>
+                  <a:pt x="5091" y="0"/>
+                  <a:pt x="5039" y="0"/>
+                </a:cubicBezTo>
+                <a:lnTo>
+                  <a:pt x="296" y="0"/>
+                </a:lnTo>
+              </a:path>
+            </a:pathLst>
+          </a:custGeom>
+          <a:solidFill>
+            <a:srgbClr val="eeeeee"/>
+          </a:solidFill>
+          <a:ln>
+            <a:solidFill>
+              <a:srgbClr val="3465a4"/>
+            </a:solidFill>
+          </a:ln>
+        </p:spPr>
+        <p:style>
+          <a:lnRef idx="0"/>
+          <a:fillRef idx="0"/>
+          <a:effectRef idx="0"/>
+          <a:fontRef idx="minor"/>
+        </p:style>
+        <p:txBody>
+          <a:bodyPr wrap="none" lIns="90000" rIns="90000" tIns="45000" bIns="45000" anchor="ctr">
+            <a:noAutofit/>
+          </a:bodyPr>
+          <a:p>
+            <a:pPr algn="ctr">
+              <a:lnSpc>
+                <a:spcPct val="100000"/>
+              </a:lnSpc>
+            </a:pPr>
+            <a:r>
+              <a:rPr b="0" lang="en-US" sz="1800" spc="-1" strike="noStrike">
+                <a:solidFill>
+                  <a:srgbClr val="000000"/>
+                </a:solidFill>
+                <a:latin typeface="Arial"/>
+                <a:ea typeface="DejaVu Sans"/>
+              </a:rPr>
+              <a:t>D</a:t>
+            </a:r>
+            <a:endParaRPr b="0" lang="en-US" sz="1800" spc="-1" strike="noStrike">
+              <a:latin typeface="Arial"/>
+            </a:endParaRPr>
+          </a:p>
+        </p:txBody>
+      </p:sp>
+      <p:sp>
+        <p:nvSpPr>
+          <p:cNvPr id="54" name="CustomShape 2"/>
+          <p:cNvSpPr/>
+          <p:nvPr/>
+        </p:nvSpPr>
+        <p:spPr>
+          <a:xfrm>
+            <a:off x="3327840" y="1371960"/>
+            <a:ext cx="822960" cy="639720"/>
+          </a:xfrm>
+          <a:custGeom>
+            <a:avLst/>
+            <a:gdLst/>
+            <a:ahLst/>
+            <a:rect l="l" t="t" r="r" b="b"/>
+            <a:pathLst>
+              <a:path w="5336" h="1780">
+                <a:moveTo>
+                  <a:pt x="296" y="0"/>
+                </a:moveTo>
+                <a:lnTo>
+                  <a:pt x="297" y="0"/>
+                </a:lnTo>
+                <a:cubicBezTo>
+                  <a:pt x="244" y="0"/>
+                  <a:pt x="193" y="14"/>
+                  <a:pt x="148" y="40"/>
+                </a:cubicBezTo>
+                <a:cubicBezTo>
+                  <a:pt x="103" y="66"/>
+                  <a:pt x="66" y="103"/>
+                  <a:pt x="40" y="148"/>
+                </a:cubicBezTo>
+                <a:cubicBezTo>
+                  <a:pt x="14" y="193"/>
+                  <a:pt x="0" y="244"/>
+                  <a:pt x="0" y="297"/>
+                </a:cubicBezTo>
+                <a:lnTo>
+                  <a:pt x="0" y="1482"/>
+                </a:lnTo>
+                <a:lnTo>
+                  <a:pt x="0" y="1483"/>
+                </a:lnTo>
+                <a:cubicBezTo>
+                  <a:pt x="0" y="1535"/>
+                  <a:pt x="14" y="1586"/>
+                  <a:pt x="40" y="1631"/>
+                </a:cubicBezTo>
+                <a:cubicBezTo>
+                  <a:pt x="66" y="1676"/>
+                  <a:pt x="103" y="1713"/>
+                  <a:pt x="148" y="1739"/>
+                </a:cubicBezTo>
+                <a:cubicBezTo>
+                  <a:pt x="193" y="1765"/>
+                  <a:pt x="244" y="1779"/>
+                  <a:pt x="297" y="1779"/>
+                </a:cubicBezTo>
+                <a:lnTo>
+                  <a:pt x="5038" y="1779"/>
+                </a:lnTo>
+                <a:lnTo>
+                  <a:pt x="5039" y="1779"/>
+                </a:lnTo>
+                <a:cubicBezTo>
+                  <a:pt x="5091" y="1779"/>
+                  <a:pt x="5142" y="1765"/>
+                  <a:pt x="5187" y="1739"/>
+                </a:cubicBezTo>
+                <a:cubicBezTo>
+                  <a:pt x="5232" y="1713"/>
+                  <a:pt x="5269" y="1676"/>
+                  <a:pt x="5295" y="1631"/>
+                </a:cubicBezTo>
+                <a:cubicBezTo>
+                  <a:pt x="5321" y="1586"/>
+                  <a:pt x="5335" y="1535"/>
+                  <a:pt x="5335" y="1483"/>
+                </a:cubicBezTo>
+                <a:lnTo>
+                  <a:pt x="5335" y="296"/>
+                </a:lnTo>
+                <a:lnTo>
+                  <a:pt x="5335" y="297"/>
+                </a:lnTo>
+                <a:lnTo>
+                  <a:pt x="5335" y="297"/>
+                </a:lnTo>
+                <a:cubicBezTo>
+                  <a:pt x="5335" y="244"/>
+                  <a:pt x="5321" y="193"/>
+                  <a:pt x="5295" y="148"/>
+                </a:cubicBezTo>
+                <a:cubicBezTo>
+                  <a:pt x="5269" y="103"/>
+                  <a:pt x="5232" y="66"/>
+                  <a:pt x="5187" y="40"/>
+                </a:cubicBezTo>
+                <a:cubicBezTo>
+                  <a:pt x="5142" y="14"/>
+                  <a:pt x="5091" y="0"/>
+                  <a:pt x="5039" y="0"/>
+                </a:cubicBezTo>
+                <a:lnTo>
+                  <a:pt x="296" y="0"/>
+                </a:lnTo>
+              </a:path>
+            </a:pathLst>
+          </a:custGeom>
+          <a:solidFill>
+            <a:srgbClr val="eeeeee"/>
+          </a:solidFill>
+          <a:ln>
+            <a:solidFill>
+              <a:srgbClr val="3465a4"/>
+            </a:solidFill>
+          </a:ln>
+        </p:spPr>
+        <p:style>
+          <a:lnRef idx="0"/>
+          <a:fillRef idx="0"/>
+          <a:effectRef idx="0"/>
+          <a:fontRef idx="minor"/>
+        </p:style>
+        <p:txBody>
+          <a:bodyPr wrap="none" lIns="90000" rIns="90000" tIns="45000" bIns="45000" anchor="ctr">
+            <a:noAutofit/>
+          </a:bodyPr>
+          <a:p>
+            <a:pPr algn="ctr">
+              <a:lnSpc>
+                <a:spcPct val="100000"/>
+              </a:lnSpc>
+            </a:pPr>
+            <a:r>
+              <a:rPr b="0" lang="en-US" sz="1800" spc="-1" strike="noStrike">
+                <a:solidFill>
+                  <a:srgbClr val="000000"/>
+                </a:solidFill>
+                <a:latin typeface="Arial"/>
+                <a:ea typeface="DejaVu Sans"/>
+              </a:rPr>
+              <a:t>P</a:t>
+            </a:r>
+            <a:endParaRPr b="0" lang="en-US" sz="1800" spc="-1" strike="noStrike">
+              <a:latin typeface="Arial"/>
+            </a:endParaRPr>
+          </a:p>
+        </p:txBody>
+      </p:sp>
+      <p:sp>
+        <p:nvSpPr>
+          <p:cNvPr id="55" name="CustomShape 3"/>
+          <p:cNvSpPr/>
+          <p:nvPr/>
+        </p:nvSpPr>
+        <p:spPr>
+          <a:xfrm>
+            <a:off x="3327840" y="2377440"/>
+            <a:ext cx="822960" cy="639720"/>
+          </a:xfrm>
+          <a:custGeom>
+            <a:avLst/>
+            <a:gdLst/>
+            <a:ahLst/>
+            <a:rect l="l" t="t" r="r" b="b"/>
+            <a:pathLst>
+              <a:path w="5336" h="1780">
+                <a:moveTo>
+                  <a:pt x="296" y="0"/>
+                </a:moveTo>
+                <a:lnTo>
+                  <a:pt x="297" y="0"/>
+                </a:lnTo>
+                <a:cubicBezTo>
+                  <a:pt x="244" y="0"/>
+                  <a:pt x="193" y="14"/>
+                  <a:pt x="148" y="40"/>
+                </a:cubicBezTo>
+                <a:cubicBezTo>
+                  <a:pt x="103" y="66"/>
+                  <a:pt x="66" y="103"/>
+                  <a:pt x="40" y="148"/>
+                </a:cubicBezTo>
+                <a:cubicBezTo>
+                  <a:pt x="14" y="193"/>
+                  <a:pt x="0" y="244"/>
+                  <a:pt x="0" y="297"/>
+                </a:cubicBezTo>
+                <a:lnTo>
+                  <a:pt x="0" y="1482"/>
+                </a:lnTo>
+                <a:lnTo>
+                  <a:pt x="0" y="1483"/>
+                </a:lnTo>
+                <a:cubicBezTo>
+                  <a:pt x="0" y="1535"/>
+                  <a:pt x="14" y="1586"/>
+                  <a:pt x="40" y="1631"/>
+                </a:cubicBezTo>
+                <a:cubicBezTo>
+                  <a:pt x="66" y="1676"/>
+                  <a:pt x="103" y="1713"/>
+                  <a:pt x="148" y="1739"/>
+                </a:cubicBezTo>
+                <a:cubicBezTo>
+                  <a:pt x="193" y="1765"/>
+                  <a:pt x="244" y="1779"/>
+                  <a:pt x="297" y="1779"/>
+                </a:cubicBezTo>
+                <a:lnTo>
+                  <a:pt x="5038" y="1779"/>
+                </a:lnTo>
+                <a:lnTo>
+                  <a:pt x="5039" y="1779"/>
+                </a:lnTo>
+                <a:cubicBezTo>
+                  <a:pt x="5091" y="1779"/>
+                  <a:pt x="5142" y="1765"/>
+                  <a:pt x="5187" y="1739"/>
+                </a:cubicBezTo>
+                <a:cubicBezTo>
+                  <a:pt x="5232" y="1713"/>
+                  <a:pt x="5269" y="1676"/>
+                  <a:pt x="5295" y="1631"/>
+                </a:cubicBezTo>
+                <a:cubicBezTo>
+                  <a:pt x="5321" y="1586"/>
+                  <a:pt x="5335" y="1535"/>
+                  <a:pt x="5335" y="1483"/>
+                </a:cubicBezTo>
+                <a:lnTo>
+                  <a:pt x="5335" y="296"/>
+                </a:lnTo>
+                <a:lnTo>
+                  <a:pt x="5335" y="297"/>
+                </a:lnTo>
+                <a:lnTo>
+                  <a:pt x="5335" y="297"/>
+                </a:lnTo>
+                <a:cubicBezTo>
+                  <a:pt x="5335" y="244"/>
+                  <a:pt x="5321" y="193"/>
+                  <a:pt x="5295" y="148"/>
+                </a:cubicBezTo>
+                <a:cubicBezTo>
+                  <a:pt x="5269" y="103"/>
+                  <a:pt x="5232" y="66"/>
+                  <a:pt x="5187" y="40"/>
+                </a:cubicBezTo>
+                <a:cubicBezTo>
+                  <a:pt x="5142" y="14"/>
+                  <a:pt x="5091" y="0"/>
+                  <a:pt x="5039" y="0"/>
+                </a:cubicBezTo>
+                <a:lnTo>
+                  <a:pt x="296" y="0"/>
+                </a:lnTo>
+              </a:path>
+            </a:pathLst>
+          </a:custGeom>
+          <a:solidFill>
+            <a:srgbClr val="eeeeee"/>
+          </a:solidFill>
+          <a:ln>
+            <a:solidFill>
+              <a:srgbClr val="3465a4"/>
+            </a:solidFill>
+          </a:ln>
+        </p:spPr>
+        <p:style>
+          <a:lnRef idx="0"/>
+          <a:fillRef idx="0"/>
+          <a:effectRef idx="0"/>
+          <a:fontRef idx="minor"/>
+        </p:style>
+        <p:txBody>
+          <a:bodyPr wrap="none" lIns="90000" rIns="90000" tIns="45000" bIns="45000" anchor="ctr">
+            <a:noAutofit/>
+          </a:bodyPr>
+          <a:p>
+            <a:pPr algn="ctr">
+              <a:lnSpc>
+                <a:spcPct val="100000"/>
+              </a:lnSpc>
+            </a:pPr>
+            <a:r>
+              <a:rPr b="0" lang="en-US" sz="1800" spc="-1" strike="noStrike">
+                <a:solidFill>
+                  <a:srgbClr val="000000"/>
+                </a:solidFill>
+                <a:latin typeface="Arial"/>
+                <a:ea typeface="DejaVu Sans"/>
+              </a:rPr>
+              <a:t>I</a:t>
+            </a:r>
+            <a:endParaRPr b="0" lang="en-US" sz="1800" spc="-1" strike="noStrike">
+              <a:latin typeface="Arial"/>
+            </a:endParaRPr>
+          </a:p>
+        </p:txBody>
+      </p:sp>
+      <p:sp>
+        <p:nvSpPr>
+          <p:cNvPr id="56" name="CustomShape 4"/>
+          <p:cNvSpPr/>
+          <p:nvPr/>
+        </p:nvSpPr>
+        <p:spPr>
+          <a:xfrm>
+            <a:off x="1463040" y="2413440"/>
+            <a:ext cx="640080" cy="640080"/>
+          </a:xfrm>
+          <a:prstGeom prst="ellipse">
+            <a:avLst/>
+          </a:prstGeom>
+          <a:solidFill>
+            <a:srgbClr val="dee7e5"/>
+          </a:solidFill>
+          <a:ln>
+            <a:solidFill>
+              <a:srgbClr val="3465a4"/>
+            </a:solidFill>
+          </a:ln>
+        </p:spPr>
+        <p:style>
+          <a:lnRef idx="0"/>
+          <a:fillRef idx="0"/>
+          <a:effectRef idx="0"/>
+          <a:fontRef idx="minor"/>
+        </p:style>
+        <p:txBody>
+          <a:bodyPr wrap="none" lIns="90000" rIns="90000" tIns="45000" bIns="45000" anchor="ctr">
+            <a:noAutofit/>
+          </a:bodyPr>
+          <a:p>
+            <a:pPr algn="ctr"/>
+            <a:r>
+              <a:rPr b="0" lang="en-US" sz="800" spc="-1" strike="noStrike">
+                <a:latin typeface="Arial"/>
+              </a:rPr>
+              <a:t>Controller</a:t>
+            </a:r>
+            <a:endParaRPr b="0" lang="en-US" sz="800" spc="-1" strike="noStrike">
+              <a:latin typeface="Arial"/>
+            </a:endParaRPr>
+          </a:p>
+        </p:txBody>
+      </p:sp>
+      <p:sp>
+        <p:nvSpPr>
+          <p:cNvPr id="57" name="CustomShape 5"/>
+          <p:cNvSpPr/>
+          <p:nvPr/>
+        </p:nvSpPr>
+        <p:spPr>
+          <a:xfrm>
+            <a:off x="5303520" y="2413440"/>
+            <a:ext cx="640080" cy="640080"/>
+          </a:xfrm>
+          <a:prstGeom prst="ellipse">
+            <a:avLst/>
+          </a:prstGeom>
+          <a:solidFill>
+            <a:srgbClr val="dee7e5"/>
+          </a:solidFill>
+          <a:ln>
+            <a:solidFill>
+              <a:srgbClr val="3465a4"/>
+            </a:solidFill>
+          </a:ln>
+        </p:spPr>
+        <p:style>
+          <a:lnRef idx="0"/>
+          <a:fillRef idx="0"/>
+          <a:effectRef idx="0"/>
+          <a:fontRef idx="minor"/>
+        </p:style>
+        <p:txBody>
+          <a:bodyPr wrap="none" lIns="90000" rIns="90000" tIns="45000" bIns="45000" anchor="ctr">
+            <a:noAutofit/>
+          </a:bodyPr>
+          <a:p>
+            <a:pPr algn="ctr"/>
+            <a:r>
+              <a:rPr b="0" lang="en-US" sz="800" spc="-1" strike="noStrike">
+                <a:latin typeface="Arial"/>
+              </a:rPr>
+              <a:t>Process</a:t>
+            </a:r>
+            <a:endParaRPr b="0" lang="en-US" sz="800" spc="-1" strike="noStrike">
+              <a:latin typeface="Arial"/>
+            </a:endParaRPr>
+          </a:p>
+        </p:txBody>
+      </p:sp>
+      <p:sp>
+        <p:nvSpPr>
+          <p:cNvPr id="58" name="Line 6"/>
+          <p:cNvSpPr/>
+          <p:nvPr/>
+        </p:nvSpPr>
+        <p:spPr>
+          <a:xfrm>
+            <a:off x="2103120" y="2707200"/>
+            <a:ext cx="1224720" cy="0"/>
+          </a:xfrm>
+          <a:prstGeom prst="line">
+            <a:avLst/>
+          </a:prstGeom>
+          <a:ln>
+            <a:solidFill>
+              <a:srgbClr val="3465a4"/>
+            </a:solidFill>
+            <a:tailEnd len="med" type="triangle" w="med"/>
+          </a:ln>
+        </p:spPr>
+        <p:style>
+          <a:lnRef idx="0"/>
+          <a:fillRef idx="0"/>
+          <a:effectRef idx="0"/>
+          <a:fontRef idx="minor"/>
+        </p:style>
+      </p:sp>
+      <p:sp>
+        <p:nvSpPr>
+          <p:cNvPr id="59" name="Line 7"/>
+          <p:cNvSpPr/>
+          <p:nvPr/>
+        </p:nvSpPr>
+        <p:spPr>
+          <a:xfrm>
+            <a:off x="4150800" y="2707200"/>
+            <a:ext cx="1152720" cy="0"/>
+          </a:xfrm>
+          <a:prstGeom prst="line">
+            <a:avLst/>
+          </a:prstGeom>
+          <a:ln>
+            <a:solidFill>
+              <a:srgbClr val="3465a4"/>
+            </a:solidFill>
+            <a:tailEnd len="med" type="triangle" w="med"/>
+          </a:ln>
+        </p:spPr>
+        <p:style>
+          <a:lnRef idx="0"/>
+          <a:fillRef idx="0"/>
+          <a:effectRef idx="0"/>
+          <a:fontRef idx="minor"/>
+        </p:style>
+      </p:sp>
+      <p:cxnSp>
+        <p:nvCxnSpPr>
+          <p:cNvPr id="60" name="Line 8"/>
+          <p:cNvCxnSpPr/>
+          <p:nvPr/>
+        </p:nvCxnSpPr>
+        <p:spPr>
+          <a:xfrm>
+            <a:off x="0" y="0"/>
+            <a:ext cx="360" cy="360"/>
+          </a:xfrm>
+          <a:prstGeom prst="line">
+            <a:avLst/>
+          </a:prstGeom>
+          <a:ln>
+            <a:solidFill>
+              <a:srgbClr val="3465a4"/>
+            </a:solidFill>
+            <a:tailEnd len="med" type="triangle" w="med"/>
+          </a:ln>
+        </p:spPr>
+      </p:cxnSp>
+      <p:cxnSp>
+        <p:nvCxnSpPr>
+          <p:cNvPr id="61" name="Line 9"/>
+          <p:cNvCxnSpPr/>
+          <p:nvPr/>
+        </p:nvCxnSpPr>
+        <p:spPr>
+          <a:xfrm>
+            <a:off x="0" y="0"/>
+            <a:ext cx="360" cy="360"/>
+          </a:xfrm>
+          <a:prstGeom prst="line">
+            <a:avLst/>
+          </a:prstGeom>
+          <a:ln>
+            <a:solidFill>
+              <a:srgbClr val="3465a4"/>
+            </a:solidFill>
+            <a:tailEnd len="med" type="triangle" w="med"/>
+          </a:ln>
+        </p:spPr>
+      </p:cxnSp>
+      <p:cxnSp>
+        <p:nvCxnSpPr>
+          <p:cNvPr id="62" name="Line 10"/>
+          <p:cNvCxnSpPr/>
+          <p:nvPr/>
+        </p:nvCxnSpPr>
+        <p:spPr>
+          <a:xfrm>
+            <a:off x="0" y="0"/>
+            <a:ext cx="360" cy="360"/>
+          </a:xfrm>
+          <a:prstGeom prst="line">
+            <a:avLst/>
+          </a:prstGeom>
+          <a:ln>
+            <a:solidFill>
+              <a:srgbClr val="3465a4"/>
+            </a:solidFill>
+            <a:tailEnd len="med" type="triangle" w="med"/>
+          </a:ln>
+        </p:spPr>
+      </p:cxnSp>
+      <p:cxnSp>
+        <p:nvCxnSpPr>
+          <p:cNvPr id="63" name="Line 11"/>
+          <p:cNvCxnSpPr/>
+          <p:nvPr/>
+        </p:nvCxnSpPr>
+        <p:spPr>
+          <a:xfrm>
+            <a:off x="0" y="0"/>
+            <a:ext cx="360" cy="360"/>
+          </a:xfrm>
+          <a:prstGeom prst="line">
+            <a:avLst/>
+          </a:prstGeom>
+          <a:ln>
+            <a:solidFill>
+              <a:srgbClr val="3465a4"/>
+            </a:solidFill>
+            <a:tailEnd len="med" type="triangle" w="med"/>
+          </a:ln>
+        </p:spPr>
+      </p:cxnSp>
+      <p:sp>
+        <p:nvSpPr>
+          <p:cNvPr id="64" name="TextShape 12"/>
+          <p:cNvSpPr txBox="1"/>
+          <p:nvPr/>
+        </p:nvSpPr>
+        <p:spPr>
+          <a:xfrm>
+            <a:off x="3092400" y="1077840"/>
+            <a:ext cx="1287000" cy="274680"/>
+          </a:xfrm>
+          <a:prstGeom prst="rect">
+            <a:avLst/>
+          </a:prstGeom>
+          <a:noFill/>
+          <a:ln>
+            <a:noFill/>
+          </a:ln>
+        </p:spPr>
+        <p:txBody>
+          <a:bodyPr lIns="90000" rIns="90000" tIns="45000" bIns="45000">
+            <a:noAutofit/>
+          </a:bodyPr>
+          <a:p>
+            <a:r>
+              <a:rPr b="0" lang="en-US" sz="1300" spc="-1" strike="noStrike">
+                <a:solidFill>
+                  <a:srgbClr val="ff0000"/>
+                </a:solidFill>
+                <a:latin typeface="Arial"/>
+              </a:rPr>
+              <a:t>Control Actions</a:t>
+            </a:r>
+            <a:endParaRPr b="0" lang="en-US" sz="1300" spc="-1" strike="noStrike">
+              <a:solidFill>
+                <a:srgbClr val="ff0000"/>
+              </a:solidFill>
+              <a:latin typeface="Arial"/>
+            </a:endParaRPr>
+          </a:p>
+        </p:txBody>
+      </p:sp>
+      <p:sp>
+        <p:nvSpPr>
+          <p:cNvPr id="65" name="Line 13"/>
+          <p:cNvSpPr/>
+          <p:nvPr/>
+        </p:nvSpPr>
+        <p:spPr>
+          <a:xfrm>
+            <a:off x="822960" y="2743200"/>
+            <a:ext cx="640080" cy="0"/>
+          </a:xfrm>
+          <a:prstGeom prst="line">
+            <a:avLst/>
+          </a:prstGeom>
+          <a:ln>
+            <a:solidFill>
+              <a:srgbClr val="3465a4"/>
+            </a:solidFill>
+            <a:tailEnd len="med" type="triangle" w="med"/>
+          </a:ln>
+        </p:spPr>
+        <p:style>
+          <a:lnRef idx="0"/>
+          <a:fillRef idx="0"/>
+          <a:effectRef idx="0"/>
+          <a:fontRef idx="minor"/>
+        </p:style>
+      </p:sp>
+      <p:sp>
+        <p:nvSpPr>
+          <p:cNvPr id="66" name="TextShape 14"/>
+          <p:cNvSpPr txBox="1"/>
+          <p:nvPr/>
+        </p:nvSpPr>
+        <p:spPr>
+          <a:xfrm>
+            <a:off x="5382720" y="2210760"/>
+            <a:ext cx="276840" cy="274680"/>
+          </a:xfrm>
+          <a:prstGeom prst="rect">
+            <a:avLst/>
+          </a:prstGeom>
+          <a:noFill/>
+          <a:ln>
+            <a:noFill/>
+          </a:ln>
+        </p:spPr>
+        <p:txBody>
+          <a:bodyPr lIns="90000" rIns="90000" tIns="45000" bIns="45000">
+            <a:noAutofit/>
+          </a:bodyPr>
+          <a:p>
+            <a:r>
+              <a:rPr b="0" lang="en-US" sz="1300" spc="-1" strike="noStrike">
+                <a:solidFill>
+                  <a:srgbClr val="ff0000"/>
+                </a:solidFill>
+                <a:latin typeface="Arial"/>
+              </a:rPr>
+              <a:t>+</a:t>
+            </a:r>
+            <a:endParaRPr b="0" lang="en-US" sz="1300" spc="-1" strike="noStrike">
+              <a:solidFill>
+                <a:srgbClr val="ff0000"/>
+              </a:solidFill>
+              <a:latin typeface="Arial"/>
+            </a:endParaRPr>
+          </a:p>
+        </p:txBody>
+      </p:sp>
+      <p:sp>
+        <p:nvSpPr>
+          <p:cNvPr id="67" name="TextShape 15"/>
+          <p:cNvSpPr txBox="1"/>
+          <p:nvPr/>
+        </p:nvSpPr>
+        <p:spPr>
+          <a:xfrm>
+            <a:off x="2032560" y="2432520"/>
+            <a:ext cx="762840" cy="274680"/>
+          </a:xfrm>
+          <a:prstGeom prst="rect">
+            <a:avLst/>
+          </a:prstGeom>
+          <a:noFill/>
+          <a:ln>
+            <a:noFill/>
+          </a:ln>
+        </p:spPr>
+        <p:txBody>
+          <a:bodyPr lIns="90000" rIns="90000" tIns="45000" bIns="45000">
+            <a:noAutofit/>
+          </a:bodyPr>
+          <a:p>
+            <a:r>
+              <a:rPr b="0" lang="en-US" sz="1300" spc="-1" strike="noStrike">
+                <a:solidFill>
+                  <a:srgbClr val="ff0000"/>
+                </a:solidFill>
+                <a:latin typeface="Arial"/>
+              </a:rPr>
+              <a:t>SP - PV</a:t>
+            </a:r>
+            <a:endParaRPr b="0" lang="en-US" sz="1300" spc="-1" strike="noStrike">
+              <a:solidFill>
+                <a:srgbClr val="ff0000"/>
+              </a:solidFill>
+              <a:latin typeface="Arial"/>
+            </a:endParaRPr>
+          </a:p>
+        </p:txBody>
+      </p:sp>
+      <p:sp>
+        <p:nvSpPr>
+          <p:cNvPr id="68" name="Line 16"/>
+          <p:cNvSpPr/>
+          <p:nvPr/>
+        </p:nvSpPr>
+        <p:spPr>
+          <a:xfrm flipV="1">
+            <a:off x="1773360" y="3053520"/>
+            <a:ext cx="0" cy="512640"/>
+          </a:xfrm>
+          <a:prstGeom prst="line">
+            <a:avLst/>
+          </a:prstGeom>
+          <a:ln>
+            <a:solidFill>
+              <a:srgbClr val="3465a4"/>
+            </a:solidFill>
+            <a:tailEnd len="med" type="triangle" w="med"/>
+          </a:ln>
+        </p:spPr>
+        <p:style>
+          <a:lnRef idx="0"/>
+          <a:fillRef idx="0"/>
+          <a:effectRef idx="0"/>
+          <a:fontRef idx="minor"/>
+        </p:style>
+      </p:sp>
+      <p:sp>
+        <p:nvSpPr>
+          <p:cNvPr id="69" name="TextShape 17"/>
+          <p:cNvSpPr txBox="1"/>
+          <p:nvPr/>
+        </p:nvSpPr>
+        <p:spPr>
+          <a:xfrm>
+            <a:off x="1407600" y="3200040"/>
+            <a:ext cx="400320" cy="274680"/>
+          </a:xfrm>
+          <a:prstGeom prst="rect">
+            <a:avLst/>
+          </a:prstGeom>
+          <a:noFill/>
+          <a:ln>
+            <a:noFill/>
+          </a:ln>
+        </p:spPr>
+        <p:txBody>
+          <a:bodyPr lIns="90000" rIns="90000" tIns="45000" bIns="45000">
+            <a:noAutofit/>
+          </a:bodyPr>
+          <a:p>
+            <a:r>
+              <a:rPr b="0" lang="en-US" sz="1300" spc="-1" strike="noStrike">
+                <a:solidFill>
+                  <a:srgbClr val="ff0000"/>
+                </a:solidFill>
+                <a:latin typeface="Arial"/>
+              </a:rPr>
+              <a:t>PV</a:t>
+            </a:r>
+            <a:endParaRPr b="0" lang="en-US" sz="1300" spc="-1" strike="noStrike">
+              <a:solidFill>
+                <a:srgbClr val="ff0000"/>
+              </a:solidFill>
+              <a:latin typeface="Arial"/>
+            </a:endParaRPr>
+          </a:p>
+        </p:txBody>
+      </p:sp>
+      <p:sp>
+        <p:nvSpPr>
+          <p:cNvPr id="70" name="TextShape 18"/>
+          <p:cNvSpPr txBox="1"/>
+          <p:nvPr/>
+        </p:nvSpPr>
+        <p:spPr>
+          <a:xfrm>
+            <a:off x="915840" y="2449800"/>
+            <a:ext cx="400320" cy="274680"/>
+          </a:xfrm>
+          <a:prstGeom prst="rect">
+            <a:avLst/>
+          </a:prstGeom>
+          <a:noFill/>
+          <a:ln>
+            <a:noFill/>
+          </a:ln>
+        </p:spPr>
+        <p:txBody>
+          <a:bodyPr lIns="90000" rIns="90000" tIns="45000" bIns="45000">
+            <a:noAutofit/>
+          </a:bodyPr>
+          <a:p>
+            <a:r>
+              <a:rPr b="0" lang="en-US" sz="1300" spc="-1" strike="noStrike">
+                <a:solidFill>
+                  <a:srgbClr val="ff0000"/>
+                </a:solidFill>
+                <a:latin typeface="Arial"/>
+              </a:rPr>
+              <a:t>SP</a:t>
+            </a:r>
+            <a:endParaRPr b="0" lang="en-US" sz="1300" spc="-1" strike="noStrike">
+              <a:solidFill>
+                <a:srgbClr val="ff0000"/>
+              </a:solidFill>
+              <a:latin typeface="Arial"/>
+            </a:endParaRPr>
+          </a:p>
+        </p:txBody>
+      </p:sp>
+      <p:sp>
+        <p:nvSpPr>
+          <p:cNvPr id="71" name="TextShape 19"/>
+          <p:cNvSpPr txBox="1"/>
+          <p:nvPr/>
+        </p:nvSpPr>
+        <p:spPr>
+          <a:xfrm>
+            <a:off x="4935240" y="2468880"/>
+            <a:ext cx="276840" cy="274680"/>
+          </a:xfrm>
+          <a:prstGeom prst="rect">
+            <a:avLst/>
+          </a:prstGeom>
+          <a:noFill/>
+          <a:ln>
+            <a:noFill/>
+          </a:ln>
+        </p:spPr>
+        <p:txBody>
+          <a:bodyPr lIns="90000" rIns="90000" tIns="45000" bIns="45000">
+            <a:noAutofit/>
+          </a:bodyPr>
+          <a:p>
+            <a:r>
+              <a:rPr b="0" lang="en-US" sz="1300" spc="-1" strike="noStrike">
+                <a:solidFill>
+                  <a:srgbClr val="ff0000"/>
+                </a:solidFill>
+                <a:latin typeface="Arial"/>
+              </a:rPr>
+              <a:t>+</a:t>
+            </a:r>
+            <a:endParaRPr b="0" lang="en-US" sz="1300" spc="-1" strike="noStrike">
+              <a:solidFill>
+                <a:srgbClr val="ff0000"/>
+              </a:solidFill>
+              <a:latin typeface="Arial"/>
+            </a:endParaRPr>
+          </a:p>
+        </p:txBody>
+      </p:sp>
+      <p:sp>
+        <p:nvSpPr>
+          <p:cNvPr id="72" name="TextShape 20"/>
+          <p:cNvSpPr txBox="1"/>
+          <p:nvPr/>
+        </p:nvSpPr>
+        <p:spPr>
+          <a:xfrm>
+            <a:off x="5375520" y="2981520"/>
+            <a:ext cx="276840" cy="274680"/>
+          </a:xfrm>
+          <a:prstGeom prst="rect">
+            <a:avLst/>
+          </a:prstGeom>
+          <a:noFill/>
+          <a:ln>
+            <a:noFill/>
+          </a:ln>
+        </p:spPr>
+        <p:txBody>
+          <a:bodyPr lIns="90000" rIns="90000" tIns="45000" bIns="45000">
+            <a:noAutofit/>
+          </a:bodyPr>
+          <a:p>
+            <a:r>
+              <a:rPr b="0" lang="en-US" sz="1300" spc="-1" strike="noStrike">
+                <a:solidFill>
+                  <a:srgbClr val="ff0000"/>
+                </a:solidFill>
+                <a:latin typeface="Arial"/>
+              </a:rPr>
+              <a:t>+</a:t>
+            </a:r>
+            <a:endParaRPr b="0" lang="en-US" sz="1300" spc="-1" strike="noStrike">
+              <a:solidFill>
+                <a:srgbClr val="ff0000"/>
+              </a:solidFill>
+              <a:latin typeface="Arial"/>
+            </a:endParaRPr>
+          </a:p>
+        </p:txBody>
+      </p:sp>
+    </p:spTree>
+  </p:cSld>
+  <mc:AlternateContent>
+    <mc:Choice Requires="p14">
+      <p:transition spd="slow" p14:dur="2000"/>
+    </mc:Choice>
+    <mc:Fallback>
+      <p:transition spd="slow"/>
+    </mc:Fallback>
+  </mc:AlternateContent>
+</p:sld>
+</file>
+
+<file path=ppt/slides/slide3.xml><?xml version="1.0" encoding="utf-8"?>
+<p:sld xmlns:a="http://schemas.openxmlformats.org/drawingml/2006/main" xmlns:p="http://schemas.openxmlformats.org/presentationml/2006/main" xmlns:r="http://schemas.openxmlformats.org/officeDocument/2006/relationships" xmlns:p14="http://schemas.microsoft.com/office/powerpoint/2010/main" xmlns:p15="http://schemas.microsoft.com/office/powerpoint/2012/main" xmlns:mc="http://schemas.openxmlformats.org/markup-compatibility/2006">
+  <p:cSld>
+    <p:spTree>
+      <p:nvGrpSpPr>
+        <p:cNvPr id="1" name=""/>
+        <p:cNvGrpSpPr/>
+        <p:nvPr/>
+      </p:nvGrpSpPr>
+      <p:grpSpPr>
+        <a:xfrm>
+          <a:off x="0" y="0"/>
+          <a:ext cx="0" cy="0"/>
+          <a:chOff x="0" y="0"/>
+          <a:chExt cx="0" cy="0"/>
+        </a:xfrm>
+      </p:grpSpPr>
       <p:grpSp>
         <p:nvGrpSpPr>
-          <p:cNvPr id="38" name="Group 1"/>
+          <p:cNvPr id="73" name="Group 1"/>
           <p:cNvGrpSpPr/>
           <p:nvPr/>
         </p:nvGrpSpPr>
         <p:grpSpPr>
           <a:xfrm>
-            <a:off x="986400" y="803160"/>
-            <a:ext cx="6162480" cy="2214360"/>
-            <a:chOff x="986400" y="803160"/>
-            <a:chExt cx="6162480" cy="2214360"/>
+            <a:off x="0" y="0"/>
+            <a:ext cx="7148520" cy="3017160"/>
+            <a:chOff x="0" y="0"/>
+            <a:chExt cx="7148520" cy="3017160"/>
           </a:xfrm>
         </p:grpSpPr>
         <p:sp>
           <p:nvSpPr>
-            <p:cNvPr id="39" name="CustomShape 2"/>
+            <p:cNvPr id="74" name="CustomShape 2"/>
             <p:cNvSpPr/>
             <p:nvPr/>
           </p:nvSpPr>
           <p:spPr>
             <a:xfrm>
               <a:off x="1463040" y="1097280"/>
-              <a:ext cx="1920240" cy="640080"/>
+              <a:ext cx="1919880" cy="639720"/>
             </a:xfrm>
             <a:custGeom>
               <a:avLst/>
               <a:gdLst/>
               <a:ahLst/>
-              <a:rect l="0" t="0" r="r" b="b"/>
+              <a:rect l="l" t="t" r="r" b="b"/>
               <a:pathLst>
                 <a:path w="5336" h="1780">
                   <a:moveTo>
@@ -1784,84 +4165,20 @@
               <a:noAutofit/>
             </a:bodyPr>
             <a:p>
-              <a:pPr algn="ctr"/>
+              <a:pPr algn="ctr">
+                <a:lnSpc>
+                  <a:spcPct val="100000"/>
+                </a:lnSpc>
+              </a:pPr>
               <a:r>
                 <a:rPr b="0" lang="en-US" sz="1800" spc="-1" strike="noStrike">
+                  <a:solidFill>
+                    <a:srgbClr val="000000"/>
+                  </a:solidFill>
                   <a:latin typeface="Arial"/>
+                  <a:ea typeface="DejaVu Sans"/>
                 </a:rPr>
-                <a:t>P</a:t>
-              </a:r>
-              <a:r>
-                <a:rPr b="0" lang="en-US" sz="1800" spc="-1" strike="noStrike">
-                  <a:latin typeface="Arial"/>
-                </a:rPr>
-                <a:t>I</a:t>
-              </a:r>
-              <a:r>
-                <a:rPr b="0" lang="en-US" sz="1800" spc="-1" strike="noStrike">
-                  <a:latin typeface="Arial"/>
-                </a:rPr>
-                <a:t>D</a:t>
-              </a:r>
-              <a:r>
-                <a:rPr b="0" lang="en-US" sz="1800" spc="-1" strike="noStrike">
-                  <a:latin typeface="Arial"/>
-                </a:rPr>
-                <a:t> </a:t>
-              </a:r>
-              <a:r>
-                <a:rPr b="0" lang="en-US" sz="1800" spc="-1" strike="noStrike">
-                  <a:latin typeface="Arial"/>
-                </a:rPr>
-                <a:t>C</a:t>
-              </a:r>
-              <a:r>
-                <a:rPr b="0" lang="en-US" sz="1800" spc="-1" strike="noStrike">
-                  <a:latin typeface="Arial"/>
-                </a:rPr>
-                <a:t>o</a:t>
-              </a:r>
-              <a:r>
-                <a:rPr b="0" lang="en-US" sz="1800" spc="-1" strike="noStrike">
-                  <a:latin typeface="Arial"/>
-                </a:rPr>
-                <a:t>n</a:t>
-              </a:r>
-              <a:r>
-                <a:rPr b="0" lang="en-US" sz="1800" spc="-1" strike="noStrike">
-                  <a:latin typeface="Arial"/>
-                </a:rPr>
-                <a:t>t</a:t>
-              </a:r>
-              <a:r>
-                <a:rPr b="0" lang="en-US" sz="1800" spc="-1" strike="noStrike">
-                  <a:latin typeface="Arial"/>
-                </a:rPr>
-                <a:t>r</a:t>
-              </a:r>
-              <a:r>
-                <a:rPr b="0" lang="en-US" sz="1800" spc="-1" strike="noStrike">
-                  <a:latin typeface="Arial"/>
-                </a:rPr>
-                <a:t>o</a:t>
-              </a:r>
-              <a:r>
-                <a:rPr b="0" lang="en-US" sz="1800" spc="-1" strike="noStrike">
-                  <a:latin typeface="Arial"/>
-                </a:rPr>
-                <a:t>ll</a:t>
-              </a:r>
-              <a:r>
-                <a:rPr b="0" lang="en-US" sz="1800" spc="-1" strike="noStrike">
-                  <a:latin typeface="Arial"/>
-                </a:rPr>
-                <a:t>e</a:t>
-              </a:r>
-              <a:r>
-                <a:rPr b="0" lang="en-US" sz="1800" spc="-1" strike="noStrike">
-                  <a:latin typeface="Arial"/>
-                </a:rPr>
-                <a:t>r</a:t>
+                <a:t>PID Controller</a:t>
               </a:r>
               <a:endParaRPr b="0" lang="en-US" sz="1800" spc="-1" strike="noStrike">
                 <a:latin typeface="Arial"/>
@@ -1871,20 +4188,20 @@
         </p:sp>
         <p:sp>
           <p:nvSpPr>
-            <p:cNvPr id="40" name="CustomShape 3"/>
+            <p:cNvPr id="75" name="CustomShape 3"/>
             <p:cNvSpPr/>
             <p:nvPr/>
           </p:nvSpPr>
           <p:spPr>
             <a:xfrm>
               <a:off x="2926080" y="2377440"/>
-              <a:ext cx="1920240" cy="640080"/>
+              <a:ext cx="1919880" cy="639720"/>
             </a:xfrm>
             <a:custGeom>
               <a:avLst/>
               <a:gdLst/>
               <a:ahLst/>
-              <a:rect l="0" t="0" r="r" b="b"/>
+              <a:rect l="l" t="t" r="r" b="b"/>
               <a:pathLst>
                 <a:path w="5336" h="1780">
                   <a:moveTo>
@@ -2000,42 +4317,20 @@
               <a:noAutofit/>
             </a:bodyPr>
             <a:p>
-              <a:pPr algn="ctr"/>
+              <a:pPr algn="ctr">
+                <a:lnSpc>
+                  <a:spcPct val="100000"/>
+                </a:lnSpc>
+              </a:pPr>
               <a:r>
                 <a:rPr b="0" lang="en-US" sz="1800" spc="-1" strike="noStrike">
+                  <a:solidFill>
+                    <a:srgbClr val="000000"/>
+                  </a:solidFill>
                   <a:latin typeface="Arial"/>
+                  <a:ea typeface="DejaVu Sans"/>
                 </a:rPr>
-                <a:t>S</a:t>
-              </a:r>
-              <a:r>
-                <a:rPr b="0" lang="en-US" sz="1800" spc="-1" strike="noStrike">
-                  <a:latin typeface="Arial"/>
-                </a:rPr>
-                <a:t>e</a:t>
-              </a:r>
-              <a:r>
-                <a:rPr b="0" lang="en-US" sz="1800" spc="-1" strike="noStrike">
-                  <a:latin typeface="Arial"/>
-                </a:rPr>
-                <a:t>n</a:t>
-              </a:r>
-              <a:r>
-                <a:rPr b="0" lang="en-US" sz="1800" spc="-1" strike="noStrike">
-                  <a:latin typeface="Arial"/>
-                </a:rPr>
-                <a:t>s</a:t>
-              </a:r>
-              <a:r>
-                <a:rPr b="0" lang="en-US" sz="1800" spc="-1" strike="noStrike">
-                  <a:latin typeface="Arial"/>
-                </a:rPr>
-                <a:t>o</a:t>
-              </a:r>
-              <a:r>
-                <a:rPr b="0" lang="en-US" sz="1800" spc="-1" strike="noStrike">
-                  <a:latin typeface="Arial"/>
-                </a:rPr>
-                <a:t>r</a:t>
+                <a:t>Sensor</a:t>
               </a:r>
               <a:endParaRPr b="0" lang="en-US" sz="1800" spc="-1" strike="noStrike">
                 <a:latin typeface="Arial"/>
@@ -2045,20 +4340,20 @@
         </p:sp>
         <p:sp>
           <p:nvSpPr>
-            <p:cNvPr id="41" name="CustomShape 4"/>
+            <p:cNvPr id="76" name="CustomShape 4"/>
             <p:cNvSpPr/>
             <p:nvPr/>
           </p:nvSpPr>
           <p:spPr>
             <a:xfrm>
               <a:off x="4389120" y="1097280"/>
-              <a:ext cx="1920240" cy="640080"/>
+              <a:ext cx="1919880" cy="639720"/>
             </a:xfrm>
             <a:custGeom>
               <a:avLst/>
               <a:gdLst/>
               <a:ahLst/>
-              <a:rect l="0" t="0" r="r" b="b"/>
+              <a:rect l="l" t="t" r="r" b="b"/>
               <a:pathLst>
                 <a:path w="5336" h="1780">
                   <a:moveTo>
@@ -2174,10 +4469,18 @@
               <a:noAutofit/>
             </a:bodyPr>
             <a:p>
-              <a:pPr algn="ctr"/>
+              <a:pPr algn="ctr">
+                <a:lnSpc>
+                  <a:spcPct val="100000"/>
+                </a:lnSpc>
+              </a:pPr>
               <a:r>
                 <a:rPr b="0" lang="en-US" sz="1800" spc="-1" strike="noStrike">
+                  <a:solidFill>
+                    <a:srgbClr val="000000"/>
+                  </a:solidFill>
                   <a:latin typeface="Arial"/>
+                  <a:ea typeface="DejaVu Sans"/>
                 </a:rPr>
                 <a:t>Process</a:t>
               </a:r>
@@ -2187,16 +4490,16 @@
             </a:p>
           </p:txBody>
         </p:sp>
-        <p:cxnSp>
-          <p:nvCxnSpPr>
-            <p:cNvPr id="42" name="Line 5"/>
-            <p:cNvCxnSpPr/>
+        <p:sp>
+          <p:nvSpPr>
+            <p:cNvPr id="77" name="Line 5"/>
+            <p:cNvSpPr/>
             <p:nvPr/>
-          </p:nvCxnSpPr>
+          </p:nvSpPr>
           <p:spPr>
             <a:xfrm>
               <a:off x="0" y="0"/>
-              <a:ext cx="360" cy="360"/>
+              <a:ext cx="0" cy="360"/>
             </a:xfrm>
             <a:prstGeom prst="line">
               <a:avLst/>
@@ -2209,17 +4512,23 @@
               <a:headEnd len="med" type="triangle" w="med"/>
             </a:ln>
           </p:spPr>
-        </p:cxnSp>
-        <p:cxnSp>
-          <p:nvCxnSpPr>
-            <p:cNvPr id="43" name="Line 6"/>
-            <p:cNvCxnSpPr/>
+          <p:style>
+            <a:lnRef idx="0"/>
+            <a:fillRef idx="0"/>
+            <a:effectRef idx="0"/>
+            <a:fontRef idx="minor"/>
+          </p:style>
+        </p:sp>
+        <p:sp>
+          <p:nvSpPr>
+            <p:cNvPr id="78" name="Line 6"/>
+            <p:cNvSpPr/>
             <p:nvPr/>
-          </p:nvCxnSpPr>
+          </p:nvSpPr>
           <p:spPr>
             <a:xfrm>
               <a:off x="0" y="0"/>
-              <a:ext cx="360" cy="360"/>
+              <a:ext cx="0" cy="360"/>
             </a:xfrm>
             <a:prstGeom prst="line">
               <a:avLst/>
@@ -2232,10 +4541,16 @@
               <a:tailEnd len="med" type="triangle" w="med"/>
             </a:ln>
           </p:spPr>
-        </p:cxnSp>
+          <p:style>
+            <a:lnRef idx="0"/>
+            <a:fillRef idx="0"/>
+            <a:effectRef idx="0"/>
+            <a:fontRef idx="minor"/>
+          </p:style>
+        </p:sp>
         <p:sp>
           <p:nvSpPr>
-            <p:cNvPr id="44" name="Line 7"/>
+            <p:cNvPr id="79" name="Line 7"/>
             <p:cNvSpPr/>
             <p:nvPr/>
           </p:nvSpPr>
@@ -2263,14 +4578,14 @@
         </p:sp>
         <p:sp>
           <p:nvSpPr>
-            <p:cNvPr id="45" name="TextShape 8"/>
-            <p:cNvSpPr txBox="1"/>
+            <p:cNvPr id="80" name="CustomShape 8"/>
+            <p:cNvSpPr/>
             <p:nvPr/>
           </p:nvSpPr>
           <p:spPr>
             <a:xfrm>
               <a:off x="5358960" y="803160"/>
-              <a:ext cx="1789920" cy="274680"/>
+              <a:ext cx="1789560" cy="274320"/>
             </a:xfrm>
             <a:prstGeom prst="rect">
               <a:avLst/>
@@ -2280,11 +4595,22 @@
               <a:noFill/>
             </a:ln>
           </p:spPr>
+          <p:style>
+            <a:lnRef idx="0"/>
+            <a:fillRef idx="0"/>
+            <a:effectRef idx="0"/>
+            <a:fontRef idx="minor"/>
+          </p:style>
           <p:txBody>
             <a:bodyPr lIns="90000" rIns="90000" tIns="45000" bIns="45000">
               <a:noAutofit/>
             </a:bodyPr>
             <a:p>
+              <a:pPr>
+                <a:lnSpc>
+                  <a:spcPct val="100000"/>
+                </a:lnSpc>
+              </a:pPr>
               <a:r>
                 <a:rPr b="0" lang="en-US" sz="1300" spc="-1" strike="noStrike">
                   <a:solidFill>
@@ -2295,9 +4621,6 @@
                 <a:t>External Disturbances</a:t>
               </a:r>
               <a:endParaRPr b="0" lang="en-US" sz="1300" spc="-1" strike="noStrike">
-                <a:solidFill>
-                  <a:srgbClr val="ff0000"/>
-                </a:solidFill>
                 <a:latin typeface="Arial"/>
               </a:endParaRPr>
             </a:p>
@@ -2305,14 +4628,14 @@
         </p:sp>
         <p:sp>
           <p:nvSpPr>
-            <p:cNvPr id="46" name="TextShape 9"/>
-            <p:cNvSpPr txBox="1"/>
+            <p:cNvPr id="81" name="CustomShape 9"/>
+            <p:cNvSpPr/>
             <p:nvPr/>
           </p:nvSpPr>
           <p:spPr>
             <a:xfrm>
               <a:off x="1313640" y="1847880"/>
-              <a:ext cx="1177560" cy="274680"/>
+              <a:ext cx="1177200" cy="274320"/>
             </a:xfrm>
             <a:prstGeom prst="rect">
               <a:avLst/>
@@ -2322,11 +4645,22 @@
               <a:noFill/>
             </a:ln>
           </p:spPr>
+          <p:style>
+            <a:lnRef idx="0"/>
+            <a:fillRef idx="0"/>
+            <a:effectRef idx="0"/>
+            <a:fontRef idx="minor"/>
+          </p:style>
           <p:txBody>
             <a:bodyPr lIns="90000" rIns="90000" tIns="45000" bIns="45000">
               <a:noAutofit/>
             </a:bodyPr>
             <a:p>
+              <a:pPr>
+                <a:lnSpc>
+                  <a:spcPct val="100000"/>
+                </a:lnSpc>
+              </a:pPr>
               <a:r>
                 <a:rPr b="0" lang="en-US" sz="1300" spc="-1" strike="noStrike">
                   <a:solidFill>
@@ -2334,39 +4668,9 @@
                   </a:solidFill>
                   <a:latin typeface="Arial"/>
                 </a:rPr>
-                <a:t>Me</a:t>
-              </a:r>
-              <a:r>
-                <a:rPr b="0" lang="en-US" sz="1300" spc="-1" strike="noStrike">
-                  <a:solidFill>
-                    <a:srgbClr val="ff0000"/>
-                  </a:solidFill>
-                  <a:latin typeface="Arial"/>
-                </a:rPr>
-                <a:t>asu</a:t>
-              </a:r>
-              <a:r>
-                <a:rPr b="0" lang="en-US" sz="1300" spc="-1" strike="noStrike">
-                  <a:solidFill>
-                    <a:srgbClr val="ff0000"/>
-                  </a:solidFill>
-                  <a:latin typeface="Arial"/>
-                </a:rPr>
-                <a:t>red </a:t>
-              </a:r>
-              <a:r>
-                <a:rPr b="0" lang="en-US" sz="1300" spc="-1" strike="noStrike">
-                  <a:solidFill>
-                    <a:srgbClr val="ff0000"/>
-                  </a:solidFill>
-                  <a:latin typeface="Arial"/>
-                </a:rPr>
-                <a:t>SP</a:t>
+                <a:t>Measured SP</a:t>
               </a:r>
               <a:endParaRPr b="0" lang="en-US" sz="1300" spc="-1" strike="noStrike">
-                <a:solidFill>
-                  <a:srgbClr val="ff0000"/>
-                </a:solidFill>
                 <a:latin typeface="Arial"/>
               </a:endParaRPr>
             </a:p>
@@ -2374,14 +4678,14 @@
         </p:sp>
         <p:sp>
           <p:nvSpPr>
-            <p:cNvPr id="47" name="TextShape 10"/>
-            <p:cNvSpPr txBox="1"/>
+            <p:cNvPr id="82" name="CustomShape 10"/>
+            <p:cNvSpPr/>
             <p:nvPr/>
           </p:nvSpPr>
           <p:spPr>
             <a:xfrm>
               <a:off x="6309360" y="1097280"/>
-              <a:ext cx="400320" cy="274680"/>
+              <a:ext cx="399960" cy="274320"/>
             </a:xfrm>
             <a:prstGeom prst="rect">
               <a:avLst/>
@@ -2391,11 +4695,22 @@
               <a:noFill/>
             </a:ln>
           </p:spPr>
+          <p:style>
+            <a:lnRef idx="0"/>
+            <a:fillRef idx="0"/>
+            <a:effectRef idx="0"/>
+            <a:fontRef idx="minor"/>
+          </p:style>
           <p:txBody>
             <a:bodyPr lIns="90000" rIns="90000" tIns="45000" bIns="45000">
               <a:noAutofit/>
             </a:bodyPr>
             <a:p>
+              <a:pPr>
+                <a:lnSpc>
+                  <a:spcPct val="100000"/>
+                </a:lnSpc>
+              </a:pPr>
               <a:r>
                 <a:rPr b="0" lang="en-US" sz="1300" spc="-1" strike="noStrike">
                   <a:solidFill>
@@ -2406,9 +4721,6 @@
                 <a:t>PV</a:t>
               </a:r>
               <a:endParaRPr b="0" lang="en-US" sz="1300" spc="-1" strike="noStrike">
-                <a:solidFill>
-                  <a:srgbClr val="ff0000"/>
-                </a:solidFill>
                 <a:latin typeface="Arial"/>
               </a:endParaRPr>
             </a:p>
@@ -2416,7 +4728,7 @@
         </p:sp>
         <p:sp>
           <p:nvSpPr>
-            <p:cNvPr id="48" name="Line 11"/>
+            <p:cNvPr id="83" name="Line 11"/>
             <p:cNvSpPr/>
             <p:nvPr/>
           </p:nvSpPr>
@@ -2444,14 +4756,14 @@
         </p:sp>
         <p:sp>
           <p:nvSpPr>
-            <p:cNvPr id="49" name="TextShape 12"/>
-            <p:cNvSpPr txBox="1"/>
+            <p:cNvPr id="84" name="CustomShape 12"/>
+            <p:cNvSpPr/>
             <p:nvPr/>
           </p:nvSpPr>
           <p:spPr>
             <a:xfrm>
               <a:off x="4937760" y="803160"/>
-              <a:ext cx="400320" cy="274680"/>
+              <a:ext cx="399960" cy="274320"/>
             </a:xfrm>
             <a:prstGeom prst="rect">
               <a:avLst/>
@@ -2461,11 +4773,22 @@
               <a:noFill/>
             </a:ln>
           </p:spPr>
+          <p:style>
+            <a:lnRef idx="0"/>
+            <a:fillRef idx="0"/>
+            <a:effectRef idx="0"/>
+            <a:fontRef idx="minor"/>
+          </p:style>
           <p:txBody>
             <a:bodyPr lIns="90000" rIns="90000" tIns="45000" bIns="45000">
               <a:noAutofit/>
             </a:bodyPr>
             <a:p>
+              <a:pPr>
+                <a:lnSpc>
+                  <a:spcPct val="100000"/>
+                </a:lnSpc>
+              </a:pPr>
               <a:r>
                 <a:rPr b="0" lang="en-US" sz="1300" spc="-1" strike="noStrike">
                   <a:solidFill>
@@ -2476,9 +4799,6 @@
                 <a:t>SP</a:t>
               </a:r>
               <a:endParaRPr b="0" lang="en-US" sz="1300" spc="-1" strike="noStrike">
-                <a:solidFill>
-                  <a:srgbClr val="ff0000"/>
-                </a:solidFill>
                 <a:latin typeface="Arial"/>
               </a:endParaRPr>
             </a:p>
@@ -2486,14 +4806,14 @@
         </p:sp>
         <p:sp>
           <p:nvSpPr>
-            <p:cNvPr id="50" name="TextShape 13"/>
-            <p:cNvSpPr txBox="1"/>
+            <p:cNvPr id="85" name="CustomShape 13"/>
+            <p:cNvSpPr/>
             <p:nvPr/>
           </p:nvSpPr>
           <p:spPr>
             <a:xfrm>
               <a:off x="986400" y="1135800"/>
-              <a:ext cx="400320" cy="274680"/>
+              <a:ext cx="399960" cy="274320"/>
             </a:xfrm>
             <a:prstGeom prst="rect">
               <a:avLst/>
@@ -2503,11 +4823,22 @@
               <a:noFill/>
             </a:ln>
           </p:spPr>
+          <p:style>
+            <a:lnRef idx="0"/>
+            <a:fillRef idx="0"/>
+            <a:effectRef idx="0"/>
+            <a:fontRef idx="minor"/>
+          </p:style>
           <p:txBody>
             <a:bodyPr lIns="90000" rIns="90000" tIns="45000" bIns="45000">
               <a:noAutofit/>
             </a:bodyPr>
             <a:p>
+              <a:pPr>
+                <a:lnSpc>
+                  <a:spcPct val="100000"/>
+                </a:lnSpc>
+              </a:pPr>
               <a:r>
                 <a:rPr b="0" lang="en-US" sz="1300" spc="-1" strike="noStrike">
                   <a:solidFill>
@@ -2518,9 +4849,6 @@
                 <a:t>SP</a:t>
               </a:r>
               <a:endParaRPr b="0" lang="en-US" sz="1300" spc="-1" strike="noStrike">
-                <a:solidFill>
-                  <a:srgbClr val="ff0000"/>
-                </a:solidFill>
                 <a:latin typeface="Arial"/>
               </a:endParaRPr>
             </a:p>
@@ -2528,7 +4856,7 @@
         </p:sp>
         <p:sp>
           <p:nvSpPr>
-            <p:cNvPr id="51" name="Line 14"/>
+            <p:cNvPr id="86" name="Line 14"/>
             <p:cNvSpPr/>
             <p:nvPr/>
           </p:nvSpPr>
@@ -2556,7 +4884,7 @@
         </p:sp>
         <p:sp>
           <p:nvSpPr>
-            <p:cNvPr id="52" name="Line 15"/>
+            <p:cNvPr id="87" name="Line 15"/>
             <p:cNvSpPr/>
             <p:nvPr/>
           </p:nvSpPr>
@@ -2584,14 +4912,14 @@
         </p:sp>
         <p:sp>
           <p:nvSpPr>
-            <p:cNvPr id="53" name="TextShape 16"/>
-            <p:cNvSpPr txBox="1"/>
+            <p:cNvPr id="88" name="CustomShape 16"/>
+            <p:cNvSpPr/>
             <p:nvPr/>
           </p:nvSpPr>
           <p:spPr>
             <a:xfrm>
               <a:off x="3623040" y="1133280"/>
-              <a:ext cx="409320" cy="274680"/>
+              <a:ext cx="408960" cy="274320"/>
             </a:xfrm>
             <a:prstGeom prst="rect">
               <a:avLst/>
@@ -2601,11 +4929,22 @@
               <a:noFill/>
             </a:ln>
           </p:spPr>
+          <p:style>
+            <a:lnRef idx="0"/>
+            <a:fillRef idx="0"/>
+            <a:effectRef idx="0"/>
+            <a:fontRef idx="minor"/>
+          </p:style>
           <p:txBody>
             <a:bodyPr lIns="90000" rIns="90000" tIns="45000" bIns="45000">
               <a:noAutofit/>
             </a:bodyPr>
             <a:p>
+              <a:pPr>
+                <a:lnSpc>
+                  <a:spcPct val="100000"/>
+                </a:lnSpc>
+              </a:pPr>
               <a:r>
                 <a:rPr b="0" lang="en-US" sz="1300" spc="-1" strike="noStrike">
                   <a:solidFill>
@@ -2613,21 +4952,9 @@
                   </a:solidFill>
                   <a:latin typeface="Arial"/>
                 </a:rPr>
-                <a:t>C</a:t>
-              </a:r>
-              <a:r>
-                <a:rPr b="0" lang="en-US" sz="1300" spc="-1" strike="noStrike">
-                  <a:solidFill>
-                    <a:srgbClr val="ff0000"/>
-                  </a:solidFill>
-                  <a:latin typeface="Arial"/>
-                </a:rPr>
-                <a:t>V</a:t>
+                <a:t>CV</a:t>
               </a:r>
               <a:endParaRPr b="0" lang="en-US" sz="1300" spc="-1" strike="noStrike">
-                <a:solidFill>
-                  <a:srgbClr val="ff0000"/>
-                </a:solidFill>
                 <a:latin typeface="Arial"/>
               </a:endParaRPr>
             </a:p>
@@ -2647,7 +4974,7 @@
 </p:sld>
 </file>
 
-<file path=ppt/slides/slide2.xml><?xml version="1.0" encoding="utf-8"?>
+<file path=ppt/slides/slide4.xml><?xml version="1.0" encoding="utf-8"?>
 <p:sld xmlns:a="http://schemas.openxmlformats.org/drawingml/2006/main" xmlns:p="http://schemas.openxmlformats.org/presentationml/2006/main" xmlns:r="http://schemas.openxmlformats.org/officeDocument/2006/relationships" xmlns:p14="http://schemas.microsoft.com/office/powerpoint/2010/main" xmlns:p15="http://schemas.microsoft.com/office/powerpoint/2012/main" xmlns:mc="http://schemas.openxmlformats.org/markup-compatibility/2006">
   <p:cSld>
     <p:spTree>
@@ -2666,14 +4993,14 @@
       </p:grpSpPr>
       <p:sp>
         <p:nvSpPr>
-          <p:cNvPr id="54" name="CustomShape 1"/>
+          <p:cNvPr id="89" name="CustomShape 1"/>
           <p:cNvSpPr/>
           <p:nvPr/>
         </p:nvSpPr>
         <p:spPr>
           <a:xfrm>
             <a:off x="2286000" y="1371600"/>
-            <a:ext cx="1919880" cy="1919880"/>
+            <a:ext cx="1919520" cy="1919520"/>
           </a:xfrm>
           <a:prstGeom prst="ellipse">
             <a:avLst/>
@@ -2696,14 +5023,14 @@
       </p:sp>
       <p:sp>
         <p:nvSpPr>
-          <p:cNvPr id="55" name="CustomShape 2"/>
+          <p:cNvPr id="90" name="CustomShape 2"/>
           <p:cNvSpPr/>
           <p:nvPr/>
         </p:nvSpPr>
         <p:spPr>
           <a:xfrm rot="10730400">
             <a:off x="2928600" y="1471680"/>
-            <a:ext cx="560160" cy="196200"/>
+            <a:ext cx="559800" cy="195840"/>
           </a:xfrm>
           <a:custGeom>
             <a:avLst/>
@@ -2748,14 +5075,14 @@
       </p:sp>
       <p:sp>
         <p:nvSpPr>
-          <p:cNvPr id="56" name="CustomShape 3"/>
+          <p:cNvPr id="91" name="CustomShape 3"/>
           <p:cNvSpPr/>
           <p:nvPr/>
         </p:nvSpPr>
         <p:spPr>
           <a:xfrm rot="7057800">
             <a:off x="2350080" y="1896840"/>
-            <a:ext cx="560160" cy="196200"/>
+            <a:ext cx="559800" cy="195840"/>
           </a:xfrm>
           <a:custGeom>
             <a:avLst/>
@@ -2800,14 +5127,14 @@
       </p:sp>
       <p:sp>
         <p:nvSpPr>
-          <p:cNvPr id="57" name="CustomShape 4"/>
+          <p:cNvPr id="92" name="CustomShape 4"/>
           <p:cNvSpPr/>
           <p:nvPr/>
         </p:nvSpPr>
         <p:spPr>
           <a:xfrm rot="21589800">
-            <a:off x="3009600" y="3000960"/>
-            <a:ext cx="555840" cy="197640"/>
+            <a:off x="3009240" y="3000600"/>
+            <a:ext cx="555480" cy="197280"/>
           </a:xfrm>
           <a:custGeom>
             <a:avLst/>
@@ -2852,14 +5179,14 @@
       </p:sp>
       <p:sp>
         <p:nvSpPr>
-          <p:cNvPr id="58" name="CustomShape 5"/>
+          <p:cNvPr id="93" name="CustomShape 5"/>
           <p:cNvSpPr/>
           <p:nvPr/>
         </p:nvSpPr>
         <p:spPr>
           <a:xfrm rot="14622600">
-            <a:off x="3553200" y="1826280"/>
-            <a:ext cx="560160" cy="196200"/>
+            <a:off x="3552840" y="1826640"/>
+            <a:ext cx="559800" cy="195840"/>
           </a:xfrm>
           <a:custGeom>
             <a:avLst/>
@@ -2904,14 +5231,14 @@
       </p:sp>
       <p:sp>
         <p:nvSpPr>
-          <p:cNvPr id="59" name="CustomShape 6"/>
+          <p:cNvPr id="94" name="CustomShape 6"/>
           <p:cNvSpPr/>
           <p:nvPr/>
         </p:nvSpPr>
         <p:spPr>
           <a:xfrm rot="3049200">
-            <a:off x="2399760" y="2632680"/>
-            <a:ext cx="560160" cy="196200"/>
+            <a:off x="2399760" y="2632320"/>
+            <a:ext cx="559800" cy="195840"/>
           </a:xfrm>
           <a:custGeom>
             <a:avLst/>
@@ -2956,14 +5283,14 @@
       </p:sp>
       <p:sp>
         <p:nvSpPr>
-          <p:cNvPr id="60" name="CustomShape 7"/>
+          <p:cNvPr id="95" name="CustomShape 7"/>
           <p:cNvSpPr/>
           <p:nvPr/>
         </p:nvSpPr>
         <p:spPr>
           <a:xfrm rot="17803200">
-            <a:off x="3593520" y="2605320"/>
-            <a:ext cx="569880" cy="191520"/>
+            <a:off x="3593160" y="2605320"/>
+            <a:ext cx="569520" cy="191160"/>
           </a:xfrm>
           <a:custGeom>
             <a:avLst/>
@@ -3008,14 +5335,14 @@
       </p:sp>
       <p:sp>
         <p:nvSpPr>
-          <p:cNvPr id="61" name="CustomShape 8"/>
+          <p:cNvPr id="96" name="CustomShape 8"/>
           <p:cNvSpPr/>
           <p:nvPr/>
         </p:nvSpPr>
         <p:spPr>
           <a:xfrm>
             <a:off x="2870280" y="1956240"/>
-            <a:ext cx="750960" cy="731160"/>
+            <a:ext cx="750600" cy="730800"/>
           </a:xfrm>
           <a:prstGeom prst="ellipse">
             <a:avLst/>
@@ -3038,7 +5365,7 @@
       </p:sp>
       <p:sp>
         <p:nvSpPr>
-          <p:cNvPr id="62" name="Line 9"/>
+          <p:cNvPr id="97" name="Line 9"/>
           <p:cNvSpPr/>
           <p:nvPr/>
         </p:nvSpPr>
@@ -3065,7 +5392,7 @@
       </p:sp>
       <p:sp>
         <p:nvSpPr>
-          <p:cNvPr id="63" name="Line 10"/>
+          <p:cNvPr id="98" name="Line 10"/>
           <p:cNvSpPr/>
           <p:nvPr/>
         </p:nvSpPr>
@@ -3093,7 +5420,7 @@
       </p:sp>
       <p:sp>
         <p:nvSpPr>
-          <p:cNvPr id="64" name="Line 11"/>
+          <p:cNvPr id="99" name="Line 11"/>
           <p:cNvSpPr/>
           <p:nvPr/>
         </p:nvSpPr>
@@ -3120,7 +5447,7 @@
       </p:sp>
       <p:sp>
         <p:nvSpPr>
-          <p:cNvPr id="65" name="Line 12"/>
+          <p:cNvPr id="100" name="Line 12"/>
           <p:cNvSpPr/>
           <p:nvPr/>
         </p:nvSpPr>
@@ -3148,14 +5475,14 @@
       </p:sp>
       <p:sp>
         <p:nvSpPr>
-          <p:cNvPr id="66" name="CustomShape 13"/>
+          <p:cNvPr id="101" name="CustomShape 13"/>
           <p:cNvSpPr/>
           <p:nvPr/>
         </p:nvSpPr>
         <p:spPr>
           <a:xfrm>
             <a:off x="6031800" y="1573920"/>
-            <a:ext cx="332640" cy="345960"/>
+            <a:ext cx="332280" cy="345600"/>
           </a:xfrm>
           <a:prstGeom prst="rect">
             <a:avLst/>
@@ -3183,7 +5510,11 @@
             </a:pPr>
             <a:r>
               <a:rPr b="0" lang="en-US" sz="1800" spc="-1" strike="noStrike">
-                <a:latin typeface="Arial"/>
+                <a:solidFill>
+                  <a:srgbClr val="000000"/>
+                </a:solidFill>
+                <a:latin typeface="Arial"/>
+                <a:ea typeface="DejaVu Sans"/>
               </a:rPr>
               <a:t>A</a:t>
             </a:r>
@@ -3195,14 +5526,14 @@
       </p:sp>
       <p:sp>
         <p:nvSpPr>
-          <p:cNvPr id="67" name="CustomShape 14"/>
+          <p:cNvPr id="102" name="CustomShape 14"/>
           <p:cNvSpPr/>
           <p:nvPr/>
         </p:nvSpPr>
         <p:spPr>
           <a:xfrm>
             <a:off x="6035040" y="2651760"/>
-            <a:ext cx="332640" cy="345960"/>
+            <a:ext cx="332280" cy="345600"/>
           </a:xfrm>
           <a:prstGeom prst="rect">
             <a:avLst/>
@@ -3230,7 +5561,11 @@
             </a:pPr>
             <a:r>
               <a:rPr b="0" lang="en-US" sz="1800" spc="-1" strike="noStrike">
-                <a:latin typeface="Arial"/>
+                <a:solidFill>
+                  <a:srgbClr val="000000"/>
+                </a:solidFill>
+                <a:latin typeface="Arial"/>
+                <a:ea typeface="DejaVu Sans"/>
               </a:rPr>
               <a:t>B</a:t>
             </a:r>
@@ -3242,7 +5577,7 @@
       </p:sp>
       <p:sp>
         <p:nvSpPr>
-          <p:cNvPr id="68" name="Line 15"/>
+          <p:cNvPr id="103" name="Line 15"/>
           <p:cNvSpPr/>
           <p:nvPr/>
         </p:nvSpPr>
@@ -3269,7 +5604,7 @@
       </p:sp>
       <p:sp>
         <p:nvSpPr>
-          <p:cNvPr id="69" name="Line 16"/>
+          <p:cNvPr id="104" name="Line 16"/>
           <p:cNvSpPr/>
           <p:nvPr/>
         </p:nvSpPr>
@@ -3296,7 +5631,7 @@
       </p:sp>
       <p:sp>
         <p:nvSpPr>
-          <p:cNvPr id="70" name="Line 17"/>
+          <p:cNvPr id="105" name="Line 17"/>
           <p:cNvSpPr/>
           <p:nvPr/>
         </p:nvSpPr>
@@ -3323,7 +5658,7 @@
       </p:sp>
       <p:sp>
         <p:nvSpPr>
-          <p:cNvPr id="71" name="Line 18"/>
+          <p:cNvPr id="106" name="Line 18"/>
           <p:cNvSpPr/>
           <p:nvPr/>
         </p:nvSpPr>
@@ -3350,14 +5685,14 @@
       </p:sp>
       <p:sp>
         <p:nvSpPr>
-          <p:cNvPr id="72" name="CustomShape 19"/>
+          <p:cNvPr id="107" name="CustomShape 19"/>
           <p:cNvSpPr/>
           <p:nvPr/>
         </p:nvSpPr>
         <p:spPr>
           <a:xfrm>
             <a:off x="3291840" y="3566160"/>
-            <a:ext cx="344880" cy="345960"/>
+            <a:ext cx="344520" cy="345600"/>
           </a:xfrm>
           <a:prstGeom prst="rect">
             <a:avLst/>
@@ -3385,7 +5720,11 @@
             </a:pPr>
             <a:r>
               <a:rPr b="0" lang="en-US" sz="1800" spc="-1" strike="noStrike">
-                <a:latin typeface="Arial"/>
+                <a:solidFill>
+                  <a:srgbClr val="000000"/>
+                </a:solidFill>
+                <a:latin typeface="Arial"/>
+                <a:ea typeface="DejaVu Sans"/>
               </a:rPr>
               <a:t>C</a:t>
             </a:r>

--- a/docs/assets/misc/images.pptx
+++ b/docs/assets/misc/images.pptx
@@ -67,7 +67,7 @@
         <p:spPr>
           <a:xfrm>
             <a:off x="504000" y="226080"/>
-            <a:ext cx="9070920" cy="945720"/>
+            <a:ext cx="9072000" cy="946440"/>
           </a:xfrm>
           <a:prstGeom prst="rect">
             <a:avLst/>
@@ -98,7 +98,7 @@
         <p:spPr>
           <a:xfrm>
             <a:off x="504000" y="1326600"/>
-            <a:ext cx="9071640" cy="1568160"/>
+            <a:ext cx="9072000" cy="1568520"/>
           </a:xfrm>
           <a:prstGeom prst="rect">
             <a:avLst/>
@@ -127,8 +127,8 @@
         </p:nvSpPr>
         <p:spPr>
           <a:xfrm>
-            <a:off x="504000" y="3044160"/>
-            <a:ext cx="9071640" cy="1568160"/>
+            <a:off x="504000" y="3044520"/>
+            <a:ext cx="9072000" cy="1568520"/>
           </a:xfrm>
           <a:prstGeom prst="rect">
             <a:avLst/>
@@ -180,7 +180,7 @@
         <p:spPr>
           <a:xfrm>
             <a:off x="504000" y="226080"/>
-            <a:ext cx="9070920" cy="945720"/>
+            <a:ext cx="9072000" cy="946440"/>
           </a:xfrm>
           <a:prstGeom prst="rect">
             <a:avLst/>
@@ -211,7 +211,7 @@
         <p:spPr>
           <a:xfrm>
             <a:off x="504000" y="1326600"/>
-            <a:ext cx="4426920" cy="1568160"/>
+            <a:ext cx="4426920" cy="1568520"/>
           </a:xfrm>
           <a:prstGeom prst="rect">
             <a:avLst/>
@@ -241,7 +241,7 @@
         <p:spPr>
           <a:xfrm>
             <a:off x="5152680" y="1326600"/>
-            <a:ext cx="4426920" cy="1568160"/>
+            <a:ext cx="4426920" cy="1568520"/>
           </a:xfrm>
           <a:prstGeom prst="rect">
             <a:avLst/>
@@ -270,8 +270,8 @@
         </p:nvSpPr>
         <p:spPr>
           <a:xfrm>
-            <a:off x="504000" y="3044160"/>
-            <a:ext cx="4426920" cy="1568160"/>
+            <a:off x="504000" y="3044520"/>
+            <a:ext cx="4426920" cy="1568520"/>
           </a:xfrm>
           <a:prstGeom prst="rect">
             <a:avLst/>
@@ -300,8 +300,8 @@
         </p:nvSpPr>
         <p:spPr>
           <a:xfrm>
-            <a:off x="5152680" y="3044160"/>
-            <a:ext cx="4426920" cy="1568160"/>
+            <a:off x="5152680" y="3044520"/>
+            <a:ext cx="4426920" cy="1568520"/>
           </a:xfrm>
           <a:prstGeom prst="rect">
             <a:avLst/>
@@ -353,7 +353,7 @@
         <p:spPr>
           <a:xfrm>
             <a:off x="504000" y="226080"/>
-            <a:ext cx="9070920" cy="945720"/>
+            <a:ext cx="9072000" cy="946440"/>
           </a:xfrm>
           <a:prstGeom prst="rect">
             <a:avLst/>
@@ -384,7 +384,7 @@
         <p:spPr>
           <a:xfrm>
             <a:off x="504000" y="1326600"/>
-            <a:ext cx="2920680" cy="1568160"/>
+            <a:ext cx="2921040" cy="1568520"/>
           </a:xfrm>
           <a:prstGeom prst="rect">
             <a:avLst/>
@@ -413,8 +413,8 @@
         </p:nvSpPr>
         <p:spPr>
           <a:xfrm>
-            <a:off x="3571200" y="1326600"/>
-            <a:ext cx="2920680" cy="1568160"/>
+            <a:off x="3571560" y="1326600"/>
+            <a:ext cx="2921040" cy="1568520"/>
           </a:xfrm>
           <a:prstGeom prst="rect">
             <a:avLst/>
@@ -443,8 +443,8 @@
         </p:nvSpPr>
         <p:spPr>
           <a:xfrm>
-            <a:off x="6638040" y="1326600"/>
-            <a:ext cx="2920680" cy="1568160"/>
+            <a:off x="6639120" y="1326600"/>
+            <a:ext cx="2921040" cy="1568520"/>
           </a:xfrm>
           <a:prstGeom prst="rect">
             <a:avLst/>
@@ -473,8 +473,8 @@
         </p:nvSpPr>
         <p:spPr>
           <a:xfrm>
-            <a:off x="504000" y="3044160"/>
-            <a:ext cx="2920680" cy="1568160"/>
+            <a:off x="504000" y="3044520"/>
+            <a:ext cx="2921040" cy="1568520"/>
           </a:xfrm>
           <a:prstGeom prst="rect">
             <a:avLst/>
@@ -503,8 +503,8 @@
         </p:nvSpPr>
         <p:spPr>
           <a:xfrm>
-            <a:off x="3571200" y="3044160"/>
-            <a:ext cx="2920680" cy="1568160"/>
+            <a:off x="3571560" y="3044520"/>
+            <a:ext cx="2921040" cy="1568520"/>
           </a:xfrm>
           <a:prstGeom prst="rect">
             <a:avLst/>
@@ -533,8 +533,8 @@
         </p:nvSpPr>
         <p:spPr>
           <a:xfrm>
-            <a:off x="6638040" y="3044160"/>
-            <a:ext cx="2920680" cy="1568160"/>
+            <a:off x="6639120" y="3044520"/>
+            <a:ext cx="2921040" cy="1568520"/>
           </a:xfrm>
           <a:prstGeom prst="rect">
             <a:avLst/>
@@ -586,7 +586,7 @@
         <p:spPr>
           <a:xfrm>
             <a:off x="504000" y="226080"/>
-            <a:ext cx="9070920" cy="945720"/>
+            <a:ext cx="9072000" cy="946440"/>
           </a:xfrm>
           <a:prstGeom prst="rect">
             <a:avLst/>
@@ -617,7 +617,7 @@
         <p:spPr>
           <a:xfrm>
             <a:off x="504000" y="1326600"/>
-            <a:ext cx="9071640" cy="3288240"/>
+            <a:ext cx="9072000" cy="3288600"/>
           </a:xfrm>
           <a:prstGeom prst="rect">
             <a:avLst/>
@@ -670,7 +670,7 @@
         <p:spPr>
           <a:xfrm>
             <a:off x="504000" y="226080"/>
-            <a:ext cx="9070920" cy="945720"/>
+            <a:ext cx="9072000" cy="946440"/>
           </a:xfrm>
           <a:prstGeom prst="rect">
             <a:avLst/>
@@ -701,7 +701,7 @@
         <p:spPr>
           <a:xfrm>
             <a:off x="504000" y="1326600"/>
-            <a:ext cx="9071640" cy="3288240"/>
+            <a:ext cx="9072000" cy="3288600"/>
           </a:xfrm>
           <a:prstGeom prst="rect">
             <a:avLst/>
@@ -753,7 +753,7 @@
         <p:spPr>
           <a:xfrm>
             <a:off x="504000" y="226080"/>
-            <a:ext cx="9070920" cy="945720"/>
+            <a:ext cx="9072000" cy="946440"/>
           </a:xfrm>
           <a:prstGeom prst="rect">
             <a:avLst/>
@@ -784,7 +784,7 @@
         <p:spPr>
           <a:xfrm>
             <a:off x="504000" y="1326600"/>
-            <a:ext cx="4426920" cy="3288240"/>
+            <a:ext cx="4426920" cy="3288600"/>
           </a:xfrm>
           <a:prstGeom prst="rect">
             <a:avLst/>
@@ -814,7 +814,7 @@
         <p:spPr>
           <a:xfrm>
             <a:off x="5152680" y="1326600"/>
-            <a:ext cx="4426920" cy="3288240"/>
+            <a:ext cx="4426920" cy="3288600"/>
           </a:xfrm>
           <a:prstGeom prst="rect">
             <a:avLst/>
@@ -866,7 +866,7 @@
         <p:spPr>
           <a:xfrm>
             <a:off x="504000" y="226080"/>
-            <a:ext cx="9070920" cy="945720"/>
+            <a:ext cx="9072000" cy="946440"/>
           </a:xfrm>
           <a:prstGeom prst="rect">
             <a:avLst/>
@@ -919,7 +919,7 @@
         <p:spPr>
           <a:xfrm>
             <a:off x="504000" y="226080"/>
-            <a:ext cx="9070920" cy="4385160"/>
+            <a:ext cx="9072000" cy="4388400"/>
           </a:xfrm>
           <a:prstGeom prst="rect">
             <a:avLst/>
@@ -972,7 +972,7 @@
         <p:spPr>
           <a:xfrm>
             <a:off x="504000" y="226080"/>
-            <a:ext cx="9070920" cy="945720"/>
+            <a:ext cx="9072000" cy="946440"/>
           </a:xfrm>
           <a:prstGeom prst="rect">
             <a:avLst/>
@@ -1003,7 +1003,7 @@
         <p:spPr>
           <a:xfrm>
             <a:off x="504000" y="1326600"/>
-            <a:ext cx="4426920" cy="1568160"/>
+            <a:ext cx="4426920" cy="1568520"/>
           </a:xfrm>
           <a:prstGeom prst="rect">
             <a:avLst/>
@@ -1033,7 +1033,7 @@
         <p:spPr>
           <a:xfrm>
             <a:off x="5152680" y="1326600"/>
-            <a:ext cx="4426920" cy="3288240"/>
+            <a:ext cx="4426920" cy="3288600"/>
           </a:xfrm>
           <a:prstGeom prst="rect">
             <a:avLst/>
@@ -1062,8 +1062,8 @@
         </p:nvSpPr>
         <p:spPr>
           <a:xfrm>
-            <a:off x="504000" y="3044160"/>
-            <a:ext cx="4426920" cy="1568160"/>
+            <a:off x="504000" y="3044520"/>
+            <a:ext cx="4426920" cy="1568520"/>
           </a:xfrm>
           <a:prstGeom prst="rect">
             <a:avLst/>
@@ -1115,7 +1115,7 @@
         <p:spPr>
           <a:xfrm>
             <a:off x="504000" y="226080"/>
-            <a:ext cx="9070920" cy="945720"/>
+            <a:ext cx="9072000" cy="946440"/>
           </a:xfrm>
           <a:prstGeom prst="rect">
             <a:avLst/>
@@ -1146,7 +1146,7 @@
         <p:spPr>
           <a:xfrm>
             <a:off x="504000" y="1326600"/>
-            <a:ext cx="4426920" cy="3288240"/>
+            <a:ext cx="4426920" cy="3288600"/>
           </a:xfrm>
           <a:prstGeom prst="rect">
             <a:avLst/>
@@ -1176,7 +1176,7 @@
         <p:spPr>
           <a:xfrm>
             <a:off x="5152680" y="1326600"/>
-            <a:ext cx="4426920" cy="1568160"/>
+            <a:ext cx="4426920" cy="1568520"/>
           </a:xfrm>
           <a:prstGeom prst="rect">
             <a:avLst/>
@@ -1205,8 +1205,8 @@
         </p:nvSpPr>
         <p:spPr>
           <a:xfrm>
-            <a:off x="5152680" y="3044160"/>
-            <a:ext cx="4426920" cy="1568160"/>
+            <a:off x="5152680" y="3044520"/>
+            <a:ext cx="4426920" cy="1568520"/>
           </a:xfrm>
           <a:prstGeom prst="rect">
             <a:avLst/>
@@ -1258,7 +1258,7 @@
         <p:spPr>
           <a:xfrm>
             <a:off x="504000" y="226080"/>
-            <a:ext cx="9070920" cy="945720"/>
+            <a:ext cx="9072000" cy="946440"/>
           </a:xfrm>
           <a:prstGeom prst="rect">
             <a:avLst/>
@@ -1289,7 +1289,7 @@
         <p:spPr>
           <a:xfrm>
             <a:off x="504000" y="1326600"/>
-            <a:ext cx="4426920" cy="1568160"/>
+            <a:ext cx="4426920" cy="1568520"/>
           </a:xfrm>
           <a:prstGeom prst="rect">
             <a:avLst/>
@@ -1319,7 +1319,7 @@
         <p:spPr>
           <a:xfrm>
             <a:off x="5152680" y="1326600"/>
-            <a:ext cx="4426920" cy="1568160"/>
+            <a:ext cx="4426920" cy="1568520"/>
           </a:xfrm>
           <a:prstGeom prst="rect">
             <a:avLst/>
@@ -1348,8 +1348,8 @@
         </p:nvSpPr>
         <p:spPr>
           <a:xfrm>
-            <a:off x="504000" y="3044160"/>
-            <a:ext cx="9071640" cy="1568160"/>
+            <a:off x="504000" y="3044520"/>
+            <a:ext cx="9072000" cy="1568520"/>
           </a:xfrm>
           <a:prstGeom prst="rect">
             <a:avLst/>
@@ -1401,7 +1401,7 @@
         <p:spPr>
           <a:xfrm>
             <a:off x="504000" y="226080"/>
-            <a:ext cx="9070920" cy="945720"/>
+            <a:ext cx="9072000" cy="946440"/>
           </a:xfrm>
           <a:prstGeom prst="rect">
             <a:avLst/>
@@ -1414,108 +1414,12 @@
           <a:p>
             <a:pPr algn="ctr"/>
             <a:r>
-              <a:rPr b="0" lang="en-US" sz="1800" spc="-1" strike="noStrike">
+              <a:rPr b="0" lang="en-US" sz="4400" spc="-1" strike="noStrike">
                 <a:latin typeface="Arial"/>
               </a:rPr>
-              <a:t>Cl</a:t>
+              <a:t>Click to edit the title text format</a:t>
             </a:r>
-            <a:r>
-              <a:rPr b="0" lang="en-US" sz="1800" spc="-1" strike="noStrike">
-                <a:latin typeface="Arial"/>
-              </a:rPr>
-              <a:t>ic</a:t>
-            </a:r>
-            <a:r>
-              <a:rPr b="0" lang="en-US" sz="1800" spc="-1" strike="noStrike">
-                <a:latin typeface="Arial"/>
-              </a:rPr>
-              <a:t>k </a:t>
-            </a:r>
-            <a:r>
-              <a:rPr b="0" lang="en-US" sz="1800" spc="-1" strike="noStrike">
-                <a:latin typeface="Arial"/>
-              </a:rPr>
-              <a:t>to </a:t>
-            </a:r>
-            <a:r>
-              <a:rPr b="0" lang="en-US" sz="1800" spc="-1" strike="noStrike">
-                <a:latin typeface="Arial"/>
-              </a:rPr>
-              <a:t>e</a:t>
-            </a:r>
-            <a:r>
-              <a:rPr b="0" lang="en-US" sz="1800" spc="-1" strike="noStrike">
-                <a:latin typeface="Arial"/>
-              </a:rPr>
-              <a:t>di</a:t>
-            </a:r>
-            <a:r>
-              <a:rPr b="0" lang="en-US" sz="1800" spc="-1" strike="noStrike">
-                <a:latin typeface="Arial"/>
-              </a:rPr>
-              <a:t>t </a:t>
-            </a:r>
-            <a:r>
-              <a:rPr b="0" lang="en-US" sz="1800" spc="-1" strike="noStrike">
-                <a:latin typeface="Arial"/>
-              </a:rPr>
-              <a:t>th</a:t>
-            </a:r>
-            <a:r>
-              <a:rPr b="0" lang="en-US" sz="1800" spc="-1" strike="noStrike">
-                <a:latin typeface="Arial"/>
-              </a:rPr>
-              <a:t>e </a:t>
-            </a:r>
-            <a:r>
-              <a:rPr b="0" lang="en-US" sz="1800" spc="-1" strike="noStrike">
-                <a:latin typeface="Arial"/>
-              </a:rPr>
-              <a:t>tit</a:t>
-            </a:r>
-            <a:r>
-              <a:rPr b="0" lang="en-US" sz="1800" spc="-1" strike="noStrike">
-                <a:latin typeface="Arial"/>
-              </a:rPr>
-              <a:t>le </a:t>
-            </a:r>
-            <a:r>
-              <a:rPr b="0" lang="en-US" sz="1800" spc="-1" strike="noStrike">
-                <a:latin typeface="Arial"/>
-              </a:rPr>
-              <a:t>te</a:t>
-            </a:r>
-            <a:r>
-              <a:rPr b="0" lang="en-US" sz="1800" spc="-1" strike="noStrike">
-                <a:latin typeface="Arial"/>
-              </a:rPr>
-              <a:t>xt </a:t>
-            </a:r>
-            <a:r>
-              <a:rPr b="0" lang="en-US" sz="1800" spc="-1" strike="noStrike">
-                <a:latin typeface="Arial"/>
-              </a:rPr>
-              <a:t>fo</a:t>
-            </a:r>
-            <a:r>
-              <a:rPr b="0" lang="en-US" sz="1800" spc="-1" strike="noStrike">
-                <a:latin typeface="Arial"/>
-              </a:rPr>
-              <a:t>r</a:t>
-            </a:r>
-            <a:r>
-              <a:rPr b="0" lang="en-US" sz="1800" spc="-1" strike="noStrike">
-                <a:latin typeface="Arial"/>
-              </a:rPr>
-              <a:t>m</a:t>
-            </a:r>
-            <a:r>
-              <a:rPr b="0" lang="en-US" sz="1800" spc="-1" strike="noStrike">
-                <a:latin typeface="Arial"/>
-              </a:rPr>
-              <a:t>at</a:t>
-            </a:r>
-            <a:endParaRPr b="0" lang="en-US" sz="1800" spc="-1" strike="noStrike">
+            <a:endParaRPr b="0" lang="en-US" sz="4400" spc="-1" strike="noStrike">
               <a:latin typeface="Arial"/>
             </a:endParaRPr>
           </a:p>
@@ -1534,7 +1438,7 @@
         <p:spPr>
           <a:xfrm>
             <a:off x="504000" y="1326600"/>
-            <a:ext cx="9071640" cy="3288240"/>
+            <a:ext cx="9072000" cy="3288600"/>
           </a:xfrm>
           <a:prstGeom prst="rect">
             <a:avLst/>
@@ -1545,7 +1449,7 @@
             <a:normAutofit/>
           </a:bodyPr>
           <a:p>
-            <a:pPr marL="432000" indent="-324000" algn="ctr">
+            <a:pPr marL="432000" indent="-324000">
               <a:spcBef>
                 <a:spcPts val="1417"/>
               </a:spcBef>
@@ -1557,17 +1461,17 @@
               <a:buChar char=""/>
             </a:pPr>
             <a:r>
-              <a:rPr b="0" lang="en-US" sz="1800" spc="-1" strike="noStrike">
+              <a:rPr b="0" lang="en-US" sz="3200" spc="-1" strike="noStrike">
                 <a:latin typeface="Arial"/>
               </a:rPr>
               <a:t>Click to edit the outline text format</a:t>
             </a:r>
-            <a:endParaRPr b="0" lang="en-US" sz="1800" spc="-1" strike="noStrike">
-              <a:latin typeface="Arial"/>
-            </a:endParaRPr>
-          </a:p>
-          <a:p>
-            <a:pPr lvl="1" marL="864000" indent="-324000" algn="ctr">
+            <a:endParaRPr b="0" lang="en-US" sz="3200" spc="-1" strike="noStrike">
+              <a:latin typeface="Arial"/>
+            </a:endParaRPr>
+          </a:p>
+          <a:p>
+            <a:pPr lvl="1" marL="864000" indent="-324000">
               <a:spcBef>
                 <a:spcPts val="1134"/>
               </a:spcBef>
@@ -1579,17 +1483,17 @@
               <a:buChar char=""/>
             </a:pPr>
             <a:r>
-              <a:rPr b="0" lang="en-US" sz="1800" spc="-1" strike="noStrike">
+              <a:rPr b="0" lang="en-US" sz="2800" spc="-1" strike="noStrike">
                 <a:latin typeface="Arial"/>
               </a:rPr>
               <a:t>Second Outline Level</a:t>
             </a:r>
-            <a:endParaRPr b="0" lang="en-US" sz="1800" spc="-1" strike="noStrike">
-              <a:latin typeface="Arial"/>
-            </a:endParaRPr>
-          </a:p>
-          <a:p>
-            <a:pPr lvl="2" marL="1296000" indent="-288000" algn="ctr">
+            <a:endParaRPr b="0" lang="en-US" sz="2800" spc="-1" strike="noStrike">
+              <a:latin typeface="Arial"/>
+            </a:endParaRPr>
+          </a:p>
+          <a:p>
+            <a:pPr lvl="2" marL="1296000" indent="-288000">
               <a:spcBef>
                 <a:spcPts val="850"/>
               </a:spcBef>
@@ -1601,17 +1505,17 @@
               <a:buChar char=""/>
             </a:pPr>
             <a:r>
-              <a:rPr b="0" lang="en-US" sz="1800" spc="-1" strike="noStrike">
+              <a:rPr b="0" lang="en-US" sz="2400" spc="-1" strike="noStrike">
                 <a:latin typeface="Arial"/>
               </a:rPr>
               <a:t>Third Outline Level</a:t>
             </a:r>
-            <a:endParaRPr b="0" lang="en-US" sz="1800" spc="-1" strike="noStrike">
-              <a:latin typeface="Arial"/>
-            </a:endParaRPr>
-          </a:p>
-          <a:p>
-            <a:pPr lvl="3" marL="1728000" indent="-216000" algn="ctr">
+            <a:endParaRPr b="0" lang="en-US" sz="2400" spc="-1" strike="noStrike">
+              <a:latin typeface="Arial"/>
+            </a:endParaRPr>
+          </a:p>
+          <a:p>
+            <a:pPr lvl="3" marL="1728000" indent="-216000">
               <a:spcBef>
                 <a:spcPts val="567"/>
               </a:spcBef>
@@ -1623,17 +1527,17 @@
               <a:buChar char=""/>
             </a:pPr>
             <a:r>
-              <a:rPr b="0" lang="en-US" sz="1800" spc="-1" strike="noStrike">
+              <a:rPr b="0" lang="en-US" sz="2000" spc="-1" strike="noStrike">
                 <a:latin typeface="Arial"/>
               </a:rPr>
               <a:t>Fourth Outline Level</a:t>
             </a:r>
-            <a:endParaRPr b="0" lang="en-US" sz="1800" spc="-1" strike="noStrike">
-              <a:latin typeface="Arial"/>
-            </a:endParaRPr>
-          </a:p>
-          <a:p>
-            <a:pPr lvl="4" marL="2160000" indent="-216000" algn="ctr">
+            <a:endParaRPr b="0" lang="en-US" sz="2000" spc="-1" strike="noStrike">
+              <a:latin typeface="Arial"/>
+            </a:endParaRPr>
+          </a:p>
+          <a:p>
+            <a:pPr lvl="4" marL="2160000" indent="-216000">
               <a:spcBef>
                 <a:spcPts val="283"/>
               </a:spcBef>
@@ -1645,17 +1549,17 @@
               <a:buChar char=""/>
             </a:pPr>
             <a:r>
-              <a:rPr b="0" lang="en-US" sz="1800" spc="-1" strike="noStrike">
+              <a:rPr b="0" lang="en-US" sz="2000" spc="-1" strike="noStrike">
                 <a:latin typeface="Arial"/>
               </a:rPr>
               <a:t>Fifth Outline Level</a:t>
             </a:r>
-            <a:endParaRPr b="0" lang="en-US" sz="1800" spc="-1" strike="noStrike">
-              <a:latin typeface="Arial"/>
-            </a:endParaRPr>
-          </a:p>
-          <a:p>
-            <a:pPr lvl="5" marL="2592000" indent="-216000" algn="ctr">
+            <a:endParaRPr b="0" lang="en-US" sz="2000" spc="-1" strike="noStrike">
+              <a:latin typeface="Arial"/>
+            </a:endParaRPr>
+          </a:p>
+          <a:p>
+            <a:pPr lvl="5" marL="2592000" indent="-216000">
               <a:spcBef>
                 <a:spcPts val="283"/>
               </a:spcBef>
@@ -1667,17 +1571,17 @@
               <a:buChar char=""/>
             </a:pPr>
             <a:r>
-              <a:rPr b="0" lang="en-US" sz="1800" spc="-1" strike="noStrike">
+              <a:rPr b="0" lang="en-US" sz="2000" spc="-1" strike="noStrike">
                 <a:latin typeface="Arial"/>
               </a:rPr>
               <a:t>Sixth Outline Level</a:t>
             </a:r>
-            <a:endParaRPr b="0" lang="en-US" sz="1800" spc="-1" strike="noStrike">
-              <a:latin typeface="Arial"/>
-            </a:endParaRPr>
-          </a:p>
-          <a:p>
-            <a:pPr lvl="6" marL="3024000" indent="-216000" algn="ctr">
+            <a:endParaRPr b="0" lang="en-US" sz="2000" spc="-1" strike="noStrike">
+              <a:latin typeface="Arial"/>
+            </a:endParaRPr>
+          </a:p>
+          <a:p>
+            <a:pPr lvl="6" marL="3024000" indent="-216000">
               <a:spcBef>
                 <a:spcPts val="283"/>
               </a:spcBef>
@@ -1689,12 +1593,12 @@
               <a:buChar char=""/>
             </a:pPr>
             <a:r>
-              <a:rPr b="0" lang="en-US" sz="1800" spc="-1" strike="noStrike">
+              <a:rPr b="0" lang="en-US" sz="2000" spc="-1" strike="noStrike">
                 <a:latin typeface="Arial"/>
               </a:rPr>
               <a:t>Seventh Outline Level</a:t>
             </a:r>
-            <a:endParaRPr b="0" lang="en-US" sz="1800" spc="-1" strike="noStrike">
+            <a:endParaRPr b="0" lang="en-US" sz="2000" spc="-1" strike="noStrike">
               <a:latin typeface="Arial"/>
             </a:endParaRPr>
           </a:p>
@@ -1746,7 +1650,7 @@
         <p:spPr>
           <a:xfrm>
             <a:off x="1463040" y="1097280"/>
-            <a:ext cx="1919880" cy="639720"/>
+            <a:ext cx="1919520" cy="639360"/>
           </a:xfrm>
           <a:custGeom>
             <a:avLst/>
@@ -1881,17 +1785,7 @@
                 <a:latin typeface="Arial"/>
                 <a:ea typeface="DejaVu Sans"/>
               </a:rPr>
-              <a:t>PID </a:t>
-            </a:r>
-            <a:r>
-              <a:rPr b="0" lang="en-US" sz="1800" spc="-1" strike="noStrike">
-                <a:solidFill>
-                  <a:srgbClr val="000000"/>
-                </a:solidFill>
-                <a:latin typeface="Arial"/>
-                <a:ea typeface="DejaVu Sans"/>
-              </a:rPr>
-              <a:t>Controller</a:t>
+              <a:t>PID Controller</a:t>
             </a:r>
             <a:endParaRPr b="0" lang="en-US" sz="1800" spc="-1" strike="noStrike">
               <a:latin typeface="Arial"/>
@@ -1908,7 +1802,7 @@
         <p:spPr>
           <a:xfrm>
             <a:off x="2926080" y="2377440"/>
-            <a:ext cx="1919880" cy="639720"/>
+            <a:ext cx="1919520" cy="639360"/>
           </a:xfrm>
           <a:custGeom>
             <a:avLst/>
@@ -2060,7 +1954,7 @@
         <p:spPr>
           <a:xfrm>
             <a:off x="4389120" y="1097280"/>
-            <a:ext cx="1919880" cy="639720"/>
+            <a:ext cx="1919520" cy="639360"/>
           </a:xfrm>
           <a:custGeom>
             <a:avLst/>
@@ -2298,7 +2192,7 @@
         <p:spPr>
           <a:xfrm>
             <a:off x="5358960" y="803160"/>
-            <a:ext cx="1789560" cy="274320"/>
+            <a:ext cx="1789200" cy="273960"/>
           </a:xfrm>
           <a:prstGeom prst="rect">
             <a:avLst/>
@@ -2330,188 +2224,9 @@
                   <a:srgbClr val="ff0000"/>
                 </a:solidFill>
                 <a:latin typeface="Arial"/>
+                <a:ea typeface="DejaVu Sans"/>
               </a:rPr>
-              <a:t>E</a:t>
-            </a:r>
-            <a:r>
-              <a:rPr b="0" lang="en-US" sz="1300" spc="-1" strike="noStrike">
-                <a:solidFill>
-                  <a:srgbClr val="ff0000"/>
-                </a:solidFill>
-                <a:latin typeface="Arial"/>
-              </a:rPr>
-              <a:t>x</a:t>
-            </a:r>
-            <a:r>
-              <a:rPr b="0" lang="en-US" sz="1300" spc="-1" strike="noStrike">
-                <a:solidFill>
-                  <a:srgbClr val="ff0000"/>
-                </a:solidFill>
-                <a:latin typeface="Arial"/>
-              </a:rPr>
-              <a:t>t</a:t>
-            </a:r>
-            <a:r>
-              <a:rPr b="0" lang="en-US" sz="1300" spc="-1" strike="noStrike">
-                <a:solidFill>
-                  <a:srgbClr val="ff0000"/>
-                </a:solidFill>
-                <a:latin typeface="Arial"/>
-              </a:rPr>
-              <a:t>e</a:t>
-            </a:r>
-            <a:r>
-              <a:rPr b="0" lang="en-US" sz="1300" spc="-1" strike="noStrike">
-                <a:solidFill>
-                  <a:srgbClr val="ff0000"/>
-                </a:solidFill>
-                <a:latin typeface="Arial"/>
-              </a:rPr>
-              <a:t>r</a:t>
-            </a:r>
-            <a:r>
-              <a:rPr b="0" lang="en-US" sz="1300" spc="-1" strike="noStrike">
-                <a:solidFill>
-                  <a:srgbClr val="ff0000"/>
-                </a:solidFill>
-                <a:latin typeface="Arial"/>
-              </a:rPr>
-              <a:t>n</a:t>
-            </a:r>
-            <a:r>
-              <a:rPr b="0" lang="en-US" sz="1300" spc="-1" strike="noStrike">
-                <a:solidFill>
-                  <a:srgbClr val="ff0000"/>
-                </a:solidFill>
-                <a:latin typeface="Arial"/>
-              </a:rPr>
-              <a:t>a</a:t>
-            </a:r>
-            <a:r>
-              <a:rPr b="0" lang="en-US" sz="1300" spc="-1" strike="noStrike">
-                <a:solidFill>
-                  <a:srgbClr val="ff0000"/>
-                </a:solidFill>
-                <a:latin typeface="Arial"/>
-              </a:rPr>
-              <a:t>l</a:t>
-            </a:r>
-            <a:r>
-              <a:rPr b="0" lang="en-US" sz="1300" spc="-1" strike="noStrike">
-                <a:solidFill>
-                  <a:srgbClr val="ff0000"/>
-                </a:solidFill>
-                <a:latin typeface="Arial"/>
-              </a:rPr>
-              <a:t> </a:t>
-            </a:r>
-            <a:r>
-              <a:rPr b="0" lang="en-US" sz="1300" spc="-1" strike="noStrike">
-                <a:solidFill>
-                  <a:srgbClr val="ff0000"/>
-                </a:solidFill>
-                <a:latin typeface="Arial"/>
-              </a:rPr>
-              <a:t>D</a:t>
-            </a:r>
-            <a:r>
-              <a:rPr b="0" lang="en-US" sz="1300" spc="-1" strike="noStrike">
-                <a:solidFill>
-                  <a:srgbClr val="ff0000"/>
-                </a:solidFill>
-                <a:latin typeface="Arial"/>
-              </a:rPr>
-              <a:t>i</a:t>
-            </a:r>
-            <a:r>
-              <a:rPr b="0" lang="en-US" sz="1300" spc="-1" strike="noStrike">
-                <a:solidFill>
-                  <a:srgbClr val="ff0000"/>
-                </a:solidFill>
-                <a:latin typeface="Arial"/>
-              </a:rPr>
-              <a:t>s</a:t>
-            </a:r>
-            <a:r>
-              <a:rPr b="0" lang="en-US" sz="1300" spc="-1" strike="noStrike">
-                <a:solidFill>
-                  <a:srgbClr val="ff0000"/>
-                </a:solidFill>
-                <a:latin typeface="Arial"/>
-              </a:rPr>
-              <a:t>t</a:t>
-            </a:r>
-            <a:r>
-              <a:rPr b="0" lang="en-US" sz="1300" spc="-1" strike="noStrike">
-                <a:solidFill>
-                  <a:srgbClr val="ff0000"/>
-                </a:solidFill>
-                <a:latin typeface="Arial"/>
-              </a:rPr>
-              <a:t>u</a:t>
-            </a:r>
-            <a:r>
-              <a:rPr b="0" lang="en-US" sz="1300" spc="-1" strike="noStrike">
-                <a:solidFill>
-                  <a:srgbClr val="ff0000"/>
-                </a:solidFill>
-                <a:latin typeface="Arial"/>
-              </a:rPr>
-              <a:t>r</a:t>
-            </a:r>
-            <a:r>
-              <a:rPr b="0" lang="en-US" sz="1300" spc="-1" strike="noStrike">
-                <a:solidFill>
-                  <a:srgbClr val="ff0000"/>
-                </a:solidFill>
-                <a:latin typeface="Arial"/>
-              </a:rPr>
-              <a:t>b</a:t>
-            </a:r>
-            <a:r>
-              <a:rPr b="0" lang="en-US" sz="1300" spc="-1" strike="noStrike">
-                <a:solidFill>
-                  <a:srgbClr val="ff0000"/>
-                </a:solidFill>
-                <a:latin typeface="Arial"/>
-              </a:rPr>
-              <a:t>a</a:t>
-            </a:r>
-            <a:r>
-              <a:rPr b="0" lang="en-US" sz="1300" spc="-1" strike="noStrike">
-                <a:solidFill>
-                  <a:srgbClr val="ff0000"/>
-                </a:solidFill>
-                <a:latin typeface="Arial"/>
-              </a:rPr>
-              <a:t>n</a:t>
-            </a:r>
-            <a:r>
-              <a:rPr b="0" lang="en-US" sz="1300" spc="-1" strike="noStrike">
-                <a:solidFill>
-                  <a:srgbClr val="ff0000"/>
-                </a:solidFill>
-                <a:latin typeface="Arial"/>
-              </a:rPr>
-              <a:t>c</a:t>
-            </a:r>
-            <a:r>
-              <a:rPr b="0" lang="en-US" sz="1300" spc="-1" strike="noStrike">
-                <a:solidFill>
-                  <a:srgbClr val="ff0000"/>
-                </a:solidFill>
-                <a:latin typeface="Arial"/>
-              </a:rPr>
-              <a:t>e</a:t>
-            </a:r>
-            <a:r>
-              <a:rPr b="0" lang="en-US" sz="1300" spc="-1" strike="noStrike">
-                <a:solidFill>
-                  <a:srgbClr val="ff0000"/>
-                </a:solidFill>
-                <a:latin typeface="Arial"/>
-              </a:rPr>
-              <a:t>s</a:t>
+              <a:t>External Disturbances</a:t>
             </a:r>
             <a:endParaRPr b="0" lang="en-US" sz="1300" spc="-1" strike="noStrike">
               <a:latin typeface="Arial"/>
@@ -2528,7 +2243,7 @@
         <p:spPr>
           <a:xfrm>
             <a:off x="1313640" y="1847880"/>
-            <a:ext cx="1177200" cy="274320"/>
+            <a:ext cx="1176840" cy="273960"/>
           </a:xfrm>
           <a:prstGeom prst="rect">
             <a:avLst/>
@@ -2560,53 +2275,9 @@
                   <a:srgbClr val="ff0000"/>
                 </a:solidFill>
                 <a:latin typeface="Arial"/>
+                <a:ea typeface="DejaVu Sans"/>
               </a:rPr>
-              <a:t>M</a:t>
-            </a:r>
-            <a:r>
-              <a:rPr b="0" lang="en-US" sz="1300" spc="-1" strike="noStrike">
-                <a:solidFill>
-                  <a:srgbClr val="ff0000"/>
-                </a:solidFill>
-                <a:latin typeface="Arial"/>
-              </a:rPr>
-              <a:t>ea</a:t>
-            </a:r>
-            <a:r>
-              <a:rPr b="0" lang="en-US" sz="1300" spc="-1" strike="noStrike">
-                <a:solidFill>
-                  <a:srgbClr val="ff0000"/>
-                </a:solidFill>
-                <a:latin typeface="Arial"/>
-              </a:rPr>
-              <a:t>su</a:t>
-            </a:r>
-            <a:r>
-              <a:rPr b="0" lang="en-US" sz="1300" spc="-1" strike="noStrike">
-                <a:solidFill>
-                  <a:srgbClr val="ff0000"/>
-                </a:solidFill>
-                <a:latin typeface="Arial"/>
-              </a:rPr>
-              <a:t>re</a:t>
-            </a:r>
-            <a:r>
-              <a:rPr b="0" lang="en-US" sz="1300" spc="-1" strike="noStrike">
-                <a:solidFill>
-                  <a:srgbClr val="ff0000"/>
-                </a:solidFill>
-                <a:latin typeface="Arial"/>
-              </a:rPr>
-              <a:t>d </a:t>
-            </a:r>
-            <a:r>
-              <a:rPr b="0" lang="en-US" sz="1300" spc="-1" strike="noStrike">
-                <a:solidFill>
-                  <a:srgbClr val="ff0000"/>
-                </a:solidFill>
-                <a:latin typeface="Arial"/>
-              </a:rPr>
-              <a:t>SP</a:t>
+              <a:t>Measured SP</a:t>
             </a:r>
             <a:endParaRPr b="0" lang="en-US" sz="1300" spc="-1" strike="noStrike">
               <a:latin typeface="Arial"/>
@@ -2623,7 +2294,7 @@
         <p:spPr>
           <a:xfrm>
             <a:off x="6309360" y="1097280"/>
-            <a:ext cx="399960" cy="274320"/>
+            <a:ext cx="399600" cy="273960"/>
           </a:xfrm>
           <a:prstGeom prst="rect">
             <a:avLst/>
@@ -2655,17 +2326,9 @@
                   <a:srgbClr val="ff0000"/>
                 </a:solidFill>
                 <a:latin typeface="Arial"/>
+                <a:ea typeface="DejaVu Sans"/>
               </a:rPr>
-              <a:t>P</a:t>
-            </a:r>
-            <a:r>
-              <a:rPr b="0" lang="en-US" sz="1300" spc="-1" strike="noStrike">
-                <a:solidFill>
-                  <a:srgbClr val="ff0000"/>
-                </a:solidFill>
-                <a:latin typeface="Arial"/>
-              </a:rPr>
-              <a:t>V</a:t>
+              <a:t>PV</a:t>
             </a:r>
             <a:endParaRPr b="0" lang="en-US" sz="1300" spc="-1" strike="noStrike">
               <a:latin typeface="Arial"/>
@@ -2710,7 +2373,7 @@
         <p:spPr>
           <a:xfrm>
             <a:off x="4937760" y="803160"/>
-            <a:ext cx="399960" cy="274320"/>
+            <a:ext cx="399600" cy="273960"/>
           </a:xfrm>
           <a:prstGeom prst="rect">
             <a:avLst/>
@@ -2742,6 +2405,7 @@
                   <a:srgbClr val="ff0000"/>
                 </a:solidFill>
                 <a:latin typeface="Arial"/>
+                <a:ea typeface="DejaVu Sans"/>
               </a:rPr>
               <a:t>SP</a:t>
             </a:r>
@@ -2760,7 +2424,7 @@
         <p:spPr>
           <a:xfrm>
             <a:off x="986400" y="1135800"/>
-            <a:ext cx="399960" cy="274320"/>
+            <a:ext cx="399600" cy="273960"/>
           </a:xfrm>
           <a:prstGeom prst="rect">
             <a:avLst/>
@@ -2792,17 +2456,9 @@
                   <a:srgbClr val="ff0000"/>
                 </a:solidFill>
                 <a:latin typeface="Arial"/>
+                <a:ea typeface="DejaVu Sans"/>
               </a:rPr>
-              <a:t>S</a:t>
-            </a:r>
-            <a:r>
-              <a:rPr b="0" lang="en-US" sz="1300" spc="-1" strike="noStrike">
-                <a:solidFill>
-                  <a:srgbClr val="ff0000"/>
-                </a:solidFill>
-                <a:latin typeface="Arial"/>
-              </a:rPr>
-              <a:t>P</a:t>
+              <a:t>SP</a:t>
             </a:r>
             <a:endParaRPr b="0" lang="en-US" sz="1300" spc="-1" strike="noStrike">
               <a:latin typeface="Arial"/>
@@ -2875,7 +2531,7 @@
         <p:spPr>
           <a:xfrm>
             <a:off x="3623040" y="1133280"/>
-            <a:ext cx="408960" cy="274320"/>
+            <a:ext cx="408600" cy="273960"/>
           </a:xfrm>
           <a:prstGeom prst="rect">
             <a:avLst/>
@@ -2907,6 +2563,7 @@
                   <a:srgbClr val="ff0000"/>
                 </a:solidFill>
                 <a:latin typeface="Arial"/>
+                <a:ea typeface="DejaVu Sans"/>
               </a:rPr>
               <a:t>CV</a:t>
             </a:r>
@@ -2955,7 +2612,7 @@
         <p:spPr>
           <a:xfrm>
             <a:off x="3327840" y="3383280"/>
-            <a:ext cx="822960" cy="639720"/>
+            <a:ext cx="822600" cy="639360"/>
           </a:xfrm>
           <a:custGeom>
             <a:avLst/>
@@ -3107,7 +2764,7 @@
         <p:spPr>
           <a:xfrm>
             <a:off x="3327840" y="1371960"/>
-            <a:ext cx="822960" cy="639720"/>
+            <a:ext cx="822600" cy="639360"/>
           </a:xfrm>
           <a:custGeom>
             <a:avLst/>
@@ -3259,7 +2916,7 @@
         <p:spPr>
           <a:xfrm>
             <a:off x="3327840" y="2377440"/>
-            <a:ext cx="822960" cy="639720"/>
+            <a:ext cx="822600" cy="639360"/>
           </a:xfrm>
           <a:custGeom>
             <a:avLst/>
@@ -3411,7 +3068,7 @@
         <p:spPr>
           <a:xfrm>
             <a:off x="1463040" y="2413440"/>
-            <a:ext cx="640080" cy="640080"/>
+            <a:ext cx="639720" cy="639720"/>
           </a:xfrm>
           <a:prstGeom prst="ellipse">
             <a:avLst/>
@@ -3436,12 +3093,20 @@
             <a:noAutofit/>
           </a:bodyPr>
           <a:p>
-            <a:pPr algn="ctr"/>
+            <a:pPr algn="ctr">
+              <a:lnSpc>
+                <a:spcPct val="100000"/>
+              </a:lnSpc>
+            </a:pPr>
             <a:r>
               <a:rPr b="0" lang="en-US" sz="800" spc="-1" strike="noStrike">
+                <a:solidFill>
+                  <a:srgbClr val="000000"/>
+                </a:solidFill>
                 <a:latin typeface="Arial"/>
+                <a:ea typeface="DejaVu Sans"/>
               </a:rPr>
-              <a:t>Controller</a:t>
+              <a:t>In</a:t>
             </a:r>
             <a:endParaRPr b="0" lang="en-US" sz="800" spc="-1" strike="noStrike">
               <a:latin typeface="Arial"/>
@@ -3458,7 +3123,7 @@
         <p:spPr>
           <a:xfrm>
             <a:off x="5303520" y="2413440"/>
-            <a:ext cx="640080" cy="640080"/>
+            <a:ext cx="639720" cy="639720"/>
           </a:xfrm>
           <a:prstGeom prst="ellipse">
             <a:avLst/>
@@ -3483,12 +3148,20 @@
             <a:noAutofit/>
           </a:bodyPr>
           <a:p>
-            <a:pPr algn="ctr"/>
+            <a:pPr algn="ctr">
+              <a:lnSpc>
+                <a:spcPct val="100000"/>
+              </a:lnSpc>
+            </a:pPr>
             <a:r>
               <a:rPr b="0" lang="en-US" sz="800" spc="-1" strike="noStrike">
+                <a:solidFill>
+                  <a:srgbClr val="000000"/>
+                </a:solidFill>
                 <a:latin typeface="Arial"/>
+                <a:ea typeface="DejaVu Sans"/>
               </a:rPr>
-              <a:t>Process</a:t>
+              <a:t>Out</a:t>
             </a:r>
             <a:endParaRPr b="0" lang="en-US" sz="800" spc="-1" strike="noStrike">
               <a:latin typeface="Arial"/>
@@ -3552,12 +3225,12 @@
           <a:fontRef idx="minor"/>
         </p:style>
       </p:sp>
-      <p:cxnSp>
-        <p:nvCxnSpPr>
+      <p:sp>
+        <p:nvSpPr>
           <p:cNvPr id="60" name="Line 8"/>
-          <p:cNvCxnSpPr/>
+          <p:cNvSpPr/>
           <p:nvPr/>
-        </p:nvCxnSpPr>
+        </p:nvSpPr>
         <p:spPr>
           <a:xfrm>
             <a:off x="0" y="0"/>
@@ -3573,13 +3246,19 @@
             <a:tailEnd len="med" type="triangle" w="med"/>
           </a:ln>
         </p:spPr>
-      </p:cxnSp>
-      <p:cxnSp>
-        <p:nvCxnSpPr>
+        <p:style>
+          <a:lnRef idx="0"/>
+          <a:fillRef idx="0"/>
+          <a:effectRef idx="0"/>
+          <a:fontRef idx="minor"/>
+        </p:style>
+      </p:sp>
+      <p:sp>
+        <p:nvSpPr>
           <p:cNvPr id="61" name="Line 9"/>
-          <p:cNvCxnSpPr/>
+          <p:cNvSpPr/>
           <p:nvPr/>
-        </p:nvCxnSpPr>
+        </p:nvSpPr>
         <p:spPr>
           <a:xfrm>
             <a:off x="0" y="0"/>
@@ -3595,13 +3274,19 @@
             <a:tailEnd len="med" type="triangle" w="med"/>
           </a:ln>
         </p:spPr>
-      </p:cxnSp>
-      <p:cxnSp>
-        <p:nvCxnSpPr>
+        <p:style>
+          <a:lnRef idx="0"/>
+          <a:fillRef idx="0"/>
+          <a:effectRef idx="0"/>
+          <a:fontRef idx="minor"/>
+        </p:style>
+      </p:sp>
+      <p:sp>
+        <p:nvSpPr>
           <p:cNvPr id="62" name="Line 10"/>
-          <p:cNvCxnSpPr/>
+          <p:cNvSpPr/>
           <p:nvPr/>
-        </p:nvCxnSpPr>
+        </p:nvSpPr>
         <p:spPr>
           <a:xfrm>
             <a:off x="0" y="0"/>
@@ -3617,13 +3302,19 @@
             <a:tailEnd len="med" type="triangle" w="med"/>
           </a:ln>
         </p:spPr>
-      </p:cxnSp>
-      <p:cxnSp>
-        <p:nvCxnSpPr>
+        <p:style>
+          <a:lnRef idx="0"/>
+          <a:fillRef idx="0"/>
+          <a:effectRef idx="0"/>
+          <a:fontRef idx="minor"/>
+        </p:style>
+      </p:sp>
+      <p:sp>
+        <p:nvSpPr>
           <p:cNvPr id="63" name="Line 11"/>
-          <p:cNvCxnSpPr/>
+          <p:cNvSpPr/>
           <p:nvPr/>
-        </p:nvCxnSpPr>
+        </p:nvSpPr>
         <p:spPr>
           <a:xfrm>
             <a:off x="0" y="0"/>
@@ -3639,17 +3330,23 @@
             <a:tailEnd len="med" type="triangle" w="med"/>
           </a:ln>
         </p:spPr>
-      </p:cxnSp>
-      <p:sp>
-        <p:nvSpPr>
-          <p:cNvPr id="64" name="TextShape 12"/>
-          <p:cNvSpPr txBox="1"/>
+        <p:style>
+          <a:lnRef idx="0"/>
+          <a:fillRef idx="0"/>
+          <a:effectRef idx="0"/>
+          <a:fontRef idx="minor"/>
+        </p:style>
+      </p:sp>
+      <p:sp>
+        <p:nvSpPr>
+          <p:cNvPr id="64" name="CustomShape 12"/>
+          <p:cNvSpPr/>
           <p:nvPr/>
         </p:nvSpPr>
         <p:spPr>
           <a:xfrm>
             <a:off x="3092400" y="1077840"/>
-            <a:ext cx="1287000" cy="274680"/>
+            <a:ext cx="1286640" cy="274320"/>
           </a:xfrm>
           <a:prstGeom prst="rect">
             <a:avLst/>
@@ -3659,11 +3356,22 @@
             <a:noFill/>
           </a:ln>
         </p:spPr>
+        <p:style>
+          <a:lnRef idx="0"/>
+          <a:fillRef idx="0"/>
+          <a:effectRef idx="0"/>
+          <a:fontRef idx="minor"/>
+        </p:style>
         <p:txBody>
           <a:bodyPr lIns="90000" rIns="90000" tIns="45000" bIns="45000">
             <a:noAutofit/>
           </a:bodyPr>
           <a:p>
+            <a:pPr>
+              <a:lnSpc>
+                <a:spcPct val="100000"/>
+              </a:lnSpc>
+            </a:pPr>
             <a:r>
               <a:rPr b="0" lang="en-US" sz="1300" spc="-1" strike="noStrike">
                 <a:solidFill>
@@ -3674,9 +3382,6 @@
               <a:t>Control Actions</a:t>
             </a:r>
             <a:endParaRPr b="0" lang="en-US" sz="1300" spc="-1" strike="noStrike">
-              <a:solidFill>
-                <a:srgbClr val="ff0000"/>
-              </a:solidFill>
               <a:latin typeface="Arial"/>
             </a:endParaRPr>
           </a:p>
@@ -3712,14 +3417,14 @@
       </p:sp>
       <p:sp>
         <p:nvSpPr>
-          <p:cNvPr id="66" name="TextShape 14"/>
-          <p:cNvSpPr txBox="1"/>
+          <p:cNvPr id="66" name="CustomShape 14"/>
+          <p:cNvSpPr/>
           <p:nvPr/>
         </p:nvSpPr>
         <p:spPr>
           <a:xfrm>
-            <a:off x="5382720" y="2210760"/>
-            <a:ext cx="276840" cy="274680"/>
+            <a:off x="5580720" y="2099520"/>
+            <a:ext cx="276480" cy="274320"/>
           </a:xfrm>
           <a:prstGeom prst="rect">
             <a:avLst/>
@@ -3729,11 +3434,22 @@
             <a:noFill/>
           </a:ln>
         </p:spPr>
+        <p:style>
+          <a:lnRef idx="0"/>
+          <a:fillRef idx="0"/>
+          <a:effectRef idx="0"/>
+          <a:fontRef idx="minor"/>
+        </p:style>
         <p:txBody>
           <a:bodyPr lIns="90000" rIns="90000" tIns="45000" bIns="45000">
             <a:noAutofit/>
           </a:bodyPr>
           <a:p>
+            <a:pPr>
+              <a:lnSpc>
+                <a:spcPct val="100000"/>
+              </a:lnSpc>
+            </a:pPr>
             <a:r>
               <a:rPr b="0" lang="en-US" sz="1300" spc="-1" strike="noStrike">
                 <a:solidFill>
@@ -3744,24 +3460,21 @@
               <a:t>+</a:t>
             </a:r>
             <a:endParaRPr b="0" lang="en-US" sz="1300" spc="-1" strike="noStrike">
-              <a:solidFill>
-                <a:srgbClr val="ff0000"/>
-              </a:solidFill>
-              <a:latin typeface="Arial"/>
-            </a:endParaRPr>
-          </a:p>
-        </p:txBody>
-      </p:sp>
-      <p:sp>
-        <p:nvSpPr>
-          <p:cNvPr id="67" name="TextShape 15"/>
-          <p:cNvSpPr txBox="1"/>
+              <a:latin typeface="Arial"/>
+            </a:endParaRPr>
+          </a:p>
+        </p:txBody>
+      </p:sp>
+      <p:sp>
+        <p:nvSpPr>
+          <p:cNvPr id="67" name="CustomShape 15"/>
+          <p:cNvSpPr/>
           <p:nvPr/>
         </p:nvSpPr>
         <p:spPr>
           <a:xfrm>
             <a:off x="2032560" y="2432520"/>
-            <a:ext cx="762840" cy="274680"/>
+            <a:ext cx="762480" cy="274320"/>
           </a:xfrm>
           <a:prstGeom prst="rect">
             <a:avLst/>
@@ -3771,11 +3484,22 @@
             <a:noFill/>
           </a:ln>
         </p:spPr>
+        <p:style>
+          <a:lnRef idx="0"/>
+          <a:fillRef idx="0"/>
+          <a:effectRef idx="0"/>
+          <a:fontRef idx="minor"/>
+        </p:style>
         <p:txBody>
           <a:bodyPr lIns="90000" rIns="90000" tIns="45000" bIns="45000">
             <a:noAutofit/>
           </a:bodyPr>
           <a:p>
+            <a:pPr>
+              <a:lnSpc>
+                <a:spcPct val="100000"/>
+              </a:lnSpc>
+            </a:pPr>
             <a:r>
               <a:rPr b="0" lang="en-US" sz="1300" spc="-1" strike="noStrike">
                 <a:solidFill>
@@ -3786,9 +3510,6 @@
               <a:t>SP - PV</a:t>
             </a:r>
             <a:endParaRPr b="0" lang="en-US" sz="1300" spc="-1" strike="noStrike">
-              <a:solidFill>
-                <a:srgbClr val="ff0000"/>
-              </a:solidFill>
               <a:latin typeface="Arial"/>
             </a:endParaRPr>
           </a:p>
@@ -3824,14 +3545,14 @@
       </p:sp>
       <p:sp>
         <p:nvSpPr>
-          <p:cNvPr id="69" name="TextShape 17"/>
-          <p:cNvSpPr txBox="1"/>
+          <p:cNvPr id="69" name="CustomShape 17"/>
+          <p:cNvSpPr/>
           <p:nvPr/>
         </p:nvSpPr>
         <p:spPr>
           <a:xfrm>
             <a:off x="1407600" y="3200040"/>
-            <a:ext cx="400320" cy="274680"/>
+            <a:ext cx="399960" cy="274320"/>
           </a:xfrm>
           <a:prstGeom prst="rect">
             <a:avLst/>
@@ -3841,11 +3562,22 @@
             <a:noFill/>
           </a:ln>
         </p:spPr>
+        <p:style>
+          <a:lnRef idx="0"/>
+          <a:fillRef idx="0"/>
+          <a:effectRef idx="0"/>
+          <a:fontRef idx="minor"/>
+        </p:style>
         <p:txBody>
           <a:bodyPr lIns="90000" rIns="90000" tIns="45000" bIns="45000">
             <a:noAutofit/>
           </a:bodyPr>
           <a:p>
+            <a:pPr>
+              <a:lnSpc>
+                <a:spcPct val="100000"/>
+              </a:lnSpc>
+            </a:pPr>
             <a:r>
               <a:rPr b="0" lang="en-US" sz="1300" spc="-1" strike="noStrike">
                 <a:solidFill>
@@ -3856,24 +3588,21 @@
               <a:t>PV</a:t>
             </a:r>
             <a:endParaRPr b="0" lang="en-US" sz="1300" spc="-1" strike="noStrike">
-              <a:solidFill>
-                <a:srgbClr val="ff0000"/>
-              </a:solidFill>
-              <a:latin typeface="Arial"/>
-            </a:endParaRPr>
-          </a:p>
-        </p:txBody>
-      </p:sp>
-      <p:sp>
-        <p:nvSpPr>
-          <p:cNvPr id="70" name="TextShape 18"/>
-          <p:cNvSpPr txBox="1"/>
+              <a:latin typeface="Arial"/>
+            </a:endParaRPr>
+          </a:p>
+        </p:txBody>
+      </p:sp>
+      <p:sp>
+        <p:nvSpPr>
+          <p:cNvPr id="70" name="CustomShape 18"/>
+          <p:cNvSpPr/>
           <p:nvPr/>
         </p:nvSpPr>
         <p:spPr>
           <a:xfrm>
             <a:off x="915840" y="2449800"/>
-            <a:ext cx="400320" cy="274680"/>
+            <a:ext cx="399960" cy="274320"/>
           </a:xfrm>
           <a:prstGeom prst="rect">
             <a:avLst/>
@@ -3883,11 +3612,22 @@
             <a:noFill/>
           </a:ln>
         </p:spPr>
+        <p:style>
+          <a:lnRef idx="0"/>
+          <a:fillRef idx="0"/>
+          <a:effectRef idx="0"/>
+          <a:fontRef idx="minor"/>
+        </p:style>
         <p:txBody>
           <a:bodyPr lIns="90000" rIns="90000" tIns="45000" bIns="45000">
             <a:noAutofit/>
           </a:bodyPr>
           <a:p>
+            <a:pPr>
+              <a:lnSpc>
+                <a:spcPct val="100000"/>
+              </a:lnSpc>
+            </a:pPr>
             <a:r>
               <a:rPr b="0" lang="en-US" sz="1300" spc="-1" strike="noStrike">
                 <a:solidFill>
@@ -3898,24 +3638,21 @@
               <a:t>SP</a:t>
             </a:r>
             <a:endParaRPr b="0" lang="en-US" sz="1300" spc="-1" strike="noStrike">
-              <a:solidFill>
-                <a:srgbClr val="ff0000"/>
-              </a:solidFill>
-              <a:latin typeface="Arial"/>
-            </a:endParaRPr>
-          </a:p>
-        </p:txBody>
-      </p:sp>
-      <p:sp>
-        <p:nvSpPr>
-          <p:cNvPr id="71" name="TextShape 19"/>
-          <p:cNvSpPr txBox="1"/>
+              <a:latin typeface="Arial"/>
+            </a:endParaRPr>
+          </a:p>
+        </p:txBody>
+      </p:sp>
+      <p:sp>
+        <p:nvSpPr>
+          <p:cNvPr id="71" name="CustomShape 19"/>
+          <p:cNvSpPr/>
           <p:nvPr/>
         </p:nvSpPr>
         <p:spPr>
           <a:xfrm>
-            <a:off x="4935240" y="2468880"/>
-            <a:ext cx="276840" cy="274680"/>
+            <a:off x="5007240" y="2468880"/>
+            <a:ext cx="276480" cy="274320"/>
           </a:xfrm>
           <a:prstGeom prst="rect">
             <a:avLst/>
@@ -3925,11 +3662,22 @@
             <a:noFill/>
           </a:ln>
         </p:spPr>
+        <p:style>
+          <a:lnRef idx="0"/>
+          <a:fillRef idx="0"/>
+          <a:effectRef idx="0"/>
+          <a:fontRef idx="minor"/>
+        </p:style>
         <p:txBody>
           <a:bodyPr lIns="90000" rIns="90000" tIns="45000" bIns="45000">
             <a:noAutofit/>
           </a:bodyPr>
           <a:p>
+            <a:pPr>
+              <a:lnSpc>
+                <a:spcPct val="100000"/>
+              </a:lnSpc>
+            </a:pPr>
             <a:r>
               <a:rPr b="0" lang="en-US" sz="1300" spc="-1" strike="noStrike">
                 <a:solidFill>
@@ -3940,24 +3688,21 @@
               <a:t>+</a:t>
             </a:r>
             <a:endParaRPr b="0" lang="en-US" sz="1300" spc="-1" strike="noStrike">
-              <a:solidFill>
-                <a:srgbClr val="ff0000"/>
-              </a:solidFill>
-              <a:latin typeface="Arial"/>
-            </a:endParaRPr>
-          </a:p>
-        </p:txBody>
-      </p:sp>
-      <p:sp>
-        <p:nvSpPr>
-          <p:cNvPr id="72" name="TextShape 20"/>
-          <p:cNvSpPr txBox="1"/>
+              <a:latin typeface="Arial"/>
+            </a:endParaRPr>
+          </a:p>
+        </p:txBody>
+      </p:sp>
+      <p:sp>
+        <p:nvSpPr>
+          <p:cNvPr id="72" name="CustomShape 20"/>
+          <p:cNvSpPr/>
           <p:nvPr/>
         </p:nvSpPr>
         <p:spPr>
           <a:xfrm>
-            <a:off x="5375520" y="2981520"/>
-            <a:ext cx="276840" cy="274680"/>
+            <a:off x="5591520" y="3053520"/>
+            <a:ext cx="276480" cy="274320"/>
           </a:xfrm>
           <a:prstGeom prst="rect">
             <a:avLst/>
@@ -3967,11 +3712,22 @@
             <a:noFill/>
           </a:ln>
         </p:spPr>
+        <p:style>
+          <a:lnRef idx="0"/>
+          <a:fillRef idx="0"/>
+          <a:effectRef idx="0"/>
+          <a:fontRef idx="minor"/>
+        </p:style>
         <p:txBody>
           <a:bodyPr lIns="90000" rIns="90000" tIns="45000" bIns="45000">
             <a:noAutofit/>
           </a:bodyPr>
           <a:p>
+            <a:pPr>
+              <a:lnSpc>
+                <a:spcPct val="100000"/>
+              </a:lnSpc>
+            </a:pPr>
             <a:r>
               <a:rPr b="0" lang="en-US" sz="1300" spc="-1" strike="noStrike">
                 <a:solidFill>
@@ -3982,14 +3738,99 @@
               <a:t>+</a:t>
             </a:r>
             <a:endParaRPr b="0" lang="en-US" sz="1300" spc="-1" strike="noStrike">
-              <a:solidFill>
-                <a:srgbClr val="ff0000"/>
-              </a:solidFill>
-              <a:latin typeface="Arial"/>
-            </a:endParaRPr>
-          </a:p>
-        </p:txBody>
-      </p:sp>
+              <a:latin typeface="Arial"/>
+            </a:endParaRPr>
+          </a:p>
+        </p:txBody>
+      </p:sp>
+      <p:cxnSp>
+        <p:nvCxnSpPr>
+          <p:cNvPr id="73" name="Line 21"/>
+          <p:cNvCxnSpPr/>
+          <p:nvPr/>
+        </p:nvCxnSpPr>
+        <p:spPr>
+          <a:xfrm>
+            <a:off x="0" y="0"/>
+            <a:ext cx="360" cy="360"/>
+          </a:xfrm>
+          <a:prstGeom prst="line">
+            <a:avLst/>
+          </a:prstGeom>
+          <a:ln>
+            <a:solidFill>
+              <a:srgbClr val="3465a4"/>
+            </a:solidFill>
+            <a:tailEnd len="med" type="triangle" w="med"/>
+          </a:ln>
+        </p:spPr>
+      </p:cxnSp>
+      <p:cxnSp>
+        <p:nvCxnSpPr>
+          <p:cNvPr id="74" name="Line 22"/>
+          <p:cNvCxnSpPr/>
+          <p:nvPr/>
+        </p:nvCxnSpPr>
+        <p:spPr>
+          <a:xfrm>
+            <a:off x="0" y="0"/>
+            <a:ext cx="360" cy="360"/>
+          </a:xfrm>
+          <a:prstGeom prst="line">
+            <a:avLst/>
+          </a:prstGeom>
+          <a:ln>
+            <a:solidFill>
+              <a:srgbClr val="3465a4"/>
+            </a:solidFill>
+            <a:tailEnd len="med" type="triangle" w="med"/>
+          </a:ln>
+        </p:spPr>
+      </p:cxnSp>
+      <p:cxnSp>
+        <p:nvCxnSpPr>
+          <p:cNvPr id="75" name="Line 23"/>
+          <p:cNvCxnSpPr/>
+          <p:nvPr/>
+        </p:nvCxnSpPr>
+        <p:spPr>
+          <a:xfrm>
+            <a:off x="0" y="0"/>
+            <a:ext cx="360" cy="360"/>
+          </a:xfrm>
+          <a:prstGeom prst="line">
+            <a:avLst/>
+          </a:prstGeom>
+          <a:ln>
+            <a:solidFill>
+              <a:srgbClr val="3465a4"/>
+            </a:solidFill>
+            <a:tailEnd len="med" type="triangle" w="med"/>
+          </a:ln>
+        </p:spPr>
+      </p:cxnSp>
+      <p:cxnSp>
+        <p:nvCxnSpPr>
+          <p:cNvPr id="76" name="Line 24"/>
+          <p:cNvCxnSpPr/>
+          <p:nvPr/>
+        </p:nvCxnSpPr>
+        <p:spPr>
+          <a:xfrm>
+            <a:off x="0" y="0"/>
+            <a:ext cx="360" cy="360"/>
+          </a:xfrm>
+          <a:prstGeom prst="line">
+            <a:avLst/>
+          </a:prstGeom>
+          <a:ln>
+            <a:solidFill>
+              <a:srgbClr val="3465a4"/>
+            </a:solidFill>
+            <a:tailEnd len="med" type="triangle" w="med"/>
+          </a:ln>
+        </p:spPr>
+      </p:cxnSp>
     </p:spTree>
   </p:cSld>
   <mc:AlternateContent>
@@ -4022,28 +3863,28 @@
       </p:grpSpPr>
       <p:grpSp>
         <p:nvGrpSpPr>
-          <p:cNvPr id="73" name="Group 1"/>
+          <p:cNvPr id="77" name="Group 1"/>
           <p:cNvGrpSpPr/>
           <p:nvPr/>
         </p:nvGrpSpPr>
         <p:grpSpPr>
           <a:xfrm>
             <a:off x="0" y="0"/>
-            <a:ext cx="7148520" cy="3017160"/>
+            <a:ext cx="7148160" cy="3016800"/>
             <a:chOff x="0" y="0"/>
-            <a:chExt cx="7148520" cy="3017160"/>
+            <a:chExt cx="7148160" cy="3016800"/>
           </a:xfrm>
         </p:grpSpPr>
         <p:sp>
           <p:nvSpPr>
-            <p:cNvPr id="74" name="CustomShape 2"/>
+            <p:cNvPr id="78" name="CustomShape 2"/>
             <p:cNvSpPr/>
             <p:nvPr/>
           </p:nvSpPr>
           <p:spPr>
             <a:xfrm>
               <a:off x="1463040" y="1097280"/>
-              <a:ext cx="1919880" cy="639720"/>
+              <a:ext cx="1919520" cy="639360"/>
             </a:xfrm>
             <a:custGeom>
               <a:avLst/>
@@ -4188,14 +4029,14 @@
         </p:sp>
         <p:sp>
           <p:nvSpPr>
-            <p:cNvPr id="75" name="CustomShape 3"/>
+            <p:cNvPr id="79" name="CustomShape 3"/>
             <p:cNvSpPr/>
             <p:nvPr/>
           </p:nvSpPr>
           <p:spPr>
             <a:xfrm>
               <a:off x="2926080" y="2377440"/>
-              <a:ext cx="1919880" cy="639720"/>
+              <a:ext cx="1919520" cy="639360"/>
             </a:xfrm>
             <a:custGeom>
               <a:avLst/>
@@ -4340,14 +4181,14 @@
         </p:sp>
         <p:sp>
           <p:nvSpPr>
-            <p:cNvPr id="76" name="CustomShape 4"/>
+            <p:cNvPr id="80" name="CustomShape 4"/>
             <p:cNvSpPr/>
             <p:nvPr/>
           </p:nvSpPr>
           <p:spPr>
             <a:xfrm>
               <a:off x="4389120" y="1097280"/>
-              <a:ext cx="1919880" cy="639720"/>
+              <a:ext cx="1919520" cy="639360"/>
             </a:xfrm>
             <a:custGeom>
               <a:avLst/>
@@ -4492,7 +4333,7 @@
         </p:sp>
         <p:sp>
           <p:nvSpPr>
-            <p:cNvPr id="77" name="Line 5"/>
+            <p:cNvPr id="81" name="Line 5"/>
             <p:cNvSpPr/>
             <p:nvPr/>
           </p:nvSpPr>
@@ -4521,7 +4362,7 @@
         </p:sp>
         <p:sp>
           <p:nvSpPr>
-            <p:cNvPr id="78" name="Line 6"/>
+            <p:cNvPr id="82" name="Line 6"/>
             <p:cNvSpPr/>
             <p:nvPr/>
           </p:nvSpPr>
@@ -4550,7 +4391,7 @@
         </p:sp>
         <p:sp>
           <p:nvSpPr>
-            <p:cNvPr id="79" name="Line 7"/>
+            <p:cNvPr id="83" name="Line 7"/>
             <p:cNvSpPr/>
             <p:nvPr/>
           </p:nvSpPr>
@@ -4578,14 +4419,14 @@
         </p:sp>
         <p:sp>
           <p:nvSpPr>
-            <p:cNvPr id="80" name="CustomShape 8"/>
+            <p:cNvPr id="84" name="CustomShape 8"/>
             <p:cNvSpPr/>
             <p:nvPr/>
           </p:nvSpPr>
           <p:spPr>
             <a:xfrm>
               <a:off x="5358960" y="803160"/>
-              <a:ext cx="1789560" cy="274320"/>
+              <a:ext cx="1789200" cy="273960"/>
             </a:xfrm>
             <a:prstGeom prst="rect">
               <a:avLst/>
@@ -4617,6 +4458,7 @@
                     <a:srgbClr val="ff0000"/>
                   </a:solidFill>
                   <a:latin typeface="Arial"/>
+                  <a:ea typeface="DejaVu Sans"/>
                 </a:rPr>
                 <a:t>External Disturbances</a:t>
               </a:r>
@@ -4628,14 +4470,14 @@
         </p:sp>
         <p:sp>
           <p:nvSpPr>
-            <p:cNvPr id="81" name="CustomShape 9"/>
+            <p:cNvPr id="85" name="CustomShape 9"/>
             <p:cNvSpPr/>
             <p:nvPr/>
           </p:nvSpPr>
           <p:spPr>
             <a:xfrm>
               <a:off x="1313640" y="1847880"/>
-              <a:ext cx="1177200" cy="274320"/>
+              <a:ext cx="1176840" cy="273960"/>
             </a:xfrm>
             <a:prstGeom prst="rect">
               <a:avLst/>
@@ -4667,6 +4509,7 @@
                     <a:srgbClr val="ff0000"/>
                   </a:solidFill>
                   <a:latin typeface="Arial"/>
+                  <a:ea typeface="DejaVu Sans"/>
                 </a:rPr>
                 <a:t>Measured SP</a:t>
               </a:r>
@@ -4678,14 +4521,14 @@
         </p:sp>
         <p:sp>
           <p:nvSpPr>
-            <p:cNvPr id="82" name="CustomShape 10"/>
+            <p:cNvPr id="86" name="CustomShape 10"/>
             <p:cNvSpPr/>
             <p:nvPr/>
           </p:nvSpPr>
           <p:spPr>
             <a:xfrm>
               <a:off x="6309360" y="1097280"/>
-              <a:ext cx="399960" cy="274320"/>
+              <a:ext cx="399600" cy="273960"/>
             </a:xfrm>
             <a:prstGeom prst="rect">
               <a:avLst/>
@@ -4717,6 +4560,7 @@
                     <a:srgbClr val="ff0000"/>
                   </a:solidFill>
                   <a:latin typeface="Arial"/>
+                  <a:ea typeface="DejaVu Sans"/>
                 </a:rPr>
                 <a:t>PV</a:t>
               </a:r>
@@ -4728,7 +4572,7 @@
         </p:sp>
         <p:sp>
           <p:nvSpPr>
-            <p:cNvPr id="83" name="Line 11"/>
+            <p:cNvPr id="87" name="Line 11"/>
             <p:cNvSpPr/>
             <p:nvPr/>
           </p:nvSpPr>
@@ -4756,14 +4600,14 @@
         </p:sp>
         <p:sp>
           <p:nvSpPr>
-            <p:cNvPr id="84" name="CustomShape 12"/>
+            <p:cNvPr id="88" name="CustomShape 12"/>
             <p:cNvSpPr/>
             <p:nvPr/>
           </p:nvSpPr>
           <p:spPr>
             <a:xfrm>
               <a:off x="4937760" y="803160"/>
-              <a:ext cx="399960" cy="274320"/>
+              <a:ext cx="399600" cy="273960"/>
             </a:xfrm>
             <a:prstGeom prst="rect">
               <a:avLst/>
@@ -4795,6 +4639,7 @@
                     <a:srgbClr val="ff0000"/>
                   </a:solidFill>
                   <a:latin typeface="Arial"/>
+                  <a:ea typeface="DejaVu Sans"/>
                 </a:rPr>
                 <a:t>SP</a:t>
               </a:r>
@@ -4806,14 +4651,14 @@
         </p:sp>
         <p:sp>
           <p:nvSpPr>
-            <p:cNvPr id="85" name="CustomShape 13"/>
+            <p:cNvPr id="89" name="CustomShape 13"/>
             <p:cNvSpPr/>
             <p:nvPr/>
           </p:nvSpPr>
           <p:spPr>
             <a:xfrm>
               <a:off x="986400" y="1135800"/>
-              <a:ext cx="399960" cy="274320"/>
+              <a:ext cx="399600" cy="273960"/>
             </a:xfrm>
             <a:prstGeom prst="rect">
               <a:avLst/>
@@ -4845,6 +4690,7 @@
                     <a:srgbClr val="ff0000"/>
                   </a:solidFill>
                   <a:latin typeface="Arial"/>
+                  <a:ea typeface="DejaVu Sans"/>
                 </a:rPr>
                 <a:t>SP</a:t>
               </a:r>
@@ -4856,7 +4702,7 @@
         </p:sp>
         <p:sp>
           <p:nvSpPr>
-            <p:cNvPr id="86" name="Line 14"/>
+            <p:cNvPr id="90" name="Line 14"/>
             <p:cNvSpPr/>
             <p:nvPr/>
           </p:nvSpPr>
@@ -4884,7 +4730,7 @@
         </p:sp>
         <p:sp>
           <p:nvSpPr>
-            <p:cNvPr id="87" name="Line 15"/>
+            <p:cNvPr id="91" name="Line 15"/>
             <p:cNvSpPr/>
             <p:nvPr/>
           </p:nvSpPr>
@@ -4912,14 +4758,14 @@
         </p:sp>
         <p:sp>
           <p:nvSpPr>
-            <p:cNvPr id="88" name="CustomShape 16"/>
+            <p:cNvPr id="92" name="CustomShape 16"/>
             <p:cNvSpPr/>
             <p:nvPr/>
           </p:nvSpPr>
           <p:spPr>
             <a:xfrm>
               <a:off x="3623040" y="1133280"/>
-              <a:ext cx="408960" cy="274320"/>
+              <a:ext cx="408600" cy="273960"/>
             </a:xfrm>
             <a:prstGeom prst="rect">
               <a:avLst/>
@@ -4951,6 +4797,7 @@
                     <a:srgbClr val="ff0000"/>
                   </a:solidFill>
                   <a:latin typeface="Arial"/>
+                  <a:ea typeface="DejaVu Sans"/>
                 </a:rPr>
                 <a:t>CV</a:t>
               </a:r>
@@ -4993,14 +4840,14 @@
       </p:grpSpPr>
       <p:sp>
         <p:nvSpPr>
-          <p:cNvPr id="89" name="CustomShape 1"/>
+          <p:cNvPr id="93" name="CustomShape 1"/>
           <p:cNvSpPr/>
           <p:nvPr/>
         </p:nvSpPr>
         <p:spPr>
           <a:xfrm>
             <a:off x="2286000" y="1371600"/>
-            <a:ext cx="1919520" cy="1919520"/>
+            <a:ext cx="1919160" cy="1919160"/>
           </a:xfrm>
           <a:prstGeom prst="ellipse">
             <a:avLst/>
@@ -5023,14 +4870,14 @@
       </p:sp>
       <p:sp>
         <p:nvSpPr>
-          <p:cNvPr id="90" name="CustomShape 2"/>
+          <p:cNvPr id="94" name="CustomShape 2"/>
           <p:cNvSpPr/>
           <p:nvPr/>
         </p:nvSpPr>
         <p:spPr>
           <a:xfrm rot="10730400">
             <a:off x="2928600" y="1471680"/>
-            <a:ext cx="559800" cy="195840"/>
+            <a:ext cx="559440" cy="195480"/>
           </a:xfrm>
           <a:custGeom>
             <a:avLst/>
@@ -5075,14 +4922,14 @@
       </p:sp>
       <p:sp>
         <p:nvSpPr>
-          <p:cNvPr id="91" name="CustomShape 3"/>
+          <p:cNvPr id="95" name="CustomShape 3"/>
           <p:cNvSpPr/>
           <p:nvPr/>
         </p:nvSpPr>
         <p:spPr>
           <a:xfrm rot="7057800">
-            <a:off x="2350080" y="1896840"/>
-            <a:ext cx="559800" cy="195840"/>
+            <a:off x="2350440" y="1896480"/>
+            <a:ext cx="559440" cy="195480"/>
           </a:xfrm>
           <a:custGeom>
             <a:avLst/>
@@ -5127,14 +4974,14 @@
       </p:sp>
       <p:sp>
         <p:nvSpPr>
-          <p:cNvPr id="92" name="CustomShape 4"/>
+          <p:cNvPr id="96" name="CustomShape 4"/>
           <p:cNvSpPr/>
           <p:nvPr/>
         </p:nvSpPr>
         <p:spPr>
           <a:xfrm rot="21589800">
-            <a:off x="3009240" y="3000600"/>
-            <a:ext cx="555480" cy="197280"/>
+            <a:off x="3008880" y="3000240"/>
+            <a:ext cx="555120" cy="196920"/>
           </a:xfrm>
           <a:custGeom>
             <a:avLst/>
@@ -5179,14 +5026,14 @@
       </p:sp>
       <p:sp>
         <p:nvSpPr>
-          <p:cNvPr id="93" name="CustomShape 5"/>
+          <p:cNvPr id="97" name="CustomShape 5"/>
           <p:cNvSpPr/>
           <p:nvPr/>
         </p:nvSpPr>
         <p:spPr>
           <a:xfrm rot="14622600">
-            <a:off x="3552840" y="1826640"/>
-            <a:ext cx="559800" cy="195840"/>
+            <a:off x="3552840" y="1827000"/>
+            <a:ext cx="559440" cy="195480"/>
           </a:xfrm>
           <a:custGeom>
             <a:avLst/>
@@ -5231,14 +5078,14 @@
       </p:sp>
       <p:sp>
         <p:nvSpPr>
-          <p:cNvPr id="94" name="CustomShape 6"/>
+          <p:cNvPr id="98" name="CustomShape 6"/>
           <p:cNvSpPr/>
           <p:nvPr/>
         </p:nvSpPr>
         <p:spPr>
           <a:xfrm rot="3049200">
-            <a:off x="2399760" y="2632320"/>
-            <a:ext cx="559800" cy="195840"/>
+            <a:off x="2399760" y="2631960"/>
+            <a:ext cx="559440" cy="195480"/>
           </a:xfrm>
           <a:custGeom>
             <a:avLst/>
@@ -5283,14 +5130,14 @@
       </p:sp>
       <p:sp>
         <p:nvSpPr>
-          <p:cNvPr id="95" name="CustomShape 7"/>
+          <p:cNvPr id="99" name="CustomShape 7"/>
           <p:cNvSpPr/>
           <p:nvPr/>
         </p:nvSpPr>
         <p:spPr>
           <a:xfrm rot="17803200">
-            <a:off x="3593160" y="2605320"/>
-            <a:ext cx="569520" cy="191160"/>
+            <a:off x="3592800" y="2605680"/>
+            <a:ext cx="569160" cy="190800"/>
           </a:xfrm>
           <a:custGeom>
             <a:avLst/>
@@ -5335,14 +5182,14 @@
       </p:sp>
       <p:sp>
         <p:nvSpPr>
-          <p:cNvPr id="96" name="CustomShape 8"/>
+          <p:cNvPr id="100" name="CustomShape 8"/>
           <p:cNvSpPr/>
           <p:nvPr/>
         </p:nvSpPr>
         <p:spPr>
           <a:xfrm>
             <a:off x="2870280" y="1956240"/>
-            <a:ext cx="750600" cy="730800"/>
+            <a:ext cx="750240" cy="730440"/>
           </a:xfrm>
           <a:prstGeom prst="ellipse">
             <a:avLst/>
@@ -5365,7 +5212,7 @@
       </p:sp>
       <p:sp>
         <p:nvSpPr>
-          <p:cNvPr id="97" name="Line 9"/>
+          <p:cNvPr id="101" name="Line 9"/>
           <p:cNvSpPr/>
           <p:nvPr/>
         </p:nvSpPr>
@@ -5392,7 +5239,7 @@
       </p:sp>
       <p:sp>
         <p:nvSpPr>
-          <p:cNvPr id="98" name="Line 10"/>
+          <p:cNvPr id="102" name="Line 10"/>
           <p:cNvSpPr/>
           <p:nvPr/>
         </p:nvSpPr>
@@ -5420,7 +5267,7 @@
       </p:sp>
       <p:sp>
         <p:nvSpPr>
-          <p:cNvPr id="99" name="Line 11"/>
+          <p:cNvPr id="103" name="Line 11"/>
           <p:cNvSpPr/>
           <p:nvPr/>
         </p:nvSpPr>
@@ -5447,7 +5294,7 @@
       </p:sp>
       <p:sp>
         <p:nvSpPr>
-          <p:cNvPr id="100" name="Line 12"/>
+          <p:cNvPr id="104" name="Line 12"/>
           <p:cNvSpPr/>
           <p:nvPr/>
         </p:nvSpPr>
@@ -5475,14 +5322,14 @@
       </p:sp>
       <p:sp>
         <p:nvSpPr>
-          <p:cNvPr id="101" name="CustomShape 13"/>
+          <p:cNvPr id="105" name="CustomShape 13"/>
           <p:cNvSpPr/>
           <p:nvPr/>
         </p:nvSpPr>
         <p:spPr>
           <a:xfrm>
             <a:off x="6031800" y="1573920"/>
-            <a:ext cx="332280" cy="345600"/>
+            <a:ext cx="331920" cy="345240"/>
           </a:xfrm>
           <a:prstGeom prst="rect">
             <a:avLst/>
@@ -5526,14 +5373,14 @@
       </p:sp>
       <p:sp>
         <p:nvSpPr>
-          <p:cNvPr id="102" name="CustomShape 14"/>
+          <p:cNvPr id="106" name="CustomShape 14"/>
           <p:cNvSpPr/>
           <p:nvPr/>
         </p:nvSpPr>
         <p:spPr>
           <a:xfrm>
             <a:off x="6035040" y="2651760"/>
-            <a:ext cx="332280" cy="345600"/>
+            <a:ext cx="331920" cy="345240"/>
           </a:xfrm>
           <a:prstGeom prst="rect">
             <a:avLst/>
@@ -5577,7 +5424,7 @@
       </p:sp>
       <p:sp>
         <p:nvSpPr>
-          <p:cNvPr id="103" name="Line 15"/>
+          <p:cNvPr id="107" name="Line 15"/>
           <p:cNvSpPr/>
           <p:nvPr/>
         </p:nvSpPr>
@@ -5604,7 +5451,7 @@
       </p:sp>
       <p:sp>
         <p:nvSpPr>
-          <p:cNvPr id="104" name="Line 16"/>
+          <p:cNvPr id="108" name="Line 16"/>
           <p:cNvSpPr/>
           <p:nvPr/>
         </p:nvSpPr>
@@ -5631,7 +5478,7 @@
       </p:sp>
       <p:sp>
         <p:nvSpPr>
-          <p:cNvPr id="105" name="Line 17"/>
+          <p:cNvPr id="109" name="Line 17"/>
           <p:cNvSpPr/>
           <p:nvPr/>
         </p:nvSpPr>
@@ -5658,7 +5505,7 @@
       </p:sp>
       <p:sp>
         <p:nvSpPr>
-          <p:cNvPr id="106" name="Line 18"/>
+          <p:cNvPr id="110" name="Line 18"/>
           <p:cNvSpPr/>
           <p:nvPr/>
         </p:nvSpPr>
@@ -5685,14 +5532,14 @@
       </p:sp>
       <p:sp>
         <p:nvSpPr>
-          <p:cNvPr id="107" name="CustomShape 19"/>
+          <p:cNvPr id="111" name="CustomShape 19"/>
           <p:cNvSpPr/>
           <p:nvPr/>
         </p:nvSpPr>
         <p:spPr>
           <a:xfrm>
             <a:off x="3291840" y="3566160"/>
-            <a:ext cx="344520" cy="345600"/>
+            <a:ext cx="344160" cy="345240"/>
           </a:xfrm>
           <a:prstGeom prst="rect">
             <a:avLst/>

--- a/docs/assets/misc/images.pptx
+++ b/docs/assets/misc/images.pptx
@@ -1650,7 +1650,7 @@
         <p:spPr>
           <a:xfrm>
             <a:off x="1463040" y="1097280"/>
-            <a:ext cx="1919520" cy="639360"/>
+            <a:ext cx="1919160" cy="639000"/>
           </a:xfrm>
           <a:custGeom>
             <a:avLst/>
@@ -1802,7 +1802,7 @@
         <p:spPr>
           <a:xfrm>
             <a:off x="2926080" y="2377440"/>
-            <a:ext cx="1919520" cy="639360"/>
+            <a:ext cx="1919160" cy="639000"/>
           </a:xfrm>
           <a:custGeom>
             <a:avLst/>
@@ -1954,7 +1954,7 @@
         <p:spPr>
           <a:xfrm>
             <a:off x="4389120" y="1097280"/>
-            <a:ext cx="1919520" cy="639360"/>
+            <a:ext cx="1919160" cy="639000"/>
           </a:xfrm>
           <a:custGeom>
             <a:avLst/>
@@ -2192,7 +2192,7 @@
         <p:spPr>
           <a:xfrm>
             <a:off x="5358960" y="803160"/>
-            <a:ext cx="1789200" cy="273960"/>
+            <a:ext cx="1788840" cy="273600"/>
           </a:xfrm>
           <a:prstGeom prst="rect">
             <a:avLst/>
@@ -2243,7 +2243,7 @@
         <p:spPr>
           <a:xfrm>
             <a:off x="1313640" y="1847880"/>
-            <a:ext cx="1176840" cy="273960"/>
+            <a:ext cx="1176480" cy="273600"/>
           </a:xfrm>
           <a:prstGeom prst="rect">
             <a:avLst/>
@@ -2294,7 +2294,7 @@
         <p:spPr>
           <a:xfrm>
             <a:off x="6309360" y="1097280"/>
-            <a:ext cx="399600" cy="273960"/>
+            <a:ext cx="399240" cy="273600"/>
           </a:xfrm>
           <a:prstGeom prst="rect">
             <a:avLst/>
@@ -2373,7 +2373,7 @@
         <p:spPr>
           <a:xfrm>
             <a:off x="4937760" y="803160"/>
-            <a:ext cx="399600" cy="273960"/>
+            <a:ext cx="399240" cy="273600"/>
           </a:xfrm>
           <a:prstGeom prst="rect">
             <a:avLst/>
@@ -2424,7 +2424,7 @@
         <p:spPr>
           <a:xfrm>
             <a:off x="986400" y="1135800"/>
-            <a:ext cx="399600" cy="273960"/>
+            <a:ext cx="399240" cy="273600"/>
           </a:xfrm>
           <a:prstGeom prst="rect">
             <a:avLst/>
@@ -2531,7 +2531,7 @@
         <p:spPr>
           <a:xfrm>
             <a:off x="3623040" y="1133280"/>
-            <a:ext cx="408600" cy="273960"/>
+            <a:ext cx="408240" cy="273600"/>
           </a:xfrm>
           <a:prstGeom prst="rect">
             <a:avLst/>
@@ -2612,7 +2612,7 @@
         <p:spPr>
           <a:xfrm>
             <a:off x="3327840" y="3383280"/>
-            <a:ext cx="822600" cy="639360"/>
+            <a:ext cx="822240" cy="639000"/>
           </a:xfrm>
           <a:custGeom>
             <a:avLst/>
@@ -2764,7 +2764,7 @@
         <p:spPr>
           <a:xfrm>
             <a:off x="3327840" y="1371960"/>
-            <a:ext cx="822600" cy="639360"/>
+            <a:ext cx="822240" cy="639000"/>
           </a:xfrm>
           <a:custGeom>
             <a:avLst/>
@@ -2916,7 +2916,7 @@
         <p:spPr>
           <a:xfrm>
             <a:off x="3327840" y="2377440"/>
-            <a:ext cx="822600" cy="639360"/>
+            <a:ext cx="822240" cy="639000"/>
           </a:xfrm>
           <a:custGeom>
             <a:avLst/>
@@ -3068,7 +3068,7 @@
         <p:spPr>
           <a:xfrm>
             <a:off x="1463040" y="2413440"/>
-            <a:ext cx="639720" cy="639720"/>
+            <a:ext cx="639360" cy="639360"/>
           </a:xfrm>
           <a:prstGeom prst="ellipse">
             <a:avLst/>
@@ -3123,7 +3123,7 @@
         <p:spPr>
           <a:xfrm>
             <a:off x="5303520" y="2413440"/>
-            <a:ext cx="639720" cy="639720"/>
+            <a:ext cx="639360" cy="639360"/>
           </a:xfrm>
           <a:prstGeom prst="ellipse">
             <a:avLst/>
@@ -3346,7 +3346,7 @@
         <p:spPr>
           <a:xfrm>
             <a:off x="3092400" y="1077840"/>
-            <a:ext cx="1286640" cy="274320"/>
+            <a:ext cx="1286280" cy="273960"/>
           </a:xfrm>
           <a:prstGeom prst="rect">
             <a:avLst/>
@@ -3378,6 +3378,7 @@
                   <a:srgbClr val="ff0000"/>
                 </a:solidFill>
                 <a:latin typeface="Arial"/>
+                <a:ea typeface="DejaVu Sans"/>
               </a:rPr>
               <a:t>Control Actions</a:t>
             </a:r>
@@ -3424,7 +3425,7 @@
         <p:spPr>
           <a:xfrm>
             <a:off x="5580720" y="2099520"/>
-            <a:ext cx="276480" cy="274320"/>
+            <a:ext cx="276120" cy="273960"/>
           </a:xfrm>
           <a:prstGeom prst="rect">
             <a:avLst/>
@@ -3456,6 +3457,7 @@
                   <a:srgbClr val="ff0000"/>
                 </a:solidFill>
                 <a:latin typeface="Arial"/>
+                <a:ea typeface="DejaVu Sans"/>
               </a:rPr>
               <a:t>+</a:t>
             </a:r>
@@ -3474,7 +3476,7 @@
         <p:spPr>
           <a:xfrm>
             <a:off x="2032560" y="2432520"/>
-            <a:ext cx="762480" cy="274320"/>
+            <a:ext cx="762120" cy="273960"/>
           </a:xfrm>
           <a:prstGeom prst="rect">
             <a:avLst/>
@@ -3506,6 +3508,7 @@
                   <a:srgbClr val="ff0000"/>
                 </a:solidFill>
                 <a:latin typeface="Arial"/>
+                <a:ea typeface="DejaVu Sans"/>
               </a:rPr>
               <a:t>SP - PV</a:t>
             </a:r>
@@ -3552,7 +3555,7 @@
         <p:spPr>
           <a:xfrm>
             <a:off x="1407600" y="3200040"/>
-            <a:ext cx="399960" cy="274320"/>
+            <a:ext cx="399600" cy="273960"/>
           </a:xfrm>
           <a:prstGeom prst="rect">
             <a:avLst/>
@@ -3584,6 +3587,7 @@
                   <a:srgbClr val="ff0000"/>
                 </a:solidFill>
                 <a:latin typeface="Arial"/>
+                <a:ea typeface="DejaVu Sans"/>
               </a:rPr>
               <a:t>PV</a:t>
             </a:r>
@@ -3602,7 +3606,7 @@
         <p:spPr>
           <a:xfrm>
             <a:off x="915840" y="2449800"/>
-            <a:ext cx="399960" cy="274320"/>
+            <a:ext cx="399600" cy="273960"/>
           </a:xfrm>
           <a:prstGeom prst="rect">
             <a:avLst/>
@@ -3634,6 +3638,7 @@
                   <a:srgbClr val="ff0000"/>
                 </a:solidFill>
                 <a:latin typeface="Arial"/>
+                <a:ea typeface="DejaVu Sans"/>
               </a:rPr>
               <a:t>SP</a:t>
             </a:r>
@@ -3652,7 +3657,7 @@
         <p:spPr>
           <a:xfrm>
             <a:off x="5007240" y="2468880"/>
-            <a:ext cx="276480" cy="274320"/>
+            <a:ext cx="276120" cy="273960"/>
           </a:xfrm>
           <a:prstGeom prst="rect">
             <a:avLst/>
@@ -3684,6 +3689,7 @@
                   <a:srgbClr val="ff0000"/>
                 </a:solidFill>
                 <a:latin typeface="Arial"/>
+                <a:ea typeface="DejaVu Sans"/>
               </a:rPr>
               <a:t>+</a:t>
             </a:r>
@@ -3702,7 +3708,7 @@
         <p:spPr>
           <a:xfrm>
             <a:off x="5591520" y="3053520"/>
-            <a:ext cx="276480" cy="274320"/>
+            <a:ext cx="276120" cy="273960"/>
           </a:xfrm>
           <a:prstGeom prst="rect">
             <a:avLst/>
@@ -3734,6 +3740,7 @@
                   <a:srgbClr val="ff0000"/>
                 </a:solidFill>
                 <a:latin typeface="Arial"/>
+                <a:ea typeface="DejaVu Sans"/>
               </a:rPr>
               <a:t>+</a:t>
             </a:r>
@@ -3743,12 +3750,12 @@
           </a:p>
         </p:txBody>
       </p:sp>
-      <p:cxnSp>
-        <p:nvCxnSpPr>
+      <p:sp>
+        <p:nvSpPr>
           <p:cNvPr id="73" name="Line 21"/>
-          <p:cNvCxnSpPr/>
-          <p:nvPr/>
-        </p:nvCxnSpPr>
+          <p:cNvSpPr/>
+          <p:nvPr/>
+        </p:nvSpPr>
         <p:spPr>
           <a:xfrm>
             <a:off x="0" y="0"/>
@@ -3764,13 +3771,19 @@
             <a:tailEnd len="med" type="triangle" w="med"/>
           </a:ln>
         </p:spPr>
-      </p:cxnSp>
-      <p:cxnSp>
-        <p:nvCxnSpPr>
+        <p:style>
+          <a:lnRef idx="0"/>
+          <a:fillRef idx="0"/>
+          <a:effectRef idx="0"/>
+          <a:fontRef idx="minor"/>
+        </p:style>
+      </p:sp>
+      <p:sp>
+        <p:nvSpPr>
           <p:cNvPr id="74" name="Line 22"/>
-          <p:cNvCxnSpPr/>
-          <p:nvPr/>
-        </p:nvCxnSpPr>
+          <p:cNvSpPr/>
+          <p:nvPr/>
+        </p:nvSpPr>
         <p:spPr>
           <a:xfrm>
             <a:off x="0" y="0"/>
@@ -3786,13 +3799,19 @@
             <a:tailEnd len="med" type="triangle" w="med"/>
           </a:ln>
         </p:spPr>
-      </p:cxnSp>
-      <p:cxnSp>
-        <p:nvCxnSpPr>
+        <p:style>
+          <a:lnRef idx="0"/>
+          <a:fillRef idx="0"/>
+          <a:effectRef idx="0"/>
+          <a:fontRef idx="minor"/>
+        </p:style>
+      </p:sp>
+      <p:sp>
+        <p:nvSpPr>
           <p:cNvPr id="75" name="Line 23"/>
-          <p:cNvCxnSpPr/>
-          <p:nvPr/>
-        </p:nvCxnSpPr>
+          <p:cNvSpPr/>
+          <p:nvPr/>
+        </p:nvSpPr>
         <p:spPr>
           <a:xfrm>
             <a:off x="0" y="0"/>
@@ -3808,13 +3827,19 @@
             <a:tailEnd len="med" type="triangle" w="med"/>
           </a:ln>
         </p:spPr>
-      </p:cxnSp>
-      <p:cxnSp>
-        <p:nvCxnSpPr>
+        <p:style>
+          <a:lnRef idx="0"/>
+          <a:fillRef idx="0"/>
+          <a:effectRef idx="0"/>
+          <a:fontRef idx="minor"/>
+        </p:style>
+      </p:sp>
+      <p:sp>
+        <p:nvSpPr>
           <p:cNvPr id="76" name="Line 24"/>
-          <p:cNvCxnSpPr/>
-          <p:nvPr/>
-        </p:nvCxnSpPr>
+          <p:cNvSpPr/>
+          <p:nvPr/>
+        </p:nvSpPr>
         <p:spPr>
           <a:xfrm>
             <a:off x="0" y="0"/>
@@ -3830,7 +3855,13 @@
             <a:tailEnd len="med" type="triangle" w="med"/>
           </a:ln>
         </p:spPr>
-      </p:cxnSp>
+        <p:style>
+          <a:lnRef idx="0"/>
+          <a:fillRef idx="0"/>
+          <a:effectRef idx="0"/>
+          <a:fontRef idx="minor"/>
+        </p:style>
+      </p:sp>
     </p:spTree>
   </p:cSld>
   <mc:AlternateContent>
@@ -3861,953 +3892,1602 @@
           <a:chExt cx="0" cy="0"/>
         </a:xfrm>
       </p:grpSpPr>
-      <p:grpSp>
-        <p:nvGrpSpPr>
-          <p:cNvPr id="77" name="Group 1"/>
-          <p:cNvGrpSpPr/>
-          <p:nvPr/>
-        </p:nvGrpSpPr>
-        <p:grpSpPr>
-          <a:xfrm>
-            <a:off x="0" y="0"/>
-            <a:ext cx="7148160" cy="3016800"/>
-            <a:chOff x="0" y="0"/>
-            <a:chExt cx="7148160" cy="3016800"/>
-          </a:xfrm>
-        </p:grpSpPr>
-        <p:sp>
-          <p:nvSpPr>
-            <p:cNvPr id="78" name="CustomShape 2"/>
-            <p:cNvSpPr/>
-            <p:nvPr/>
-          </p:nvSpPr>
-          <p:spPr>
-            <a:xfrm>
-              <a:off x="1463040" y="1097280"/>
-              <a:ext cx="1919520" cy="639360"/>
-            </a:xfrm>
-            <a:custGeom>
-              <a:avLst/>
-              <a:gdLst/>
-              <a:ahLst/>
-              <a:rect l="l" t="t" r="r" b="b"/>
-              <a:pathLst>
-                <a:path w="5336" h="1780">
-                  <a:moveTo>
-                    <a:pt x="296" y="0"/>
-                  </a:moveTo>
-                  <a:lnTo>
-                    <a:pt x="297" y="0"/>
-                  </a:lnTo>
-                  <a:cubicBezTo>
-                    <a:pt x="244" y="0"/>
-                    <a:pt x="193" y="14"/>
-                    <a:pt x="148" y="40"/>
-                  </a:cubicBezTo>
-                  <a:cubicBezTo>
-                    <a:pt x="103" y="66"/>
-                    <a:pt x="66" y="103"/>
-                    <a:pt x="40" y="148"/>
-                  </a:cubicBezTo>
-                  <a:cubicBezTo>
-                    <a:pt x="14" y="193"/>
-                    <a:pt x="0" y="244"/>
-                    <a:pt x="0" y="297"/>
-                  </a:cubicBezTo>
-                  <a:lnTo>
-                    <a:pt x="0" y="1482"/>
-                  </a:lnTo>
-                  <a:lnTo>
-                    <a:pt x="0" y="1483"/>
-                  </a:lnTo>
-                  <a:cubicBezTo>
-                    <a:pt x="0" y="1535"/>
-                    <a:pt x="14" y="1586"/>
-                    <a:pt x="40" y="1631"/>
-                  </a:cubicBezTo>
-                  <a:cubicBezTo>
-                    <a:pt x="66" y="1676"/>
-                    <a:pt x="103" y="1713"/>
-                    <a:pt x="148" y="1739"/>
-                  </a:cubicBezTo>
-                  <a:cubicBezTo>
-                    <a:pt x="193" y="1765"/>
-                    <a:pt x="244" y="1779"/>
-                    <a:pt x="297" y="1779"/>
-                  </a:cubicBezTo>
-                  <a:lnTo>
-                    <a:pt x="5038" y="1779"/>
-                  </a:lnTo>
-                  <a:lnTo>
-                    <a:pt x="5039" y="1779"/>
-                  </a:lnTo>
-                  <a:cubicBezTo>
-                    <a:pt x="5091" y="1779"/>
-                    <a:pt x="5142" y="1765"/>
-                    <a:pt x="5187" y="1739"/>
-                  </a:cubicBezTo>
-                  <a:cubicBezTo>
-                    <a:pt x="5232" y="1713"/>
-                    <a:pt x="5269" y="1676"/>
-                    <a:pt x="5295" y="1631"/>
-                  </a:cubicBezTo>
-                  <a:cubicBezTo>
-                    <a:pt x="5321" y="1586"/>
-                    <a:pt x="5335" y="1535"/>
-                    <a:pt x="5335" y="1483"/>
-                  </a:cubicBezTo>
-                  <a:lnTo>
-                    <a:pt x="5335" y="296"/>
-                  </a:lnTo>
-                  <a:lnTo>
-                    <a:pt x="5335" y="297"/>
-                  </a:lnTo>
-                  <a:lnTo>
-                    <a:pt x="5335" y="297"/>
-                  </a:lnTo>
-                  <a:cubicBezTo>
-                    <a:pt x="5335" y="244"/>
-                    <a:pt x="5321" y="193"/>
-                    <a:pt x="5295" y="148"/>
-                  </a:cubicBezTo>
-                  <a:cubicBezTo>
-                    <a:pt x="5269" y="103"/>
-                    <a:pt x="5232" y="66"/>
-                    <a:pt x="5187" y="40"/>
-                  </a:cubicBezTo>
-                  <a:cubicBezTo>
-                    <a:pt x="5142" y="14"/>
-                    <a:pt x="5091" y="0"/>
-                    <a:pt x="5039" y="0"/>
-                  </a:cubicBezTo>
-                  <a:lnTo>
-                    <a:pt x="296" y="0"/>
-                  </a:lnTo>
-                </a:path>
-              </a:pathLst>
-            </a:custGeom>
-            <a:solidFill>
-              <a:srgbClr val="eeeeee"/>
-            </a:solidFill>
-            <a:ln>
+      <p:sp>
+        <p:nvSpPr>
+          <p:cNvPr id="77" name="CustomShape 1"/>
+          <p:cNvSpPr/>
+          <p:nvPr/>
+        </p:nvSpPr>
+        <p:spPr>
+          <a:xfrm>
+            <a:off x="1463040" y="1097280"/>
+            <a:ext cx="1919160" cy="2011680"/>
+          </a:xfrm>
+          <a:custGeom>
+            <a:avLst/>
+            <a:gdLst/>
+            <a:ahLst/>
+            <a:rect l="l" t="t" r="r" b="b"/>
+            <a:pathLst>
+              <a:path w="5336" h="1780">
+                <a:moveTo>
+                  <a:pt x="296" y="0"/>
+                </a:moveTo>
+                <a:lnTo>
+                  <a:pt x="297" y="0"/>
+                </a:lnTo>
+                <a:cubicBezTo>
+                  <a:pt x="244" y="0"/>
+                  <a:pt x="193" y="14"/>
+                  <a:pt x="148" y="40"/>
+                </a:cubicBezTo>
+                <a:cubicBezTo>
+                  <a:pt x="103" y="66"/>
+                  <a:pt x="66" y="103"/>
+                  <a:pt x="40" y="148"/>
+                </a:cubicBezTo>
+                <a:cubicBezTo>
+                  <a:pt x="14" y="193"/>
+                  <a:pt x="0" y="244"/>
+                  <a:pt x="0" y="297"/>
+                </a:cubicBezTo>
+                <a:lnTo>
+                  <a:pt x="0" y="1482"/>
+                </a:lnTo>
+                <a:lnTo>
+                  <a:pt x="0" y="1483"/>
+                </a:lnTo>
+                <a:cubicBezTo>
+                  <a:pt x="0" y="1535"/>
+                  <a:pt x="14" y="1586"/>
+                  <a:pt x="40" y="1631"/>
+                </a:cubicBezTo>
+                <a:cubicBezTo>
+                  <a:pt x="66" y="1676"/>
+                  <a:pt x="103" y="1713"/>
+                  <a:pt x="148" y="1739"/>
+                </a:cubicBezTo>
+                <a:cubicBezTo>
+                  <a:pt x="193" y="1765"/>
+                  <a:pt x="244" y="1779"/>
+                  <a:pt x="297" y="1779"/>
+                </a:cubicBezTo>
+                <a:lnTo>
+                  <a:pt x="5038" y="1779"/>
+                </a:lnTo>
+                <a:lnTo>
+                  <a:pt x="5039" y="1779"/>
+                </a:lnTo>
+                <a:cubicBezTo>
+                  <a:pt x="5091" y="1779"/>
+                  <a:pt x="5142" y="1765"/>
+                  <a:pt x="5187" y="1739"/>
+                </a:cubicBezTo>
+                <a:cubicBezTo>
+                  <a:pt x="5232" y="1713"/>
+                  <a:pt x="5269" y="1676"/>
+                  <a:pt x="5295" y="1631"/>
+                </a:cubicBezTo>
+                <a:cubicBezTo>
+                  <a:pt x="5321" y="1586"/>
+                  <a:pt x="5335" y="1535"/>
+                  <a:pt x="5335" y="1483"/>
+                </a:cubicBezTo>
+                <a:lnTo>
+                  <a:pt x="5335" y="296"/>
+                </a:lnTo>
+                <a:lnTo>
+                  <a:pt x="5335" y="297"/>
+                </a:lnTo>
+                <a:lnTo>
+                  <a:pt x="5335" y="297"/>
+                </a:lnTo>
+                <a:cubicBezTo>
+                  <a:pt x="5335" y="244"/>
+                  <a:pt x="5321" y="193"/>
+                  <a:pt x="5295" y="148"/>
+                </a:cubicBezTo>
+                <a:cubicBezTo>
+                  <a:pt x="5269" y="103"/>
+                  <a:pt x="5232" y="66"/>
+                  <a:pt x="5187" y="40"/>
+                </a:cubicBezTo>
+                <a:cubicBezTo>
+                  <a:pt x="5142" y="14"/>
+                  <a:pt x="5091" y="0"/>
+                  <a:pt x="5039" y="0"/>
+                </a:cubicBezTo>
+                <a:lnTo>
+                  <a:pt x="296" y="0"/>
+                </a:lnTo>
+              </a:path>
+            </a:pathLst>
+          </a:custGeom>
+          <a:solidFill>
+            <a:srgbClr val="eeeeee"/>
+          </a:solidFill>
+          <a:ln>
+            <a:solidFill>
+              <a:srgbClr val="3465a4"/>
+            </a:solidFill>
+          </a:ln>
+        </p:spPr>
+        <p:style>
+          <a:lnRef idx="0"/>
+          <a:fillRef idx="0"/>
+          <a:effectRef idx="0"/>
+          <a:fontRef idx="minor"/>
+        </p:style>
+      </p:sp>
+      <p:sp>
+        <p:nvSpPr>
+          <p:cNvPr id="78" name="Line 2"/>
+          <p:cNvSpPr/>
+          <p:nvPr/>
+        </p:nvSpPr>
+        <p:spPr>
+          <a:xfrm>
+            <a:off x="1463040" y="1828800"/>
+            <a:ext cx="1920240" cy="0"/>
+          </a:xfrm>
+          <a:prstGeom prst="line">
+            <a:avLst/>
+          </a:prstGeom>
+          <a:ln>
+            <a:solidFill>
+              <a:srgbClr val="3465a4"/>
+            </a:solidFill>
+            <a:custDash>
+              <a:ds d="600000" sp="300000"/>
+            </a:custDash>
+          </a:ln>
+        </p:spPr>
+        <p:style>
+          <a:lnRef idx="0"/>
+          <a:fillRef idx="0"/>
+          <a:effectRef idx="0"/>
+          <a:fontRef idx="minor"/>
+        </p:style>
+      </p:sp>
+      <p:sp>
+        <p:nvSpPr>
+          <p:cNvPr id="79" name="Line 3"/>
+          <p:cNvSpPr/>
+          <p:nvPr/>
+        </p:nvSpPr>
+        <p:spPr>
+          <a:xfrm>
+            <a:off x="1461960" y="1920240"/>
+            <a:ext cx="1920240" cy="0"/>
+          </a:xfrm>
+          <a:prstGeom prst="line">
+            <a:avLst/>
+          </a:prstGeom>
+          <a:ln>
+            <a:solidFill>
+              <a:srgbClr val="3465a4"/>
+            </a:solidFill>
+            <a:custDash>
+              <a:ds d="600000" sp="300000"/>
+            </a:custDash>
+          </a:ln>
+        </p:spPr>
+        <p:style>
+          <a:lnRef idx="0"/>
+          <a:fillRef idx="0"/>
+          <a:effectRef idx="0"/>
+          <a:fontRef idx="minor"/>
+        </p:style>
+      </p:sp>
+      <p:sp>
+        <p:nvSpPr>
+          <p:cNvPr id="80" name="Line 4"/>
+          <p:cNvSpPr/>
+          <p:nvPr/>
+        </p:nvSpPr>
+        <p:spPr>
+          <a:xfrm>
+            <a:off x="1463040" y="2008800"/>
+            <a:ext cx="1920240" cy="0"/>
+          </a:xfrm>
+          <a:prstGeom prst="line">
+            <a:avLst/>
+          </a:prstGeom>
+          <a:ln>
+            <a:solidFill>
+              <a:srgbClr val="3465a4"/>
+            </a:solidFill>
+            <a:custDash>
+              <a:ds d="600000" sp="300000"/>
+            </a:custDash>
+          </a:ln>
+        </p:spPr>
+        <p:style>
+          <a:lnRef idx="0"/>
+          <a:fillRef idx="0"/>
+          <a:effectRef idx="0"/>
+          <a:fontRef idx="minor"/>
+        </p:style>
+      </p:sp>
+      <p:sp>
+        <p:nvSpPr>
+          <p:cNvPr id="81" name="Line 5"/>
+          <p:cNvSpPr/>
+          <p:nvPr/>
+        </p:nvSpPr>
+        <p:spPr>
+          <a:xfrm>
+            <a:off x="1463040" y="2116800"/>
+            <a:ext cx="1920240" cy="0"/>
+          </a:xfrm>
+          <a:prstGeom prst="line">
+            <a:avLst/>
+          </a:prstGeom>
+          <a:ln>
+            <a:solidFill>
+              <a:srgbClr val="3465a4"/>
+            </a:solidFill>
+            <a:custDash>
+              <a:ds d="600000" sp="300000"/>
+            </a:custDash>
+          </a:ln>
+        </p:spPr>
+        <p:style>
+          <a:lnRef idx="0"/>
+          <a:fillRef idx="0"/>
+          <a:effectRef idx="0"/>
+          <a:fontRef idx="minor"/>
+        </p:style>
+      </p:sp>
+      <p:sp>
+        <p:nvSpPr>
+          <p:cNvPr id="82" name="Line 6"/>
+          <p:cNvSpPr/>
+          <p:nvPr/>
+        </p:nvSpPr>
+        <p:spPr>
+          <a:xfrm>
+            <a:off x="1463040" y="2224800"/>
+            <a:ext cx="1920240" cy="0"/>
+          </a:xfrm>
+          <a:prstGeom prst="line">
+            <a:avLst/>
+          </a:prstGeom>
+          <a:ln>
+            <a:solidFill>
+              <a:srgbClr val="3465a4"/>
+            </a:solidFill>
+            <a:custDash>
+              <a:ds d="600000" sp="300000"/>
+            </a:custDash>
+          </a:ln>
+        </p:spPr>
+        <p:style>
+          <a:lnRef idx="0"/>
+          <a:fillRef idx="0"/>
+          <a:effectRef idx="0"/>
+          <a:fontRef idx="minor"/>
+        </p:style>
+      </p:sp>
+      <p:sp>
+        <p:nvSpPr>
+          <p:cNvPr id="83" name="Line 7"/>
+          <p:cNvSpPr/>
+          <p:nvPr/>
+        </p:nvSpPr>
+        <p:spPr>
+          <a:xfrm>
+            <a:off x="1463040" y="2332800"/>
+            <a:ext cx="1920240" cy="0"/>
+          </a:xfrm>
+          <a:prstGeom prst="line">
+            <a:avLst/>
+          </a:prstGeom>
+          <a:ln>
+            <a:solidFill>
+              <a:srgbClr val="3465a4"/>
+            </a:solidFill>
+            <a:custDash>
+              <a:ds d="600000" sp="300000"/>
+            </a:custDash>
+          </a:ln>
+        </p:spPr>
+        <p:style>
+          <a:lnRef idx="0"/>
+          <a:fillRef idx="0"/>
+          <a:effectRef idx="0"/>
+          <a:fontRef idx="minor"/>
+        </p:style>
+      </p:sp>
+      <p:sp>
+        <p:nvSpPr>
+          <p:cNvPr id="84" name="Line 8"/>
+          <p:cNvSpPr/>
+          <p:nvPr/>
+        </p:nvSpPr>
+        <p:spPr>
+          <a:xfrm>
+            <a:off x="1463040" y="2440800"/>
+            <a:ext cx="1920240" cy="0"/>
+          </a:xfrm>
+          <a:prstGeom prst="line">
+            <a:avLst/>
+          </a:prstGeom>
+          <a:ln>
+            <a:solidFill>
+              <a:srgbClr val="3465a4"/>
+            </a:solidFill>
+            <a:custDash>
+              <a:ds d="600000" sp="300000"/>
+            </a:custDash>
+          </a:ln>
+        </p:spPr>
+        <p:style>
+          <a:lnRef idx="0"/>
+          <a:fillRef idx="0"/>
+          <a:effectRef idx="0"/>
+          <a:fontRef idx="minor"/>
+        </p:style>
+      </p:sp>
+      <p:sp>
+        <p:nvSpPr>
+          <p:cNvPr id="85" name="Line 9"/>
+          <p:cNvSpPr/>
+          <p:nvPr/>
+        </p:nvSpPr>
+        <p:spPr>
+          <a:xfrm>
+            <a:off x="1463040" y="2548800"/>
+            <a:ext cx="1920240" cy="0"/>
+          </a:xfrm>
+          <a:prstGeom prst="line">
+            <a:avLst/>
+          </a:prstGeom>
+          <a:ln>
+            <a:solidFill>
+              <a:srgbClr val="3465a4"/>
+            </a:solidFill>
+            <a:custDash>
+              <a:ds d="600000" sp="300000"/>
+            </a:custDash>
+          </a:ln>
+        </p:spPr>
+        <p:style>
+          <a:lnRef idx="0"/>
+          <a:fillRef idx="0"/>
+          <a:effectRef idx="0"/>
+          <a:fontRef idx="minor"/>
+        </p:style>
+      </p:sp>
+      <p:sp>
+        <p:nvSpPr>
+          <p:cNvPr id="86" name="Line 10"/>
+          <p:cNvSpPr/>
+          <p:nvPr/>
+        </p:nvSpPr>
+        <p:spPr>
+          <a:xfrm>
+            <a:off x="1463040" y="2656800"/>
+            <a:ext cx="1920240" cy="0"/>
+          </a:xfrm>
+          <a:prstGeom prst="line">
+            <a:avLst/>
+          </a:prstGeom>
+          <a:ln>
+            <a:solidFill>
+              <a:srgbClr val="3465a4"/>
+            </a:solidFill>
+            <a:custDash>
+              <a:ds d="600000" sp="300000"/>
+            </a:custDash>
+          </a:ln>
+        </p:spPr>
+        <p:style>
+          <a:lnRef idx="0"/>
+          <a:fillRef idx="0"/>
+          <a:effectRef idx="0"/>
+          <a:fontRef idx="minor"/>
+        </p:style>
+      </p:sp>
+      <p:sp>
+        <p:nvSpPr>
+          <p:cNvPr id="87" name="Line 11"/>
+          <p:cNvSpPr/>
+          <p:nvPr/>
+        </p:nvSpPr>
+        <p:spPr>
+          <a:xfrm>
+            <a:off x="1463040" y="2764800"/>
+            <a:ext cx="1920240" cy="0"/>
+          </a:xfrm>
+          <a:prstGeom prst="line">
+            <a:avLst/>
+          </a:prstGeom>
+          <a:ln>
+            <a:solidFill>
+              <a:srgbClr val="3465a4"/>
+            </a:solidFill>
+            <a:custDash>
+              <a:ds d="600000" sp="300000"/>
+            </a:custDash>
+          </a:ln>
+        </p:spPr>
+        <p:style>
+          <a:lnRef idx="0"/>
+          <a:fillRef idx="0"/>
+          <a:effectRef idx="0"/>
+          <a:fontRef idx="minor"/>
+        </p:style>
+      </p:sp>
+      <p:sp>
+        <p:nvSpPr>
+          <p:cNvPr id="88" name="Line 12"/>
+          <p:cNvSpPr/>
+          <p:nvPr/>
+        </p:nvSpPr>
+        <p:spPr>
+          <a:xfrm>
+            <a:off x="1463040" y="2872800"/>
+            <a:ext cx="1920240" cy="0"/>
+          </a:xfrm>
+          <a:prstGeom prst="line">
+            <a:avLst/>
+          </a:prstGeom>
+          <a:ln>
+            <a:solidFill>
+              <a:srgbClr val="3465a4"/>
+            </a:solidFill>
+            <a:custDash>
+              <a:ds d="600000" sp="300000"/>
+            </a:custDash>
+          </a:ln>
+        </p:spPr>
+        <p:style>
+          <a:lnRef idx="0"/>
+          <a:fillRef idx="0"/>
+          <a:effectRef idx="0"/>
+          <a:fontRef idx="minor"/>
+        </p:style>
+      </p:sp>
+      <p:sp>
+        <p:nvSpPr>
+          <p:cNvPr id="89" name="Line 13"/>
+          <p:cNvSpPr/>
+          <p:nvPr/>
+        </p:nvSpPr>
+        <p:spPr>
+          <a:xfrm>
+            <a:off x="1463040" y="2980800"/>
+            <a:ext cx="1920240" cy="0"/>
+          </a:xfrm>
+          <a:prstGeom prst="line">
+            <a:avLst/>
+          </a:prstGeom>
+          <a:ln>
+            <a:solidFill>
+              <a:srgbClr val="3465a4"/>
+            </a:solidFill>
+            <a:custDash>
+              <a:ds d="600000" sp="300000"/>
+            </a:custDash>
+          </a:ln>
+        </p:spPr>
+        <p:style>
+          <a:lnRef idx="0"/>
+          <a:fillRef idx="0"/>
+          <a:effectRef idx="0"/>
+          <a:fontRef idx="minor"/>
+        </p:style>
+      </p:sp>
+      <p:sp>
+        <p:nvSpPr>
+          <p:cNvPr id="90" name="Line 14"/>
+          <p:cNvSpPr/>
+          <p:nvPr/>
+        </p:nvSpPr>
+        <p:spPr>
+          <a:xfrm>
+            <a:off x="1371600" y="1463040"/>
+            <a:ext cx="182880" cy="0"/>
+          </a:xfrm>
+          <a:prstGeom prst="line">
+            <a:avLst/>
+          </a:prstGeom>
+          <a:ln>
+            <a:solidFill>
+              <a:srgbClr val="ff4000"/>
+            </a:solidFill>
+          </a:ln>
+        </p:spPr>
+        <p:style>
+          <a:lnRef idx="0"/>
+          <a:fillRef idx="0"/>
+          <a:effectRef idx="0"/>
+          <a:fontRef idx="minor"/>
+        </p:style>
+      </p:sp>
+      <p:sp>
+        <p:nvSpPr>
+          <p:cNvPr id="91" name="Line 15"/>
+          <p:cNvSpPr/>
+          <p:nvPr/>
+        </p:nvSpPr>
+        <p:spPr>
+          <a:xfrm>
+            <a:off x="1371600" y="1535040"/>
+            <a:ext cx="182880" cy="0"/>
+          </a:xfrm>
+          <a:prstGeom prst="line">
+            <a:avLst/>
+          </a:prstGeom>
+          <a:ln>
+            <a:solidFill>
+              <a:srgbClr val="ff4000"/>
+            </a:solidFill>
+          </a:ln>
+        </p:spPr>
+        <p:style>
+          <a:lnRef idx="0"/>
+          <a:fillRef idx="0"/>
+          <a:effectRef idx="0"/>
+          <a:fontRef idx="minor"/>
+        </p:style>
+      </p:sp>
+      <p:sp>
+        <p:nvSpPr>
+          <p:cNvPr id="92" name="Line 16"/>
+          <p:cNvSpPr/>
+          <p:nvPr/>
+        </p:nvSpPr>
+        <p:spPr>
+          <a:xfrm>
+            <a:off x="1371600" y="1607040"/>
+            <a:ext cx="182880" cy="0"/>
+          </a:xfrm>
+          <a:prstGeom prst="line">
+            <a:avLst/>
+          </a:prstGeom>
+          <a:ln>
+            <a:solidFill>
+              <a:srgbClr val="ff4000"/>
+            </a:solidFill>
+          </a:ln>
+        </p:spPr>
+        <p:style>
+          <a:lnRef idx="0"/>
+          <a:fillRef idx="0"/>
+          <a:effectRef idx="0"/>
+          <a:fontRef idx="minor"/>
+        </p:style>
+      </p:sp>
+      <p:sp>
+        <p:nvSpPr>
+          <p:cNvPr id="93" name="Line 17"/>
+          <p:cNvSpPr/>
+          <p:nvPr/>
+        </p:nvSpPr>
+        <p:spPr>
+          <a:xfrm>
+            <a:off x="1371600" y="1679040"/>
+            <a:ext cx="182880" cy="0"/>
+          </a:xfrm>
+          <a:prstGeom prst="line">
+            <a:avLst/>
+          </a:prstGeom>
+          <a:ln>
+            <a:solidFill>
+              <a:srgbClr val="ff4000"/>
+            </a:solidFill>
+          </a:ln>
+        </p:spPr>
+        <p:style>
+          <a:lnRef idx="0"/>
+          <a:fillRef idx="0"/>
+          <a:effectRef idx="0"/>
+          <a:fontRef idx="minor"/>
+        </p:style>
+      </p:sp>
+      <p:sp>
+        <p:nvSpPr>
+          <p:cNvPr id="94" name="Line 18"/>
+          <p:cNvSpPr/>
+          <p:nvPr/>
+        </p:nvSpPr>
+        <p:spPr>
+          <a:xfrm>
+            <a:off x="1371600" y="1751040"/>
+            <a:ext cx="182880" cy="0"/>
+          </a:xfrm>
+          <a:prstGeom prst="line">
+            <a:avLst/>
+          </a:prstGeom>
+          <a:ln>
+            <a:solidFill>
+              <a:srgbClr val="ff4000"/>
+            </a:solidFill>
+          </a:ln>
+        </p:spPr>
+        <p:style>
+          <a:lnRef idx="0"/>
+          <a:fillRef idx="0"/>
+          <a:effectRef idx="0"/>
+          <a:fontRef idx="minor"/>
+        </p:style>
+      </p:sp>
+      <p:sp>
+        <p:nvSpPr>
+          <p:cNvPr id="95" name="Line 19"/>
+          <p:cNvSpPr/>
+          <p:nvPr/>
+        </p:nvSpPr>
+        <p:spPr>
+          <a:xfrm>
+            <a:off x="1371600" y="1823040"/>
+            <a:ext cx="182880" cy="0"/>
+          </a:xfrm>
+          <a:prstGeom prst="line">
+            <a:avLst/>
+          </a:prstGeom>
+          <a:ln>
+            <a:solidFill>
+              <a:srgbClr val="ff4000"/>
+            </a:solidFill>
+          </a:ln>
+        </p:spPr>
+        <p:style>
+          <a:lnRef idx="0"/>
+          <a:fillRef idx="0"/>
+          <a:effectRef idx="0"/>
+          <a:fontRef idx="minor"/>
+        </p:style>
+      </p:sp>
+      <p:sp>
+        <p:nvSpPr>
+          <p:cNvPr id="96" name="Line 20"/>
+          <p:cNvSpPr/>
+          <p:nvPr/>
+        </p:nvSpPr>
+        <p:spPr>
+          <a:xfrm>
+            <a:off x="1371600" y="1895040"/>
+            <a:ext cx="182880" cy="0"/>
+          </a:xfrm>
+          <a:prstGeom prst="line">
+            <a:avLst/>
+          </a:prstGeom>
+          <a:ln>
+            <a:solidFill>
+              <a:srgbClr val="ff4000"/>
+            </a:solidFill>
+          </a:ln>
+        </p:spPr>
+        <p:style>
+          <a:lnRef idx="0"/>
+          <a:fillRef idx="0"/>
+          <a:effectRef idx="0"/>
+          <a:fontRef idx="minor"/>
+        </p:style>
+      </p:sp>
+      <p:sp>
+        <p:nvSpPr>
+          <p:cNvPr id="97" name="Line 21"/>
+          <p:cNvSpPr/>
+          <p:nvPr/>
+        </p:nvSpPr>
+        <p:spPr>
+          <a:xfrm>
+            <a:off x="1371600" y="1967040"/>
+            <a:ext cx="182880" cy="0"/>
+          </a:xfrm>
+          <a:prstGeom prst="line">
+            <a:avLst/>
+          </a:prstGeom>
+          <a:ln>
+            <a:solidFill>
+              <a:srgbClr val="ff4000"/>
+            </a:solidFill>
+          </a:ln>
+        </p:spPr>
+        <p:style>
+          <a:lnRef idx="0"/>
+          <a:fillRef idx="0"/>
+          <a:effectRef idx="0"/>
+          <a:fontRef idx="minor"/>
+        </p:style>
+      </p:sp>
+      <p:sp>
+        <p:nvSpPr>
+          <p:cNvPr id="98" name="Line 22"/>
+          <p:cNvSpPr/>
+          <p:nvPr/>
+        </p:nvSpPr>
+        <p:spPr>
+          <a:xfrm>
+            <a:off x="1371600" y="2039040"/>
+            <a:ext cx="182880" cy="0"/>
+          </a:xfrm>
+          <a:prstGeom prst="line">
+            <a:avLst/>
+          </a:prstGeom>
+          <a:ln>
+            <a:solidFill>
+              <a:srgbClr val="ff4000"/>
+            </a:solidFill>
+          </a:ln>
+        </p:spPr>
+        <p:style>
+          <a:lnRef idx="0"/>
+          <a:fillRef idx="0"/>
+          <a:effectRef idx="0"/>
+          <a:fontRef idx="minor"/>
+        </p:style>
+      </p:sp>
+      <p:sp>
+        <p:nvSpPr>
+          <p:cNvPr id="99" name="Line 23"/>
+          <p:cNvSpPr/>
+          <p:nvPr/>
+        </p:nvSpPr>
+        <p:spPr>
+          <a:xfrm>
+            <a:off x="1371600" y="2111040"/>
+            <a:ext cx="182880" cy="0"/>
+          </a:xfrm>
+          <a:prstGeom prst="line">
+            <a:avLst/>
+          </a:prstGeom>
+          <a:ln>
+            <a:solidFill>
+              <a:srgbClr val="ff4000"/>
+            </a:solidFill>
+          </a:ln>
+        </p:spPr>
+        <p:style>
+          <a:lnRef idx="0"/>
+          <a:fillRef idx="0"/>
+          <a:effectRef idx="0"/>
+          <a:fontRef idx="minor"/>
+        </p:style>
+      </p:sp>
+      <p:sp>
+        <p:nvSpPr>
+          <p:cNvPr id="100" name="Line 24"/>
+          <p:cNvSpPr/>
+          <p:nvPr/>
+        </p:nvSpPr>
+        <p:spPr>
+          <a:xfrm>
+            <a:off x="1371600" y="2183040"/>
+            <a:ext cx="182880" cy="0"/>
+          </a:xfrm>
+          <a:prstGeom prst="line">
+            <a:avLst/>
+          </a:prstGeom>
+          <a:ln>
+            <a:solidFill>
+              <a:srgbClr val="ff4000"/>
+            </a:solidFill>
+          </a:ln>
+        </p:spPr>
+        <p:style>
+          <a:lnRef idx="0"/>
+          <a:fillRef idx="0"/>
+          <a:effectRef idx="0"/>
+          <a:fontRef idx="minor"/>
+        </p:style>
+      </p:sp>
+      <p:sp>
+        <p:nvSpPr>
+          <p:cNvPr id="101" name="Line 25"/>
+          <p:cNvSpPr/>
+          <p:nvPr/>
+        </p:nvSpPr>
+        <p:spPr>
+          <a:xfrm>
+            <a:off x="1371600" y="2255040"/>
+            <a:ext cx="182880" cy="0"/>
+          </a:xfrm>
+          <a:prstGeom prst="line">
+            <a:avLst/>
+          </a:prstGeom>
+          <a:ln>
+            <a:solidFill>
+              <a:srgbClr val="ff4000"/>
+            </a:solidFill>
+          </a:ln>
+        </p:spPr>
+        <p:style>
+          <a:lnRef idx="0"/>
+          <a:fillRef idx="0"/>
+          <a:effectRef idx="0"/>
+          <a:fontRef idx="minor"/>
+        </p:style>
+      </p:sp>
+      <p:sp>
+        <p:nvSpPr>
+          <p:cNvPr id="102" name="Line 26"/>
+          <p:cNvSpPr/>
+          <p:nvPr/>
+        </p:nvSpPr>
+        <p:spPr>
+          <a:xfrm>
+            <a:off x="1371600" y="2327040"/>
+            <a:ext cx="182880" cy="0"/>
+          </a:xfrm>
+          <a:prstGeom prst="line">
+            <a:avLst/>
+          </a:prstGeom>
+          <a:ln>
+            <a:solidFill>
+              <a:srgbClr val="ff4000"/>
+            </a:solidFill>
+          </a:ln>
+        </p:spPr>
+        <p:style>
+          <a:lnRef idx="0"/>
+          <a:fillRef idx="0"/>
+          <a:effectRef idx="0"/>
+          <a:fontRef idx="minor"/>
+        </p:style>
+      </p:sp>
+      <p:sp>
+        <p:nvSpPr>
+          <p:cNvPr id="103" name="Line 27"/>
+          <p:cNvSpPr/>
+          <p:nvPr/>
+        </p:nvSpPr>
+        <p:spPr>
+          <a:xfrm>
+            <a:off x="1371600" y="2399040"/>
+            <a:ext cx="182880" cy="0"/>
+          </a:xfrm>
+          <a:prstGeom prst="line">
+            <a:avLst/>
+          </a:prstGeom>
+          <a:ln>
+            <a:solidFill>
+              <a:srgbClr val="ff4000"/>
+            </a:solidFill>
+          </a:ln>
+        </p:spPr>
+        <p:style>
+          <a:lnRef idx="0"/>
+          <a:fillRef idx="0"/>
+          <a:effectRef idx="0"/>
+          <a:fontRef idx="minor"/>
+        </p:style>
+      </p:sp>
+      <p:sp>
+        <p:nvSpPr>
+          <p:cNvPr id="104" name="Line 28"/>
+          <p:cNvSpPr/>
+          <p:nvPr/>
+        </p:nvSpPr>
+        <p:spPr>
+          <a:xfrm>
+            <a:off x="1371600" y="2471040"/>
+            <a:ext cx="182880" cy="0"/>
+          </a:xfrm>
+          <a:prstGeom prst="line">
+            <a:avLst/>
+          </a:prstGeom>
+          <a:ln>
+            <a:solidFill>
+              <a:srgbClr val="ff4000"/>
+            </a:solidFill>
+          </a:ln>
+        </p:spPr>
+        <p:style>
+          <a:lnRef idx="0"/>
+          <a:fillRef idx="0"/>
+          <a:effectRef idx="0"/>
+          <a:fontRef idx="minor"/>
+        </p:style>
+      </p:sp>
+      <p:sp>
+        <p:nvSpPr>
+          <p:cNvPr id="105" name="Line 29"/>
+          <p:cNvSpPr/>
+          <p:nvPr/>
+        </p:nvSpPr>
+        <p:spPr>
+          <a:xfrm>
+            <a:off x="1371600" y="2543040"/>
+            <a:ext cx="182880" cy="0"/>
+          </a:xfrm>
+          <a:prstGeom prst="line">
+            <a:avLst/>
+          </a:prstGeom>
+          <a:ln>
+            <a:solidFill>
+              <a:srgbClr val="ff4000"/>
+            </a:solidFill>
+          </a:ln>
+        </p:spPr>
+        <p:style>
+          <a:lnRef idx="0"/>
+          <a:fillRef idx="0"/>
+          <a:effectRef idx="0"/>
+          <a:fontRef idx="minor"/>
+        </p:style>
+      </p:sp>
+      <p:sp>
+        <p:nvSpPr>
+          <p:cNvPr id="106" name="Line 30"/>
+          <p:cNvSpPr/>
+          <p:nvPr/>
+        </p:nvSpPr>
+        <p:spPr>
+          <a:xfrm>
+            <a:off x="1371600" y="2615040"/>
+            <a:ext cx="182880" cy="0"/>
+          </a:xfrm>
+          <a:prstGeom prst="line">
+            <a:avLst/>
+          </a:prstGeom>
+          <a:ln>
+            <a:solidFill>
+              <a:srgbClr val="ff4000"/>
+            </a:solidFill>
+          </a:ln>
+        </p:spPr>
+        <p:style>
+          <a:lnRef idx="0"/>
+          <a:fillRef idx="0"/>
+          <a:effectRef idx="0"/>
+          <a:fontRef idx="minor"/>
+        </p:style>
+      </p:sp>
+      <p:sp>
+        <p:nvSpPr>
+          <p:cNvPr id="107" name="Line 31"/>
+          <p:cNvSpPr/>
+          <p:nvPr/>
+        </p:nvSpPr>
+        <p:spPr>
+          <a:xfrm>
+            <a:off x="1371600" y="2687040"/>
+            <a:ext cx="182880" cy="0"/>
+          </a:xfrm>
+          <a:prstGeom prst="line">
+            <a:avLst/>
+          </a:prstGeom>
+          <a:ln>
+            <a:solidFill>
+              <a:srgbClr val="ff4000"/>
+            </a:solidFill>
+          </a:ln>
+        </p:spPr>
+        <p:style>
+          <a:lnRef idx="0"/>
+          <a:fillRef idx="0"/>
+          <a:effectRef idx="0"/>
+          <a:fontRef idx="minor"/>
+        </p:style>
+      </p:sp>
+      <p:sp>
+        <p:nvSpPr>
+          <p:cNvPr id="108" name="Line 32"/>
+          <p:cNvSpPr/>
+          <p:nvPr/>
+        </p:nvSpPr>
+        <p:spPr>
+          <a:xfrm>
+            <a:off x="1371600" y="2759040"/>
+            <a:ext cx="182880" cy="0"/>
+          </a:xfrm>
+          <a:prstGeom prst="line">
+            <a:avLst/>
+          </a:prstGeom>
+          <a:ln>
+            <a:solidFill>
+              <a:srgbClr val="ff4000"/>
+            </a:solidFill>
+          </a:ln>
+        </p:spPr>
+        <p:style>
+          <a:lnRef idx="0"/>
+          <a:fillRef idx="0"/>
+          <a:effectRef idx="0"/>
+          <a:fontRef idx="minor"/>
+        </p:style>
+      </p:sp>
+      <p:sp>
+        <p:nvSpPr>
+          <p:cNvPr id="109" name="Line 33"/>
+          <p:cNvSpPr/>
+          <p:nvPr/>
+        </p:nvSpPr>
+        <p:spPr>
+          <a:xfrm>
+            <a:off x="1371600" y="2831040"/>
+            <a:ext cx="182880" cy="0"/>
+          </a:xfrm>
+          <a:prstGeom prst="line">
+            <a:avLst/>
+          </a:prstGeom>
+          <a:ln>
+            <a:solidFill>
+              <a:srgbClr val="ff4000"/>
+            </a:solidFill>
+          </a:ln>
+        </p:spPr>
+        <p:style>
+          <a:lnRef idx="0"/>
+          <a:fillRef idx="0"/>
+          <a:effectRef idx="0"/>
+          <a:fontRef idx="minor"/>
+        </p:style>
+      </p:sp>
+      <p:sp>
+        <p:nvSpPr>
+          <p:cNvPr id="110" name="Line 34"/>
+          <p:cNvSpPr/>
+          <p:nvPr/>
+        </p:nvSpPr>
+        <p:spPr>
+          <a:xfrm>
+            <a:off x="1371600" y="2903040"/>
+            <a:ext cx="182880" cy="0"/>
+          </a:xfrm>
+          <a:prstGeom prst="line">
+            <a:avLst/>
+          </a:prstGeom>
+          <a:ln>
+            <a:solidFill>
+              <a:srgbClr val="ff4000"/>
+            </a:solidFill>
+          </a:ln>
+        </p:spPr>
+        <p:style>
+          <a:lnRef idx="0"/>
+          <a:fillRef idx="0"/>
+          <a:effectRef idx="0"/>
+          <a:fontRef idx="minor"/>
+        </p:style>
+      </p:sp>
+      <p:sp>
+        <p:nvSpPr>
+          <p:cNvPr id="111" name="Line 35"/>
+          <p:cNvSpPr/>
+          <p:nvPr/>
+        </p:nvSpPr>
+        <p:spPr>
+          <a:xfrm>
+            <a:off x="1371600" y="2975040"/>
+            <a:ext cx="182880" cy="0"/>
+          </a:xfrm>
+          <a:prstGeom prst="line">
+            <a:avLst/>
+          </a:prstGeom>
+          <a:ln>
+            <a:solidFill>
+              <a:srgbClr val="ff4000"/>
+            </a:solidFill>
+          </a:ln>
+        </p:spPr>
+        <p:style>
+          <a:lnRef idx="0"/>
+          <a:fillRef idx="0"/>
+          <a:effectRef idx="0"/>
+          <a:fontRef idx="minor"/>
+        </p:style>
+      </p:sp>
+      <p:sp>
+        <p:nvSpPr>
+          <p:cNvPr id="112" name="Line 36"/>
+          <p:cNvSpPr/>
+          <p:nvPr/>
+        </p:nvSpPr>
+        <p:spPr>
+          <a:xfrm>
+            <a:off x="1371600" y="1391040"/>
+            <a:ext cx="182880" cy="0"/>
+          </a:xfrm>
+          <a:prstGeom prst="line">
+            <a:avLst/>
+          </a:prstGeom>
+          <a:ln>
+            <a:solidFill>
+              <a:srgbClr val="ff4000"/>
+            </a:solidFill>
+          </a:ln>
+        </p:spPr>
+        <p:style>
+          <a:lnRef idx="0"/>
+          <a:fillRef idx="0"/>
+          <a:effectRef idx="0"/>
+          <a:fontRef idx="minor"/>
+        </p:style>
+      </p:sp>
+      <p:sp>
+        <p:nvSpPr>
+          <p:cNvPr id="113" name="Line 37"/>
+          <p:cNvSpPr/>
+          <p:nvPr/>
+        </p:nvSpPr>
+        <p:spPr>
+          <a:xfrm>
+            <a:off x="1371600" y="1319040"/>
+            <a:ext cx="182880" cy="0"/>
+          </a:xfrm>
+          <a:prstGeom prst="line">
+            <a:avLst/>
+          </a:prstGeom>
+          <a:ln>
+            <a:solidFill>
+              <a:srgbClr val="ff4000"/>
+            </a:solidFill>
+          </a:ln>
+        </p:spPr>
+        <p:style>
+          <a:lnRef idx="0"/>
+          <a:fillRef idx="0"/>
+          <a:effectRef idx="0"/>
+          <a:fontRef idx="minor"/>
+        </p:style>
+      </p:sp>
+      <p:sp>
+        <p:nvSpPr>
+          <p:cNvPr id="114" name="Line 38"/>
+          <p:cNvSpPr/>
+          <p:nvPr/>
+        </p:nvSpPr>
+        <p:spPr>
+          <a:xfrm>
+            <a:off x="1371600" y="1247040"/>
+            <a:ext cx="182880" cy="0"/>
+          </a:xfrm>
+          <a:prstGeom prst="line">
+            <a:avLst/>
+          </a:prstGeom>
+          <a:ln>
+            <a:solidFill>
+              <a:srgbClr val="ff4000"/>
+            </a:solidFill>
+          </a:ln>
+        </p:spPr>
+        <p:style>
+          <a:lnRef idx="0"/>
+          <a:fillRef idx="0"/>
+          <a:effectRef idx="0"/>
+          <a:fontRef idx="minor"/>
+        </p:style>
+      </p:sp>
+      <p:sp>
+        <p:nvSpPr>
+          <p:cNvPr id="115" name="TextShape 39"/>
+          <p:cNvSpPr txBox="1"/>
+          <p:nvPr/>
+        </p:nvSpPr>
+        <p:spPr>
+          <a:xfrm>
+            <a:off x="1188720" y="2867040"/>
+            <a:ext cx="237240" cy="204840"/>
+          </a:xfrm>
+          <a:prstGeom prst="rect">
+            <a:avLst/>
+          </a:prstGeom>
+          <a:noFill/>
+          <a:ln>
+            <a:noFill/>
+          </a:ln>
+        </p:spPr>
+        <p:txBody>
+          <a:bodyPr lIns="90000" rIns="90000" tIns="45000" bIns="45000">
+            <a:noAutofit/>
+          </a:bodyPr>
+          <a:p>
+            <a:r>
+              <a:rPr b="0" lang="en-US" sz="800" spc="-1" strike="noStrike">
+                <a:latin typeface="Arial"/>
+              </a:rPr>
+              <a:t>1</a:t>
+            </a:r>
+            <a:endParaRPr b="0" lang="en-US" sz="800" spc="-1" strike="noStrike">
+              <a:latin typeface="Arial"/>
+            </a:endParaRPr>
+          </a:p>
+        </p:txBody>
+      </p:sp>
+      <p:sp>
+        <p:nvSpPr>
+          <p:cNvPr id="116" name="TextShape 40"/>
+          <p:cNvSpPr txBox="1"/>
+          <p:nvPr/>
+        </p:nvSpPr>
+        <p:spPr>
+          <a:xfrm>
+            <a:off x="1189080" y="2255400"/>
+            <a:ext cx="237240" cy="204840"/>
+          </a:xfrm>
+          <a:prstGeom prst="rect">
+            <a:avLst/>
+          </a:prstGeom>
+          <a:noFill/>
+          <a:ln>
+            <a:noFill/>
+          </a:ln>
+        </p:spPr>
+        <p:txBody>
+          <a:bodyPr lIns="90000" rIns="90000" tIns="45000" bIns="45000">
+            <a:noAutofit/>
+          </a:bodyPr>
+          <a:p>
+            <a:r>
+              <a:rPr b="0" lang="en-US" sz="800" spc="-1" strike="noStrike">
+                <a:latin typeface="Arial"/>
+              </a:rPr>
+              <a:t>2</a:t>
+            </a:r>
+            <a:endParaRPr b="0" lang="en-US" sz="800" spc="-1" strike="noStrike">
+              <a:latin typeface="Arial"/>
+            </a:endParaRPr>
+          </a:p>
+        </p:txBody>
+      </p:sp>
+      <p:sp>
+        <p:nvSpPr>
+          <p:cNvPr id="117" name="TextShape 41"/>
+          <p:cNvSpPr txBox="1"/>
+          <p:nvPr/>
+        </p:nvSpPr>
+        <p:spPr>
+          <a:xfrm>
+            <a:off x="1189080" y="1679400"/>
+            <a:ext cx="237240" cy="204840"/>
+          </a:xfrm>
+          <a:prstGeom prst="rect">
+            <a:avLst/>
+          </a:prstGeom>
+          <a:noFill/>
+          <a:ln>
+            <a:noFill/>
+          </a:ln>
+        </p:spPr>
+        <p:txBody>
+          <a:bodyPr lIns="90000" rIns="90000" tIns="45000" bIns="45000">
+            <a:noAutofit/>
+          </a:bodyPr>
+          <a:p>
+            <a:r>
+              <a:rPr b="0" lang="en-US" sz="800" spc="-1" strike="noStrike">
+                <a:latin typeface="Arial"/>
+              </a:rPr>
+              <a:t>3</a:t>
+            </a:r>
+            <a:endParaRPr b="0" lang="en-US" sz="800" spc="-1" strike="noStrike">
+              <a:latin typeface="Arial"/>
+            </a:endParaRPr>
+          </a:p>
+        </p:txBody>
+      </p:sp>
+      <p:sp>
+        <p:nvSpPr>
+          <p:cNvPr id="118" name="TextShape 42"/>
+          <p:cNvSpPr txBox="1"/>
+          <p:nvPr/>
+        </p:nvSpPr>
+        <p:spPr>
+          <a:xfrm>
+            <a:off x="1189080" y="1139400"/>
+            <a:ext cx="237240" cy="204840"/>
+          </a:xfrm>
+          <a:prstGeom prst="rect">
+            <a:avLst/>
+          </a:prstGeom>
+          <a:noFill/>
+          <a:ln>
+            <a:noFill/>
+          </a:ln>
+        </p:spPr>
+        <p:txBody>
+          <a:bodyPr lIns="90000" rIns="90000" tIns="45000" bIns="45000">
+            <a:noAutofit/>
+          </a:bodyPr>
+          <a:p>
+            <a:r>
+              <a:rPr b="0" lang="en-US" sz="800" spc="-1" strike="noStrike">
+                <a:latin typeface="Arial"/>
+              </a:rPr>
+              <a:t>4</a:t>
+            </a:r>
+            <a:endParaRPr b="0" lang="en-US" sz="800" spc="-1" strike="noStrike">
+              <a:latin typeface="Arial"/>
+            </a:endParaRPr>
+          </a:p>
+        </p:txBody>
+      </p:sp>
+      <p:sp>
+        <p:nvSpPr>
+          <p:cNvPr id="119" name="Line 43"/>
+          <p:cNvSpPr/>
+          <p:nvPr/>
+        </p:nvSpPr>
+        <p:spPr>
+          <a:xfrm>
+            <a:off x="1920240" y="548640"/>
+            <a:ext cx="0" cy="548640"/>
+          </a:xfrm>
+          <a:prstGeom prst="line">
+            <a:avLst/>
+          </a:prstGeom>
+          <a:ln>
+            <a:solidFill>
+              <a:srgbClr val="3465a4"/>
+            </a:solidFill>
+          </a:ln>
+        </p:spPr>
+        <p:style>
+          <a:lnRef idx="0"/>
+          <a:fillRef idx="0"/>
+          <a:effectRef idx="0"/>
+          <a:fontRef idx="minor"/>
+        </p:style>
+      </p:sp>
+      <p:sp>
+        <p:nvSpPr>
+          <p:cNvPr id="120" name="Line 44"/>
+          <p:cNvSpPr/>
+          <p:nvPr/>
+        </p:nvSpPr>
+        <p:spPr>
+          <a:xfrm>
+            <a:off x="2028240" y="548640"/>
+            <a:ext cx="0" cy="548640"/>
+          </a:xfrm>
+          <a:prstGeom prst="line">
+            <a:avLst/>
+          </a:prstGeom>
+          <a:ln>
+            <a:solidFill>
+              <a:srgbClr val="3465a4"/>
+            </a:solidFill>
+          </a:ln>
+        </p:spPr>
+        <p:style>
+          <a:lnRef idx="0"/>
+          <a:fillRef idx="0"/>
+          <a:effectRef idx="0"/>
+          <a:fontRef idx="minor"/>
+        </p:style>
+      </p:sp>
+      <p:sp>
+        <p:nvSpPr>
+          <p:cNvPr id="121" name="Line 45"/>
+          <p:cNvSpPr/>
+          <p:nvPr/>
+        </p:nvSpPr>
+        <p:spPr>
+          <a:xfrm>
+            <a:off x="3383280" y="2872800"/>
+            <a:ext cx="548640" cy="0"/>
+          </a:xfrm>
+          <a:prstGeom prst="line">
+            <a:avLst/>
+          </a:prstGeom>
+          <a:ln>
+            <a:solidFill>
+              <a:srgbClr val="3465a4"/>
+            </a:solidFill>
+          </a:ln>
+        </p:spPr>
+        <p:style>
+          <a:lnRef idx="0"/>
+          <a:fillRef idx="0"/>
+          <a:effectRef idx="0"/>
+          <a:fontRef idx="minor"/>
+        </p:style>
+      </p:sp>
+      <p:sp>
+        <p:nvSpPr>
+          <p:cNvPr id="122" name="Line 46"/>
+          <p:cNvSpPr/>
+          <p:nvPr/>
+        </p:nvSpPr>
+        <p:spPr>
+          <a:xfrm>
+            <a:off x="3347280" y="2980800"/>
+            <a:ext cx="548640" cy="0"/>
+          </a:xfrm>
+          <a:prstGeom prst="line">
+            <a:avLst/>
+          </a:prstGeom>
+          <a:ln>
+            <a:solidFill>
+              <a:srgbClr val="3465a4"/>
+            </a:solidFill>
+          </a:ln>
+        </p:spPr>
+        <p:style>
+          <a:lnRef idx="0"/>
+          <a:fillRef idx="0"/>
+          <a:effectRef idx="0"/>
+          <a:fontRef idx="minor"/>
+        </p:style>
+      </p:sp>
+      <p:sp>
+        <p:nvSpPr>
+          <p:cNvPr id="123" name="Line 47"/>
+          <p:cNvSpPr/>
+          <p:nvPr/>
+        </p:nvSpPr>
+        <p:spPr>
+          <a:xfrm>
+            <a:off x="1975680" y="182880"/>
+            <a:ext cx="0" cy="365760"/>
+          </a:xfrm>
+          <a:prstGeom prst="line">
+            <a:avLst/>
+          </a:prstGeom>
+          <a:ln>
+            <a:solidFill>
+              <a:srgbClr val="3465a4"/>
+            </a:solidFill>
+            <a:tailEnd len="med" type="triangle" w="med"/>
+          </a:ln>
+        </p:spPr>
+        <p:style>
+          <a:lnRef idx="0"/>
+          <a:fillRef idx="0"/>
+          <a:effectRef idx="0"/>
+          <a:fontRef idx="minor"/>
+        </p:style>
+      </p:sp>
+      <p:sp>
+        <p:nvSpPr>
+          <p:cNvPr id="124" name="Line 48"/>
+          <p:cNvSpPr/>
+          <p:nvPr/>
+        </p:nvSpPr>
+        <p:spPr>
+          <a:xfrm>
+            <a:off x="3931920" y="2926080"/>
+            <a:ext cx="365760" cy="0"/>
+          </a:xfrm>
+          <a:prstGeom prst="line">
+            <a:avLst/>
+          </a:prstGeom>
+          <a:ln>
+            <a:solidFill>
+              <a:srgbClr val="3465a4"/>
+            </a:solidFill>
+            <a:tailEnd len="med" type="triangle" w="med"/>
+          </a:ln>
+        </p:spPr>
+        <p:style>
+          <a:lnRef idx="0"/>
+          <a:fillRef idx="0"/>
+          <a:effectRef idx="0"/>
+          <a:fontRef idx="minor"/>
+        </p:style>
+      </p:sp>
+      <p:sp>
+        <p:nvSpPr>
+          <p:cNvPr id="125" name="TextShape 49"/>
+          <p:cNvSpPr txBox="1"/>
+          <p:nvPr/>
+        </p:nvSpPr>
+        <p:spPr>
+          <a:xfrm>
+            <a:off x="1888200" y="1097280"/>
+            <a:ext cx="1003680" cy="274680"/>
+          </a:xfrm>
+          <a:prstGeom prst="rect">
+            <a:avLst/>
+          </a:prstGeom>
+          <a:noFill/>
+          <a:ln>
+            <a:noFill/>
+          </a:ln>
+        </p:spPr>
+        <p:txBody>
+          <a:bodyPr lIns="90000" rIns="90000" tIns="45000" bIns="45000">
+            <a:noAutofit/>
+          </a:bodyPr>
+          <a:p>
+            <a:r>
+              <a:rPr b="0" lang="en-US" sz="1300" spc="-1" strike="noStrike">
+                <a:solidFill>
+                  <a:srgbClr val="ff0000"/>
+                </a:solidFill>
+                <a:latin typeface="Arial"/>
+              </a:rPr>
+              <a:t>Water Tank</a:t>
+            </a:r>
+            <a:endParaRPr b="0" lang="en-US" sz="1300" spc="-1" strike="noStrike">
               <a:solidFill>
-                <a:srgbClr val="3465a4"/>
+                <a:srgbClr val="ff0000"/>
               </a:solidFill>
-            </a:ln>
-          </p:spPr>
-          <p:style>
-            <a:lnRef idx="0"/>
-            <a:fillRef idx="0"/>
-            <a:effectRef idx="0"/>
-            <a:fontRef idx="minor"/>
-          </p:style>
-          <p:txBody>
-            <a:bodyPr wrap="none" lIns="90000" rIns="90000" tIns="45000" bIns="45000" anchor="ctr">
-              <a:noAutofit/>
-            </a:bodyPr>
-            <a:p>
-              <a:pPr algn="ctr">
-                <a:lnSpc>
-                  <a:spcPct val="100000"/>
-                </a:lnSpc>
-              </a:pPr>
-              <a:r>
-                <a:rPr b="0" lang="en-US" sz="1800" spc="-1" strike="noStrike">
-                  <a:solidFill>
-                    <a:srgbClr val="000000"/>
-                  </a:solidFill>
-                  <a:latin typeface="Arial"/>
-                  <a:ea typeface="DejaVu Sans"/>
-                </a:rPr>
-                <a:t>PID Controller</a:t>
-              </a:r>
-              <a:endParaRPr b="0" lang="en-US" sz="1800" spc="-1" strike="noStrike">
+              <a:latin typeface="Arial"/>
+            </a:endParaRPr>
+          </a:p>
+        </p:txBody>
+      </p:sp>
+      <p:sp>
+        <p:nvSpPr>
+          <p:cNvPr id="126" name="TextShape 50"/>
+          <p:cNvSpPr txBox="1"/>
+          <p:nvPr/>
+        </p:nvSpPr>
+        <p:spPr>
+          <a:xfrm>
+            <a:off x="3330720" y="2559960"/>
+            <a:ext cx="839160" cy="274680"/>
+          </a:xfrm>
+          <a:prstGeom prst="rect">
+            <a:avLst/>
+          </a:prstGeom>
+          <a:noFill/>
+          <a:ln>
+            <a:noFill/>
+          </a:ln>
+        </p:spPr>
+        <p:txBody>
+          <a:bodyPr lIns="90000" rIns="90000" tIns="45000" bIns="45000">
+            <a:noAutofit/>
+          </a:bodyPr>
+          <a:p>
+            <a:r>
+              <a:rPr b="0" lang="en-US" sz="1300" spc="-1" strike="noStrike">
+                <a:solidFill>
+                  <a:srgbClr val="ff0000"/>
+                </a:solidFill>
                 <a:latin typeface="Arial"/>
-              </a:endParaRPr>
-            </a:p>
-          </p:txBody>
-        </p:sp>
-        <p:sp>
-          <p:nvSpPr>
-            <p:cNvPr id="79" name="CustomShape 3"/>
-            <p:cNvSpPr/>
-            <p:nvPr/>
-          </p:nvSpPr>
-          <p:spPr>
-            <a:xfrm>
-              <a:off x="2926080" y="2377440"/>
-              <a:ext cx="1919520" cy="639360"/>
-            </a:xfrm>
-            <a:custGeom>
-              <a:avLst/>
-              <a:gdLst/>
-              <a:ahLst/>
-              <a:rect l="l" t="t" r="r" b="b"/>
-              <a:pathLst>
-                <a:path w="5336" h="1780">
-                  <a:moveTo>
-                    <a:pt x="296" y="0"/>
-                  </a:moveTo>
-                  <a:lnTo>
-                    <a:pt x="297" y="0"/>
-                  </a:lnTo>
-                  <a:cubicBezTo>
-                    <a:pt x="244" y="0"/>
-                    <a:pt x="193" y="14"/>
-                    <a:pt x="148" y="40"/>
-                  </a:cubicBezTo>
-                  <a:cubicBezTo>
-                    <a:pt x="103" y="66"/>
-                    <a:pt x="66" y="103"/>
-                    <a:pt x="40" y="148"/>
-                  </a:cubicBezTo>
-                  <a:cubicBezTo>
-                    <a:pt x="14" y="193"/>
-                    <a:pt x="0" y="244"/>
-                    <a:pt x="0" y="297"/>
-                  </a:cubicBezTo>
-                  <a:lnTo>
-                    <a:pt x="0" y="1482"/>
-                  </a:lnTo>
-                  <a:lnTo>
-                    <a:pt x="0" y="1483"/>
-                  </a:lnTo>
-                  <a:cubicBezTo>
-                    <a:pt x="0" y="1535"/>
-                    <a:pt x="14" y="1586"/>
-                    <a:pt x="40" y="1631"/>
-                  </a:cubicBezTo>
-                  <a:cubicBezTo>
-                    <a:pt x="66" y="1676"/>
-                    <a:pt x="103" y="1713"/>
-                    <a:pt x="148" y="1739"/>
-                  </a:cubicBezTo>
-                  <a:cubicBezTo>
-                    <a:pt x="193" y="1765"/>
-                    <a:pt x="244" y="1779"/>
-                    <a:pt x="297" y="1779"/>
-                  </a:cubicBezTo>
-                  <a:lnTo>
-                    <a:pt x="5038" y="1779"/>
-                  </a:lnTo>
-                  <a:lnTo>
-                    <a:pt x="5039" y="1779"/>
-                  </a:lnTo>
-                  <a:cubicBezTo>
-                    <a:pt x="5091" y="1779"/>
-                    <a:pt x="5142" y="1765"/>
-                    <a:pt x="5187" y="1739"/>
-                  </a:cubicBezTo>
-                  <a:cubicBezTo>
-                    <a:pt x="5232" y="1713"/>
-                    <a:pt x="5269" y="1676"/>
-                    <a:pt x="5295" y="1631"/>
-                  </a:cubicBezTo>
-                  <a:cubicBezTo>
-                    <a:pt x="5321" y="1586"/>
-                    <a:pt x="5335" y="1535"/>
-                    <a:pt x="5335" y="1483"/>
-                  </a:cubicBezTo>
-                  <a:lnTo>
-                    <a:pt x="5335" y="296"/>
-                  </a:lnTo>
-                  <a:lnTo>
-                    <a:pt x="5335" y="297"/>
-                  </a:lnTo>
-                  <a:lnTo>
-                    <a:pt x="5335" y="297"/>
-                  </a:lnTo>
-                  <a:cubicBezTo>
-                    <a:pt x="5335" y="244"/>
-                    <a:pt x="5321" y="193"/>
-                    <a:pt x="5295" y="148"/>
-                  </a:cubicBezTo>
-                  <a:cubicBezTo>
-                    <a:pt x="5269" y="103"/>
-                    <a:pt x="5232" y="66"/>
-                    <a:pt x="5187" y="40"/>
-                  </a:cubicBezTo>
-                  <a:cubicBezTo>
-                    <a:pt x="5142" y="14"/>
-                    <a:pt x="5091" y="0"/>
-                    <a:pt x="5039" y="0"/>
-                  </a:cubicBezTo>
-                  <a:lnTo>
-                    <a:pt x="296" y="0"/>
-                  </a:lnTo>
-                </a:path>
-              </a:pathLst>
-            </a:custGeom>
-            <a:solidFill>
-              <a:srgbClr val="dee7e5"/>
-            </a:solidFill>
-            <a:ln>
+              </a:rPr>
+              <a:t>Out Flow</a:t>
+            </a:r>
+            <a:endParaRPr b="0" lang="en-US" sz="1300" spc="-1" strike="noStrike">
               <a:solidFill>
-                <a:srgbClr val="3465a4"/>
+                <a:srgbClr val="ff0000"/>
               </a:solidFill>
-            </a:ln>
-          </p:spPr>
-          <p:style>
-            <a:lnRef idx="0"/>
-            <a:fillRef idx="0"/>
-            <a:effectRef idx="0"/>
-            <a:fontRef idx="minor"/>
-          </p:style>
-          <p:txBody>
-            <a:bodyPr wrap="none" lIns="90000" rIns="90000" tIns="45000" bIns="45000" anchor="ctr">
-              <a:noAutofit/>
-            </a:bodyPr>
-            <a:p>
-              <a:pPr algn="ctr">
-                <a:lnSpc>
-                  <a:spcPct val="100000"/>
-                </a:lnSpc>
-              </a:pPr>
-              <a:r>
-                <a:rPr b="0" lang="en-US" sz="1800" spc="-1" strike="noStrike">
-                  <a:solidFill>
-                    <a:srgbClr val="000000"/>
-                  </a:solidFill>
-                  <a:latin typeface="Arial"/>
-                  <a:ea typeface="DejaVu Sans"/>
-                </a:rPr>
-                <a:t>Sensor</a:t>
-              </a:r>
-              <a:endParaRPr b="0" lang="en-US" sz="1800" spc="-1" strike="noStrike">
+              <a:latin typeface="Arial"/>
+            </a:endParaRPr>
+          </a:p>
+        </p:txBody>
+      </p:sp>
+      <p:sp>
+        <p:nvSpPr>
+          <p:cNvPr id="127" name="TextShape 51"/>
+          <p:cNvSpPr txBox="1"/>
+          <p:nvPr/>
+        </p:nvSpPr>
+        <p:spPr>
+          <a:xfrm>
+            <a:off x="2032560" y="640440"/>
+            <a:ext cx="711000" cy="274680"/>
+          </a:xfrm>
+          <a:prstGeom prst="rect">
+            <a:avLst/>
+          </a:prstGeom>
+          <a:noFill/>
+          <a:ln>
+            <a:noFill/>
+          </a:ln>
+        </p:spPr>
+        <p:txBody>
+          <a:bodyPr lIns="90000" rIns="90000" tIns="45000" bIns="45000">
+            <a:noAutofit/>
+          </a:bodyPr>
+          <a:p>
+            <a:r>
+              <a:rPr b="0" lang="en-US" sz="1300" spc="-1" strike="noStrike">
+                <a:solidFill>
+                  <a:srgbClr val="ff0000"/>
+                </a:solidFill>
                 <a:latin typeface="Arial"/>
-              </a:endParaRPr>
-            </a:p>
-          </p:txBody>
-        </p:sp>
-        <p:sp>
-          <p:nvSpPr>
-            <p:cNvPr id="80" name="CustomShape 4"/>
-            <p:cNvSpPr/>
-            <p:nvPr/>
-          </p:nvSpPr>
-          <p:spPr>
-            <a:xfrm>
-              <a:off x="4389120" y="1097280"/>
-              <a:ext cx="1919520" cy="639360"/>
-            </a:xfrm>
-            <a:custGeom>
-              <a:avLst/>
-              <a:gdLst/>
-              <a:ahLst/>
-              <a:rect l="l" t="t" r="r" b="b"/>
-              <a:pathLst>
-                <a:path w="5336" h="1780">
-                  <a:moveTo>
-                    <a:pt x="296" y="0"/>
-                  </a:moveTo>
-                  <a:lnTo>
-                    <a:pt x="297" y="0"/>
-                  </a:lnTo>
-                  <a:cubicBezTo>
-                    <a:pt x="244" y="0"/>
-                    <a:pt x="193" y="14"/>
-                    <a:pt x="148" y="40"/>
-                  </a:cubicBezTo>
-                  <a:cubicBezTo>
-                    <a:pt x="103" y="66"/>
-                    <a:pt x="66" y="103"/>
-                    <a:pt x="40" y="148"/>
-                  </a:cubicBezTo>
-                  <a:cubicBezTo>
-                    <a:pt x="14" y="193"/>
-                    <a:pt x="0" y="244"/>
-                    <a:pt x="0" y="297"/>
-                  </a:cubicBezTo>
-                  <a:lnTo>
-                    <a:pt x="0" y="1482"/>
-                  </a:lnTo>
-                  <a:lnTo>
-                    <a:pt x="0" y="1483"/>
-                  </a:lnTo>
-                  <a:cubicBezTo>
-                    <a:pt x="0" y="1535"/>
-                    <a:pt x="14" y="1586"/>
-                    <a:pt x="40" y="1631"/>
-                  </a:cubicBezTo>
-                  <a:cubicBezTo>
-                    <a:pt x="66" y="1676"/>
-                    <a:pt x="103" y="1713"/>
-                    <a:pt x="148" y="1739"/>
-                  </a:cubicBezTo>
-                  <a:cubicBezTo>
-                    <a:pt x="193" y="1765"/>
-                    <a:pt x="244" y="1779"/>
-                    <a:pt x="297" y="1779"/>
-                  </a:cubicBezTo>
-                  <a:lnTo>
-                    <a:pt x="5038" y="1779"/>
-                  </a:lnTo>
-                  <a:lnTo>
-                    <a:pt x="5039" y="1779"/>
-                  </a:lnTo>
-                  <a:cubicBezTo>
-                    <a:pt x="5091" y="1779"/>
-                    <a:pt x="5142" y="1765"/>
-                    <a:pt x="5187" y="1739"/>
-                  </a:cubicBezTo>
-                  <a:cubicBezTo>
-                    <a:pt x="5232" y="1713"/>
-                    <a:pt x="5269" y="1676"/>
-                    <a:pt x="5295" y="1631"/>
-                  </a:cubicBezTo>
-                  <a:cubicBezTo>
-                    <a:pt x="5321" y="1586"/>
-                    <a:pt x="5335" y="1535"/>
-                    <a:pt x="5335" y="1483"/>
-                  </a:cubicBezTo>
-                  <a:lnTo>
-                    <a:pt x="5335" y="296"/>
-                  </a:lnTo>
-                  <a:lnTo>
-                    <a:pt x="5335" y="297"/>
-                  </a:lnTo>
-                  <a:lnTo>
-                    <a:pt x="5335" y="297"/>
-                  </a:lnTo>
-                  <a:cubicBezTo>
-                    <a:pt x="5335" y="244"/>
-                    <a:pt x="5321" y="193"/>
-                    <a:pt x="5295" y="148"/>
-                  </a:cubicBezTo>
-                  <a:cubicBezTo>
-                    <a:pt x="5269" y="103"/>
-                    <a:pt x="5232" y="66"/>
-                    <a:pt x="5187" y="40"/>
-                  </a:cubicBezTo>
-                  <a:cubicBezTo>
-                    <a:pt x="5142" y="14"/>
-                    <a:pt x="5091" y="0"/>
-                    <a:pt x="5039" y="0"/>
-                  </a:cubicBezTo>
-                  <a:lnTo>
-                    <a:pt x="296" y="0"/>
-                  </a:lnTo>
-                </a:path>
-              </a:pathLst>
-            </a:custGeom>
-            <a:solidFill>
-              <a:srgbClr val="eeeeee"/>
-            </a:solidFill>
-            <a:ln>
+              </a:rPr>
+              <a:t>In Flow</a:t>
+            </a:r>
+            <a:endParaRPr b="0" lang="en-US" sz="1300" spc="-1" strike="noStrike">
               <a:solidFill>
-                <a:srgbClr val="3465a4"/>
+                <a:srgbClr val="ff0000"/>
               </a:solidFill>
-            </a:ln>
-          </p:spPr>
-          <p:style>
-            <a:lnRef idx="0"/>
-            <a:fillRef idx="0"/>
-            <a:effectRef idx="0"/>
-            <a:fontRef idx="minor"/>
-          </p:style>
-          <p:txBody>
-            <a:bodyPr wrap="none" lIns="90000" rIns="90000" tIns="45000" bIns="45000" anchor="ctr">
-              <a:noAutofit/>
-            </a:bodyPr>
-            <a:p>
-              <a:pPr algn="ctr">
-                <a:lnSpc>
-                  <a:spcPct val="100000"/>
-                </a:lnSpc>
-              </a:pPr>
-              <a:r>
-                <a:rPr b="0" lang="en-US" sz="1800" spc="-1" strike="noStrike">
-                  <a:solidFill>
-                    <a:srgbClr val="000000"/>
-                  </a:solidFill>
-                  <a:latin typeface="Arial"/>
-                  <a:ea typeface="DejaVu Sans"/>
-                </a:rPr>
-                <a:t>Process</a:t>
-              </a:r>
-              <a:endParaRPr b="0" lang="en-US" sz="1800" spc="-1" strike="noStrike">
-                <a:latin typeface="Arial"/>
-              </a:endParaRPr>
-            </a:p>
-          </p:txBody>
-        </p:sp>
-        <p:sp>
-          <p:nvSpPr>
-            <p:cNvPr id="81" name="Line 5"/>
-            <p:cNvSpPr/>
-            <p:nvPr/>
-          </p:nvSpPr>
-          <p:spPr>
-            <a:xfrm>
-              <a:off x="0" y="0"/>
-              <a:ext cx="0" cy="360"/>
-            </a:xfrm>
-            <a:prstGeom prst="line">
-              <a:avLst/>
-            </a:prstGeom>
-            <a:ln w="12600">
-              <a:solidFill>
-                <a:srgbClr val="3465a4"/>
-              </a:solidFill>
-              <a:round/>
-              <a:headEnd len="med" type="triangle" w="med"/>
-            </a:ln>
-          </p:spPr>
-          <p:style>
-            <a:lnRef idx="0"/>
-            <a:fillRef idx="0"/>
-            <a:effectRef idx="0"/>
-            <a:fontRef idx="minor"/>
-          </p:style>
-        </p:sp>
-        <p:sp>
-          <p:nvSpPr>
-            <p:cNvPr id="82" name="Line 6"/>
-            <p:cNvSpPr/>
-            <p:nvPr/>
-          </p:nvSpPr>
-          <p:spPr>
-            <a:xfrm>
-              <a:off x="0" y="0"/>
-              <a:ext cx="0" cy="360"/>
-            </a:xfrm>
-            <a:prstGeom prst="line">
-              <a:avLst/>
-            </a:prstGeom>
-            <a:ln w="12600">
-              <a:solidFill>
-                <a:srgbClr val="3465a4"/>
-              </a:solidFill>
-              <a:round/>
-              <a:tailEnd len="med" type="triangle" w="med"/>
-            </a:ln>
-          </p:spPr>
-          <p:style>
-            <a:lnRef idx="0"/>
-            <a:fillRef idx="0"/>
-            <a:effectRef idx="0"/>
-            <a:fontRef idx="minor"/>
-          </p:style>
-        </p:sp>
-        <p:sp>
-          <p:nvSpPr>
-            <p:cNvPr id="83" name="Line 7"/>
-            <p:cNvSpPr/>
-            <p:nvPr/>
-          </p:nvSpPr>
-          <p:spPr>
-            <a:xfrm>
-              <a:off x="5358960" y="803520"/>
-              <a:ext cx="0" cy="293760"/>
-            </a:xfrm>
-            <a:prstGeom prst="line">
-              <a:avLst/>
-            </a:prstGeom>
-            <a:ln>
-              <a:solidFill>
-                <a:srgbClr val="3465a4"/>
-              </a:solidFill>
-              <a:tailEnd len="med" type="triangle" w="med"/>
-            </a:ln>
-          </p:spPr>
-          <p:style>
-            <a:lnRef idx="0"/>
-            <a:fillRef idx="0"/>
-            <a:effectRef idx="0"/>
-            <a:fontRef idx="minor"/>
-          </p:style>
-        </p:sp>
-        <p:sp>
-          <p:nvSpPr>
-            <p:cNvPr id="84" name="CustomShape 8"/>
-            <p:cNvSpPr/>
-            <p:nvPr/>
-          </p:nvSpPr>
-          <p:spPr>
-            <a:xfrm>
-              <a:off x="5358960" y="803160"/>
-              <a:ext cx="1789200" cy="273960"/>
-            </a:xfrm>
-            <a:prstGeom prst="rect">
-              <a:avLst/>
-            </a:prstGeom>
-            <a:noFill/>
-            <a:ln>
-              <a:noFill/>
-            </a:ln>
-          </p:spPr>
-          <p:style>
-            <a:lnRef idx="0"/>
-            <a:fillRef idx="0"/>
-            <a:effectRef idx="0"/>
-            <a:fontRef idx="minor"/>
-          </p:style>
-          <p:txBody>
-            <a:bodyPr lIns="90000" rIns="90000" tIns="45000" bIns="45000">
-              <a:noAutofit/>
-            </a:bodyPr>
-            <a:p>
-              <a:pPr>
-                <a:lnSpc>
-                  <a:spcPct val="100000"/>
-                </a:lnSpc>
-              </a:pPr>
-              <a:r>
-                <a:rPr b="0" lang="en-US" sz="1300" spc="-1" strike="noStrike">
-                  <a:solidFill>
-                    <a:srgbClr val="ff0000"/>
-                  </a:solidFill>
-                  <a:latin typeface="Arial"/>
-                  <a:ea typeface="DejaVu Sans"/>
-                </a:rPr>
-                <a:t>External Disturbances</a:t>
-              </a:r>
-              <a:endParaRPr b="0" lang="en-US" sz="1300" spc="-1" strike="noStrike">
-                <a:latin typeface="Arial"/>
-              </a:endParaRPr>
-            </a:p>
-          </p:txBody>
-        </p:sp>
-        <p:sp>
-          <p:nvSpPr>
-            <p:cNvPr id="85" name="CustomShape 9"/>
-            <p:cNvSpPr/>
-            <p:nvPr/>
-          </p:nvSpPr>
-          <p:spPr>
-            <a:xfrm>
-              <a:off x="1313640" y="1847880"/>
-              <a:ext cx="1176840" cy="273960"/>
-            </a:xfrm>
-            <a:prstGeom prst="rect">
-              <a:avLst/>
-            </a:prstGeom>
-            <a:noFill/>
-            <a:ln>
-              <a:noFill/>
-            </a:ln>
-          </p:spPr>
-          <p:style>
-            <a:lnRef idx="0"/>
-            <a:fillRef idx="0"/>
-            <a:effectRef idx="0"/>
-            <a:fontRef idx="minor"/>
-          </p:style>
-          <p:txBody>
-            <a:bodyPr lIns="90000" rIns="90000" tIns="45000" bIns="45000">
-              <a:noAutofit/>
-            </a:bodyPr>
-            <a:p>
-              <a:pPr>
-                <a:lnSpc>
-                  <a:spcPct val="100000"/>
-                </a:lnSpc>
-              </a:pPr>
-              <a:r>
-                <a:rPr b="0" lang="en-US" sz="1300" spc="-1" strike="noStrike">
-                  <a:solidFill>
-                    <a:srgbClr val="ff0000"/>
-                  </a:solidFill>
-                  <a:latin typeface="Arial"/>
-                  <a:ea typeface="DejaVu Sans"/>
-                </a:rPr>
-                <a:t>Measured SP</a:t>
-              </a:r>
-              <a:endParaRPr b="0" lang="en-US" sz="1300" spc="-1" strike="noStrike">
-                <a:latin typeface="Arial"/>
-              </a:endParaRPr>
-            </a:p>
-          </p:txBody>
-        </p:sp>
-        <p:sp>
-          <p:nvSpPr>
-            <p:cNvPr id="86" name="CustomShape 10"/>
-            <p:cNvSpPr/>
-            <p:nvPr/>
-          </p:nvSpPr>
-          <p:spPr>
-            <a:xfrm>
-              <a:off x="6309360" y="1097280"/>
-              <a:ext cx="399600" cy="273960"/>
-            </a:xfrm>
-            <a:prstGeom prst="rect">
-              <a:avLst/>
-            </a:prstGeom>
-            <a:noFill/>
-            <a:ln>
-              <a:noFill/>
-            </a:ln>
-          </p:spPr>
-          <p:style>
-            <a:lnRef idx="0"/>
-            <a:fillRef idx="0"/>
-            <a:effectRef idx="0"/>
-            <a:fontRef idx="minor"/>
-          </p:style>
-          <p:txBody>
-            <a:bodyPr lIns="90000" rIns="90000" tIns="45000" bIns="45000">
-              <a:noAutofit/>
-            </a:bodyPr>
-            <a:p>
-              <a:pPr>
-                <a:lnSpc>
-                  <a:spcPct val="100000"/>
-                </a:lnSpc>
-              </a:pPr>
-              <a:r>
-                <a:rPr b="0" lang="en-US" sz="1300" spc="-1" strike="noStrike">
-                  <a:solidFill>
-                    <a:srgbClr val="ff0000"/>
-                  </a:solidFill>
-                  <a:latin typeface="Arial"/>
-                  <a:ea typeface="DejaVu Sans"/>
-                </a:rPr>
-                <a:t>PV</a:t>
-              </a:r>
-              <a:endParaRPr b="0" lang="en-US" sz="1300" spc="-1" strike="noStrike">
-                <a:latin typeface="Arial"/>
-              </a:endParaRPr>
-            </a:p>
-          </p:txBody>
-        </p:sp>
-        <p:sp>
-          <p:nvSpPr>
-            <p:cNvPr id="87" name="Line 11"/>
-            <p:cNvSpPr/>
-            <p:nvPr/>
-          </p:nvSpPr>
-          <p:spPr>
-            <a:xfrm>
-              <a:off x="6309360" y="1371600"/>
-              <a:ext cx="457200" cy="0"/>
-            </a:xfrm>
-            <a:prstGeom prst="line">
-              <a:avLst/>
-            </a:prstGeom>
-            <a:ln>
-              <a:solidFill>
-                <a:srgbClr val="3465a4"/>
-              </a:solidFill>
-              <a:tailEnd len="med" type="triangle" w="med"/>
-            </a:ln>
-          </p:spPr>
-          <p:style>
-            <a:lnRef idx="0"/>
-            <a:fillRef idx="0"/>
-            <a:effectRef idx="0"/>
-            <a:fontRef idx="minor"/>
-          </p:style>
-        </p:sp>
-        <p:sp>
-          <p:nvSpPr>
-            <p:cNvPr id="88" name="CustomShape 12"/>
-            <p:cNvSpPr/>
-            <p:nvPr/>
-          </p:nvSpPr>
-          <p:spPr>
-            <a:xfrm>
-              <a:off x="4937760" y="803160"/>
-              <a:ext cx="399600" cy="273960"/>
-            </a:xfrm>
-            <a:prstGeom prst="rect">
-              <a:avLst/>
-            </a:prstGeom>
-            <a:noFill/>
-            <a:ln>
-              <a:noFill/>
-            </a:ln>
-          </p:spPr>
-          <p:style>
-            <a:lnRef idx="0"/>
-            <a:fillRef idx="0"/>
-            <a:effectRef idx="0"/>
-            <a:fontRef idx="minor"/>
-          </p:style>
-          <p:txBody>
-            <a:bodyPr lIns="90000" rIns="90000" tIns="45000" bIns="45000">
-              <a:noAutofit/>
-            </a:bodyPr>
-            <a:p>
-              <a:pPr>
-                <a:lnSpc>
-                  <a:spcPct val="100000"/>
-                </a:lnSpc>
-              </a:pPr>
-              <a:r>
-                <a:rPr b="0" lang="en-US" sz="1300" spc="-1" strike="noStrike">
-                  <a:solidFill>
-                    <a:srgbClr val="ff0000"/>
-                  </a:solidFill>
-                  <a:latin typeface="Arial"/>
-                  <a:ea typeface="DejaVu Sans"/>
-                </a:rPr>
-                <a:t>SP</a:t>
-              </a:r>
-              <a:endParaRPr b="0" lang="en-US" sz="1300" spc="-1" strike="noStrike">
-                <a:latin typeface="Arial"/>
-              </a:endParaRPr>
-            </a:p>
-          </p:txBody>
-        </p:sp>
-        <p:sp>
-          <p:nvSpPr>
-            <p:cNvPr id="89" name="CustomShape 13"/>
-            <p:cNvSpPr/>
-            <p:nvPr/>
-          </p:nvSpPr>
-          <p:spPr>
-            <a:xfrm>
-              <a:off x="986400" y="1135800"/>
-              <a:ext cx="399600" cy="273960"/>
-            </a:xfrm>
-            <a:prstGeom prst="rect">
-              <a:avLst/>
-            </a:prstGeom>
-            <a:noFill/>
-            <a:ln>
-              <a:noFill/>
-            </a:ln>
-          </p:spPr>
-          <p:style>
-            <a:lnRef idx="0"/>
-            <a:fillRef idx="0"/>
-            <a:effectRef idx="0"/>
-            <a:fontRef idx="minor"/>
-          </p:style>
-          <p:txBody>
-            <a:bodyPr lIns="90000" rIns="90000" tIns="45000" bIns="45000">
-              <a:noAutofit/>
-            </a:bodyPr>
-            <a:p>
-              <a:pPr>
-                <a:lnSpc>
-                  <a:spcPct val="100000"/>
-                </a:lnSpc>
-              </a:pPr>
-              <a:r>
-                <a:rPr b="0" lang="en-US" sz="1300" spc="-1" strike="noStrike">
-                  <a:solidFill>
-                    <a:srgbClr val="ff0000"/>
-                  </a:solidFill>
-                  <a:latin typeface="Arial"/>
-                  <a:ea typeface="DejaVu Sans"/>
-                </a:rPr>
-                <a:t>SP</a:t>
-              </a:r>
-              <a:endParaRPr b="0" lang="en-US" sz="1300" spc="-1" strike="noStrike">
-                <a:latin typeface="Arial"/>
-              </a:endParaRPr>
-            </a:p>
-          </p:txBody>
-        </p:sp>
-        <p:sp>
-          <p:nvSpPr>
-            <p:cNvPr id="90" name="Line 14"/>
-            <p:cNvSpPr/>
-            <p:nvPr/>
-          </p:nvSpPr>
-          <p:spPr>
-            <a:xfrm>
-              <a:off x="1005840" y="1371600"/>
-              <a:ext cx="457200" cy="0"/>
-            </a:xfrm>
-            <a:prstGeom prst="line">
-              <a:avLst/>
-            </a:prstGeom>
-            <a:ln>
-              <a:solidFill>
-                <a:srgbClr val="3465a4"/>
-              </a:solidFill>
-              <a:tailEnd len="med" type="triangle" w="med"/>
-            </a:ln>
-          </p:spPr>
-          <p:style>
-            <a:lnRef idx="0"/>
-            <a:fillRef idx="0"/>
-            <a:effectRef idx="0"/>
-            <a:fontRef idx="minor"/>
-          </p:style>
-        </p:sp>
-        <p:sp>
-          <p:nvSpPr>
-            <p:cNvPr id="91" name="Line 15"/>
-            <p:cNvSpPr/>
-            <p:nvPr/>
-          </p:nvSpPr>
-          <p:spPr>
-            <a:xfrm>
-              <a:off x="3383280" y="1427040"/>
-              <a:ext cx="1005840" cy="0"/>
-            </a:xfrm>
-            <a:prstGeom prst="line">
-              <a:avLst/>
-            </a:prstGeom>
-            <a:ln>
-              <a:solidFill>
-                <a:srgbClr val="3465a4"/>
-              </a:solidFill>
-              <a:tailEnd len="med" type="triangle" w="med"/>
-            </a:ln>
-          </p:spPr>
-          <p:style>
-            <a:lnRef idx="0"/>
-            <a:fillRef idx="0"/>
-            <a:effectRef idx="0"/>
-            <a:fontRef idx="minor"/>
-          </p:style>
-        </p:sp>
-        <p:sp>
-          <p:nvSpPr>
-            <p:cNvPr id="92" name="CustomShape 16"/>
-            <p:cNvSpPr/>
-            <p:nvPr/>
-          </p:nvSpPr>
-          <p:spPr>
-            <a:xfrm>
-              <a:off x="3623040" y="1133280"/>
-              <a:ext cx="408600" cy="273960"/>
-            </a:xfrm>
-            <a:prstGeom prst="rect">
-              <a:avLst/>
-            </a:prstGeom>
-            <a:noFill/>
-            <a:ln>
-              <a:noFill/>
-            </a:ln>
-          </p:spPr>
-          <p:style>
-            <a:lnRef idx="0"/>
-            <a:fillRef idx="0"/>
-            <a:effectRef idx="0"/>
-            <a:fontRef idx="minor"/>
-          </p:style>
-          <p:txBody>
-            <a:bodyPr lIns="90000" rIns="90000" tIns="45000" bIns="45000">
-              <a:noAutofit/>
-            </a:bodyPr>
-            <a:p>
-              <a:pPr>
-                <a:lnSpc>
-                  <a:spcPct val="100000"/>
-                </a:lnSpc>
-              </a:pPr>
-              <a:r>
-                <a:rPr b="0" lang="en-US" sz="1300" spc="-1" strike="noStrike">
-                  <a:solidFill>
-                    <a:srgbClr val="ff0000"/>
-                  </a:solidFill>
-                  <a:latin typeface="Arial"/>
-                  <a:ea typeface="DejaVu Sans"/>
-                </a:rPr>
-                <a:t>CV</a:t>
-              </a:r>
-              <a:endParaRPr b="0" lang="en-US" sz="1300" spc="-1" strike="noStrike">
-                <a:latin typeface="Arial"/>
-              </a:endParaRPr>
-            </a:p>
-          </p:txBody>
-        </p:sp>
-      </p:grpSp>
+              <a:latin typeface="Arial"/>
+            </a:endParaRPr>
+          </a:p>
+        </p:txBody>
+      </p:sp>
     </p:spTree>
   </p:cSld>
   <mc:AlternateContent>
@@ -4840,14 +5520,14 @@
       </p:grpSpPr>
       <p:sp>
         <p:nvSpPr>
-          <p:cNvPr id="93" name="CustomShape 1"/>
+          <p:cNvPr id="128" name="CustomShape 1"/>
           <p:cNvSpPr/>
           <p:nvPr/>
         </p:nvSpPr>
         <p:spPr>
           <a:xfrm>
             <a:off x="2286000" y="1371600"/>
-            <a:ext cx="1919160" cy="1919160"/>
+            <a:ext cx="1918800" cy="1918800"/>
           </a:xfrm>
           <a:prstGeom prst="ellipse">
             <a:avLst/>
@@ -4870,14 +5550,14 @@
       </p:sp>
       <p:sp>
         <p:nvSpPr>
-          <p:cNvPr id="94" name="CustomShape 2"/>
+          <p:cNvPr id="129" name="CustomShape 2"/>
           <p:cNvSpPr/>
           <p:nvPr/>
         </p:nvSpPr>
         <p:spPr>
           <a:xfrm rot="10730400">
             <a:off x="2928600" y="1471680"/>
-            <a:ext cx="559440" cy="195480"/>
+            <a:ext cx="559080" cy="195120"/>
           </a:xfrm>
           <a:custGeom>
             <a:avLst/>
@@ -4922,14 +5602,14 @@
       </p:sp>
       <p:sp>
         <p:nvSpPr>
-          <p:cNvPr id="95" name="CustomShape 3"/>
+          <p:cNvPr id="130" name="CustomShape 3"/>
           <p:cNvSpPr/>
           <p:nvPr/>
         </p:nvSpPr>
         <p:spPr>
           <a:xfrm rot="7057800">
-            <a:off x="2350440" y="1896480"/>
-            <a:ext cx="559440" cy="195480"/>
+            <a:off x="2350800" y="1896480"/>
+            <a:ext cx="559080" cy="195120"/>
           </a:xfrm>
           <a:custGeom>
             <a:avLst/>
@@ -4974,14 +5654,14 @@
       </p:sp>
       <p:sp>
         <p:nvSpPr>
-          <p:cNvPr id="96" name="CustomShape 4"/>
+          <p:cNvPr id="131" name="CustomShape 4"/>
           <p:cNvSpPr/>
           <p:nvPr/>
         </p:nvSpPr>
         <p:spPr>
           <a:xfrm rot="21589800">
-            <a:off x="3008880" y="3000240"/>
-            <a:ext cx="555120" cy="196920"/>
+            <a:off x="3008520" y="2999880"/>
+            <a:ext cx="554760" cy="196560"/>
           </a:xfrm>
           <a:custGeom>
             <a:avLst/>
@@ -5026,14 +5706,14 @@
       </p:sp>
       <p:sp>
         <p:nvSpPr>
-          <p:cNvPr id="97" name="CustomShape 5"/>
+          <p:cNvPr id="132" name="CustomShape 5"/>
           <p:cNvSpPr/>
           <p:nvPr/>
         </p:nvSpPr>
         <p:spPr>
           <a:xfrm rot="14622600">
             <a:off x="3552840" y="1827000"/>
-            <a:ext cx="559440" cy="195480"/>
+            <a:ext cx="559080" cy="195120"/>
           </a:xfrm>
           <a:custGeom>
             <a:avLst/>
@@ -5078,14 +5758,14 @@
       </p:sp>
       <p:sp>
         <p:nvSpPr>
-          <p:cNvPr id="98" name="CustomShape 6"/>
+          <p:cNvPr id="133" name="CustomShape 6"/>
           <p:cNvSpPr/>
           <p:nvPr/>
         </p:nvSpPr>
         <p:spPr>
           <a:xfrm rot="3049200">
             <a:off x="2399760" y="2631960"/>
-            <a:ext cx="559440" cy="195480"/>
+            <a:ext cx="559080" cy="195120"/>
           </a:xfrm>
           <a:custGeom>
             <a:avLst/>
@@ -5130,14 +5810,14 @@
       </p:sp>
       <p:sp>
         <p:nvSpPr>
-          <p:cNvPr id="99" name="CustomShape 7"/>
+          <p:cNvPr id="134" name="CustomShape 7"/>
           <p:cNvSpPr/>
           <p:nvPr/>
         </p:nvSpPr>
         <p:spPr>
           <a:xfrm rot="17803200">
-            <a:off x="3592800" y="2605680"/>
-            <a:ext cx="569160" cy="190800"/>
+            <a:off x="3592440" y="2605680"/>
+            <a:ext cx="568800" cy="190440"/>
           </a:xfrm>
           <a:custGeom>
             <a:avLst/>
@@ -5182,14 +5862,14 @@
       </p:sp>
       <p:sp>
         <p:nvSpPr>
-          <p:cNvPr id="100" name="CustomShape 8"/>
+          <p:cNvPr id="135" name="CustomShape 8"/>
           <p:cNvSpPr/>
           <p:nvPr/>
         </p:nvSpPr>
         <p:spPr>
           <a:xfrm>
             <a:off x="2870280" y="1956240"/>
-            <a:ext cx="750240" cy="730440"/>
+            <a:ext cx="749880" cy="730080"/>
           </a:xfrm>
           <a:prstGeom prst="ellipse">
             <a:avLst/>
@@ -5212,7 +5892,7 @@
       </p:sp>
       <p:sp>
         <p:nvSpPr>
-          <p:cNvPr id="101" name="Line 9"/>
+          <p:cNvPr id="136" name="Line 9"/>
           <p:cNvSpPr/>
           <p:nvPr/>
         </p:nvSpPr>
@@ -5239,7 +5919,7 @@
       </p:sp>
       <p:sp>
         <p:nvSpPr>
-          <p:cNvPr id="102" name="Line 10"/>
+          <p:cNvPr id="137" name="Line 10"/>
           <p:cNvSpPr/>
           <p:nvPr/>
         </p:nvSpPr>
@@ -5267,7 +5947,7 @@
       </p:sp>
       <p:sp>
         <p:nvSpPr>
-          <p:cNvPr id="103" name="Line 11"/>
+          <p:cNvPr id="138" name="Line 11"/>
           <p:cNvSpPr/>
           <p:nvPr/>
         </p:nvSpPr>
@@ -5294,7 +5974,7 @@
       </p:sp>
       <p:sp>
         <p:nvSpPr>
-          <p:cNvPr id="104" name="Line 12"/>
+          <p:cNvPr id="139" name="Line 12"/>
           <p:cNvSpPr/>
           <p:nvPr/>
         </p:nvSpPr>
@@ -5322,14 +6002,14 @@
       </p:sp>
       <p:sp>
         <p:nvSpPr>
-          <p:cNvPr id="105" name="CustomShape 13"/>
+          <p:cNvPr id="140" name="CustomShape 13"/>
           <p:cNvSpPr/>
           <p:nvPr/>
         </p:nvSpPr>
         <p:spPr>
           <a:xfrm>
             <a:off x="6031800" y="1573920"/>
-            <a:ext cx="331920" cy="345240"/>
+            <a:ext cx="331560" cy="344880"/>
           </a:xfrm>
           <a:prstGeom prst="rect">
             <a:avLst/>
@@ -5373,14 +6053,14 @@
       </p:sp>
       <p:sp>
         <p:nvSpPr>
-          <p:cNvPr id="106" name="CustomShape 14"/>
+          <p:cNvPr id="141" name="CustomShape 14"/>
           <p:cNvSpPr/>
           <p:nvPr/>
         </p:nvSpPr>
         <p:spPr>
           <a:xfrm>
             <a:off x="6035040" y="2651760"/>
-            <a:ext cx="331920" cy="345240"/>
+            <a:ext cx="331560" cy="344880"/>
           </a:xfrm>
           <a:prstGeom prst="rect">
             <a:avLst/>
@@ -5424,7 +6104,7 @@
       </p:sp>
       <p:sp>
         <p:nvSpPr>
-          <p:cNvPr id="107" name="Line 15"/>
+          <p:cNvPr id="142" name="Line 15"/>
           <p:cNvSpPr/>
           <p:nvPr/>
         </p:nvSpPr>
@@ -5451,7 +6131,7 @@
       </p:sp>
       <p:sp>
         <p:nvSpPr>
-          <p:cNvPr id="108" name="Line 16"/>
+          <p:cNvPr id="143" name="Line 16"/>
           <p:cNvSpPr/>
           <p:nvPr/>
         </p:nvSpPr>
@@ -5478,7 +6158,7 @@
       </p:sp>
       <p:sp>
         <p:nvSpPr>
-          <p:cNvPr id="109" name="Line 17"/>
+          <p:cNvPr id="144" name="Line 17"/>
           <p:cNvSpPr/>
           <p:nvPr/>
         </p:nvSpPr>
@@ -5505,7 +6185,7 @@
       </p:sp>
       <p:sp>
         <p:nvSpPr>
-          <p:cNvPr id="110" name="Line 18"/>
+          <p:cNvPr id="145" name="Line 18"/>
           <p:cNvSpPr/>
           <p:nvPr/>
         </p:nvSpPr>
@@ -5532,14 +6212,14 @@
       </p:sp>
       <p:sp>
         <p:nvSpPr>
-          <p:cNvPr id="111" name="CustomShape 19"/>
+          <p:cNvPr id="146" name="CustomShape 19"/>
           <p:cNvSpPr/>
           <p:nvPr/>
         </p:nvSpPr>
         <p:spPr>
           <a:xfrm>
             <a:off x="3291840" y="3566160"/>
-            <a:ext cx="344160" cy="345240"/>
+            <a:ext cx="343800" cy="344880"/>
           </a:xfrm>
           <a:prstGeom prst="rect">
             <a:avLst/>
